--- a/DraftSlides/Lecture9.pptx
+++ b/DraftSlides/Lecture9.pptx
@@ -232,7 +232,7 @@
 <file path=ppt/revisionInfo.xml><?xml version="1.0" encoding="utf-8"?>
 <p1510:revInfo xmlns:a="http://schemas.openxmlformats.org/drawingml/2006/main" xmlns:r="http://schemas.openxmlformats.org/officeDocument/2006/relationships" xmlns:p1510="http://schemas.microsoft.com/office/powerpoint/2015/10/main">
   <p1510:revLst>
-    <p1510:client id="{86C989E0-91AC-42C2-9974-EED7EE88B024}" v="51" dt="2022-02-10T19:20:09.242"/>
+    <p1510:client id="{507A1873-EF81-4634-B692-B97E391A5F2F}" v="1" dt="2023-01-12T18:48:34.676"/>
   </p1510:revLst>
 </p1510:revInfo>
 </file>
@@ -240,1715 +240,1251 @@
 <file path=ppt/changesInfos/changesInfo1.xml><?xml version="1.0" encoding="utf-8"?>
 <pc:chgInfo xmlns:a="http://schemas.openxmlformats.org/drawingml/2006/main" xmlns:r="http://schemas.openxmlformats.org/officeDocument/2006/relationships" xmlns:ac="http://schemas.microsoft.com/office/drawing/2013/main/command" xmlns:pc="http://schemas.microsoft.com/office/powerpoint/2013/main/command">
   <pc:docChgLst>
-    <pc:chgData name="Sherif Khattab" userId="c83b1e15-36f3-4f46-aceb-05aac24c545e" providerId="ADAL" clId="{D1F8C7F8-B63D-426F-B9AE-033C1F2663EE}"/>
-    <pc:docChg chg="custSel addSld delSld modSld">
-      <pc:chgData name="Sherif Khattab" userId="c83b1e15-36f3-4f46-aceb-05aac24c545e" providerId="ADAL" clId="{D1F8C7F8-B63D-426F-B9AE-033C1F2663EE}" dt="2021-02-19T03:40:10.059" v="412" actId="1076"/>
+    <pc:chgData name="Khattab, Sherif" userId="c83b1e15-36f3-4f46-aceb-05aac24c545e" providerId="ADAL" clId="{00771379-563B-405F-813C-A6D6F2B0CDAD}"/>
+    <pc:docChg chg="modSld">
+      <pc:chgData name="Khattab, Sherif" userId="c83b1e15-36f3-4f46-aceb-05aac24c545e" providerId="ADAL" clId="{00771379-563B-405F-813C-A6D6F2B0CDAD}" dt="2020-09-08T04:21:57.867" v="3" actId="20577"/>
       <pc:docMkLst>
         <pc:docMk/>
       </pc:docMkLst>
-      <pc:sldChg chg="add del">
-        <pc:chgData name="Sherif Khattab" userId="c83b1e15-36f3-4f46-aceb-05aac24c545e" providerId="ADAL" clId="{D1F8C7F8-B63D-426F-B9AE-033C1F2663EE}" dt="2021-02-18T17:38:26.978" v="262" actId="47"/>
-        <pc:sldMkLst>
-          <pc:docMk/>
-          <pc:sldMk cId="1920820884" sldId="273"/>
-        </pc:sldMkLst>
-      </pc:sldChg>
-      <pc:sldChg chg="add del">
-        <pc:chgData name="Sherif Khattab" userId="c83b1e15-36f3-4f46-aceb-05aac24c545e" providerId="ADAL" clId="{D1F8C7F8-B63D-426F-B9AE-033C1F2663EE}" dt="2021-02-18T17:38:26.978" v="262" actId="47"/>
-        <pc:sldMkLst>
-          <pc:docMk/>
-          <pc:sldMk cId="2017417480" sldId="277"/>
-        </pc:sldMkLst>
-      </pc:sldChg>
-      <pc:sldChg chg="add del">
-        <pc:chgData name="Sherif Khattab" userId="c83b1e15-36f3-4f46-aceb-05aac24c545e" providerId="ADAL" clId="{D1F8C7F8-B63D-426F-B9AE-033C1F2663EE}" dt="2021-02-18T17:38:26.978" v="262" actId="47"/>
-        <pc:sldMkLst>
-          <pc:docMk/>
-          <pc:sldMk cId="2773510753" sldId="280"/>
-        </pc:sldMkLst>
-      </pc:sldChg>
-      <pc:sldChg chg="add del">
-        <pc:chgData name="Sherif Khattab" userId="c83b1e15-36f3-4f46-aceb-05aac24c545e" providerId="ADAL" clId="{D1F8C7F8-B63D-426F-B9AE-033C1F2663EE}" dt="2021-02-18T17:38:26.978" v="262" actId="47"/>
-        <pc:sldMkLst>
-          <pc:docMk/>
-          <pc:sldMk cId="171235497" sldId="283"/>
-        </pc:sldMkLst>
-      </pc:sldChg>
-      <pc:sldChg chg="add del">
-        <pc:chgData name="Sherif Khattab" userId="c83b1e15-36f3-4f46-aceb-05aac24c545e" providerId="ADAL" clId="{D1F8C7F8-B63D-426F-B9AE-033C1F2663EE}" dt="2021-02-18T17:38:26.978" v="262" actId="47"/>
-        <pc:sldMkLst>
-          <pc:docMk/>
-          <pc:sldMk cId="2099089282" sldId="284"/>
-        </pc:sldMkLst>
-      </pc:sldChg>
-      <pc:sldChg chg="add del">
-        <pc:chgData name="Sherif Khattab" userId="c83b1e15-36f3-4f46-aceb-05aac24c545e" providerId="ADAL" clId="{D1F8C7F8-B63D-426F-B9AE-033C1F2663EE}" dt="2021-02-18T17:38:26.978" v="262" actId="47"/>
-        <pc:sldMkLst>
-          <pc:docMk/>
-          <pc:sldMk cId="1136622862" sldId="285"/>
-        </pc:sldMkLst>
-      </pc:sldChg>
-      <pc:sldChg chg="addSp modSp mod">
-        <pc:chgData name="Sherif Khattab" userId="c83b1e15-36f3-4f46-aceb-05aac24c545e" providerId="ADAL" clId="{D1F8C7F8-B63D-426F-B9AE-033C1F2663EE}" dt="2021-02-19T03:40:10.059" v="412" actId="1076"/>
-        <pc:sldMkLst>
-          <pc:docMk/>
-          <pc:sldMk cId="1268007695" sldId="288"/>
+      <pc:sldChg chg="modSp mod">
+        <pc:chgData name="Khattab, Sherif" userId="c83b1e15-36f3-4f46-aceb-05aac24c545e" providerId="ADAL" clId="{00771379-563B-405F-813C-A6D6F2B0CDAD}" dt="2020-09-08T04:21:57.867" v="3" actId="20577"/>
+        <pc:sldMkLst>
+          <pc:docMk/>
+          <pc:sldMk cId="1330366002" sldId="454"/>
         </pc:sldMkLst>
         <pc:spChg chg="mod">
-          <ac:chgData name="Sherif Khattab" userId="c83b1e15-36f3-4f46-aceb-05aac24c545e" providerId="ADAL" clId="{D1F8C7F8-B63D-426F-B9AE-033C1F2663EE}" dt="2021-02-19T03:39:56.599" v="409" actId="27636"/>
-          <ac:spMkLst>
-            <pc:docMk/>
-            <pc:sldMk cId="1268007695" sldId="288"/>
-            <ac:spMk id="45061" creationId="{C82BDD8E-B02C-45D7-A4E1-5AA0B3D3D510}"/>
-          </ac:spMkLst>
-        </pc:spChg>
-        <pc:picChg chg="add mod">
-          <ac:chgData name="Sherif Khattab" userId="c83b1e15-36f3-4f46-aceb-05aac24c545e" providerId="ADAL" clId="{D1F8C7F8-B63D-426F-B9AE-033C1F2663EE}" dt="2021-02-19T03:40:10.059" v="412" actId="1076"/>
-          <ac:picMkLst>
-            <pc:docMk/>
-            <pc:sldMk cId="1268007695" sldId="288"/>
-            <ac:picMk id="3" creationId="{FAB5A6F1-6630-4DA0-9CA2-FAD14DB5308D}"/>
-          </ac:picMkLst>
-        </pc:picChg>
-      </pc:sldChg>
-      <pc:sldChg chg="modSp mod">
-        <pc:chgData name="Sherif Khattab" userId="c83b1e15-36f3-4f46-aceb-05aac24c545e" providerId="ADAL" clId="{D1F8C7F8-B63D-426F-B9AE-033C1F2663EE}" dt="2021-02-18T17:39:06.054" v="295" actId="6549"/>
-        <pc:sldMkLst>
-          <pc:docMk/>
-          <pc:sldMk cId="463012687" sldId="289"/>
-        </pc:sldMkLst>
-        <pc:spChg chg="mod">
-          <ac:chgData name="Sherif Khattab" userId="c83b1e15-36f3-4f46-aceb-05aac24c545e" providerId="ADAL" clId="{D1F8C7F8-B63D-426F-B9AE-033C1F2663EE}" dt="2021-02-18T15:58:02.150" v="261" actId="207"/>
-          <ac:spMkLst>
-            <pc:docMk/>
-            <pc:sldMk cId="463012687" sldId="289"/>
-            <ac:spMk id="103" creationId="{4F76D617-EEBD-4B8B-B82A-EA3BF2585492}"/>
-          </ac:spMkLst>
-        </pc:spChg>
-        <pc:spChg chg="mod">
-          <ac:chgData name="Sherif Khattab" userId="c83b1e15-36f3-4f46-aceb-05aac24c545e" providerId="ADAL" clId="{D1F8C7F8-B63D-426F-B9AE-033C1F2663EE}" dt="2021-02-18T17:39:06.054" v="295" actId="6549"/>
-          <ac:spMkLst>
-            <pc:docMk/>
-            <pc:sldMk cId="463012687" sldId="289"/>
-            <ac:spMk id="46282" creationId="{E7A6F565-6797-41A4-9E37-DE763723D06D}"/>
-          </ac:spMkLst>
-        </pc:spChg>
-      </pc:sldChg>
-      <pc:sldChg chg="add del">
-        <pc:chgData name="Sherif Khattab" userId="c83b1e15-36f3-4f46-aceb-05aac24c545e" providerId="ADAL" clId="{D1F8C7F8-B63D-426F-B9AE-033C1F2663EE}" dt="2021-02-18T17:38:26.978" v="262" actId="47"/>
-        <pc:sldMkLst>
-          <pc:docMk/>
-          <pc:sldMk cId="442392580" sldId="290"/>
-        </pc:sldMkLst>
-      </pc:sldChg>
-      <pc:sldChg chg="del">
-        <pc:chgData name="Sherif Khattab" userId="c83b1e15-36f3-4f46-aceb-05aac24c545e" providerId="ADAL" clId="{D1F8C7F8-B63D-426F-B9AE-033C1F2663EE}" dt="2021-02-18T06:35:56.761" v="43" actId="47"/>
-        <pc:sldMkLst>
-          <pc:docMk/>
-          <pc:sldMk cId="3851230975" sldId="382"/>
-        </pc:sldMkLst>
-      </pc:sldChg>
-      <pc:sldChg chg="del">
-        <pc:chgData name="Sherif Khattab" userId="c83b1e15-36f3-4f46-aceb-05aac24c545e" providerId="ADAL" clId="{D1F8C7F8-B63D-426F-B9AE-033C1F2663EE}" dt="2021-02-18T06:35:52.792" v="42" actId="47"/>
-        <pc:sldMkLst>
-          <pc:docMk/>
-          <pc:sldMk cId="1898410716" sldId="385"/>
-        </pc:sldMkLst>
-      </pc:sldChg>
-      <pc:sldChg chg="add del">
-        <pc:chgData name="Sherif Khattab" userId="c83b1e15-36f3-4f46-aceb-05aac24c545e" providerId="ADAL" clId="{D1F8C7F8-B63D-426F-B9AE-033C1F2663EE}" dt="2021-02-18T17:38:26.978" v="262" actId="47"/>
-        <pc:sldMkLst>
-          <pc:docMk/>
-          <pc:sldMk cId="574001865" sldId="464"/>
-        </pc:sldMkLst>
-      </pc:sldChg>
-      <pc:sldChg chg="add del">
-        <pc:chgData name="Sherif Khattab" userId="c83b1e15-36f3-4f46-aceb-05aac24c545e" providerId="ADAL" clId="{D1F8C7F8-B63D-426F-B9AE-033C1F2663EE}" dt="2021-02-18T17:38:26.978" v="262" actId="47"/>
-        <pc:sldMkLst>
-          <pc:docMk/>
-          <pc:sldMk cId="2156977365" sldId="465"/>
-        </pc:sldMkLst>
-      </pc:sldChg>
-      <pc:sldChg chg="add del">
-        <pc:chgData name="Sherif Khattab" userId="c83b1e15-36f3-4f46-aceb-05aac24c545e" providerId="ADAL" clId="{D1F8C7F8-B63D-426F-B9AE-033C1F2663EE}" dt="2021-02-18T17:38:26.978" v="262" actId="47"/>
-        <pc:sldMkLst>
-          <pc:docMk/>
-          <pc:sldMk cId="117329803" sldId="466"/>
-        </pc:sldMkLst>
-      </pc:sldChg>
-      <pc:sldChg chg="add del">
-        <pc:chgData name="Sherif Khattab" userId="c83b1e15-36f3-4f46-aceb-05aac24c545e" providerId="ADAL" clId="{D1F8C7F8-B63D-426F-B9AE-033C1F2663EE}" dt="2021-02-18T17:38:26.978" v="262" actId="47"/>
-        <pc:sldMkLst>
-          <pc:docMk/>
-          <pc:sldMk cId="3643915362" sldId="467"/>
-        </pc:sldMkLst>
-      </pc:sldChg>
-      <pc:sldChg chg="add del">
-        <pc:chgData name="Sherif Khattab" userId="c83b1e15-36f3-4f46-aceb-05aac24c545e" providerId="ADAL" clId="{D1F8C7F8-B63D-426F-B9AE-033C1F2663EE}" dt="2021-02-18T17:38:26.978" v="262" actId="47"/>
-        <pc:sldMkLst>
-          <pc:docMk/>
-          <pc:sldMk cId="1593910045" sldId="468"/>
-        </pc:sldMkLst>
-      </pc:sldChg>
-      <pc:sldChg chg="add del">
-        <pc:chgData name="Sherif Khattab" userId="c83b1e15-36f3-4f46-aceb-05aac24c545e" providerId="ADAL" clId="{D1F8C7F8-B63D-426F-B9AE-033C1F2663EE}" dt="2021-02-18T17:38:26.978" v="262" actId="47"/>
-        <pc:sldMkLst>
-          <pc:docMk/>
-          <pc:sldMk cId="3392020218" sldId="469"/>
-        </pc:sldMkLst>
-      </pc:sldChg>
-      <pc:sldChg chg="modSp mod">
-        <pc:chgData name="Sherif Khattab" userId="c83b1e15-36f3-4f46-aceb-05aac24c545e" providerId="ADAL" clId="{D1F8C7F8-B63D-426F-B9AE-033C1F2663EE}" dt="2021-02-19T03:38:30.993" v="367" actId="20577"/>
-        <pc:sldMkLst>
-          <pc:docMk/>
-          <pc:sldMk cId="702367729" sldId="496"/>
-        </pc:sldMkLst>
-        <pc:spChg chg="mod">
-          <ac:chgData name="Sherif Khattab" userId="c83b1e15-36f3-4f46-aceb-05aac24c545e" providerId="ADAL" clId="{D1F8C7F8-B63D-426F-B9AE-033C1F2663EE}" dt="2021-02-19T03:38:30.993" v="367" actId="20577"/>
-          <ac:spMkLst>
-            <pc:docMk/>
-            <pc:sldMk cId="702367729" sldId="496"/>
-            <ac:spMk id="3" creationId="{2466C52D-9A48-4683-BE7F-268D8DB7FAAD}"/>
-          </ac:spMkLst>
-        </pc:spChg>
-      </pc:sldChg>
-      <pc:sldChg chg="modSp mod modAnim">
-        <pc:chgData name="Sherif Khattab" userId="c83b1e15-36f3-4f46-aceb-05aac24c545e" providerId="ADAL" clId="{D1F8C7F8-B63D-426F-B9AE-033C1F2663EE}" dt="2021-02-18T06:49:33.301" v="256" actId="27636"/>
-        <pc:sldMkLst>
-          <pc:docMk/>
-          <pc:sldMk cId="4202616107" sldId="500"/>
-        </pc:sldMkLst>
-        <pc:spChg chg="mod">
-          <ac:chgData name="Sherif Khattab" userId="c83b1e15-36f3-4f46-aceb-05aac24c545e" providerId="ADAL" clId="{D1F8C7F8-B63D-426F-B9AE-033C1F2663EE}" dt="2021-02-18T06:49:33.301" v="256" actId="27636"/>
-          <ac:spMkLst>
-            <pc:docMk/>
-            <pc:sldMk cId="4202616107" sldId="500"/>
-            <ac:spMk id="3" creationId="{443F42C8-5750-0341-86AA-B64ED9D37EB6}"/>
-          </ac:spMkLst>
-        </pc:spChg>
-      </pc:sldChg>
-      <pc:sldChg chg="modSp mod">
-        <pc:chgData name="Sherif Khattab" userId="c83b1e15-36f3-4f46-aceb-05aac24c545e" providerId="ADAL" clId="{D1F8C7F8-B63D-426F-B9AE-033C1F2663EE}" dt="2021-02-18T06:35:48.192" v="41"/>
-        <pc:sldMkLst>
-          <pc:docMk/>
-          <pc:sldMk cId="2116864396" sldId="505"/>
-        </pc:sldMkLst>
-        <pc:spChg chg="mod">
-          <ac:chgData name="Sherif Khattab" userId="c83b1e15-36f3-4f46-aceb-05aac24c545e" providerId="ADAL" clId="{D1F8C7F8-B63D-426F-B9AE-033C1F2663EE}" dt="2021-02-18T06:35:48.192" v="41"/>
-          <ac:spMkLst>
-            <pc:docMk/>
-            <pc:sldMk cId="2116864396" sldId="505"/>
-            <ac:spMk id="3" creationId="{9FDE3B14-90B9-4B5A-83C7-6E633E32EA28}"/>
-          </ac:spMkLst>
-        </pc:spChg>
-      </pc:sldChg>
-      <pc:sldChg chg="modSp mod">
-        <pc:chgData name="Sherif Khattab" userId="c83b1e15-36f3-4f46-aceb-05aac24c545e" providerId="ADAL" clId="{D1F8C7F8-B63D-426F-B9AE-033C1F2663EE}" dt="2021-02-19T03:39:32.414" v="407" actId="20577"/>
-        <pc:sldMkLst>
-          <pc:docMk/>
-          <pc:sldMk cId="3652489610" sldId="506"/>
-        </pc:sldMkLst>
-        <pc:spChg chg="mod">
-          <ac:chgData name="Sherif Khattab" userId="c83b1e15-36f3-4f46-aceb-05aac24c545e" providerId="ADAL" clId="{D1F8C7F8-B63D-426F-B9AE-033C1F2663EE}" dt="2021-02-19T03:39:32.414" v="407" actId="20577"/>
-          <ac:spMkLst>
-            <pc:docMk/>
-            <pc:sldMk cId="3652489610" sldId="506"/>
-            <ac:spMk id="3" creationId="{9FDE3B14-90B9-4B5A-83C7-6E633E32EA28}"/>
-          </ac:spMkLst>
-        </pc:spChg>
-      </pc:sldChg>
-      <pc:sldChg chg="modSp modAnim">
-        <pc:chgData name="Sherif Khattab" userId="c83b1e15-36f3-4f46-aceb-05aac24c545e" providerId="ADAL" clId="{D1F8C7F8-B63D-426F-B9AE-033C1F2663EE}" dt="2021-02-18T06:49:41.395" v="258"/>
-        <pc:sldMkLst>
-          <pc:docMk/>
-          <pc:sldMk cId="2487721040" sldId="516"/>
-        </pc:sldMkLst>
-        <pc:spChg chg="mod">
-          <ac:chgData name="Sherif Khattab" userId="c83b1e15-36f3-4f46-aceb-05aac24c545e" providerId="ADAL" clId="{D1F8C7F8-B63D-426F-B9AE-033C1F2663EE}" dt="2021-02-18T06:49:41.395" v="258"/>
-          <ac:spMkLst>
-            <pc:docMk/>
-            <pc:sldMk cId="2487721040" sldId="516"/>
-            <ac:spMk id="3" creationId="{CBB5D1A1-A1C5-4D4A-9051-CB104F0E3B4F}"/>
-          </ac:spMkLst>
-        </pc:spChg>
-      </pc:sldChg>
-      <pc:sldChg chg="del">
-        <pc:chgData name="Sherif Khattab" userId="c83b1e15-36f3-4f46-aceb-05aac24c545e" providerId="ADAL" clId="{D1F8C7F8-B63D-426F-B9AE-033C1F2663EE}" dt="2021-02-18T06:49:38.556" v="257" actId="47"/>
-        <pc:sldMkLst>
-          <pc:docMk/>
-          <pc:sldMk cId="3504930043" sldId="519"/>
-        </pc:sldMkLst>
-      </pc:sldChg>
-      <pc:sldChg chg="modSp mod modAnim">
-        <pc:chgData name="Sherif Khattab" userId="c83b1e15-36f3-4f46-aceb-05aac24c545e" providerId="ADAL" clId="{D1F8C7F8-B63D-426F-B9AE-033C1F2663EE}" dt="2021-02-18T06:48:49.773" v="216" actId="27636"/>
-        <pc:sldMkLst>
-          <pc:docMk/>
-          <pc:sldMk cId="2126070970" sldId="520"/>
-        </pc:sldMkLst>
-        <pc:spChg chg="mod">
-          <ac:chgData name="Sherif Khattab" userId="c83b1e15-36f3-4f46-aceb-05aac24c545e" providerId="ADAL" clId="{D1F8C7F8-B63D-426F-B9AE-033C1F2663EE}" dt="2021-02-18T06:48:49.773" v="216" actId="27636"/>
-          <ac:spMkLst>
-            <pc:docMk/>
-            <pc:sldMk cId="2126070970" sldId="520"/>
-            <ac:spMk id="3" creationId="{D7399D59-7ED8-4451-AEDE-1AC4DE33563A}"/>
-          </ac:spMkLst>
-        </pc:spChg>
-      </pc:sldChg>
-      <pc:sldChg chg="addSp delSp modSp new mod">
-        <pc:chgData name="Sherif Khattab" userId="c83b1e15-36f3-4f46-aceb-05aac24c545e" providerId="ADAL" clId="{D1F8C7F8-B63D-426F-B9AE-033C1F2663EE}" dt="2021-02-19T03:39:09.827" v="406" actId="1076"/>
-        <pc:sldMkLst>
-          <pc:docMk/>
-          <pc:sldMk cId="3364308863" sldId="521"/>
-        </pc:sldMkLst>
-        <pc:spChg chg="mod">
-          <ac:chgData name="Sherif Khattab" userId="c83b1e15-36f3-4f46-aceb-05aac24c545e" providerId="ADAL" clId="{D1F8C7F8-B63D-426F-B9AE-033C1F2663EE}" dt="2021-02-19T03:38:50.883" v="401" actId="20577"/>
-          <ac:spMkLst>
-            <pc:docMk/>
-            <pc:sldMk cId="3364308863" sldId="521"/>
-            <ac:spMk id="2" creationId="{740FD18B-897C-4780-8A5C-23717D65EEF2}"/>
-          </ac:spMkLst>
-        </pc:spChg>
-        <pc:picChg chg="add mod">
-          <ac:chgData name="Sherif Khattab" userId="c83b1e15-36f3-4f46-aceb-05aac24c545e" providerId="ADAL" clId="{D1F8C7F8-B63D-426F-B9AE-033C1F2663EE}" dt="2021-02-19T03:39:09.827" v="406" actId="1076"/>
-          <ac:picMkLst>
-            <pc:docMk/>
-            <pc:sldMk cId="3364308863" sldId="521"/>
-            <ac:picMk id="8" creationId="{5952D0CE-9495-421E-AC17-8DD3F137F580}"/>
-          </ac:picMkLst>
-        </pc:picChg>
-        <pc:inkChg chg="add del">
-          <ac:chgData name="Sherif Khattab" userId="c83b1e15-36f3-4f46-aceb-05aac24c545e" providerId="ADAL" clId="{D1F8C7F8-B63D-426F-B9AE-033C1F2663EE}" dt="2021-02-19T03:38:55.933" v="403"/>
-          <ac:inkMkLst>
-            <pc:docMk/>
-            <pc:sldMk cId="3364308863" sldId="521"/>
-            <ac:inkMk id="6" creationId="{F3A1FFC8-508E-4263-9C8A-5DC683D4D109}"/>
-          </ac:inkMkLst>
-        </pc:inkChg>
+          <ac:chgData name="Khattab, Sherif" userId="c83b1e15-36f3-4f46-aceb-05aac24c545e" providerId="ADAL" clId="{00771379-563B-405F-813C-A6D6F2B0CDAD}" dt="2020-09-08T04:21:57.867" v="3" actId="20577"/>
+          <ac:spMkLst>
+            <pc:docMk/>
+            <pc:sldMk cId="1330366002" sldId="454"/>
+            <ac:spMk id="3" creationId="{00000000-0000-0000-0000-000000000000}"/>
+          </ac:spMkLst>
+        </pc:spChg>
       </pc:sldChg>
     </pc:docChg>
   </pc:docChgLst>
   <pc:docChgLst>
-    <pc:chgData name="Khattab, Sherif" userId="c83b1e15-36f3-4f46-aceb-05aac24c545e" providerId="ADAL" clId="{5F92678B-265D-4D46-94B4-5CC475EDA587}"/>
-    <pc:docChg chg="custSel addSld delSld modSld sldOrd">
-      <pc:chgData name="Khattab, Sherif" userId="c83b1e15-36f3-4f46-aceb-05aac24c545e" providerId="ADAL" clId="{5F92678B-265D-4D46-94B4-5CC475EDA587}" dt="2021-10-05T16:11:32.441" v="396" actId="2696"/>
+    <pc:chgData name="Khattab, Sherif" userId="c83b1e15-36f3-4f46-aceb-05aac24c545e" providerId="ADAL" clId="{E6EB0EA7-2544-4CF1-A7D6-AFF5E9AECA5D}"/>
+    <pc:docChg chg="addSld delSld modSld modMainMaster">
+      <pc:chgData name="Khattab, Sherif" userId="c83b1e15-36f3-4f46-aceb-05aac24c545e" providerId="ADAL" clId="{E6EB0EA7-2544-4CF1-A7D6-AFF5E9AECA5D}" dt="2020-05-14T17:16:25.708" v="6"/>
       <pc:docMkLst>
         <pc:docMk/>
       </pc:docMkLst>
       <pc:sldChg chg="del">
-        <pc:chgData name="Khattab, Sherif" userId="c83b1e15-36f3-4f46-aceb-05aac24c545e" providerId="ADAL" clId="{5F92678B-265D-4D46-94B4-5CC475EDA587}" dt="2021-10-05T16:11:32.441" v="396" actId="2696"/>
-        <pc:sldMkLst>
-          <pc:docMk/>
-          <pc:sldMk cId="3681208715" sldId="257"/>
-        </pc:sldMkLst>
-      </pc:sldChg>
-      <pc:sldChg chg="del">
-        <pc:chgData name="Khattab, Sherif" userId="c83b1e15-36f3-4f46-aceb-05aac24c545e" providerId="ADAL" clId="{5F92678B-265D-4D46-94B4-5CC475EDA587}" dt="2021-10-05T16:11:32.441" v="396" actId="2696"/>
-        <pc:sldMkLst>
-          <pc:docMk/>
-          <pc:sldMk cId="3949722242" sldId="286"/>
-        </pc:sldMkLst>
-      </pc:sldChg>
-      <pc:sldChg chg="del">
-        <pc:chgData name="Khattab, Sherif" userId="c83b1e15-36f3-4f46-aceb-05aac24c545e" providerId="ADAL" clId="{5F92678B-265D-4D46-94B4-5CC475EDA587}" dt="2021-10-05T16:11:32.441" v="396" actId="2696"/>
-        <pc:sldMkLst>
-          <pc:docMk/>
-          <pc:sldMk cId="1032220564" sldId="287"/>
-        </pc:sldMkLst>
-      </pc:sldChg>
-      <pc:sldChg chg="del">
-        <pc:chgData name="Khattab, Sherif" userId="c83b1e15-36f3-4f46-aceb-05aac24c545e" providerId="ADAL" clId="{5F92678B-265D-4D46-94B4-5CC475EDA587}" dt="2021-10-05T16:11:32.441" v="396" actId="2696"/>
-        <pc:sldMkLst>
-          <pc:docMk/>
-          <pc:sldMk cId="1268007695" sldId="288"/>
-        </pc:sldMkLst>
-      </pc:sldChg>
-      <pc:sldChg chg="del">
-        <pc:chgData name="Khattab, Sherif" userId="c83b1e15-36f3-4f46-aceb-05aac24c545e" providerId="ADAL" clId="{5F92678B-265D-4D46-94B4-5CC475EDA587}" dt="2021-10-05T16:11:32.441" v="396" actId="2696"/>
-        <pc:sldMkLst>
-          <pc:docMk/>
-          <pc:sldMk cId="463012687" sldId="289"/>
-        </pc:sldMkLst>
-      </pc:sldChg>
-      <pc:sldChg chg="add del">
-        <pc:chgData name="Khattab, Sherif" userId="c83b1e15-36f3-4f46-aceb-05aac24c545e" providerId="ADAL" clId="{5F92678B-265D-4D46-94B4-5CC475EDA587}" dt="2021-10-05T16:11:32.441" v="396" actId="2696"/>
+        <pc:chgData name="Khattab, Sherif" userId="c83b1e15-36f3-4f46-aceb-05aac24c545e" providerId="ADAL" clId="{E6EB0EA7-2544-4CF1-A7D6-AFF5E9AECA5D}" dt="2020-05-14T17:10:07.728" v="1" actId="47"/>
+        <pc:sldMkLst>
+          <pc:docMk/>
+          <pc:sldMk cId="0" sldId="256"/>
+        </pc:sldMkLst>
+      </pc:sldChg>
+      <pc:sldChg chg="modSp">
+        <pc:chgData name="Khattab, Sherif" userId="c83b1e15-36f3-4f46-aceb-05aac24c545e" providerId="ADAL" clId="{E6EB0EA7-2544-4CF1-A7D6-AFF5E9AECA5D}" dt="2020-05-14T17:16:25.708" v="6"/>
+        <pc:sldMkLst>
+          <pc:docMk/>
+          <pc:sldMk cId="2710637777" sldId="322"/>
+        </pc:sldMkLst>
+        <pc:spChg chg="mod">
+          <ac:chgData name="Khattab, Sherif" userId="c83b1e15-36f3-4f46-aceb-05aac24c545e" providerId="ADAL" clId="{E6EB0EA7-2544-4CF1-A7D6-AFF5E9AECA5D}" dt="2020-05-14T17:16:25.708" v="6"/>
+          <ac:spMkLst>
+            <pc:docMk/>
+            <pc:sldMk cId="2710637777" sldId="322"/>
+            <ac:spMk id="4" creationId="{98D70E46-AD06-A84D-A403-48FFDDB68BC6}"/>
+          </ac:spMkLst>
+        </pc:spChg>
+        <pc:spChg chg="mod">
+          <ac:chgData name="Khattab, Sherif" userId="c83b1e15-36f3-4f46-aceb-05aac24c545e" providerId="ADAL" clId="{E6EB0EA7-2544-4CF1-A7D6-AFF5E9AECA5D}" dt="2020-05-14T17:16:25.708" v="6"/>
+          <ac:spMkLst>
+            <pc:docMk/>
+            <pc:sldMk cId="2710637777" sldId="322"/>
+            <ac:spMk id="5" creationId="{68F74981-ADDA-9144-ACB5-CE4649DD2D8F}"/>
+          </ac:spMkLst>
+        </pc:spChg>
+        <pc:spChg chg="mod">
+          <ac:chgData name="Khattab, Sherif" userId="c83b1e15-36f3-4f46-aceb-05aac24c545e" providerId="ADAL" clId="{E6EB0EA7-2544-4CF1-A7D6-AFF5E9AECA5D}" dt="2020-05-14T17:16:25.708" v="6"/>
+          <ac:spMkLst>
+            <pc:docMk/>
+            <pc:sldMk cId="2710637777" sldId="322"/>
+            <ac:spMk id="90114" creationId="{308C4648-C13A-A547-ABA8-14DA70E0773D}"/>
+          </ac:spMkLst>
+        </pc:spChg>
+        <pc:spChg chg="mod">
+          <ac:chgData name="Khattab, Sherif" userId="c83b1e15-36f3-4f46-aceb-05aac24c545e" providerId="ADAL" clId="{E6EB0EA7-2544-4CF1-A7D6-AFF5E9AECA5D}" dt="2020-05-14T17:16:25.708" v="6"/>
+          <ac:spMkLst>
+            <pc:docMk/>
+            <pc:sldMk cId="2710637777" sldId="322"/>
+            <ac:spMk id="90115" creationId="{691666FD-EDA0-044F-A826-5F64B00DC362}"/>
+          </ac:spMkLst>
+        </pc:spChg>
+      </pc:sldChg>
+      <pc:sldChg chg="modSp">
+        <pc:chgData name="Khattab, Sherif" userId="c83b1e15-36f3-4f46-aceb-05aac24c545e" providerId="ADAL" clId="{E6EB0EA7-2544-4CF1-A7D6-AFF5E9AECA5D}" dt="2020-05-14T17:16:25.708" v="6"/>
+        <pc:sldMkLst>
+          <pc:docMk/>
+          <pc:sldMk cId="3292918179" sldId="324"/>
+        </pc:sldMkLst>
+        <pc:spChg chg="mod">
+          <ac:chgData name="Khattab, Sherif" userId="c83b1e15-36f3-4f46-aceb-05aac24c545e" providerId="ADAL" clId="{E6EB0EA7-2544-4CF1-A7D6-AFF5E9AECA5D}" dt="2020-05-14T17:16:25.708" v="6"/>
+          <ac:spMkLst>
+            <pc:docMk/>
+            <pc:sldMk cId="3292918179" sldId="324"/>
+            <ac:spMk id="24" creationId="{39DA5595-35A6-EF4C-A674-D955A9DDF867}"/>
+          </ac:spMkLst>
+        </pc:spChg>
+        <pc:spChg chg="mod">
+          <ac:chgData name="Khattab, Sherif" userId="c83b1e15-36f3-4f46-aceb-05aac24c545e" providerId="ADAL" clId="{E6EB0EA7-2544-4CF1-A7D6-AFF5E9AECA5D}" dt="2020-05-14T17:16:25.708" v="6"/>
+          <ac:spMkLst>
+            <pc:docMk/>
+            <pc:sldMk cId="3292918179" sldId="324"/>
+            <ac:spMk id="25" creationId="{D21BF80B-2C7E-944E-B2A9-604706C7B598}"/>
+          </ac:spMkLst>
+        </pc:spChg>
+        <pc:spChg chg="mod">
+          <ac:chgData name="Khattab, Sherif" userId="c83b1e15-36f3-4f46-aceb-05aac24c545e" providerId="ADAL" clId="{E6EB0EA7-2544-4CF1-A7D6-AFF5E9AECA5D}" dt="2020-05-14T17:16:25.708" v="6"/>
+          <ac:spMkLst>
+            <pc:docMk/>
+            <pc:sldMk cId="3292918179" sldId="324"/>
+            <ac:spMk id="92162" creationId="{4BC23600-A1B0-CF42-B178-92570A01C5A5}"/>
+          </ac:spMkLst>
+        </pc:spChg>
+      </pc:sldChg>
+      <pc:sldChg chg="modSp">
+        <pc:chgData name="Khattab, Sherif" userId="c83b1e15-36f3-4f46-aceb-05aac24c545e" providerId="ADAL" clId="{E6EB0EA7-2544-4CF1-A7D6-AFF5E9AECA5D}" dt="2020-05-14T17:16:25.708" v="6"/>
+        <pc:sldMkLst>
+          <pc:docMk/>
+          <pc:sldMk cId="355119911" sldId="338"/>
+        </pc:sldMkLst>
+        <pc:spChg chg="mod">
+          <ac:chgData name="Khattab, Sherif" userId="c83b1e15-36f3-4f46-aceb-05aac24c545e" providerId="ADAL" clId="{E6EB0EA7-2544-4CF1-A7D6-AFF5E9AECA5D}" dt="2020-05-14T17:16:25.708" v="6"/>
+          <ac:spMkLst>
+            <pc:docMk/>
+            <pc:sldMk cId="355119911" sldId="338"/>
+            <ac:spMk id="5" creationId="{9BF724B2-8DB6-E34D-92D7-DCA24F5F0C0D}"/>
+          </ac:spMkLst>
+        </pc:spChg>
+        <pc:spChg chg="mod">
+          <ac:chgData name="Khattab, Sherif" userId="c83b1e15-36f3-4f46-aceb-05aac24c545e" providerId="ADAL" clId="{E6EB0EA7-2544-4CF1-A7D6-AFF5E9AECA5D}" dt="2020-05-14T17:16:25.708" v="6"/>
+          <ac:spMkLst>
+            <pc:docMk/>
+            <pc:sldMk cId="355119911" sldId="338"/>
+            <ac:spMk id="6" creationId="{17F9517E-E98B-6746-8827-A9871727AF2B}"/>
+          </ac:spMkLst>
+        </pc:spChg>
+        <pc:spChg chg="mod">
+          <ac:chgData name="Khattab, Sherif" userId="c83b1e15-36f3-4f46-aceb-05aac24c545e" providerId="ADAL" clId="{E6EB0EA7-2544-4CF1-A7D6-AFF5E9AECA5D}" dt="2020-05-14T17:16:25.708" v="6"/>
+          <ac:spMkLst>
+            <pc:docMk/>
+            <pc:sldMk cId="355119911" sldId="338"/>
+            <ac:spMk id="106499" creationId="{ACBD2F3A-500A-1745-93B6-2D7243F6ECAD}"/>
+          </ac:spMkLst>
+        </pc:spChg>
+        <pc:spChg chg="mod">
+          <ac:chgData name="Khattab, Sherif" userId="c83b1e15-36f3-4f46-aceb-05aac24c545e" providerId="ADAL" clId="{E6EB0EA7-2544-4CF1-A7D6-AFF5E9AECA5D}" dt="2020-05-14T17:16:25.708" v="6"/>
+          <ac:spMkLst>
+            <pc:docMk/>
+            <pc:sldMk cId="355119911" sldId="338"/>
+            <ac:spMk id="106500" creationId="{C1A6B44F-6A6E-624E-A1A8-C1E38440BAFC}"/>
+          </ac:spMkLst>
+        </pc:spChg>
+      </pc:sldChg>
+      <pc:sldChg chg="modSp">
+        <pc:chgData name="Khattab, Sherif" userId="c83b1e15-36f3-4f46-aceb-05aac24c545e" providerId="ADAL" clId="{E6EB0EA7-2544-4CF1-A7D6-AFF5E9AECA5D}" dt="2020-05-14T17:16:25.708" v="6"/>
+        <pc:sldMkLst>
+          <pc:docMk/>
+          <pc:sldMk cId="4223572414" sldId="339"/>
+        </pc:sldMkLst>
+        <pc:spChg chg="mod">
+          <ac:chgData name="Khattab, Sherif" userId="c83b1e15-36f3-4f46-aceb-05aac24c545e" providerId="ADAL" clId="{E6EB0EA7-2544-4CF1-A7D6-AFF5E9AECA5D}" dt="2020-05-14T17:16:25.708" v="6"/>
+          <ac:spMkLst>
+            <pc:docMk/>
+            <pc:sldMk cId="4223572414" sldId="339"/>
+            <ac:spMk id="4" creationId="{D69010A4-1F91-904E-B3C8-1167C46C655B}"/>
+          </ac:spMkLst>
+        </pc:spChg>
+        <pc:spChg chg="mod">
+          <ac:chgData name="Khattab, Sherif" userId="c83b1e15-36f3-4f46-aceb-05aac24c545e" providerId="ADAL" clId="{E6EB0EA7-2544-4CF1-A7D6-AFF5E9AECA5D}" dt="2020-05-14T17:16:25.708" v="6"/>
+          <ac:spMkLst>
+            <pc:docMk/>
+            <pc:sldMk cId="4223572414" sldId="339"/>
+            <ac:spMk id="5" creationId="{9CD943DD-44DA-D14E-86E5-53D56F3B4693}"/>
+          </ac:spMkLst>
+        </pc:spChg>
+        <pc:spChg chg="mod">
+          <ac:chgData name="Khattab, Sherif" userId="c83b1e15-36f3-4f46-aceb-05aac24c545e" providerId="ADAL" clId="{E6EB0EA7-2544-4CF1-A7D6-AFF5E9AECA5D}" dt="2020-05-14T17:16:25.708" v="6"/>
+          <ac:spMkLst>
+            <pc:docMk/>
+            <pc:sldMk cId="4223572414" sldId="339"/>
+            <ac:spMk id="107522" creationId="{7F365B32-B892-9644-B8A9-4981039D7D56}"/>
+          </ac:spMkLst>
+        </pc:spChg>
+        <pc:spChg chg="mod">
+          <ac:chgData name="Khattab, Sherif" userId="c83b1e15-36f3-4f46-aceb-05aac24c545e" providerId="ADAL" clId="{E6EB0EA7-2544-4CF1-A7D6-AFF5E9AECA5D}" dt="2020-05-14T17:16:25.708" v="6"/>
+          <ac:spMkLst>
+            <pc:docMk/>
+            <pc:sldMk cId="4223572414" sldId="339"/>
+            <ac:spMk id="107523" creationId="{0F9697C6-2257-044C-8E34-AC62DE514C44}"/>
+          </ac:spMkLst>
+        </pc:spChg>
+      </pc:sldChg>
+      <pc:sldChg chg="modSp">
+        <pc:chgData name="Khattab, Sherif" userId="c83b1e15-36f3-4f46-aceb-05aac24c545e" providerId="ADAL" clId="{E6EB0EA7-2544-4CF1-A7D6-AFF5E9AECA5D}" dt="2020-05-14T17:16:25.708" v="6"/>
+        <pc:sldMkLst>
+          <pc:docMk/>
+          <pc:sldMk cId="470668490" sldId="340"/>
+        </pc:sldMkLst>
+        <pc:spChg chg="mod">
+          <ac:chgData name="Khattab, Sherif" userId="c83b1e15-36f3-4f46-aceb-05aac24c545e" providerId="ADAL" clId="{E6EB0EA7-2544-4CF1-A7D6-AFF5E9AECA5D}" dt="2020-05-14T17:16:25.708" v="6"/>
+          <ac:spMkLst>
+            <pc:docMk/>
+            <pc:sldMk cId="470668490" sldId="340"/>
+            <ac:spMk id="4" creationId="{29BFE3FF-96E0-4A48-9771-0902F36838F3}"/>
+          </ac:spMkLst>
+        </pc:spChg>
+        <pc:spChg chg="mod">
+          <ac:chgData name="Khattab, Sherif" userId="c83b1e15-36f3-4f46-aceb-05aac24c545e" providerId="ADAL" clId="{E6EB0EA7-2544-4CF1-A7D6-AFF5E9AECA5D}" dt="2020-05-14T17:16:25.708" v="6"/>
+          <ac:spMkLst>
+            <pc:docMk/>
+            <pc:sldMk cId="470668490" sldId="340"/>
+            <ac:spMk id="5" creationId="{85AFFB91-7C27-6641-9A78-BE1CCACB6DE8}"/>
+          </ac:spMkLst>
+        </pc:spChg>
+        <pc:spChg chg="mod">
+          <ac:chgData name="Khattab, Sherif" userId="c83b1e15-36f3-4f46-aceb-05aac24c545e" providerId="ADAL" clId="{E6EB0EA7-2544-4CF1-A7D6-AFF5E9AECA5D}" dt="2020-05-14T17:16:25.708" v="6"/>
+          <ac:spMkLst>
+            <pc:docMk/>
+            <pc:sldMk cId="470668490" sldId="340"/>
+            <ac:spMk id="108546" creationId="{96849A06-BBDF-C040-849E-A024B4FC255B}"/>
+          </ac:spMkLst>
+        </pc:spChg>
+        <pc:spChg chg="mod">
+          <ac:chgData name="Khattab, Sherif" userId="c83b1e15-36f3-4f46-aceb-05aac24c545e" providerId="ADAL" clId="{E6EB0EA7-2544-4CF1-A7D6-AFF5E9AECA5D}" dt="2020-05-14T17:16:25.708" v="6"/>
+          <ac:spMkLst>
+            <pc:docMk/>
+            <pc:sldMk cId="470668490" sldId="340"/>
+            <ac:spMk id="108547" creationId="{CC82A9AD-5F15-AB49-8F90-FE2C306DA419}"/>
+          </ac:spMkLst>
+        </pc:spChg>
+      </pc:sldChg>
+      <pc:sldChg chg="modSp">
+        <pc:chgData name="Khattab, Sherif" userId="c83b1e15-36f3-4f46-aceb-05aac24c545e" providerId="ADAL" clId="{E6EB0EA7-2544-4CF1-A7D6-AFF5E9AECA5D}" dt="2020-05-14T17:16:25.708" v="6"/>
+        <pc:sldMkLst>
+          <pc:docMk/>
+          <pc:sldMk cId="1205868326" sldId="341"/>
+        </pc:sldMkLst>
+        <pc:spChg chg="mod">
+          <ac:chgData name="Khattab, Sherif" userId="c83b1e15-36f3-4f46-aceb-05aac24c545e" providerId="ADAL" clId="{E6EB0EA7-2544-4CF1-A7D6-AFF5E9AECA5D}" dt="2020-05-14T17:16:25.708" v="6"/>
+          <ac:spMkLst>
+            <pc:docMk/>
+            <pc:sldMk cId="1205868326" sldId="341"/>
+            <ac:spMk id="4" creationId="{A5FE58C8-1460-C848-AB84-4F361A9896A1}"/>
+          </ac:spMkLst>
+        </pc:spChg>
+        <pc:spChg chg="mod">
+          <ac:chgData name="Khattab, Sherif" userId="c83b1e15-36f3-4f46-aceb-05aac24c545e" providerId="ADAL" clId="{E6EB0EA7-2544-4CF1-A7D6-AFF5E9AECA5D}" dt="2020-05-14T17:16:25.708" v="6"/>
+          <ac:spMkLst>
+            <pc:docMk/>
+            <pc:sldMk cId="1205868326" sldId="341"/>
+            <ac:spMk id="5" creationId="{F81FC055-C345-0D4E-990E-67395EA45FB7}"/>
+          </ac:spMkLst>
+        </pc:spChg>
+        <pc:spChg chg="mod">
+          <ac:chgData name="Khattab, Sherif" userId="c83b1e15-36f3-4f46-aceb-05aac24c545e" providerId="ADAL" clId="{E6EB0EA7-2544-4CF1-A7D6-AFF5E9AECA5D}" dt="2020-05-14T17:16:25.708" v="6"/>
+          <ac:spMkLst>
+            <pc:docMk/>
+            <pc:sldMk cId="1205868326" sldId="341"/>
+            <ac:spMk id="109570" creationId="{6A881214-C7A5-214A-8E7E-4D686B71DB5F}"/>
+          </ac:spMkLst>
+        </pc:spChg>
+        <pc:spChg chg="mod">
+          <ac:chgData name="Khattab, Sherif" userId="c83b1e15-36f3-4f46-aceb-05aac24c545e" providerId="ADAL" clId="{E6EB0EA7-2544-4CF1-A7D6-AFF5E9AECA5D}" dt="2020-05-14T17:16:25.708" v="6"/>
+          <ac:spMkLst>
+            <pc:docMk/>
+            <pc:sldMk cId="1205868326" sldId="341"/>
+            <ac:spMk id="109571" creationId="{EB65A8A9-691B-3D4F-B0AA-00914900DB3A}"/>
+          </ac:spMkLst>
+        </pc:spChg>
+      </pc:sldChg>
+      <pc:sldChg chg="modSp">
+        <pc:chgData name="Khattab, Sherif" userId="c83b1e15-36f3-4f46-aceb-05aac24c545e" providerId="ADAL" clId="{E6EB0EA7-2544-4CF1-A7D6-AFF5E9AECA5D}" dt="2020-05-14T17:16:25.708" v="6"/>
+        <pc:sldMkLst>
+          <pc:docMk/>
+          <pc:sldMk cId="1806563943" sldId="342"/>
+        </pc:sldMkLst>
+        <pc:spChg chg="mod">
+          <ac:chgData name="Khattab, Sherif" userId="c83b1e15-36f3-4f46-aceb-05aac24c545e" providerId="ADAL" clId="{E6EB0EA7-2544-4CF1-A7D6-AFF5E9AECA5D}" dt="2020-05-14T17:16:25.708" v="6"/>
+          <ac:spMkLst>
+            <pc:docMk/>
+            <pc:sldMk cId="1806563943" sldId="342"/>
+            <ac:spMk id="7" creationId="{6E9B925F-4BC9-934E-AB01-067F794B522E}"/>
+          </ac:spMkLst>
+        </pc:spChg>
+        <pc:spChg chg="mod">
+          <ac:chgData name="Khattab, Sherif" userId="c83b1e15-36f3-4f46-aceb-05aac24c545e" providerId="ADAL" clId="{E6EB0EA7-2544-4CF1-A7D6-AFF5E9AECA5D}" dt="2020-05-14T17:16:25.708" v="6"/>
+          <ac:spMkLst>
+            <pc:docMk/>
+            <pc:sldMk cId="1806563943" sldId="342"/>
+            <ac:spMk id="8" creationId="{0A731FB3-7935-8345-B6C7-AEE0B02240B9}"/>
+          </ac:spMkLst>
+        </pc:spChg>
+        <pc:spChg chg="mod">
+          <ac:chgData name="Khattab, Sherif" userId="c83b1e15-36f3-4f46-aceb-05aac24c545e" providerId="ADAL" clId="{E6EB0EA7-2544-4CF1-A7D6-AFF5E9AECA5D}" dt="2020-05-14T17:16:25.708" v="6"/>
+          <ac:spMkLst>
+            <pc:docMk/>
+            <pc:sldMk cId="1806563943" sldId="342"/>
+            <ac:spMk id="110597" creationId="{BDC36B20-DEF6-BF4D-B0E7-8F5461CE049F}"/>
+          </ac:spMkLst>
+        </pc:spChg>
+        <pc:spChg chg="mod">
+          <ac:chgData name="Khattab, Sherif" userId="c83b1e15-36f3-4f46-aceb-05aac24c545e" providerId="ADAL" clId="{E6EB0EA7-2544-4CF1-A7D6-AFF5E9AECA5D}" dt="2020-05-14T17:16:25.708" v="6"/>
+          <ac:spMkLst>
+            <pc:docMk/>
+            <pc:sldMk cId="1806563943" sldId="342"/>
+            <ac:spMk id="110598" creationId="{58C40865-3753-A447-9770-211D098125F8}"/>
+          </ac:spMkLst>
+        </pc:spChg>
+      </pc:sldChg>
+      <pc:sldChg chg="modSp">
+        <pc:chgData name="Khattab, Sherif" userId="c83b1e15-36f3-4f46-aceb-05aac24c545e" providerId="ADAL" clId="{E6EB0EA7-2544-4CF1-A7D6-AFF5E9AECA5D}" dt="2020-05-14T17:16:25.708" v="6"/>
+        <pc:sldMkLst>
+          <pc:docMk/>
+          <pc:sldMk cId="1167711490" sldId="343"/>
+        </pc:sldMkLst>
+        <pc:spChg chg="mod">
+          <ac:chgData name="Khattab, Sherif" userId="c83b1e15-36f3-4f46-aceb-05aac24c545e" providerId="ADAL" clId="{E6EB0EA7-2544-4CF1-A7D6-AFF5E9AECA5D}" dt="2020-05-14T17:16:25.708" v="6"/>
+          <ac:spMkLst>
+            <pc:docMk/>
+            <pc:sldMk cId="1167711490" sldId="343"/>
+            <ac:spMk id="7" creationId="{72500EF2-C006-2647-8CFD-300FA28B30EA}"/>
+          </ac:spMkLst>
+        </pc:spChg>
+        <pc:spChg chg="mod">
+          <ac:chgData name="Khattab, Sherif" userId="c83b1e15-36f3-4f46-aceb-05aac24c545e" providerId="ADAL" clId="{E6EB0EA7-2544-4CF1-A7D6-AFF5E9AECA5D}" dt="2020-05-14T17:16:25.708" v="6"/>
+          <ac:spMkLst>
+            <pc:docMk/>
+            <pc:sldMk cId="1167711490" sldId="343"/>
+            <ac:spMk id="8" creationId="{5513A82D-D95D-3B46-B415-F25C0E574B15}"/>
+          </ac:spMkLst>
+        </pc:spChg>
+        <pc:spChg chg="mod">
+          <ac:chgData name="Khattab, Sherif" userId="c83b1e15-36f3-4f46-aceb-05aac24c545e" providerId="ADAL" clId="{E6EB0EA7-2544-4CF1-A7D6-AFF5E9AECA5D}" dt="2020-05-14T17:16:25.708" v="6"/>
+          <ac:spMkLst>
+            <pc:docMk/>
+            <pc:sldMk cId="1167711490" sldId="343"/>
+            <ac:spMk id="111621" creationId="{98D1A996-CF96-BF4C-9178-C10B8182C328}"/>
+          </ac:spMkLst>
+        </pc:spChg>
+        <pc:spChg chg="mod">
+          <ac:chgData name="Khattab, Sherif" userId="c83b1e15-36f3-4f46-aceb-05aac24c545e" providerId="ADAL" clId="{E6EB0EA7-2544-4CF1-A7D6-AFF5E9AECA5D}" dt="2020-05-14T17:16:25.708" v="6"/>
+          <ac:spMkLst>
+            <pc:docMk/>
+            <pc:sldMk cId="1167711490" sldId="343"/>
+            <ac:spMk id="111622" creationId="{8B17F8A5-FE1E-5540-991C-590D33FA245A}"/>
+          </ac:spMkLst>
+        </pc:spChg>
+      </pc:sldChg>
+      <pc:sldChg chg="modSp">
+        <pc:chgData name="Khattab, Sherif" userId="c83b1e15-36f3-4f46-aceb-05aac24c545e" providerId="ADAL" clId="{E6EB0EA7-2544-4CF1-A7D6-AFF5E9AECA5D}" dt="2020-05-14T17:16:25.708" v="6"/>
         <pc:sldMkLst>
           <pc:docMk/>
           <pc:sldMk cId="1271999567" sldId="349"/>
         </pc:sldMkLst>
+        <pc:spChg chg="mod">
+          <ac:chgData name="Khattab, Sherif" userId="c83b1e15-36f3-4f46-aceb-05aac24c545e" providerId="ADAL" clId="{E6EB0EA7-2544-4CF1-A7D6-AFF5E9AECA5D}" dt="2020-05-14T17:16:25.708" v="6"/>
+          <ac:spMkLst>
+            <pc:docMk/>
+            <pc:sldMk cId="1271999567" sldId="349"/>
+            <ac:spMk id="2" creationId="{17A8AD5B-F689-B94F-A878-23B8A0273164}"/>
+          </ac:spMkLst>
+        </pc:spChg>
+        <pc:spChg chg="mod">
+          <ac:chgData name="Khattab, Sherif" userId="c83b1e15-36f3-4f46-aceb-05aac24c545e" providerId="ADAL" clId="{E6EB0EA7-2544-4CF1-A7D6-AFF5E9AECA5D}" dt="2020-05-14T17:16:25.708" v="6"/>
+          <ac:spMkLst>
+            <pc:docMk/>
+            <pc:sldMk cId="1271999567" sldId="349"/>
+            <ac:spMk id="6" creationId="{A88B15B3-238A-4746-829A-03A0FAA7FB19}"/>
+          </ac:spMkLst>
+        </pc:spChg>
+        <pc:spChg chg="mod">
+          <ac:chgData name="Khattab, Sherif" userId="c83b1e15-36f3-4f46-aceb-05aac24c545e" providerId="ADAL" clId="{E6EB0EA7-2544-4CF1-A7D6-AFF5E9AECA5D}" dt="2020-05-14T17:16:25.708" v="6"/>
+          <ac:spMkLst>
+            <pc:docMk/>
+            <pc:sldMk cId="1271999567" sldId="349"/>
+            <ac:spMk id="7" creationId="{D97A772E-AF56-8A43-8E21-10E9198972DA}"/>
+          </ac:spMkLst>
+        </pc:spChg>
+        <pc:spChg chg="mod">
+          <ac:chgData name="Khattab, Sherif" userId="c83b1e15-36f3-4f46-aceb-05aac24c545e" providerId="ADAL" clId="{E6EB0EA7-2544-4CF1-A7D6-AFF5E9AECA5D}" dt="2020-05-14T17:16:25.708" v="6"/>
+          <ac:spMkLst>
+            <pc:docMk/>
+            <pc:sldMk cId="1271999567" sldId="349"/>
+            <ac:spMk id="117762" creationId="{39807B7F-29D5-4E40-91D5-70F81AE81EDD}"/>
+          </ac:spMkLst>
+        </pc:spChg>
+      </pc:sldChg>
+      <pc:sldChg chg="modSp">
+        <pc:chgData name="Khattab, Sherif" userId="c83b1e15-36f3-4f46-aceb-05aac24c545e" providerId="ADAL" clId="{E6EB0EA7-2544-4CF1-A7D6-AFF5E9AECA5D}" dt="2020-05-14T17:16:25.708" v="6"/>
+        <pc:sldMkLst>
+          <pc:docMk/>
+          <pc:sldMk cId="434376579" sldId="363"/>
+        </pc:sldMkLst>
+        <pc:spChg chg="mod">
+          <ac:chgData name="Khattab, Sherif" userId="c83b1e15-36f3-4f46-aceb-05aac24c545e" providerId="ADAL" clId="{E6EB0EA7-2544-4CF1-A7D6-AFF5E9AECA5D}" dt="2020-05-14T17:16:25.708" v="6"/>
+          <ac:spMkLst>
+            <pc:docMk/>
+            <pc:sldMk cId="434376579" sldId="363"/>
+            <ac:spMk id="13" creationId="{399F8E88-2D61-7E41-B9E7-D5D16445265E}"/>
+          </ac:spMkLst>
+        </pc:spChg>
+        <pc:spChg chg="mod">
+          <ac:chgData name="Khattab, Sherif" userId="c83b1e15-36f3-4f46-aceb-05aac24c545e" providerId="ADAL" clId="{E6EB0EA7-2544-4CF1-A7D6-AFF5E9AECA5D}" dt="2020-05-14T17:16:25.708" v="6"/>
+          <ac:spMkLst>
+            <pc:docMk/>
+            <pc:sldMk cId="434376579" sldId="363"/>
+            <ac:spMk id="14" creationId="{1D9B0268-8DED-C745-8271-8B812DB10776}"/>
+          </ac:spMkLst>
+        </pc:spChg>
+        <pc:spChg chg="mod">
+          <ac:chgData name="Khattab, Sherif" userId="c83b1e15-36f3-4f46-aceb-05aac24c545e" providerId="ADAL" clId="{E6EB0EA7-2544-4CF1-A7D6-AFF5E9AECA5D}" dt="2020-05-14T17:16:25.708" v="6"/>
+          <ac:spMkLst>
+            <pc:docMk/>
+            <pc:sldMk cId="434376579" sldId="363"/>
+            <ac:spMk id="91148" creationId="{D182CBCC-E588-9C46-9A14-D3D8D1F9D94B}"/>
+          </ac:spMkLst>
+        </pc:spChg>
+      </pc:sldChg>
+      <pc:sldChg chg="modSp">
+        <pc:chgData name="Khattab, Sherif" userId="c83b1e15-36f3-4f46-aceb-05aac24c545e" providerId="ADAL" clId="{E6EB0EA7-2544-4CF1-A7D6-AFF5E9AECA5D}" dt="2020-05-14T17:16:25.708" v="6"/>
+        <pc:sldMkLst>
+          <pc:docMk/>
+          <pc:sldMk cId="815621424" sldId="364"/>
+        </pc:sldMkLst>
+        <pc:spChg chg="mod">
+          <ac:chgData name="Khattab, Sherif" userId="c83b1e15-36f3-4f46-aceb-05aac24c545e" providerId="ADAL" clId="{E6EB0EA7-2544-4CF1-A7D6-AFF5E9AECA5D}" dt="2020-05-14T17:16:25.708" v="6"/>
+          <ac:spMkLst>
+            <pc:docMk/>
+            <pc:sldMk cId="815621424" sldId="364"/>
+            <ac:spMk id="27" creationId="{667676E5-52CF-B949-92AA-54CEC4825EDD}"/>
+          </ac:spMkLst>
+        </pc:spChg>
+        <pc:spChg chg="mod">
+          <ac:chgData name="Khattab, Sherif" userId="c83b1e15-36f3-4f46-aceb-05aac24c545e" providerId="ADAL" clId="{E6EB0EA7-2544-4CF1-A7D6-AFF5E9AECA5D}" dt="2020-05-14T17:16:25.708" v="6"/>
+          <ac:spMkLst>
+            <pc:docMk/>
+            <pc:sldMk cId="815621424" sldId="364"/>
+            <ac:spMk id="28" creationId="{EC52B04B-D8AF-8643-A73A-7D7FBE25B1FC}"/>
+          </ac:spMkLst>
+        </pc:spChg>
+        <pc:spChg chg="mod">
+          <ac:chgData name="Khattab, Sherif" userId="c83b1e15-36f3-4f46-aceb-05aac24c545e" providerId="ADAL" clId="{E6EB0EA7-2544-4CF1-A7D6-AFF5E9AECA5D}" dt="2020-05-14T17:16:25.708" v="6"/>
+          <ac:spMkLst>
+            <pc:docMk/>
+            <pc:sldMk cId="815621424" sldId="364"/>
+            <ac:spMk id="93186" creationId="{E502F9E0-21A9-6844-A11A-A0680165B684}"/>
+          </ac:spMkLst>
+        </pc:spChg>
+        <pc:spChg chg="mod">
+          <ac:chgData name="Khattab, Sherif" userId="c83b1e15-36f3-4f46-aceb-05aac24c545e" providerId="ADAL" clId="{E6EB0EA7-2544-4CF1-A7D6-AFF5E9AECA5D}" dt="2020-05-14T17:16:25.708" v="6"/>
+          <ac:spMkLst>
+            <pc:docMk/>
+            <pc:sldMk cId="815621424" sldId="364"/>
+            <ac:spMk id="93187" creationId="{83249007-0AB0-EB49-9417-995673C1CEF5}"/>
+          </ac:spMkLst>
+        </pc:spChg>
+      </pc:sldChg>
+      <pc:sldChg chg="modSp">
+        <pc:chgData name="Khattab, Sherif" userId="c83b1e15-36f3-4f46-aceb-05aac24c545e" providerId="ADAL" clId="{E6EB0EA7-2544-4CF1-A7D6-AFF5E9AECA5D}" dt="2020-05-14T17:16:25.708" v="6"/>
+        <pc:sldMkLst>
+          <pc:docMk/>
+          <pc:sldMk cId="1934104099" sldId="365"/>
+        </pc:sldMkLst>
+        <pc:spChg chg="mod">
+          <ac:chgData name="Khattab, Sherif" userId="c83b1e15-36f3-4f46-aceb-05aac24c545e" providerId="ADAL" clId="{E6EB0EA7-2544-4CF1-A7D6-AFF5E9AECA5D}" dt="2020-05-14T17:16:25.708" v="6"/>
+          <ac:spMkLst>
+            <pc:docMk/>
+            <pc:sldMk cId="1934104099" sldId="365"/>
+            <ac:spMk id="8" creationId="{87B93D98-EEC5-C245-A824-29408C4F6AA9}"/>
+          </ac:spMkLst>
+        </pc:spChg>
+        <pc:spChg chg="mod">
+          <ac:chgData name="Khattab, Sherif" userId="c83b1e15-36f3-4f46-aceb-05aac24c545e" providerId="ADAL" clId="{E6EB0EA7-2544-4CF1-A7D6-AFF5E9AECA5D}" dt="2020-05-14T17:16:25.708" v="6"/>
+          <ac:spMkLst>
+            <pc:docMk/>
+            <pc:sldMk cId="1934104099" sldId="365"/>
+            <ac:spMk id="9" creationId="{97A00662-141E-7B4B-97ED-0FA4B9115725}"/>
+          </ac:spMkLst>
+        </pc:spChg>
+        <pc:spChg chg="mod">
+          <ac:chgData name="Khattab, Sherif" userId="c83b1e15-36f3-4f46-aceb-05aac24c545e" providerId="ADAL" clId="{E6EB0EA7-2544-4CF1-A7D6-AFF5E9AECA5D}" dt="2020-05-14T17:16:25.708" v="6"/>
+          <ac:spMkLst>
+            <pc:docMk/>
+            <pc:sldMk cId="1934104099" sldId="365"/>
+            <ac:spMk id="94210" creationId="{FD1747F8-31B5-1F41-BD48-CAFBB42D9534}"/>
+          </ac:spMkLst>
+        </pc:spChg>
+        <pc:spChg chg="mod">
+          <ac:chgData name="Khattab, Sherif" userId="c83b1e15-36f3-4f46-aceb-05aac24c545e" providerId="ADAL" clId="{E6EB0EA7-2544-4CF1-A7D6-AFF5E9AECA5D}" dt="2020-05-14T17:16:25.708" v="6"/>
+          <ac:spMkLst>
+            <pc:docMk/>
+            <pc:sldMk cId="1934104099" sldId="365"/>
+            <ac:spMk id="94211" creationId="{2F4C0CE7-B9FD-0E45-8A7B-DDDB3455B140}"/>
+          </ac:spMkLst>
+        </pc:spChg>
+      </pc:sldChg>
+      <pc:sldChg chg="modSp">
+        <pc:chgData name="Khattab, Sherif" userId="c83b1e15-36f3-4f46-aceb-05aac24c545e" providerId="ADAL" clId="{E6EB0EA7-2544-4CF1-A7D6-AFF5E9AECA5D}" dt="2020-05-14T17:16:25.708" v="6"/>
+        <pc:sldMkLst>
+          <pc:docMk/>
+          <pc:sldMk cId="2782429159" sldId="366"/>
+        </pc:sldMkLst>
+        <pc:spChg chg="mod">
+          <ac:chgData name="Khattab, Sherif" userId="c83b1e15-36f3-4f46-aceb-05aac24c545e" providerId="ADAL" clId="{E6EB0EA7-2544-4CF1-A7D6-AFF5E9AECA5D}" dt="2020-05-14T17:16:25.708" v="6"/>
+          <ac:spMkLst>
+            <pc:docMk/>
+            <pc:sldMk cId="2782429159" sldId="366"/>
+            <ac:spMk id="4" creationId="{27D16428-557C-2344-B354-75ACA52C8E36}"/>
+          </ac:spMkLst>
+        </pc:spChg>
+        <pc:spChg chg="mod">
+          <ac:chgData name="Khattab, Sherif" userId="c83b1e15-36f3-4f46-aceb-05aac24c545e" providerId="ADAL" clId="{E6EB0EA7-2544-4CF1-A7D6-AFF5E9AECA5D}" dt="2020-05-14T17:16:25.708" v="6"/>
+          <ac:spMkLst>
+            <pc:docMk/>
+            <pc:sldMk cId="2782429159" sldId="366"/>
+            <ac:spMk id="5" creationId="{9B92B5DB-B929-F947-BA57-49A11A6B5B28}"/>
+          </ac:spMkLst>
+        </pc:spChg>
+        <pc:spChg chg="mod">
+          <ac:chgData name="Khattab, Sherif" userId="c83b1e15-36f3-4f46-aceb-05aac24c545e" providerId="ADAL" clId="{E6EB0EA7-2544-4CF1-A7D6-AFF5E9AECA5D}" dt="2020-05-14T17:16:25.708" v="6"/>
+          <ac:spMkLst>
+            <pc:docMk/>
+            <pc:sldMk cId="2782429159" sldId="366"/>
+            <ac:spMk id="95234" creationId="{22679527-1C13-D745-AD6F-BECD21053034}"/>
+          </ac:spMkLst>
+        </pc:spChg>
+      </pc:sldChg>
+      <pc:sldChg chg="modSp">
+        <pc:chgData name="Khattab, Sherif" userId="c83b1e15-36f3-4f46-aceb-05aac24c545e" providerId="ADAL" clId="{E6EB0EA7-2544-4CF1-A7D6-AFF5E9AECA5D}" dt="2020-05-14T17:16:25.708" v="6"/>
+        <pc:sldMkLst>
+          <pc:docMk/>
+          <pc:sldMk cId="2251973667" sldId="367"/>
+        </pc:sldMkLst>
+        <pc:spChg chg="mod">
+          <ac:chgData name="Khattab, Sherif" userId="c83b1e15-36f3-4f46-aceb-05aac24c545e" providerId="ADAL" clId="{E6EB0EA7-2544-4CF1-A7D6-AFF5E9AECA5D}" dt="2020-05-14T17:16:25.708" v="6"/>
+          <ac:spMkLst>
+            <pc:docMk/>
+            <pc:sldMk cId="2251973667" sldId="367"/>
+            <ac:spMk id="4" creationId="{27AC079A-FDEE-5245-9DF2-0EA014E67F57}"/>
+          </ac:spMkLst>
+        </pc:spChg>
+        <pc:spChg chg="mod">
+          <ac:chgData name="Khattab, Sherif" userId="c83b1e15-36f3-4f46-aceb-05aac24c545e" providerId="ADAL" clId="{E6EB0EA7-2544-4CF1-A7D6-AFF5E9AECA5D}" dt="2020-05-14T17:16:25.708" v="6"/>
+          <ac:spMkLst>
+            <pc:docMk/>
+            <pc:sldMk cId="2251973667" sldId="367"/>
+            <ac:spMk id="5" creationId="{4BE14FC9-25DA-A545-BFFF-97AA43D9616B}"/>
+          </ac:spMkLst>
+        </pc:spChg>
+        <pc:spChg chg="mod">
+          <ac:chgData name="Khattab, Sherif" userId="c83b1e15-36f3-4f46-aceb-05aac24c545e" providerId="ADAL" clId="{E6EB0EA7-2544-4CF1-A7D6-AFF5E9AECA5D}" dt="2020-05-14T17:16:25.708" v="6"/>
+          <ac:spMkLst>
+            <pc:docMk/>
+            <pc:sldMk cId="2251973667" sldId="367"/>
+            <ac:spMk id="98306" creationId="{8383A26D-3C56-0042-8B6C-8FD1E0DFA250}"/>
+          </ac:spMkLst>
+        </pc:spChg>
+        <pc:spChg chg="mod">
+          <ac:chgData name="Khattab, Sherif" userId="c83b1e15-36f3-4f46-aceb-05aac24c545e" providerId="ADAL" clId="{E6EB0EA7-2544-4CF1-A7D6-AFF5E9AECA5D}" dt="2020-05-14T17:16:25.708" v="6"/>
+          <ac:spMkLst>
+            <pc:docMk/>
+            <pc:sldMk cId="2251973667" sldId="367"/>
+            <ac:spMk id="98307" creationId="{6AF066B1-89F4-4E4D-8ABF-40AC813F6866}"/>
+          </ac:spMkLst>
+        </pc:spChg>
+      </pc:sldChg>
+      <pc:sldChg chg="modSp">
+        <pc:chgData name="Khattab, Sherif" userId="c83b1e15-36f3-4f46-aceb-05aac24c545e" providerId="ADAL" clId="{E6EB0EA7-2544-4CF1-A7D6-AFF5E9AECA5D}" dt="2020-05-14T17:16:25.708" v="6"/>
+        <pc:sldMkLst>
+          <pc:docMk/>
+          <pc:sldMk cId="3138501136" sldId="368"/>
+        </pc:sldMkLst>
+        <pc:spChg chg="mod">
+          <ac:chgData name="Khattab, Sherif" userId="c83b1e15-36f3-4f46-aceb-05aac24c545e" providerId="ADAL" clId="{E6EB0EA7-2544-4CF1-A7D6-AFF5E9AECA5D}" dt="2020-05-14T17:16:25.708" v="6"/>
+          <ac:spMkLst>
+            <pc:docMk/>
+            <pc:sldMk cId="3138501136" sldId="368"/>
+            <ac:spMk id="7" creationId="{532CA168-7A4E-084D-AF13-F17DA4C99AF9}"/>
+          </ac:spMkLst>
+        </pc:spChg>
+        <pc:spChg chg="mod">
+          <ac:chgData name="Khattab, Sherif" userId="c83b1e15-36f3-4f46-aceb-05aac24c545e" providerId="ADAL" clId="{E6EB0EA7-2544-4CF1-A7D6-AFF5E9AECA5D}" dt="2020-05-14T17:16:25.708" v="6"/>
+          <ac:spMkLst>
+            <pc:docMk/>
+            <pc:sldMk cId="3138501136" sldId="368"/>
+            <ac:spMk id="8" creationId="{0C0EE1E8-F246-0344-879F-ACDF28735FC1}"/>
+          </ac:spMkLst>
+        </pc:spChg>
+        <pc:spChg chg="mod">
+          <ac:chgData name="Khattab, Sherif" userId="c83b1e15-36f3-4f46-aceb-05aac24c545e" providerId="ADAL" clId="{E6EB0EA7-2544-4CF1-A7D6-AFF5E9AECA5D}" dt="2020-05-14T17:16:25.708" v="6"/>
+          <ac:spMkLst>
+            <pc:docMk/>
+            <pc:sldMk cId="3138501136" sldId="368"/>
+            <ac:spMk id="99333" creationId="{6961FFD0-3136-6744-AF77-2A7A1A790F1E}"/>
+          </ac:spMkLst>
+        </pc:spChg>
+      </pc:sldChg>
+      <pc:sldChg chg="modSp">
+        <pc:chgData name="Khattab, Sherif" userId="c83b1e15-36f3-4f46-aceb-05aac24c545e" providerId="ADAL" clId="{E6EB0EA7-2544-4CF1-A7D6-AFF5E9AECA5D}" dt="2020-05-14T17:16:25.708" v="6"/>
+        <pc:sldMkLst>
+          <pc:docMk/>
+          <pc:sldMk cId="3210992163" sldId="369"/>
+        </pc:sldMkLst>
+        <pc:spChg chg="mod">
+          <ac:chgData name="Khattab, Sherif" userId="c83b1e15-36f3-4f46-aceb-05aac24c545e" providerId="ADAL" clId="{E6EB0EA7-2544-4CF1-A7D6-AFF5E9AECA5D}" dt="2020-05-14T17:16:25.708" v="6"/>
+          <ac:spMkLst>
+            <pc:docMk/>
+            <pc:sldMk cId="3210992163" sldId="369"/>
+            <ac:spMk id="4" creationId="{73DBA84E-7D96-E442-8FC3-A0C3749B1CC1}"/>
+          </ac:spMkLst>
+        </pc:spChg>
+        <pc:spChg chg="mod">
+          <ac:chgData name="Khattab, Sherif" userId="c83b1e15-36f3-4f46-aceb-05aac24c545e" providerId="ADAL" clId="{E6EB0EA7-2544-4CF1-A7D6-AFF5E9AECA5D}" dt="2020-05-14T17:16:25.708" v="6"/>
+          <ac:spMkLst>
+            <pc:docMk/>
+            <pc:sldMk cId="3210992163" sldId="369"/>
+            <ac:spMk id="5" creationId="{B9F1484A-3D19-CA4A-81F0-82E85A0AC7BB}"/>
+          </ac:spMkLst>
+        </pc:spChg>
+        <pc:spChg chg="mod">
+          <ac:chgData name="Khattab, Sherif" userId="c83b1e15-36f3-4f46-aceb-05aac24c545e" providerId="ADAL" clId="{E6EB0EA7-2544-4CF1-A7D6-AFF5E9AECA5D}" dt="2020-05-14T17:16:25.708" v="6"/>
+          <ac:spMkLst>
+            <pc:docMk/>
+            <pc:sldMk cId="3210992163" sldId="369"/>
+            <ac:spMk id="100354" creationId="{E957CE05-A4BD-144F-A0C4-0AAE7BD7009B}"/>
+          </ac:spMkLst>
+        </pc:spChg>
+        <pc:spChg chg="mod">
+          <ac:chgData name="Khattab, Sherif" userId="c83b1e15-36f3-4f46-aceb-05aac24c545e" providerId="ADAL" clId="{E6EB0EA7-2544-4CF1-A7D6-AFF5E9AECA5D}" dt="2020-05-14T17:16:25.708" v="6"/>
+          <ac:spMkLst>
+            <pc:docMk/>
+            <pc:sldMk cId="3210992163" sldId="369"/>
+            <ac:spMk id="100355" creationId="{0C36604A-A763-A345-B88E-8E6F2BF0C1FE}"/>
+          </ac:spMkLst>
+        </pc:spChg>
+      </pc:sldChg>
+      <pc:sldChg chg="modSp">
+        <pc:chgData name="Khattab, Sherif" userId="c83b1e15-36f3-4f46-aceb-05aac24c545e" providerId="ADAL" clId="{E6EB0EA7-2544-4CF1-A7D6-AFF5E9AECA5D}" dt="2020-05-14T17:16:25.708" v="6"/>
+        <pc:sldMkLst>
+          <pc:docMk/>
+          <pc:sldMk cId="4013065491" sldId="370"/>
+        </pc:sldMkLst>
+        <pc:spChg chg="mod">
+          <ac:chgData name="Khattab, Sherif" userId="c83b1e15-36f3-4f46-aceb-05aac24c545e" providerId="ADAL" clId="{E6EB0EA7-2544-4CF1-A7D6-AFF5E9AECA5D}" dt="2020-05-14T17:16:25.708" v="6"/>
+          <ac:spMkLst>
+            <pc:docMk/>
+            <pc:sldMk cId="4013065491" sldId="370"/>
+            <ac:spMk id="6" creationId="{B0B49E68-86D2-5744-ABD1-0A95627B1316}"/>
+          </ac:spMkLst>
+        </pc:spChg>
+        <pc:spChg chg="mod">
+          <ac:chgData name="Khattab, Sherif" userId="c83b1e15-36f3-4f46-aceb-05aac24c545e" providerId="ADAL" clId="{E6EB0EA7-2544-4CF1-A7D6-AFF5E9AECA5D}" dt="2020-05-14T17:16:25.708" v="6"/>
+          <ac:spMkLst>
+            <pc:docMk/>
+            <pc:sldMk cId="4013065491" sldId="370"/>
+            <ac:spMk id="7" creationId="{FD8B4B24-CAA8-9C41-A932-1538077BB231}"/>
+          </ac:spMkLst>
+        </pc:spChg>
+        <pc:spChg chg="mod">
+          <ac:chgData name="Khattab, Sherif" userId="c83b1e15-36f3-4f46-aceb-05aac24c545e" providerId="ADAL" clId="{E6EB0EA7-2544-4CF1-A7D6-AFF5E9AECA5D}" dt="2020-05-14T17:16:25.708" v="6"/>
+          <ac:spMkLst>
+            <pc:docMk/>
+            <pc:sldMk cId="4013065491" sldId="370"/>
+            <ac:spMk id="101378" creationId="{1C91B2E0-F076-D54D-8685-060CEC00A4EC}"/>
+          </ac:spMkLst>
+        </pc:spChg>
+      </pc:sldChg>
+      <pc:sldChg chg="modSp">
+        <pc:chgData name="Khattab, Sherif" userId="c83b1e15-36f3-4f46-aceb-05aac24c545e" providerId="ADAL" clId="{E6EB0EA7-2544-4CF1-A7D6-AFF5E9AECA5D}" dt="2020-05-14T17:16:25.708" v="6"/>
+        <pc:sldMkLst>
+          <pc:docMk/>
+          <pc:sldMk cId="2592968416" sldId="371"/>
+        </pc:sldMkLst>
+        <pc:spChg chg="mod">
+          <ac:chgData name="Khattab, Sherif" userId="c83b1e15-36f3-4f46-aceb-05aac24c545e" providerId="ADAL" clId="{E6EB0EA7-2544-4CF1-A7D6-AFF5E9AECA5D}" dt="2020-05-14T17:16:25.708" v="6"/>
+          <ac:spMkLst>
+            <pc:docMk/>
+            <pc:sldMk cId="2592968416" sldId="371"/>
+            <ac:spMk id="6" creationId="{04A613E7-574B-C34F-80DA-88C723B69E84}"/>
+          </ac:spMkLst>
+        </pc:spChg>
+        <pc:spChg chg="mod">
+          <ac:chgData name="Khattab, Sherif" userId="c83b1e15-36f3-4f46-aceb-05aac24c545e" providerId="ADAL" clId="{E6EB0EA7-2544-4CF1-A7D6-AFF5E9AECA5D}" dt="2020-05-14T17:16:25.708" v="6"/>
+          <ac:spMkLst>
+            <pc:docMk/>
+            <pc:sldMk cId="2592968416" sldId="371"/>
+            <ac:spMk id="7" creationId="{7CC2F7F6-93EA-AE4F-84CC-7374B32F503D}"/>
+          </ac:spMkLst>
+        </pc:spChg>
+        <pc:spChg chg="mod">
+          <ac:chgData name="Khattab, Sherif" userId="c83b1e15-36f3-4f46-aceb-05aac24c545e" providerId="ADAL" clId="{E6EB0EA7-2544-4CF1-A7D6-AFF5E9AECA5D}" dt="2020-05-14T17:16:25.708" v="6"/>
+          <ac:spMkLst>
+            <pc:docMk/>
+            <pc:sldMk cId="2592968416" sldId="371"/>
+            <ac:spMk id="102404" creationId="{6FDA00AC-6865-D94C-836F-7D9600078A83}"/>
+          </ac:spMkLst>
+        </pc:spChg>
+      </pc:sldChg>
+      <pc:sldChg chg="modSp">
+        <pc:chgData name="Khattab, Sherif" userId="c83b1e15-36f3-4f46-aceb-05aac24c545e" providerId="ADAL" clId="{E6EB0EA7-2544-4CF1-A7D6-AFF5E9AECA5D}" dt="2020-05-14T17:16:25.708" v="6"/>
+        <pc:sldMkLst>
+          <pc:docMk/>
+          <pc:sldMk cId="3848335379" sldId="372"/>
+        </pc:sldMkLst>
+        <pc:spChg chg="mod">
+          <ac:chgData name="Khattab, Sherif" userId="c83b1e15-36f3-4f46-aceb-05aac24c545e" providerId="ADAL" clId="{E6EB0EA7-2544-4CF1-A7D6-AFF5E9AECA5D}" dt="2020-05-14T17:16:25.708" v="6"/>
+          <ac:spMkLst>
+            <pc:docMk/>
+            <pc:sldMk cId="3848335379" sldId="372"/>
+            <ac:spMk id="7" creationId="{1C1CA73E-1E55-D244-B89B-B72382873627}"/>
+          </ac:spMkLst>
+        </pc:spChg>
+        <pc:spChg chg="mod">
+          <ac:chgData name="Khattab, Sherif" userId="c83b1e15-36f3-4f46-aceb-05aac24c545e" providerId="ADAL" clId="{E6EB0EA7-2544-4CF1-A7D6-AFF5E9AECA5D}" dt="2020-05-14T17:16:25.708" v="6"/>
+          <ac:spMkLst>
+            <pc:docMk/>
+            <pc:sldMk cId="3848335379" sldId="372"/>
+            <ac:spMk id="8" creationId="{79E131D4-95F6-D248-9154-AE15F551EEE7}"/>
+          </ac:spMkLst>
+        </pc:spChg>
+        <pc:spChg chg="mod">
+          <ac:chgData name="Khattab, Sherif" userId="c83b1e15-36f3-4f46-aceb-05aac24c545e" providerId="ADAL" clId="{E6EB0EA7-2544-4CF1-A7D6-AFF5E9AECA5D}" dt="2020-05-14T17:16:25.708" v="6"/>
+          <ac:spMkLst>
+            <pc:docMk/>
+            <pc:sldMk cId="3848335379" sldId="372"/>
+            <ac:spMk id="103429" creationId="{8D930911-1A6D-B54F-B76E-66809DD1728E}"/>
+          </ac:spMkLst>
+        </pc:spChg>
+        <pc:spChg chg="mod">
+          <ac:chgData name="Khattab, Sherif" userId="c83b1e15-36f3-4f46-aceb-05aac24c545e" providerId="ADAL" clId="{E6EB0EA7-2544-4CF1-A7D6-AFF5E9AECA5D}" dt="2020-05-14T17:16:25.708" v="6"/>
+          <ac:spMkLst>
+            <pc:docMk/>
+            <pc:sldMk cId="3848335379" sldId="372"/>
+            <ac:spMk id="103430" creationId="{0CA11B9E-1475-6C4F-9C95-B08141F31ADC}"/>
+          </ac:spMkLst>
+        </pc:spChg>
+      </pc:sldChg>
+      <pc:sldChg chg="modSp">
+        <pc:chgData name="Khattab, Sherif" userId="c83b1e15-36f3-4f46-aceb-05aac24c545e" providerId="ADAL" clId="{E6EB0EA7-2544-4CF1-A7D6-AFF5E9AECA5D}" dt="2020-05-14T17:16:25.708" v="6"/>
+        <pc:sldMkLst>
+          <pc:docMk/>
+          <pc:sldMk cId="3161117264" sldId="373"/>
+        </pc:sldMkLst>
+        <pc:spChg chg="mod">
+          <ac:chgData name="Khattab, Sherif" userId="c83b1e15-36f3-4f46-aceb-05aac24c545e" providerId="ADAL" clId="{E6EB0EA7-2544-4CF1-A7D6-AFF5E9AECA5D}" dt="2020-05-14T17:16:25.708" v="6"/>
+          <ac:spMkLst>
+            <pc:docMk/>
+            <pc:sldMk cId="3161117264" sldId="373"/>
+            <ac:spMk id="4" creationId="{D286E859-8EBE-914A-BE43-1BFE745BB03C}"/>
+          </ac:spMkLst>
+        </pc:spChg>
+        <pc:spChg chg="mod">
+          <ac:chgData name="Khattab, Sherif" userId="c83b1e15-36f3-4f46-aceb-05aac24c545e" providerId="ADAL" clId="{E6EB0EA7-2544-4CF1-A7D6-AFF5E9AECA5D}" dt="2020-05-14T17:16:25.708" v="6"/>
+          <ac:spMkLst>
+            <pc:docMk/>
+            <pc:sldMk cId="3161117264" sldId="373"/>
+            <ac:spMk id="5" creationId="{BB0DD3E4-3515-714D-878B-FD1CC73773E4}"/>
+          </ac:spMkLst>
+        </pc:spChg>
+        <pc:spChg chg="mod">
+          <ac:chgData name="Khattab, Sherif" userId="c83b1e15-36f3-4f46-aceb-05aac24c545e" providerId="ADAL" clId="{E6EB0EA7-2544-4CF1-A7D6-AFF5E9AECA5D}" dt="2020-05-14T17:16:25.708" v="6"/>
+          <ac:spMkLst>
+            <pc:docMk/>
+            <pc:sldMk cId="3161117264" sldId="373"/>
+            <ac:spMk id="104450" creationId="{EB53BFD2-2569-C440-A78C-F70A1D185BE8}"/>
+          </ac:spMkLst>
+        </pc:spChg>
+        <pc:spChg chg="mod">
+          <ac:chgData name="Khattab, Sherif" userId="c83b1e15-36f3-4f46-aceb-05aac24c545e" providerId="ADAL" clId="{E6EB0EA7-2544-4CF1-A7D6-AFF5E9AECA5D}" dt="2020-05-14T17:16:25.708" v="6"/>
+          <ac:spMkLst>
+            <pc:docMk/>
+            <pc:sldMk cId="3161117264" sldId="373"/>
+            <ac:spMk id="104451" creationId="{36A9E868-CE41-B547-B6C1-87C325B8A1FF}"/>
+          </ac:spMkLst>
+        </pc:spChg>
+      </pc:sldChg>
+      <pc:sldChg chg="modSp">
+        <pc:chgData name="Khattab, Sherif" userId="c83b1e15-36f3-4f46-aceb-05aac24c545e" providerId="ADAL" clId="{E6EB0EA7-2544-4CF1-A7D6-AFF5E9AECA5D}" dt="2020-05-14T17:16:25.708" v="6"/>
+        <pc:sldMkLst>
+          <pc:docMk/>
+          <pc:sldMk cId="1542066946" sldId="374"/>
+        </pc:sldMkLst>
+        <pc:spChg chg="mod">
+          <ac:chgData name="Khattab, Sherif" userId="c83b1e15-36f3-4f46-aceb-05aac24c545e" providerId="ADAL" clId="{E6EB0EA7-2544-4CF1-A7D6-AFF5E9AECA5D}" dt="2020-05-14T17:16:25.708" v="6"/>
+          <ac:spMkLst>
+            <pc:docMk/>
+            <pc:sldMk cId="1542066946" sldId="374"/>
+            <ac:spMk id="4" creationId="{EEDC933A-1F17-A24F-80B2-2B746C541E3D}"/>
+          </ac:spMkLst>
+        </pc:spChg>
+        <pc:spChg chg="mod">
+          <ac:chgData name="Khattab, Sherif" userId="c83b1e15-36f3-4f46-aceb-05aac24c545e" providerId="ADAL" clId="{E6EB0EA7-2544-4CF1-A7D6-AFF5E9AECA5D}" dt="2020-05-14T17:16:25.708" v="6"/>
+          <ac:spMkLst>
+            <pc:docMk/>
+            <pc:sldMk cId="1542066946" sldId="374"/>
+            <ac:spMk id="5" creationId="{309D0953-6635-1B4D-A779-9F44EE0705E6}"/>
+          </ac:spMkLst>
+        </pc:spChg>
+        <pc:spChg chg="mod">
+          <ac:chgData name="Khattab, Sherif" userId="c83b1e15-36f3-4f46-aceb-05aac24c545e" providerId="ADAL" clId="{E6EB0EA7-2544-4CF1-A7D6-AFF5E9AECA5D}" dt="2020-05-14T17:16:25.708" v="6"/>
+          <ac:spMkLst>
+            <pc:docMk/>
+            <pc:sldMk cId="1542066946" sldId="374"/>
+            <ac:spMk id="105474" creationId="{6E60B537-4E2B-3645-8740-E45FF319D167}"/>
+          </ac:spMkLst>
+        </pc:spChg>
+        <pc:spChg chg="mod">
+          <ac:chgData name="Khattab, Sherif" userId="c83b1e15-36f3-4f46-aceb-05aac24c545e" providerId="ADAL" clId="{E6EB0EA7-2544-4CF1-A7D6-AFF5E9AECA5D}" dt="2020-05-14T17:16:25.708" v="6"/>
+          <ac:spMkLst>
+            <pc:docMk/>
+            <pc:sldMk cId="1542066946" sldId="374"/>
+            <ac:spMk id="105475" creationId="{B2EA02B2-FF2F-E840-9115-9F46B908CC54}"/>
+          </ac:spMkLst>
+        </pc:spChg>
+      </pc:sldChg>
+      <pc:sldChg chg="modSp">
+        <pc:chgData name="Khattab, Sherif" userId="c83b1e15-36f3-4f46-aceb-05aac24c545e" providerId="ADAL" clId="{E6EB0EA7-2544-4CF1-A7D6-AFF5E9AECA5D}" dt="2020-05-14T17:16:25.708" v="6"/>
+        <pc:sldMkLst>
+          <pc:docMk/>
+          <pc:sldMk cId="834112894" sldId="375"/>
+        </pc:sldMkLst>
+        <pc:spChg chg="mod">
+          <ac:chgData name="Khattab, Sherif" userId="c83b1e15-36f3-4f46-aceb-05aac24c545e" providerId="ADAL" clId="{E6EB0EA7-2544-4CF1-A7D6-AFF5E9AECA5D}" dt="2020-05-14T17:16:25.708" v="6"/>
+          <ac:spMkLst>
+            <pc:docMk/>
+            <pc:sldMk cId="834112894" sldId="375"/>
+            <ac:spMk id="4" creationId="{31956E2C-E5A6-0647-BF42-137E615716E0}"/>
+          </ac:spMkLst>
+        </pc:spChg>
+        <pc:spChg chg="mod">
+          <ac:chgData name="Khattab, Sherif" userId="c83b1e15-36f3-4f46-aceb-05aac24c545e" providerId="ADAL" clId="{E6EB0EA7-2544-4CF1-A7D6-AFF5E9AECA5D}" dt="2020-05-14T17:16:25.708" v="6"/>
+          <ac:spMkLst>
+            <pc:docMk/>
+            <pc:sldMk cId="834112894" sldId="375"/>
+            <ac:spMk id="5" creationId="{B7C7726A-A27A-B54E-8233-121EE02C6ADC}"/>
+          </ac:spMkLst>
+        </pc:spChg>
+        <pc:spChg chg="mod">
+          <ac:chgData name="Khattab, Sherif" userId="c83b1e15-36f3-4f46-aceb-05aac24c545e" providerId="ADAL" clId="{E6EB0EA7-2544-4CF1-A7D6-AFF5E9AECA5D}" dt="2020-05-14T17:16:25.708" v="6"/>
+          <ac:spMkLst>
+            <pc:docMk/>
+            <pc:sldMk cId="834112894" sldId="375"/>
+            <ac:spMk id="112642" creationId="{838EA777-B608-8E4A-8B51-786B3BEF4E8D}"/>
+          </ac:spMkLst>
+        </pc:spChg>
+        <pc:spChg chg="mod">
+          <ac:chgData name="Khattab, Sherif" userId="c83b1e15-36f3-4f46-aceb-05aac24c545e" providerId="ADAL" clId="{E6EB0EA7-2544-4CF1-A7D6-AFF5E9AECA5D}" dt="2020-05-14T17:16:25.708" v="6"/>
+          <ac:spMkLst>
+            <pc:docMk/>
+            <pc:sldMk cId="834112894" sldId="375"/>
+            <ac:spMk id="112643" creationId="{362D90CE-C693-414D-B6F5-8829A4C95071}"/>
+          </ac:spMkLst>
+        </pc:spChg>
+      </pc:sldChg>
+      <pc:sldChg chg="modSp">
+        <pc:chgData name="Khattab, Sherif" userId="c83b1e15-36f3-4f46-aceb-05aac24c545e" providerId="ADAL" clId="{E6EB0EA7-2544-4CF1-A7D6-AFF5E9AECA5D}" dt="2020-05-14T17:16:25.708" v="6"/>
+        <pc:sldMkLst>
+          <pc:docMk/>
+          <pc:sldMk cId="1165577892" sldId="376"/>
+        </pc:sldMkLst>
+        <pc:spChg chg="mod">
+          <ac:chgData name="Khattab, Sherif" userId="c83b1e15-36f3-4f46-aceb-05aac24c545e" providerId="ADAL" clId="{E6EB0EA7-2544-4CF1-A7D6-AFF5E9AECA5D}" dt="2020-05-14T17:16:25.708" v="6"/>
+          <ac:spMkLst>
+            <pc:docMk/>
+            <pc:sldMk cId="1165577892" sldId="376"/>
+            <ac:spMk id="40" creationId="{67328B6C-4287-814A-93BF-39FD1F8937B2}"/>
+          </ac:spMkLst>
+        </pc:spChg>
+        <pc:spChg chg="mod">
+          <ac:chgData name="Khattab, Sherif" userId="c83b1e15-36f3-4f46-aceb-05aac24c545e" providerId="ADAL" clId="{E6EB0EA7-2544-4CF1-A7D6-AFF5E9AECA5D}" dt="2020-05-14T17:16:25.708" v="6"/>
+          <ac:spMkLst>
+            <pc:docMk/>
+            <pc:sldMk cId="1165577892" sldId="376"/>
+            <ac:spMk id="41" creationId="{8B2F9FDC-8F0A-CC49-98A2-71FB6688BA80}"/>
+          </ac:spMkLst>
+        </pc:spChg>
+        <pc:spChg chg="mod">
+          <ac:chgData name="Khattab, Sherif" userId="c83b1e15-36f3-4f46-aceb-05aac24c545e" providerId="ADAL" clId="{E6EB0EA7-2544-4CF1-A7D6-AFF5E9AECA5D}" dt="2020-05-14T17:16:25.708" v="6"/>
+          <ac:spMkLst>
+            <pc:docMk/>
+            <pc:sldMk cId="1165577892" sldId="376"/>
+            <ac:spMk id="113666" creationId="{75B0BB18-45FE-C145-86F9-5F2D13AD61F3}"/>
+          </ac:spMkLst>
+        </pc:spChg>
+        <pc:spChg chg="mod">
+          <ac:chgData name="Khattab, Sherif" userId="c83b1e15-36f3-4f46-aceb-05aac24c545e" providerId="ADAL" clId="{E6EB0EA7-2544-4CF1-A7D6-AFF5E9AECA5D}" dt="2020-05-14T17:16:25.708" v="6"/>
+          <ac:spMkLst>
+            <pc:docMk/>
+            <pc:sldMk cId="1165577892" sldId="376"/>
+            <ac:spMk id="113667" creationId="{53E09A75-9602-D845-8429-42B9F821B4BA}"/>
+          </ac:spMkLst>
+        </pc:spChg>
+      </pc:sldChg>
+      <pc:sldChg chg="modSp">
+        <pc:chgData name="Khattab, Sherif" userId="c83b1e15-36f3-4f46-aceb-05aac24c545e" providerId="ADAL" clId="{E6EB0EA7-2544-4CF1-A7D6-AFF5E9AECA5D}" dt="2020-05-14T17:16:25.708" v="6"/>
+        <pc:sldMkLst>
+          <pc:docMk/>
+          <pc:sldMk cId="583513582" sldId="377"/>
+        </pc:sldMkLst>
+        <pc:spChg chg="mod">
+          <ac:chgData name="Khattab, Sherif" userId="c83b1e15-36f3-4f46-aceb-05aac24c545e" providerId="ADAL" clId="{E6EB0EA7-2544-4CF1-A7D6-AFF5E9AECA5D}" dt="2020-05-14T17:16:25.708" v="6"/>
+          <ac:spMkLst>
+            <pc:docMk/>
+            <pc:sldMk cId="583513582" sldId="377"/>
+            <ac:spMk id="7" creationId="{0E336C6B-24E5-C547-995B-7595329F8449}"/>
+          </ac:spMkLst>
+        </pc:spChg>
+        <pc:spChg chg="mod">
+          <ac:chgData name="Khattab, Sherif" userId="c83b1e15-36f3-4f46-aceb-05aac24c545e" providerId="ADAL" clId="{E6EB0EA7-2544-4CF1-A7D6-AFF5E9AECA5D}" dt="2020-05-14T17:16:25.708" v="6"/>
+          <ac:spMkLst>
+            <pc:docMk/>
+            <pc:sldMk cId="583513582" sldId="377"/>
+            <ac:spMk id="8" creationId="{E0264D84-51E2-CF40-866C-B9902608A9A7}"/>
+          </ac:spMkLst>
+        </pc:spChg>
+        <pc:spChg chg="mod">
+          <ac:chgData name="Khattab, Sherif" userId="c83b1e15-36f3-4f46-aceb-05aac24c545e" providerId="ADAL" clId="{E6EB0EA7-2544-4CF1-A7D6-AFF5E9AECA5D}" dt="2020-05-14T17:16:25.708" v="6"/>
+          <ac:spMkLst>
+            <pc:docMk/>
+            <pc:sldMk cId="583513582" sldId="377"/>
+            <ac:spMk id="114693" creationId="{2AAD9DE3-45D5-A249-B337-D99D281826B9}"/>
+          </ac:spMkLst>
+        </pc:spChg>
+      </pc:sldChg>
+      <pc:sldChg chg="modSp">
+        <pc:chgData name="Khattab, Sherif" userId="c83b1e15-36f3-4f46-aceb-05aac24c545e" providerId="ADAL" clId="{E6EB0EA7-2544-4CF1-A7D6-AFF5E9AECA5D}" dt="2020-05-14T17:16:25.708" v="6"/>
+        <pc:sldMkLst>
+          <pc:docMk/>
+          <pc:sldMk cId="3990797458" sldId="378"/>
+        </pc:sldMkLst>
+        <pc:spChg chg="mod">
+          <ac:chgData name="Khattab, Sherif" userId="c83b1e15-36f3-4f46-aceb-05aac24c545e" providerId="ADAL" clId="{E6EB0EA7-2544-4CF1-A7D6-AFF5E9AECA5D}" dt="2020-05-14T17:16:25.708" v="6"/>
+          <ac:spMkLst>
+            <pc:docMk/>
+            <pc:sldMk cId="3990797458" sldId="378"/>
+            <ac:spMk id="4" creationId="{BD0C602E-3244-7347-8C4C-7141324C4D74}"/>
+          </ac:spMkLst>
+        </pc:spChg>
+        <pc:spChg chg="mod">
+          <ac:chgData name="Khattab, Sherif" userId="c83b1e15-36f3-4f46-aceb-05aac24c545e" providerId="ADAL" clId="{E6EB0EA7-2544-4CF1-A7D6-AFF5E9AECA5D}" dt="2020-05-14T17:16:25.708" v="6"/>
+          <ac:spMkLst>
+            <pc:docMk/>
+            <pc:sldMk cId="3990797458" sldId="378"/>
+            <ac:spMk id="5" creationId="{83641B87-BBB9-9941-85A4-F6E6D630A406}"/>
+          </ac:spMkLst>
+        </pc:spChg>
+        <pc:spChg chg="mod">
+          <ac:chgData name="Khattab, Sherif" userId="c83b1e15-36f3-4f46-aceb-05aac24c545e" providerId="ADAL" clId="{E6EB0EA7-2544-4CF1-A7D6-AFF5E9AECA5D}" dt="2020-05-14T17:16:25.708" v="6"/>
+          <ac:spMkLst>
+            <pc:docMk/>
+            <pc:sldMk cId="3990797458" sldId="378"/>
+            <ac:spMk id="115714" creationId="{662FDEC6-1A57-7A4E-BD61-B4C9C42FB107}"/>
+          </ac:spMkLst>
+        </pc:spChg>
+        <pc:spChg chg="mod">
+          <ac:chgData name="Khattab, Sherif" userId="c83b1e15-36f3-4f46-aceb-05aac24c545e" providerId="ADAL" clId="{E6EB0EA7-2544-4CF1-A7D6-AFF5E9AECA5D}" dt="2020-05-14T17:16:25.708" v="6"/>
+          <ac:spMkLst>
+            <pc:docMk/>
+            <pc:sldMk cId="3990797458" sldId="378"/>
+            <ac:spMk id="115715" creationId="{9CCF0D6A-3A12-D542-BC48-B9C95F39152F}"/>
+          </ac:spMkLst>
+        </pc:spChg>
+      </pc:sldChg>
+      <pc:sldChg chg="modSp">
+        <pc:chgData name="Khattab, Sherif" userId="c83b1e15-36f3-4f46-aceb-05aac24c545e" providerId="ADAL" clId="{E6EB0EA7-2544-4CF1-A7D6-AFF5E9AECA5D}" dt="2020-05-14T17:16:25.708" v="6"/>
+        <pc:sldMkLst>
+          <pc:docMk/>
+          <pc:sldMk cId="2736486443" sldId="379"/>
+        </pc:sldMkLst>
+        <pc:spChg chg="mod">
+          <ac:chgData name="Khattab, Sherif" userId="c83b1e15-36f3-4f46-aceb-05aac24c545e" providerId="ADAL" clId="{E6EB0EA7-2544-4CF1-A7D6-AFF5E9AECA5D}" dt="2020-05-14T17:16:25.708" v="6"/>
+          <ac:spMkLst>
+            <pc:docMk/>
+            <pc:sldMk cId="2736486443" sldId="379"/>
+            <ac:spMk id="7" creationId="{58C40539-46F0-494A-8163-8D5BF28501B8}"/>
+          </ac:spMkLst>
+        </pc:spChg>
+        <pc:spChg chg="mod">
+          <ac:chgData name="Khattab, Sherif" userId="c83b1e15-36f3-4f46-aceb-05aac24c545e" providerId="ADAL" clId="{E6EB0EA7-2544-4CF1-A7D6-AFF5E9AECA5D}" dt="2020-05-14T17:16:25.708" v="6"/>
+          <ac:spMkLst>
+            <pc:docMk/>
+            <pc:sldMk cId="2736486443" sldId="379"/>
+            <ac:spMk id="8" creationId="{FE005030-9F97-AB44-8CA9-4B4CEC2B226B}"/>
+          </ac:spMkLst>
+        </pc:spChg>
+        <pc:spChg chg="mod">
+          <ac:chgData name="Khattab, Sherif" userId="c83b1e15-36f3-4f46-aceb-05aac24c545e" providerId="ADAL" clId="{E6EB0EA7-2544-4CF1-A7D6-AFF5E9AECA5D}" dt="2020-05-14T17:16:25.708" v="6"/>
+          <ac:spMkLst>
+            <pc:docMk/>
+            <pc:sldMk cId="2736486443" sldId="379"/>
+            <ac:spMk id="116741" creationId="{61954CF2-0056-D24F-AC34-B313ACE689DF}"/>
+          </ac:spMkLst>
+        </pc:spChg>
+        <pc:spChg chg="mod">
+          <ac:chgData name="Khattab, Sherif" userId="c83b1e15-36f3-4f46-aceb-05aac24c545e" providerId="ADAL" clId="{E6EB0EA7-2544-4CF1-A7D6-AFF5E9AECA5D}" dt="2020-05-14T17:16:25.708" v="6"/>
+          <ac:spMkLst>
+            <pc:docMk/>
+            <pc:sldMk cId="2736486443" sldId="379"/>
+            <ac:spMk id="116742" creationId="{7FDA39D6-D460-F84C-B825-972ADE5DCF4A}"/>
+          </ac:spMkLst>
+        </pc:spChg>
+      </pc:sldChg>
+      <pc:sldChg chg="modSp">
+        <pc:chgData name="Khattab, Sherif" userId="c83b1e15-36f3-4f46-aceb-05aac24c545e" providerId="ADAL" clId="{E6EB0EA7-2544-4CF1-A7D6-AFF5E9AECA5D}" dt="2020-05-14T17:16:25.708" v="6"/>
+        <pc:sldMkLst>
+          <pc:docMk/>
+          <pc:sldMk cId="541381985" sldId="380"/>
+        </pc:sldMkLst>
+        <pc:spChg chg="mod">
+          <ac:chgData name="Khattab, Sherif" userId="c83b1e15-36f3-4f46-aceb-05aac24c545e" providerId="ADAL" clId="{E6EB0EA7-2544-4CF1-A7D6-AFF5E9AECA5D}" dt="2020-05-14T17:16:25.708" v="6"/>
+          <ac:spMkLst>
+            <pc:docMk/>
+            <pc:sldMk cId="541381985" sldId="380"/>
+            <ac:spMk id="23" creationId="{D8BAE81C-B76B-1043-9117-0845AC5B4638}"/>
+          </ac:spMkLst>
+        </pc:spChg>
+        <pc:spChg chg="mod">
+          <ac:chgData name="Khattab, Sherif" userId="c83b1e15-36f3-4f46-aceb-05aac24c545e" providerId="ADAL" clId="{E6EB0EA7-2544-4CF1-A7D6-AFF5E9AECA5D}" dt="2020-05-14T17:16:25.708" v="6"/>
+          <ac:spMkLst>
+            <pc:docMk/>
+            <pc:sldMk cId="541381985" sldId="380"/>
+            <ac:spMk id="24" creationId="{E12A7118-22DB-E24A-AC7D-671F01F34327}"/>
+          </ac:spMkLst>
+        </pc:spChg>
+        <pc:spChg chg="mod">
+          <ac:chgData name="Khattab, Sherif" userId="c83b1e15-36f3-4f46-aceb-05aac24c545e" providerId="ADAL" clId="{E6EB0EA7-2544-4CF1-A7D6-AFF5E9AECA5D}" dt="2020-05-14T17:16:25.708" v="6"/>
+          <ac:spMkLst>
+            <pc:docMk/>
+            <pc:sldMk cId="541381985" sldId="380"/>
+            <ac:spMk id="118786" creationId="{26D54543-5CF1-B947-A0EE-00F2D893EE94}"/>
+          </ac:spMkLst>
+        </pc:spChg>
+      </pc:sldChg>
+      <pc:sldChg chg="modSp">
+        <pc:chgData name="Khattab, Sherif" userId="c83b1e15-36f3-4f46-aceb-05aac24c545e" providerId="ADAL" clId="{E6EB0EA7-2544-4CF1-A7D6-AFF5E9AECA5D}" dt="2020-05-14T17:16:25.708" v="6"/>
+        <pc:sldMkLst>
+          <pc:docMk/>
+          <pc:sldMk cId="2235897330" sldId="381"/>
+        </pc:sldMkLst>
+        <pc:spChg chg="mod">
+          <ac:chgData name="Khattab, Sherif" userId="c83b1e15-36f3-4f46-aceb-05aac24c545e" providerId="ADAL" clId="{E6EB0EA7-2544-4CF1-A7D6-AFF5E9AECA5D}" dt="2020-05-14T17:16:25.708" v="6"/>
+          <ac:spMkLst>
+            <pc:docMk/>
+            <pc:sldMk cId="2235897330" sldId="381"/>
+            <ac:spMk id="6" creationId="{14AD1B91-AC10-B440-9C4C-C14AAC27D890}"/>
+          </ac:spMkLst>
+        </pc:spChg>
+        <pc:spChg chg="mod">
+          <ac:chgData name="Khattab, Sherif" userId="c83b1e15-36f3-4f46-aceb-05aac24c545e" providerId="ADAL" clId="{E6EB0EA7-2544-4CF1-A7D6-AFF5E9AECA5D}" dt="2020-05-14T17:16:25.708" v="6"/>
+          <ac:spMkLst>
+            <pc:docMk/>
+            <pc:sldMk cId="2235897330" sldId="381"/>
+            <ac:spMk id="7" creationId="{B9EE9886-5992-E94D-9C19-0A09959F63CE}"/>
+          </ac:spMkLst>
+        </pc:spChg>
+        <pc:spChg chg="mod">
+          <ac:chgData name="Khattab, Sherif" userId="c83b1e15-36f3-4f46-aceb-05aac24c545e" providerId="ADAL" clId="{E6EB0EA7-2544-4CF1-A7D6-AFF5E9AECA5D}" dt="2020-05-14T17:16:25.708" v="6"/>
+          <ac:spMkLst>
+            <pc:docMk/>
+            <pc:sldMk cId="2235897330" sldId="381"/>
+            <ac:spMk id="119812" creationId="{A73752DD-1D6A-F745-BB51-635DA198A402}"/>
+          </ac:spMkLst>
+        </pc:spChg>
+        <pc:spChg chg="mod">
+          <ac:chgData name="Khattab, Sherif" userId="c83b1e15-36f3-4f46-aceb-05aac24c545e" providerId="ADAL" clId="{E6EB0EA7-2544-4CF1-A7D6-AFF5E9AECA5D}" dt="2020-05-14T17:16:25.708" v="6"/>
+          <ac:spMkLst>
+            <pc:docMk/>
+            <pc:sldMk cId="2235897330" sldId="381"/>
+            <ac:spMk id="119813" creationId="{2D0E5FEC-FE0E-9048-B247-70B668077E38}"/>
+          </ac:spMkLst>
+        </pc:spChg>
+      </pc:sldChg>
+      <pc:sldChg chg="modSp">
+        <pc:chgData name="Khattab, Sherif" userId="c83b1e15-36f3-4f46-aceb-05aac24c545e" providerId="ADAL" clId="{E6EB0EA7-2544-4CF1-A7D6-AFF5E9AECA5D}" dt="2020-05-14T17:16:25.708" v="6"/>
+        <pc:sldMkLst>
+          <pc:docMk/>
+          <pc:sldMk cId="3360044446" sldId="382"/>
+        </pc:sldMkLst>
+        <pc:spChg chg="mod">
+          <ac:chgData name="Khattab, Sherif" userId="c83b1e15-36f3-4f46-aceb-05aac24c545e" providerId="ADAL" clId="{E6EB0EA7-2544-4CF1-A7D6-AFF5E9AECA5D}" dt="2020-05-14T17:16:25.708" v="6"/>
+          <ac:spMkLst>
+            <pc:docMk/>
+            <pc:sldMk cId="3360044446" sldId="382"/>
+            <ac:spMk id="6" creationId="{892037B0-DA9E-524E-9830-DB51F1E2FAD4}"/>
+          </ac:spMkLst>
+        </pc:spChg>
+        <pc:spChg chg="mod">
+          <ac:chgData name="Khattab, Sherif" userId="c83b1e15-36f3-4f46-aceb-05aac24c545e" providerId="ADAL" clId="{E6EB0EA7-2544-4CF1-A7D6-AFF5E9AECA5D}" dt="2020-05-14T17:16:25.708" v="6"/>
+          <ac:spMkLst>
+            <pc:docMk/>
+            <pc:sldMk cId="3360044446" sldId="382"/>
+            <ac:spMk id="7" creationId="{7AAA58F4-97D1-A64F-ABCD-20A52A9C827F}"/>
+          </ac:spMkLst>
+        </pc:spChg>
+        <pc:spChg chg="mod">
+          <ac:chgData name="Khattab, Sherif" userId="c83b1e15-36f3-4f46-aceb-05aac24c545e" providerId="ADAL" clId="{E6EB0EA7-2544-4CF1-A7D6-AFF5E9AECA5D}" dt="2020-05-14T17:16:25.708" v="6"/>
+          <ac:spMkLst>
+            <pc:docMk/>
+            <pc:sldMk cId="3360044446" sldId="382"/>
+            <ac:spMk id="120836" creationId="{88BA2802-16A1-694F-9A85-7A5E70F37E97}"/>
+          </ac:spMkLst>
+        </pc:spChg>
+      </pc:sldChg>
+      <pc:sldChg chg="modSp">
+        <pc:chgData name="Khattab, Sherif" userId="c83b1e15-36f3-4f46-aceb-05aac24c545e" providerId="ADAL" clId="{E6EB0EA7-2544-4CF1-A7D6-AFF5E9AECA5D}" dt="2020-05-14T17:16:25.708" v="6"/>
+        <pc:sldMkLst>
+          <pc:docMk/>
+          <pc:sldMk cId="1954384084" sldId="383"/>
+        </pc:sldMkLst>
+        <pc:spChg chg="mod">
+          <ac:chgData name="Khattab, Sherif" userId="c83b1e15-36f3-4f46-aceb-05aac24c545e" providerId="ADAL" clId="{E6EB0EA7-2544-4CF1-A7D6-AFF5E9AECA5D}" dt="2020-05-14T17:16:25.708" v="6"/>
+          <ac:spMkLst>
+            <pc:docMk/>
+            <pc:sldMk cId="1954384084" sldId="383"/>
+            <ac:spMk id="2" creationId="{C152C312-EE9A-B14C-81EE-6E9046ACD9F5}"/>
+          </ac:spMkLst>
+        </pc:spChg>
+        <pc:spChg chg="mod">
+          <ac:chgData name="Khattab, Sherif" userId="c83b1e15-36f3-4f46-aceb-05aac24c545e" providerId="ADAL" clId="{E6EB0EA7-2544-4CF1-A7D6-AFF5E9AECA5D}" dt="2020-05-14T17:16:25.708" v="6"/>
+          <ac:spMkLst>
+            <pc:docMk/>
+            <pc:sldMk cId="1954384084" sldId="383"/>
+            <ac:spMk id="6" creationId="{42655DCF-2496-8343-8285-CC501D3D933F}"/>
+          </ac:spMkLst>
+        </pc:spChg>
+        <pc:spChg chg="mod">
+          <ac:chgData name="Khattab, Sherif" userId="c83b1e15-36f3-4f46-aceb-05aac24c545e" providerId="ADAL" clId="{E6EB0EA7-2544-4CF1-A7D6-AFF5E9AECA5D}" dt="2020-05-14T17:16:25.708" v="6"/>
+          <ac:spMkLst>
+            <pc:docMk/>
+            <pc:sldMk cId="1954384084" sldId="383"/>
+            <ac:spMk id="7" creationId="{46F010D7-2CC3-2A4D-91D1-83C1FF96DE38}"/>
+          </ac:spMkLst>
+        </pc:spChg>
+        <pc:spChg chg="mod">
+          <ac:chgData name="Khattab, Sherif" userId="c83b1e15-36f3-4f46-aceb-05aac24c545e" providerId="ADAL" clId="{E6EB0EA7-2544-4CF1-A7D6-AFF5E9AECA5D}" dt="2020-05-14T17:16:25.708" v="6"/>
+          <ac:spMkLst>
+            <pc:docMk/>
+            <pc:sldMk cId="1954384084" sldId="383"/>
+            <ac:spMk id="121858" creationId="{996677B1-E9B9-7E43-80C2-5A0146DDFBD6}"/>
+          </ac:spMkLst>
+        </pc:spChg>
+      </pc:sldChg>
+      <pc:sldChg chg="modSp">
+        <pc:chgData name="Khattab, Sherif" userId="c83b1e15-36f3-4f46-aceb-05aac24c545e" providerId="ADAL" clId="{E6EB0EA7-2544-4CF1-A7D6-AFF5E9AECA5D}" dt="2020-05-14T17:16:25.708" v="6"/>
+        <pc:sldMkLst>
+          <pc:docMk/>
+          <pc:sldMk cId="220759689" sldId="384"/>
+        </pc:sldMkLst>
+        <pc:spChg chg="mod">
+          <ac:chgData name="Khattab, Sherif" userId="c83b1e15-36f3-4f46-aceb-05aac24c545e" providerId="ADAL" clId="{E6EB0EA7-2544-4CF1-A7D6-AFF5E9AECA5D}" dt="2020-05-14T17:16:25.708" v="6"/>
+          <ac:spMkLst>
+            <pc:docMk/>
+            <pc:sldMk cId="220759689" sldId="384"/>
+            <ac:spMk id="2" creationId="{CF207B98-521B-224F-9214-404C50F1BDD2}"/>
+          </ac:spMkLst>
+        </pc:spChg>
+        <pc:spChg chg="mod">
+          <ac:chgData name="Khattab, Sherif" userId="c83b1e15-36f3-4f46-aceb-05aac24c545e" providerId="ADAL" clId="{E6EB0EA7-2544-4CF1-A7D6-AFF5E9AECA5D}" dt="2020-05-14T17:16:25.708" v="6"/>
+          <ac:spMkLst>
+            <pc:docMk/>
+            <pc:sldMk cId="220759689" sldId="384"/>
+            <ac:spMk id="4" creationId="{CC9723C8-7544-8F48-9942-691DFD0E7709}"/>
+          </ac:spMkLst>
+        </pc:spChg>
+        <pc:spChg chg="mod">
+          <ac:chgData name="Khattab, Sherif" userId="c83b1e15-36f3-4f46-aceb-05aac24c545e" providerId="ADAL" clId="{E6EB0EA7-2544-4CF1-A7D6-AFF5E9AECA5D}" dt="2020-05-14T17:16:25.708" v="6"/>
+          <ac:spMkLst>
+            <pc:docMk/>
+            <pc:sldMk cId="220759689" sldId="384"/>
+            <ac:spMk id="5" creationId="{E6792081-A4F1-204D-89A2-A383EBF798DE}"/>
+          </ac:spMkLst>
+        </pc:spChg>
+        <pc:spChg chg="mod">
+          <ac:chgData name="Khattab, Sherif" userId="c83b1e15-36f3-4f46-aceb-05aac24c545e" providerId="ADAL" clId="{E6EB0EA7-2544-4CF1-A7D6-AFF5E9AECA5D}" dt="2020-05-14T17:16:25.708" v="6"/>
+          <ac:spMkLst>
+            <pc:docMk/>
+            <pc:sldMk cId="220759689" sldId="384"/>
+            <ac:spMk id="122883" creationId="{0E76E078-47E1-124A-A71A-BC95F0EC2D35}"/>
+          </ac:spMkLst>
+        </pc:spChg>
+      </pc:sldChg>
+      <pc:sldChg chg="modSp">
+        <pc:chgData name="Khattab, Sherif" userId="c83b1e15-36f3-4f46-aceb-05aac24c545e" providerId="ADAL" clId="{E6EB0EA7-2544-4CF1-A7D6-AFF5E9AECA5D}" dt="2020-05-14T17:16:25.708" v="6"/>
+        <pc:sldMkLst>
+          <pc:docMk/>
+          <pc:sldMk cId="2809799376" sldId="385"/>
+        </pc:sldMkLst>
+        <pc:spChg chg="mod">
+          <ac:chgData name="Khattab, Sherif" userId="c83b1e15-36f3-4f46-aceb-05aac24c545e" providerId="ADAL" clId="{E6EB0EA7-2544-4CF1-A7D6-AFF5E9AECA5D}" dt="2020-05-14T17:16:25.708" v="6"/>
+          <ac:spMkLst>
+            <pc:docMk/>
+            <pc:sldMk cId="2809799376" sldId="385"/>
+            <ac:spMk id="6" creationId="{5C0366B7-59B2-A44E-A41C-A7F29A0C0CA0}"/>
+          </ac:spMkLst>
+        </pc:spChg>
+        <pc:spChg chg="mod">
+          <ac:chgData name="Khattab, Sherif" userId="c83b1e15-36f3-4f46-aceb-05aac24c545e" providerId="ADAL" clId="{E6EB0EA7-2544-4CF1-A7D6-AFF5E9AECA5D}" dt="2020-05-14T17:16:25.708" v="6"/>
+          <ac:spMkLst>
+            <pc:docMk/>
+            <pc:sldMk cId="2809799376" sldId="385"/>
+            <ac:spMk id="7" creationId="{B7E9558F-D8D8-2248-A973-1E52834737CC}"/>
+          </ac:spMkLst>
+        </pc:spChg>
+        <pc:spChg chg="mod">
+          <ac:chgData name="Khattab, Sherif" userId="c83b1e15-36f3-4f46-aceb-05aac24c545e" providerId="ADAL" clId="{E6EB0EA7-2544-4CF1-A7D6-AFF5E9AECA5D}" dt="2020-05-14T17:16:25.708" v="6"/>
+          <ac:spMkLst>
+            <pc:docMk/>
+            <pc:sldMk cId="2809799376" sldId="385"/>
+            <ac:spMk id="123906" creationId="{C9706936-D7BB-8D41-95AD-F45EB6AAB603}"/>
+          </ac:spMkLst>
+        </pc:spChg>
       </pc:sldChg>
       <pc:sldChg chg="add">
-        <pc:chgData name="Khattab, Sherif" userId="c83b1e15-36f3-4f46-aceb-05aac24c545e" providerId="ADAL" clId="{5F92678B-265D-4D46-94B4-5CC475EDA587}" dt="2021-09-30T16:02:21.326" v="4"/>
-        <pc:sldMkLst>
-          <pc:docMk/>
-          <pc:sldMk cId="3990797458" sldId="378"/>
-        </pc:sldMkLst>
-      </pc:sldChg>
-      <pc:sldChg chg="add">
-        <pc:chgData name="Khattab, Sherif" userId="c83b1e15-36f3-4f46-aceb-05aac24c545e" providerId="ADAL" clId="{5F92678B-265D-4D46-94B4-5CC475EDA587}" dt="2021-09-30T16:02:21.326" v="4"/>
-        <pc:sldMkLst>
-          <pc:docMk/>
-          <pc:sldMk cId="2736486443" sldId="379"/>
-        </pc:sldMkLst>
-      </pc:sldChg>
-      <pc:sldChg chg="add del">
-        <pc:chgData name="Khattab, Sherif" userId="c83b1e15-36f3-4f46-aceb-05aac24c545e" providerId="ADAL" clId="{5F92678B-265D-4D46-94B4-5CC475EDA587}" dt="2021-10-05T16:11:32.441" v="396" actId="2696"/>
-        <pc:sldMkLst>
-          <pc:docMk/>
-          <pc:sldMk cId="1337868689" sldId="381"/>
-        </pc:sldMkLst>
-      </pc:sldChg>
-      <pc:sldChg chg="add del">
-        <pc:chgData name="Khattab, Sherif" userId="c83b1e15-36f3-4f46-aceb-05aac24c545e" providerId="ADAL" clId="{5F92678B-265D-4D46-94B4-5CC475EDA587}" dt="2021-09-30T16:10:27.789" v="388" actId="47"/>
-        <pc:sldMkLst>
-          <pc:docMk/>
-          <pc:sldMk cId="3851230975" sldId="382"/>
-        </pc:sldMkLst>
-      </pc:sldChg>
-      <pc:sldChg chg="add del">
-        <pc:chgData name="Khattab, Sherif" userId="c83b1e15-36f3-4f46-aceb-05aac24c545e" providerId="ADAL" clId="{5F92678B-265D-4D46-94B4-5CC475EDA587}" dt="2021-10-05T16:11:32.441" v="396" actId="2696"/>
-        <pc:sldMkLst>
-          <pc:docMk/>
-          <pc:sldMk cId="1591837287" sldId="384"/>
-        </pc:sldMkLst>
-      </pc:sldChg>
-      <pc:sldChg chg="add del">
-        <pc:chgData name="Khattab, Sherif" userId="c83b1e15-36f3-4f46-aceb-05aac24c545e" providerId="ADAL" clId="{5F92678B-265D-4D46-94B4-5CC475EDA587}" dt="2021-09-30T16:10:27.174" v="387" actId="47"/>
-        <pc:sldMkLst>
-          <pc:docMk/>
-          <pc:sldMk cId="1898410716" sldId="385"/>
-        </pc:sldMkLst>
-      </pc:sldChg>
-      <pc:sldChg chg="del">
-        <pc:chgData name="Khattab, Sherif" userId="c83b1e15-36f3-4f46-aceb-05aac24c545e" providerId="ADAL" clId="{5F92678B-265D-4D46-94B4-5CC475EDA587}" dt="2021-10-05T16:11:32.441" v="396" actId="2696"/>
-        <pc:sldMkLst>
-          <pc:docMk/>
-          <pc:sldMk cId="3400641916" sldId="456"/>
-        </pc:sldMkLst>
-      </pc:sldChg>
-      <pc:sldChg chg="del">
-        <pc:chgData name="Khattab, Sherif" userId="c83b1e15-36f3-4f46-aceb-05aac24c545e" providerId="ADAL" clId="{5F92678B-265D-4D46-94B4-5CC475EDA587}" dt="2021-10-05T16:11:32.441" v="396" actId="2696"/>
-        <pc:sldMkLst>
-          <pc:docMk/>
-          <pc:sldMk cId="2840639230" sldId="457"/>
-        </pc:sldMkLst>
-      </pc:sldChg>
-      <pc:sldChg chg="del">
-        <pc:chgData name="Khattab, Sherif" userId="c83b1e15-36f3-4f46-aceb-05aac24c545e" providerId="ADAL" clId="{5F92678B-265D-4D46-94B4-5CC475EDA587}" dt="2021-10-05T16:11:32.441" v="396" actId="2696"/>
-        <pc:sldMkLst>
-          <pc:docMk/>
-          <pc:sldMk cId="2116012598" sldId="458"/>
-        </pc:sldMkLst>
-      </pc:sldChg>
-      <pc:sldChg chg="del">
-        <pc:chgData name="Khattab, Sherif" userId="c83b1e15-36f3-4f46-aceb-05aac24c545e" providerId="ADAL" clId="{5F92678B-265D-4D46-94B4-5CC475EDA587}" dt="2021-10-05T16:11:32.441" v="396" actId="2696"/>
-        <pc:sldMkLst>
-          <pc:docMk/>
-          <pc:sldMk cId="4107670357" sldId="460"/>
-        </pc:sldMkLst>
-      </pc:sldChg>
-      <pc:sldChg chg="del">
-        <pc:chgData name="Khattab, Sherif" userId="c83b1e15-36f3-4f46-aceb-05aac24c545e" providerId="ADAL" clId="{5F92678B-265D-4D46-94B4-5CC475EDA587}" dt="2021-10-05T16:11:32.441" v="396" actId="2696"/>
-        <pc:sldMkLst>
-          <pc:docMk/>
-          <pc:sldMk cId="3714784862" sldId="461"/>
-        </pc:sldMkLst>
-      </pc:sldChg>
-      <pc:sldChg chg="del">
-        <pc:chgData name="Khattab, Sherif" userId="c83b1e15-36f3-4f46-aceb-05aac24c545e" providerId="ADAL" clId="{5F92678B-265D-4D46-94B4-5CC475EDA587}" dt="2021-10-05T16:11:32.441" v="396" actId="2696"/>
-        <pc:sldMkLst>
-          <pc:docMk/>
-          <pc:sldMk cId="931898487" sldId="462"/>
-        </pc:sldMkLst>
-      </pc:sldChg>
-      <pc:sldChg chg="del">
-        <pc:chgData name="Khattab, Sherif" userId="c83b1e15-36f3-4f46-aceb-05aac24c545e" providerId="ADAL" clId="{5F92678B-265D-4D46-94B4-5CC475EDA587}" dt="2021-09-30T16:03:01.658" v="5" actId="47"/>
-        <pc:sldMkLst>
-          <pc:docMk/>
-          <pc:sldMk cId="702367729" sldId="496"/>
-        </pc:sldMkLst>
-      </pc:sldChg>
-      <pc:sldChg chg="modSp add mod">
-        <pc:chgData name="Khattab, Sherif" userId="c83b1e15-36f3-4f46-aceb-05aac24c545e" providerId="ADAL" clId="{5F92678B-265D-4D46-94B4-5CC475EDA587}" dt="2021-10-04T16:42:20.517" v="395" actId="6549"/>
-        <pc:sldMkLst>
-          <pc:docMk/>
-          <pc:sldMk cId="3903507516" sldId="498"/>
-        </pc:sldMkLst>
-        <pc:spChg chg="mod">
-          <ac:chgData name="Khattab, Sherif" userId="c83b1e15-36f3-4f46-aceb-05aac24c545e" providerId="ADAL" clId="{5F92678B-265D-4D46-94B4-5CC475EDA587}" dt="2021-10-04T16:42:20.517" v="395" actId="6549"/>
-          <ac:spMkLst>
-            <pc:docMk/>
-            <pc:sldMk cId="3903507516" sldId="498"/>
-            <ac:spMk id="3" creationId="{2466C52D-9A48-4683-BE7F-268D8DB7FAAD}"/>
-          </ac:spMkLst>
-        </pc:spChg>
-      </pc:sldChg>
-      <pc:sldChg chg="del">
-        <pc:chgData name="Khattab, Sherif" userId="c83b1e15-36f3-4f46-aceb-05aac24c545e" providerId="ADAL" clId="{5F92678B-265D-4D46-94B4-5CC475EDA587}" dt="2021-09-30T16:02:07.054" v="1" actId="47"/>
-        <pc:sldMkLst>
-          <pc:docMk/>
-          <pc:sldMk cId="4202616107" sldId="500"/>
-        </pc:sldMkLst>
-      </pc:sldChg>
-      <pc:sldChg chg="modSp mod">
-        <pc:chgData name="Khattab, Sherif" userId="c83b1e15-36f3-4f46-aceb-05aac24c545e" providerId="ADAL" clId="{5F92678B-265D-4D46-94B4-5CC475EDA587}" dt="2021-09-30T16:04:46.773" v="209" actId="20577"/>
-        <pc:sldMkLst>
-          <pc:docMk/>
-          <pc:sldMk cId="2116864396" sldId="505"/>
-        </pc:sldMkLst>
-        <pc:spChg chg="mod">
-          <ac:chgData name="Khattab, Sherif" userId="c83b1e15-36f3-4f46-aceb-05aac24c545e" providerId="ADAL" clId="{5F92678B-265D-4D46-94B4-5CC475EDA587}" dt="2021-09-30T16:04:46.773" v="209" actId="20577"/>
-          <ac:spMkLst>
-            <pc:docMk/>
-            <pc:sldMk cId="2116864396" sldId="505"/>
-            <ac:spMk id="3" creationId="{9FDE3B14-90B9-4B5A-83C7-6E633E32EA28}"/>
-          </ac:spMkLst>
-        </pc:spChg>
-      </pc:sldChg>
-      <pc:sldChg chg="del">
-        <pc:chgData name="Khattab, Sherif" userId="c83b1e15-36f3-4f46-aceb-05aac24c545e" providerId="ADAL" clId="{5F92678B-265D-4D46-94B4-5CC475EDA587}" dt="2021-09-30T16:07:19.248" v="382" actId="47"/>
-        <pc:sldMkLst>
-          <pc:docMk/>
-          <pc:sldMk cId="3652489610" sldId="506"/>
-        </pc:sldMkLst>
-      </pc:sldChg>
-      <pc:sldChg chg="add">
-        <pc:chgData name="Khattab, Sherif" userId="c83b1e15-36f3-4f46-aceb-05aac24c545e" providerId="ADAL" clId="{5F92678B-265D-4D46-94B4-5CC475EDA587}" dt="2021-09-30T16:02:21.326" v="4"/>
-        <pc:sldMkLst>
-          <pc:docMk/>
-          <pc:sldMk cId="2907412692" sldId="512"/>
-        </pc:sldMkLst>
-      </pc:sldChg>
-      <pc:sldChg chg="add">
-        <pc:chgData name="Khattab, Sherif" userId="c83b1e15-36f3-4f46-aceb-05aac24c545e" providerId="ADAL" clId="{5F92678B-265D-4D46-94B4-5CC475EDA587}" dt="2021-09-30T16:02:21.326" v="4"/>
-        <pc:sldMkLst>
-          <pc:docMk/>
-          <pc:sldMk cId="3017477705" sldId="513"/>
-        </pc:sldMkLst>
-      </pc:sldChg>
-      <pc:sldChg chg="add">
-        <pc:chgData name="Khattab, Sherif" userId="c83b1e15-36f3-4f46-aceb-05aac24c545e" providerId="ADAL" clId="{5F92678B-265D-4D46-94B4-5CC475EDA587}" dt="2021-09-30T16:02:21.326" v="4"/>
-        <pc:sldMkLst>
-          <pc:docMk/>
-          <pc:sldMk cId="1468641068" sldId="514"/>
-        </pc:sldMkLst>
-      </pc:sldChg>
-      <pc:sldChg chg="add">
-        <pc:chgData name="Khattab, Sherif" userId="c83b1e15-36f3-4f46-aceb-05aac24c545e" providerId="ADAL" clId="{5F92678B-265D-4D46-94B4-5CC475EDA587}" dt="2021-09-30T16:02:21.326" v="4"/>
-        <pc:sldMkLst>
-          <pc:docMk/>
-          <pc:sldMk cId="2793897325" sldId="515"/>
-        </pc:sldMkLst>
-      </pc:sldChg>
-      <pc:sldChg chg="add del">
-        <pc:chgData name="Khattab, Sherif" userId="c83b1e15-36f3-4f46-aceb-05aac24c545e" providerId="ADAL" clId="{5F92678B-265D-4D46-94B4-5CC475EDA587}" dt="2021-09-30T16:07:13.193" v="379" actId="47"/>
-        <pc:sldMkLst>
-          <pc:docMk/>
-          <pc:sldMk cId="2487721040" sldId="516"/>
-        </pc:sldMkLst>
-      </pc:sldChg>
-      <pc:sldChg chg="del">
-        <pc:chgData name="Khattab, Sherif" userId="c83b1e15-36f3-4f46-aceb-05aac24c545e" providerId="ADAL" clId="{5F92678B-265D-4D46-94B4-5CC475EDA587}" dt="2021-09-30T16:07:21.067" v="383" actId="47"/>
-        <pc:sldMkLst>
-          <pc:docMk/>
-          <pc:sldMk cId="1616471687" sldId="518"/>
-        </pc:sldMkLst>
-      </pc:sldChg>
-      <pc:sldChg chg="add del">
-        <pc:chgData name="Khattab, Sherif" userId="c83b1e15-36f3-4f46-aceb-05aac24c545e" providerId="ADAL" clId="{5F92678B-265D-4D46-94B4-5CC475EDA587}" dt="2021-10-05T16:11:32.441" v="396" actId="2696"/>
-        <pc:sldMkLst>
-          <pc:docMk/>
-          <pc:sldMk cId="3504930043" sldId="519"/>
-        </pc:sldMkLst>
-      </pc:sldChg>
-      <pc:sldChg chg="add del">
-        <pc:chgData name="Khattab, Sherif" userId="c83b1e15-36f3-4f46-aceb-05aac24c545e" providerId="ADAL" clId="{5F92678B-265D-4D46-94B4-5CC475EDA587}" dt="2021-09-30T16:10:28.947" v="389" actId="47"/>
-        <pc:sldMkLst>
-          <pc:docMk/>
-          <pc:sldMk cId="2126070970" sldId="520"/>
-        </pc:sldMkLst>
-      </pc:sldChg>
-      <pc:sldChg chg="add del">
-        <pc:chgData name="Khattab, Sherif" userId="c83b1e15-36f3-4f46-aceb-05aac24c545e" providerId="ADAL" clId="{5F92678B-265D-4D46-94B4-5CC475EDA587}" dt="2021-10-05T16:11:32.441" v="396" actId="2696"/>
-        <pc:sldMkLst>
-          <pc:docMk/>
-          <pc:sldMk cId="2000814537" sldId="521"/>
-        </pc:sldMkLst>
-      </pc:sldChg>
-      <pc:sldChg chg="del">
-        <pc:chgData name="Khattab, Sherif" userId="c83b1e15-36f3-4f46-aceb-05aac24c545e" providerId="ADAL" clId="{5F92678B-265D-4D46-94B4-5CC475EDA587}" dt="2021-09-30T16:04:52.627" v="210" actId="2696"/>
-        <pc:sldMkLst>
-          <pc:docMk/>
-          <pc:sldMk cId="3364308863" sldId="521"/>
-        </pc:sldMkLst>
-      </pc:sldChg>
-      <pc:sldChg chg="add">
-        <pc:chgData name="Khattab, Sherif" userId="c83b1e15-36f3-4f46-aceb-05aac24c545e" providerId="ADAL" clId="{5F92678B-265D-4D46-94B4-5CC475EDA587}" dt="2021-09-30T16:10:39.338" v="390"/>
-        <pc:sldMkLst>
-          <pc:docMk/>
-          <pc:sldMk cId="1699469998" sldId="522"/>
-        </pc:sldMkLst>
-      </pc:sldChg>
-      <pc:sldChg chg="add del">
-        <pc:chgData name="Khattab, Sherif" userId="c83b1e15-36f3-4f46-aceb-05aac24c545e" providerId="ADAL" clId="{5F92678B-265D-4D46-94B4-5CC475EDA587}" dt="2021-09-30T16:07:24.166" v="384" actId="2696"/>
-        <pc:sldMkLst>
-          <pc:docMk/>
-          <pc:sldMk cId="3046460320" sldId="522"/>
-        </pc:sldMkLst>
-      </pc:sldChg>
-      <pc:sldChg chg="add">
-        <pc:chgData name="Khattab, Sherif" userId="c83b1e15-36f3-4f46-aceb-05aac24c545e" providerId="ADAL" clId="{5F92678B-265D-4D46-94B4-5CC475EDA587}" dt="2021-09-30T16:02:21.326" v="4"/>
-        <pc:sldMkLst>
-          <pc:docMk/>
-          <pc:sldMk cId="3989127528" sldId="527"/>
-        </pc:sldMkLst>
-      </pc:sldChg>
-      <pc:sldChg chg="add">
-        <pc:chgData name="Khattab, Sherif" userId="c83b1e15-36f3-4f46-aceb-05aac24c545e" providerId="ADAL" clId="{5F92678B-265D-4D46-94B4-5CC475EDA587}" dt="2021-09-30T16:02:21.326" v="4"/>
-        <pc:sldMkLst>
-          <pc:docMk/>
-          <pc:sldMk cId="2959171718" sldId="545"/>
-        </pc:sldMkLst>
-      </pc:sldChg>
-      <pc:sldChg chg="add">
-        <pc:chgData name="Khattab, Sherif" userId="c83b1e15-36f3-4f46-aceb-05aac24c545e" providerId="ADAL" clId="{5F92678B-265D-4D46-94B4-5CC475EDA587}" dt="2021-09-30T16:02:21.326" v="4"/>
-        <pc:sldMkLst>
-          <pc:docMk/>
-          <pc:sldMk cId="2259346312" sldId="546"/>
-        </pc:sldMkLst>
-      </pc:sldChg>
-      <pc:sldChg chg="add">
-        <pc:chgData name="Khattab, Sherif" userId="c83b1e15-36f3-4f46-aceb-05aac24c545e" providerId="ADAL" clId="{5F92678B-265D-4D46-94B4-5CC475EDA587}" dt="2021-09-30T16:02:21.326" v="4"/>
-        <pc:sldMkLst>
-          <pc:docMk/>
-          <pc:sldMk cId="3876805328" sldId="547"/>
-        </pc:sldMkLst>
-      </pc:sldChg>
-      <pc:sldChg chg="add">
-        <pc:chgData name="Khattab, Sherif" userId="c83b1e15-36f3-4f46-aceb-05aac24c545e" providerId="ADAL" clId="{5F92678B-265D-4D46-94B4-5CC475EDA587}" dt="2021-09-30T16:02:21.326" v="4"/>
-        <pc:sldMkLst>
-          <pc:docMk/>
-          <pc:sldMk cId="1302483671" sldId="548"/>
-        </pc:sldMkLst>
-      </pc:sldChg>
-      <pc:sldChg chg="add del">
-        <pc:chgData name="Khattab, Sherif" userId="c83b1e15-36f3-4f46-aceb-05aac24c545e" providerId="ADAL" clId="{5F92678B-265D-4D46-94B4-5CC475EDA587}" dt="2021-10-05T16:11:32.441" v="396" actId="2696"/>
-        <pc:sldMkLst>
-          <pc:docMk/>
-          <pc:sldMk cId="4082589092" sldId="549"/>
-        </pc:sldMkLst>
-      </pc:sldChg>
-      <pc:sldChg chg="add del">
-        <pc:chgData name="Khattab, Sherif" userId="c83b1e15-36f3-4f46-aceb-05aac24c545e" providerId="ADAL" clId="{5F92678B-265D-4D46-94B4-5CC475EDA587}" dt="2021-10-05T16:11:32.441" v="396" actId="2696"/>
-        <pc:sldMkLst>
-          <pc:docMk/>
-          <pc:sldMk cId="2768642374" sldId="550"/>
-        </pc:sldMkLst>
-      </pc:sldChg>
-      <pc:sldChg chg="add del">
-        <pc:chgData name="Khattab, Sherif" userId="c83b1e15-36f3-4f46-aceb-05aac24c545e" providerId="ADAL" clId="{5F92678B-265D-4D46-94B4-5CC475EDA587}" dt="2021-10-05T16:11:32.441" v="396" actId="2696"/>
-        <pc:sldMkLst>
-          <pc:docMk/>
-          <pc:sldMk cId="1850740189" sldId="551"/>
-        </pc:sldMkLst>
-      </pc:sldChg>
-      <pc:sldChg chg="add del">
-        <pc:chgData name="Khattab, Sherif" userId="c83b1e15-36f3-4f46-aceb-05aac24c545e" providerId="ADAL" clId="{5F92678B-265D-4D46-94B4-5CC475EDA587}" dt="2021-10-05T16:11:32.441" v="396" actId="2696"/>
-        <pc:sldMkLst>
-          <pc:docMk/>
-          <pc:sldMk cId="1401906409" sldId="552"/>
-        </pc:sldMkLst>
-      </pc:sldChg>
-      <pc:sldChg chg="add del">
-        <pc:chgData name="Khattab, Sherif" userId="c83b1e15-36f3-4f46-aceb-05aac24c545e" providerId="ADAL" clId="{5F92678B-265D-4D46-94B4-5CC475EDA587}" dt="2021-10-05T16:11:32.441" v="396" actId="2696"/>
-        <pc:sldMkLst>
-          <pc:docMk/>
-          <pc:sldMk cId="441821993" sldId="553"/>
-        </pc:sldMkLst>
-      </pc:sldChg>
-      <pc:sldChg chg="add del">
-        <pc:chgData name="Khattab, Sherif" userId="c83b1e15-36f3-4f46-aceb-05aac24c545e" providerId="ADAL" clId="{5F92678B-265D-4D46-94B4-5CC475EDA587}" dt="2021-10-05T16:11:32.441" v="396" actId="2696"/>
-        <pc:sldMkLst>
-          <pc:docMk/>
-          <pc:sldMk cId="3858160310" sldId="554"/>
-        </pc:sldMkLst>
-      </pc:sldChg>
-      <pc:sldChg chg="add del">
-        <pc:chgData name="Khattab, Sherif" userId="c83b1e15-36f3-4f46-aceb-05aac24c545e" providerId="ADAL" clId="{5F92678B-265D-4D46-94B4-5CC475EDA587}" dt="2021-10-05T16:11:32.441" v="396" actId="2696"/>
-        <pc:sldMkLst>
-          <pc:docMk/>
-          <pc:sldMk cId="924667073" sldId="555"/>
-        </pc:sldMkLst>
-      </pc:sldChg>
-      <pc:sldChg chg="add del ord">
-        <pc:chgData name="Khattab, Sherif" userId="c83b1e15-36f3-4f46-aceb-05aac24c545e" providerId="ADAL" clId="{5F92678B-265D-4D46-94B4-5CC475EDA587}" dt="2021-10-05T16:11:32.441" v="396" actId="2696"/>
-        <pc:sldMkLst>
-          <pc:docMk/>
-          <pc:sldMk cId="2842851832" sldId="556"/>
-        </pc:sldMkLst>
-      </pc:sldChg>
-      <pc:sldChg chg="add del">
-        <pc:chgData name="Khattab, Sherif" userId="c83b1e15-36f3-4f46-aceb-05aac24c545e" providerId="ADAL" clId="{5F92678B-265D-4D46-94B4-5CC475EDA587}" dt="2021-09-30T16:07:15.446" v="380" actId="47"/>
-        <pc:sldMkLst>
-          <pc:docMk/>
-          <pc:sldMk cId="3228093271" sldId="557"/>
-        </pc:sldMkLst>
-      </pc:sldChg>
-      <pc:sldChg chg="add del">
-        <pc:chgData name="Khattab, Sherif" userId="c83b1e15-36f3-4f46-aceb-05aac24c545e" providerId="ADAL" clId="{5F92678B-265D-4D46-94B4-5CC475EDA587}" dt="2021-09-30T16:07:16.008" v="381" actId="47"/>
-        <pc:sldMkLst>
-          <pc:docMk/>
-          <pc:sldMk cId="1343377634" sldId="558"/>
-        </pc:sldMkLst>
-      </pc:sldChg>
-      <pc:sldChg chg="modSp new mod">
-        <pc:chgData name="Khattab, Sherif" userId="c83b1e15-36f3-4f46-aceb-05aac24c545e" providerId="ADAL" clId="{5F92678B-265D-4D46-94B4-5CC475EDA587}" dt="2021-09-30T16:05:23.204" v="235" actId="20577"/>
-        <pc:sldMkLst>
-          <pc:docMk/>
-          <pc:sldMk cId="25940297" sldId="559"/>
-        </pc:sldMkLst>
-        <pc:spChg chg="mod">
-          <ac:chgData name="Khattab, Sherif" userId="c83b1e15-36f3-4f46-aceb-05aac24c545e" providerId="ADAL" clId="{5F92678B-265D-4D46-94B4-5CC475EDA587}" dt="2021-09-30T16:05:23.204" v="235" actId="20577"/>
-          <ac:spMkLst>
-            <pc:docMk/>
-            <pc:sldMk cId="25940297" sldId="559"/>
-            <ac:spMk id="2" creationId="{9B3E4D42-8F18-4882-97A4-82789ADF4273}"/>
-          </ac:spMkLst>
-        </pc:spChg>
-      </pc:sldChg>
-      <pc:sldChg chg="modSp new mod">
-        <pc:chgData name="Khattab, Sherif" userId="c83b1e15-36f3-4f46-aceb-05aac24c545e" providerId="ADAL" clId="{5F92678B-265D-4D46-94B4-5CC475EDA587}" dt="2021-09-30T16:06:13.956" v="378" actId="20577"/>
-        <pc:sldMkLst>
-          <pc:docMk/>
-          <pc:sldMk cId="2984359601" sldId="560"/>
-        </pc:sldMkLst>
-        <pc:spChg chg="mod">
-          <ac:chgData name="Khattab, Sherif" userId="c83b1e15-36f3-4f46-aceb-05aac24c545e" providerId="ADAL" clId="{5F92678B-265D-4D46-94B4-5CC475EDA587}" dt="2021-09-30T16:05:34.159" v="254" actId="5793"/>
-          <ac:spMkLst>
-            <pc:docMk/>
-            <pc:sldMk cId="2984359601" sldId="560"/>
-            <ac:spMk id="2" creationId="{56232F58-9C18-47CD-A244-694BBC62F61C}"/>
-          </ac:spMkLst>
-        </pc:spChg>
-        <pc:spChg chg="mod">
-          <ac:chgData name="Khattab, Sherif" userId="c83b1e15-36f3-4f46-aceb-05aac24c545e" providerId="ADAL" clId="{5F92678B-265D-4D46-94B4-5CC475EDA587}" dt="2021-09-30T16:06:13.956" v="378" actId="20577"/>
-          <ac:spMkLst>
-            <pc:docMk/>
-            <pc:sldMk cId="2984359601" sldId="560"/>
-            <ac:spMk id="3" creationId="{C119AD50-CA5F-42C5-B28B-3C5A51ABB173}"/>
-          </ac:spMkLst>
-        </pc:spChg>
-      </pc:sldChg>
-    </pc:docChg>
-  </pc:docChgLst>
-  <pc:docChgLst>
-    <pc:chgData name="Khattab, Sherif" userId="c83b1e15-36f3-4f46-aceb-05aac24c545e" providerId="ADAL" clId="{FE92C68B-4A2B-491A-802D-9A016E970098}"/>
-    <pc:docChg chg="addSld modSld">
-      <pc:chgData name="Khattab, Sherif" userId="c83b1e15-36f3-4f46-aceb-05aac24c545e" providerId="ADAL" clId="{FE92C68B-4A2B-491A-802D-9A016E970098}" dt="2021-01-21T02:52:14.809" v="71" actId="20577"/>
-      <pc:docMkLst>
-        <pc:docMk/>
-      </pc:docMkLst>
-      <pc:sldChg chg="modSp mod">
-        <pc:chgData name="Khattab, Sherif" userId="c83b1e15-36f3-4f46-aceb-05aac24c545e" providerId="ADAL" clId="{FE92C68B-4A2B-491A-802D-9A016E970098}" dt="2021-01-21T02:51:24.200" v="12" actId="20577"/>
+        <pc:chgData name="Khattab, Sherif" userId="c83b1e15-36f3-4f46-aceb-05aac24c545e" providerId="ADAL" clId="{E6EB0EA7-2544-4CF1-A7D6-AFF5E9AECA5D}" dt="2020-05-14T17:10:05.791" v="0"/>
         <pc:sldMkLst>
           <pc:docMk/>
           <pc:sldMk cId="1330366002" sldId="454"/>
         </pc:sldMkLst>
-        <pc:spChg chg="mod">
-          <ac:chgData name="Khattab, Sherif" userId="c83b1e15-36f3-4f46-aceb-05aac24c545e" providerId="ADAL" clId="{FE92C68B-4A2B-491A-802D-9A016E970098}" dt="2021-01-21T02:51:24.200" v="12" actId="20577"/>
-          <ac:spMkLst>
-            <pc:docMk/>
-            <pc:sldMk cId="1330366002" sldId="454"/>
-            <ac:spMk id="3" creationId="{00000000-0000-0000-0000-000000000000}"/>
-          </ac:spMkLst>
-        </pc:spChg>
-      </pc:sldChg>
-      <pc:sldChg chg="modSp new mod">
-        <pc:chgData name="Khattab, Sherif" userId="c83b1e15-36f3-4f46-aceb-05aac24c545e" providerId="ADAL" clId="{FE92C68B-4A2B-491A-802D-9A016E970098}" dt="2021-01-21T02:52:14.809" v="71" actId="20577"/>
-        <pc:sldMkLst>
-          <pc:docMk/>
-          <pc:sldMk cId="702367729" sldId="496"/>
-        </pc:sldMkLst>
-        <pc:spChg chg="mod">
-          <ac:chgData name="Khattab, Sherif" userId="c83b1e15-36f3-4f46-aceb-05aac24c545e" providerId="ADAL" clId="{FE92C68B-4A2B-491A-802D-9A016E970098}" dt="2021-01-21T02:51:45.117" v="26" actId="20577"/>
-          <ac:spMkLst>
-            <pc:docMk/>
-            <pc:sldMk cId="702367729" sldId="496"/>
-            <ac:spMk id="2" creationId="{AB9EA720-F5B4-463B-B14C-1970BB85B2C8}"/>
-          </ac:spMkLst>
-        </pc:spChg>
-        <pc:spChg chg="mod">
-          <ac:chgData name="Khattab, Sherif" userId="c83b1e15-36f3-4f46-aceb-05aac24c545e" providerId="ADAL" clId="{FE92C68B-4A2B-491A-802D-9A016E970098}" dt="2021-01-21T02:52:14.809" v="71" actId="20577"/>
-          <ac:spMkLst>
-            <pc:docMk/>
-            <pc:sldMk cId="702367729" sldId="496"/>
-            <ac:spMk id="3" creationId="{2466C52D-9A48-4683-BE7F-268D8DB7FAAD}"/>
-          </ac:spMkLst>
-        </pc:spChg>
-      </pc:sldChg>
-    </pc:docChg>
-  </pc:docChgLst>
-  <pc:docChgLst>
-    <pc:chgData name="Khattab, Sherif" userId="c83b1e15-36f3-4f46-aceb-05aac24c545e" providerId="ADAL" clId="{86C989E0-91AC-42C2-9974-EED7EE88B024}"/>
-    <pc:docChg chg="undo redo custSel addSld delSld modSld sldOrd">
-      <pc:chgData name="Khattab, Sherif" userId="c83b1e15-36f3-4f46-aceb-05aac24c545e" providerId="ADAL" clId="{86C989E0-91AC-42C2-9974-EED7EE88B024}" dt="2022-02-17T18:59:11.241" v="985" actId="20577"/>
-      <pc:docMkLst>
-        <pc:docMk/>
-      </pc:docMkLst>
-      <pc:sldChg chg="add del">
-        <pc:chgData name="Khattab, Sherif" userId="c83b1e15-36f3-4f46-aceb-05aac24c545e" providerId="ADAL" clId="{86C989E0-91AC-42C2-9974-EED7EE88B024}" dt="2022-02-10T19:18:32.179" v="794"/>
-        <pc:sldMkLst>
-          <pc:docMk/>
-          <pc:sldMk cId="1301760881" sldId="286"/>
-        </pc:sldMkLst>
-      </pc:sldChg>
-      <pc:sldChg chg="add del">
-        <pc:chgData name="Khattab, Sherif" userId="c83b1e15-36f3-4f46-aceb-05aac24c545e" providerId="ADAL" clId="{86C989E0-91AC-42C2-9974-EED7EE88B024}" dt="2022-02-10T19:18:14.130" v="790" actId="2696"/>
-        <pc:sldMkLst>
-          <pc:docMk/>
-          <pc:sldMk cId="3949722242" sldId="286"/>
-        </pc:sldMkLst>
-      </pc:sldChg>
-      <pc:sldChg chg="add del">
-        <pc:chgData name="Khattab, Sherif" userId="c83b1e15-36f3-4f46-aceb-05aac24c545e" providerId="ADAL" clId="{86C989E0-91AC-42C2-9974-EED7EE88B024}" dt="2022-02-10T19:21:14.712" v="976" actId="2696"/>
-        <pc:sldMkLst>
-          <pc:docMk/>
-          <pc:sldMk cId="4202765649" sldId="286"/>
-        </pc:sldMkLst>
-      </pc:sldChg>
-      <pc:sldChg chg="add del">
-        <pc:chgData name="Khattab, Sherif" userId="c83b1e15-36f3-4f46-aceb-05aac24c545e" providerId="ADAL" clId="{86C989E0-91AC-42C2-9974-EED7EE88B024}" dt="2022-02-10T19:21:14.712" v="976" actId="2696"/>
-        <pc:sldMkLst>
-          <pc:docMk/>
-          <pc:sldMk cId="1032220564" sldId="287"/>
-        </pc:sldMkLst>
-      </pc:sldChg>
-      <pc:sldChg chg="add del">
-        <pc:chgData name="Khattab, Sherif" userId="c83b1e15-36f3-4f46-aceb-05aac24c545e" providerId="ADAL" clId="{86C989E0-91AC-42C2-9974-EED7EE88B024}" dt="2022-02-10T19:21:14.712" v="976" actId="2696"/>
-        <pc:sldMkLst>
-          <pc:docMk/>
-          <pc:sldMk cId="1268007695" sldId="288"/>
-        </pc:sldMkLst>
-      </pc:sldChg>
-      <pc:sldChg chg="add del">
-        <pc:chgData name="Khattab, Sherif" userId="c83b1e15-36f3-4f46-aceb-05aac24c545e" providerId="ADAL" clId="{86C989E0-91AC-42C2-9974-EED7EE88B024}" dt="2022-02-10T19:21:14.712" v="976" actId="2696"/>
-        <pc:sldMkLst>
-          <pc:docMk/>
-          <pc:sldMk cId="463012687" sldId="289"/>
-        </pc:sldMkLst>
-      </pc:sldChg>
-      <pc:sldChg chg="add del">
-        <pc:chgData name="Khattab, Sherif" userId="c83b1e15-36f3-4f46-aceb-05aac24c545e" providerId="ADAL" clId="{86C989E0-91AC-42C2-9974-EED7EE88B024}" dt="2022-02-10T19:21:14.712" v="976" actId="2696"/>
-        <pc:sldMkLst>
-          <pc:docMk/>
-          <pc:sldMk cId="1806563943" sldId="342"/>
-        </pc:sldMkLst>
-      </pc:sldChg>
-      <pc:sldChg chg="add del">
-        <pc:chgData name="Khattab, Sherif" userId="c83b1e15-36f3-4f46-aceb-05aac24c545e" providerId="ADAL" clId="{86C989E0-91AC-42C2-9974-EED7EE88B024}" dt="2022-02-10T19:21:14.712" v="976" actId="2696"/>
-        <pc:sldMkLst>
-          <pc:docMk/>
-          <pc:sldMk cId="1167711490" sldId="343"/>
-        </pc:sldMkLst>
-      </pc:sldChg>
-      <pc:sldChg chg="del">
-        <pc:chgData name="Khattab, Sherif" userId="c83b1e15-36f3-4f46-aceb-05aac24c545e" providerId="ADAL" clId="{86C989E0-91AC-42C2-9974-EED7EE88B024}" dt="2022-02-10T19:21:14.712" v="976" actId="2696"/>
-        <pc:sldMkLst>
-          <pc:docMk/>
-          <pc:sldMk cId="3990797458" sldId="378"/>
-        </pc:sldMkLst>
-      </pc:sldChg>
-      <pc:sldChg chg="del">
-        <pc:chgData name="Khattab, Sherif" userId="c83b1e15-36f3-4f46-aceb-05aac24c545e" providerId="ADAL" clId="{86C989E0-91AC-42C2-9974-EED7EE88B024}" dt="2022-02-10T19:21:14.712" v="976" actId="2696"/>
-        <pc:sldMkLst>
-          <pc:docMk/>
-          <pc:sldMk cId="2736486443" sldId="379"/>
-        </pc:sldMkLst>
-      </pc:sldChg>
-      <pc:sldChg chg="modSp add del mod">
-        <pc:chgData name="Khattab, Sherif" userId="c83b1e15-36f3-4f46-aceb-05aac24c545e" providerId="ADAL" clId="{86C989E0-91AC-42C2-9974-EED7EE88B024}" dt="2022-02-17T18:59:11.241" v="985" actId="20577"/>
-        <pc:sldMkLst>
-          <pc:docMk/>
-          <pc:sldMk cId="1337868689" sldId="381"/>
-        </pc:sldMkLst>
-        <pc:spChg chg="mod">
-          <ac:chgData name="Khattab, Sherif" userId="c83b1e15-36f3-4f46-aceb-05aac24c545e" providerId="ADAL" clId="{86C989E0-91AC-42C2-9974-EED7EE88B024}" dt="2022-02-17T18:59:11.241" v="985" actId="20577"/>
-          <ac:spMkLst>
-            <pc:docMk/>
-            <pc:sldMk cId="1337868689" sldId="381"/>
-            <ac:spMk id="119813" creationId="{2D0E5FEC-FE0E-9048-B247-70B668077E38}"/>
-          </ac:spMkLst>
-        </pc:spChg>
-      </pc:sldChg>
-      <pc:sldChg chg="modSp mod">
-        <pc:chgData name="Khattab, Sherif" userId="c83b1e15-36f3-4f46-aceb-05aac24c545e" providerId="ADAL" clId="{86C989E0-91AC-42C2-9974-EED7EE88B024}" dt="2022-02-03T14:11:40.579" v="10" actId="20577"/>
-        <pc:sldMkLst>
-          <pc:docMk/>
-          <pc:sldMk cId="1330366002" sldId="454"/>
-        </pc:sldMkLst>
-        <pc:spChg chg="mod">
-          <ac:chgData name="Khattab, Sherif" userId="c83b1e15-36f3-4f46-aceb-05aac24c545e" providerId="ADAL" clId="{86C989E0-91AC-42C2-9974-EED7EE88B024}" dt="2022-02-03T14:11:40.579" v="10" actId="20577"/>
-          <ac:spMkLst>
-            <pc:docMk/>
-            <pc:sldMk cId="1330366002" sldId="454"/>
-            <ac:spMk id="3" creationId="{00000000-0000-0000-0000-000000000000}"/>
-          </ac:spMkLst>
-        </pc:spChg>
-      </pc:sldChg>
-      <pc:sldChg chg="add del">
-        <pc:chgData name="Khattab, Sherif" userId="c83b1e15-36f3-4f46-aceb-05aac24c545e" providerId="ADAL" clId="{86C989E0-91AC-42C2-9974-EED7EE88B024}" dt="2022-02-10T14:23:22.226" v="394"/>
-        <pc:sldMkLst>
-          <pc:docMk/>
-          <pc:sldMk cId="3400641916" sldId="456"/>
-        </pc:sldMkLst>
-      </pc:sldChg>
-      <pc:sldChg chg="add del">
-        <pc:chgData name="Khattab, Sherif" userId="c83b1e15-36f3-4f46-aceb-05aac24c545e" providerId="ADAL" clId="{86C989E0-91AC-42C2-9974-EED7EE88B024}" dt="2022-02-10T19:16:39.744" v="563"/>
-        <pc:sldMkLst>
-          <pc:docMk/>
-          <pc:sldMk cId="565187749" sldId="457"/>
-        </pc:sldMkLst>
-      </pc:sldChg>
-      <pc:sldChg chg="add del">
-        <pc:chgData name="Khattab, Sherif" userId="c83b1e15-36f3-4f46-aceb-05aac24c545e" providerId="ADAL" clId="{86C989E0-91AC-42C2-9974-EED7EE88B024}" dt="2022-02-10T19:16:25.734" v="561" actId="2696"/>
-        <pc:sldMkLst>
-          <pc:docMk/>
-          <pc:sldMk cId="2840639230" sldId="457"/>
-        </pc:sldMkLst>
-      </pc:sldChg>
-      <pc:sldChg chg="add del ord">
-        <pc:chgData name="Khattab, Sherif" userId="c83b1e15-36f3-4f46-aceb-05aac24c545e" providerId="ADAL" clId="{86C989E0-91AC-42C2-9974-EED7EE88B024}" dt="2022-02-10T19:21:14.712" v="976" actId="2696"/>
-        <pc:sldMkLst>
-          <pc:docMk/>
-          <pc:sldMk cId="3909131520" sldId="457"/>
-        </pc:sldMkLst>
-      </pc:sldChg>
-      <pc:sldChg chg="add del ord">
-        <pc:chgData name="Khattab, Sherif" userId="c83b1e15-36f3-4f46-aceb-05aac24c545e" providerId="ADAL" clId="{86C989E0-91AC-42C2-9974-EED7EE88B024}" dt="2022-02-10T19:20:15.161" v="904" actId="20578"/>
-        <pc:sldMkLst>
-          <pc:docMk/>
-          <pc:sldMk cId="2116012598" sldId="458"/>
-        </pc:sldMkLst>
-      </pc:sldChg>
-      <pc:sldChg chg="add del">
-        <pc:chgData name="Khattab, Sherif" userId="c83b1e15-36f3-4f46-aceb-05aac24c545e" providerId="ADAL" clId="{86C989E0-91AC-42C2-9974-EED7EE88B024}" dt="2022-02-10T19:21:14.712" v="976" actId="2696"/>
-        <pc:sldMkLst>
-          <pc:docMk/>
-          <pc:sldMk cId="1011508301" sldId="460"/>
-        </pc:sldMkLst>
-      </pc:sldChg>
-      <pc:sldChg chg="add del">
-        <pc:chgData name="Khattab, Sherif" userId="c83b1e15-36f3-4f46-aceb-05aac24c545e" providerId="ADAL" clId="{86C989E0-91AC-42C2-9974-EED7EE88B024}" dt="2022-02-10T19:18:32.179" v="794"/>
-        <pc:sldMkLst>
-          <pc:docMk/>
-          <pc:sldMk cId="3032351722" sldId="460"/>
-        </pc:sldMkLst>
-      </pc:sldChg>
-      <pc:sldChg chg="add del">
-        <pc:chgData name="Khattab, Sherif" userId="c83b1e15-36f3-4f46-aceb-05aac24c545e" providerId="ADAL" clId="{86C989E0-91AC-42C2-9974-EED7EE88B024}" dt="2022-02-10T19:18:14.130" v="790" actId="2696"/>
-        <pc:sldMkLst>
-          <pc:docMk/>
-          <pc:sldMk cId="4107670357" sldId="460"/>
-        </pc:sldMkLst>
-      </pc:sldChg>
-      <pc:sldChg chg="add del ord">
-        <pc:chgData name="Khattab, Sherif" userId="c83b1e15-36f3-4f46-aceb-05aac24c545e" providerId="ADAL" clId="{86C989E0-91AC-42C2-9974-EED7EE88B024}" dt="2022-02-10T19:18:16.906" v="792"/>
-        <pc:sldMkLst>
-          <pc:docMk/>
-          <pc:sldMk cId="3714784862" sldId="461"/>
-        </pc:sldMkLst>
-      </pc:sldChg>
-      <pc:sldChg chg="modSp mod">
-        <pc:chgData name="Khattab, Sherif" userId="c83b1e15-36f3-4f46-aceb-05aac24c545e" providerId="ADAL" clId="{86C989E0-91AC-42C2-9974-EED7EE88B024}" dt="2022-02-10T14:16:41.721" v="17"/>
-        <pc:sldMkLst>
-          <pc:docMk/>
-          <pc:sldMk cId="3903507516" sldId="498"/>
-        </pc:sldMkLst>
-        <pc:spChg chg="mod">
-          <ac:chgData name="Khattab, Sherif" userId="c83b1e15-36f3-4f46-aceb-05aac24c545e" providerId="ADAL" clId="{86C989E0-91AC-42C2-9974-EED7EE88B024}" dt="2022-02-10T14:16:41.721" v="17"/>
-          <ac:spMkLst>
-            <pc:docMk/>
-            <pc:sldMk cId="3903507516" sldId="498"/>
-            <ac:spMk id="3" creationId="{2466C52D-9A48-4683-BE7F-268D8DB7FAAD}"/>
-          </ac:spMkLst>
-        </pc:spChg>
-      </pc:sldChg>
-      <pc:sldChg chg="modSp mod ord modAnim">
-        <pc:chgData name="Khattab, Sherif" userId="c83b1e15-36f3-4f46-aceb-05aac24c545e" providerId="ADAL" clId="{86C989E0-91AC-42C2-9974-EED7EE88B024}" dt="2022-02-10T14:18:10.602" v="119"/>
-        <pc:sldMkLst>
-          <pc:docMk/>
-          <pc:sldMk cId="2116864396" sldId="505"/>
-        </pc:sldMkLst>
-        <pc:spChg chg="mod">
-          <ac:chgData name="Khattab, Sherif" userId="c83b1e15-36f3-4f46-aceb-05aac24c545e" providerId="ADAL" clId="{86C989E0-91AC-42C2-9974-EED7EE88B024}" dt="2022-02-10T14:17:37.352" v="32" actId="20577"/>
-          <ac:spMkLst>
-            <pc:docMk/>
-            <pc:sldMk cId="2116864396" sldId="505"/>
-            <ac:spMk id="2" creationId="{4697D5D8-73B6-46FE-9121-07FEE70D566F}"/>
-          </ac:spMkLst>
-        </pc:spChg>
-        <pc:spChg chg="mod">
-          <ac:chgData name="Khattab, Sherif" userId="c83b1e15-36f3-4f46-aceb-05aac24c545e" providerId="ADAL" clId="{86C989E0-91AC-42C2-9974-EED7EE88B024}" dt="2022-02-10T14:18:02.457" v="117" actId="20577"/>
-          <ac:spMkLst>
-            <pc:docMk/>
-            <pc:sldMk cId="2116864396" sldId="505"/>
-            <ac:spMk id="3" creationId="{9FDE3B14-90B9-4B5A-83C7-6E633E32EA28}"/>
-          </ac:spMkLst>
-        </pc:spChg>
-      </pc:sldChg>
-      <pc:sldChg chg="add del">
-        <pc:chgData name="Khattab, Sherif" userId="c83b1e15-36f3-4f46-aceb-05aac24c545e" providerId="ADAL" clId="{86C989E0-91AC-42C2-9974-EED7EE88B024}" dt="2022-02-10T19:21:14.712" v="976" actId="2696"/>
-        <pc:sldMkLst>
-          <pc:docMk/>
-          <pc:sldMk cId="707882026" sldId="509"/>
-        </pc:sldMkLst>
-      </pc:sldChg>
-      <pc:sldChg chg="add del">
-        <pc:chgData name="Khattab, Sherif" userId="c83b1e15-36f3-4f46-aceb-05aac24c545e" providerId="ADAL" clId="{86C989E0-91AC-42C2-9974-EED7EE88B024}" dt="2022-02-10T19:21:14.712" v="976" actId="2696"/>
-        <pc:sldMkLst>
-          <pc:docMk/>
-          <pc:sldMk cId="2108493189" sldId="510"/>
-        </pc:sldMkLst>
-      </pc:sldChg>
-      <pc:sldChg chg="add del">
-        <pc:chgData name="Khattab, Sherif" userId="c83b1e15-36f3-4f46-aceb-05aac24c545e" providerId="ADAL" clId="{86C989E0-91AC-42C2-9974-EED7EE88B024}" dt="2022-02-10T19:21:14.712" v="976" actId="2696"/>
-        <pc:sldMkLst>
-          <pc:docMk/>
-          <pc:sldMk cId="2618280309" sldId="511"/>
-        </pc:sldMkLst>
-      </pc:sldChg>
-      <pc:sldChg chg="del">
-        <pc:chgData name="Khattab, Sherif" userId="c83b1e15-36f3-4f46-aceb-05aac24c545e" providerId="ADAL" clId="{86C989E0-91AC-42C2-9974-EED7EE88B024}" dt="2022-02-10T19:21:14.712" v="976" actId="2696"/>
-        <pc:sldMkLst>
-          <pc:docMk/>
-          <pc:sldMk cId="2907412692" sldId="512"/>
-        </pc:sldMkLst>
-      </pc:sldChg>
-      <pc:sldChg chg="del">
-        <pc:chgData name="Khattab, Sherif" userId="c83b1e15-36f3-4f46-aceb-05aac24c545e" providerId="ADAL" clId="{86C989E0-91AC-42C2-9974-EED7EE88B024}" dt="2022-02-10T19:21:14.712" v="976" actId="2696"/>
-        <pc:sldMkLst>
-          <pc:docMk/>
-          <pc:sldMk cId="3017477705" sldId="513"/>
-        </pc:sldMkLst>
-      </pc:sldChg>
-      <pc:sldChg chg="del">
-        <pc:chgData name="Khattab, Sherif" userId="c83b1e15-36f3-4f46-aceb-05aac24c545e" providerId="ADAL" clId="{86C989E0-91AC-42C2-9974-EED7EE88B024}" dt="2022-02-10T19:21:14.712" v="976" actId="2696"/>
-        <pc:sldMkLst>
-          <pc:docMk/>
-          <pc:sldMk cId="1468641068" sldId="514"/>
-        </pc:sldMkLst>
-      </pc:sldChg>
-      <pc:sldChg chg="del">
-        <pc:chgData name="Khattab, Sherif" userId="c83b1e15-36f3-4f46-aceb-05aac24c545e" providerId="ADAL" clId="{86C989E0-91AC-42C2-9974-EED7EE88B024}" dt="2022-02-10T19:21:14.712" v="976" actId="2696"/>
-        <pc:sldMkLst>
-          <pc:docMk/>
-          <pc:sldMk cId="2793897325" sldId="515"/>
-        </pc:sldMkLst>
-      </pc:sldChg>
-      <pc:sldChg chg="del">
-        <pc:chgData name="Khattab, Sherif" userId="c83b1e15-36f3-4f46-aceb-05aac24c545e" providerId="ADAL" clId="{86C989E0-91AC-42C2-9974-EED7EE88B024}" dt="2022-02-10T19:21:14.712" v="976" actId="2696"/>
-        <pc:sldMkLst>
-          <pc:docMk/>
-          <pc:sldMk cId="1699469998" sldId="522"/>
-        </pc:sldMkLst>
-      </pc:sldChg>
-      <pc:sldChg chg="add del">
-        <pc:chgData name="Khattab, Sherif" userId="c83b1e15-36f3-4f46-aceb-05aac24c545e" providerId="ADAL" clId="{86C989E0-91AC-42C2-9974-EED7EE88B024}" dt="2022-02-10T19:21:14.712" v="976" actId="2696"/>
-        <pc:sldMkLst>
-          <pc:docMk/>
-          <pc:sldMk cId="1471214150" sldId="523"/>
-        </pc:sldMkLst>
-      </pc:sldChg>
-      <pc:sldChg chg="add del">
-        <pc:chgData name="Khattab, Sherif" userId="c83b1e15-36f3-4f46-aceb-05aac24c545e" providerId="ADAL" clId="{86C989E0-91AC-42C2-9974-EED7EE88B024}" dt="2022-02-10T19:21:14.712" v="976" actId="2696"/>
-        <pc:sldMkLst>
-          <pc:docMk/>
-          <pc:sldMk cId="1839202036" sldId="524"/>
-        </pc:sldMkLst>
-      </pc:sldChg>
-      <pc:sldChg chg="add del">
-        <pc:chgData name="Khattab, Sherif" userId="c83b1e15-36f3-4f46-aceb-05aac24c545e" providerId="ADAL" clId="{86C989E0-91AC-42C2-9974-EED7EE88B024}" dt="2022-02-10T19:21:14.712" v="976" actId="2696"/>
-        <pc:sldMkLst>
-          <pc:docMk/>
-          <pc:sldMk cId="1301141676" sldId="525"/>
-        </pc:sldMkLst>
-      </pc:sldChg>
-      <pc:sldChg chg="add del">
-        <pc:chgData name="Khattab, Sherif" userId="c83b1e15-36f3-4f46-aceb-05aac24c545e" providerId="ADAL" clId="{86C989E0-91AC-42C2-9974-EED7EE88B024}" dt="2022-02-10T19:21:14.712" v="976" actId="2696"/>
-        <pc:sldMkLst>
-          <pc:docMk/>
-          <pc:sldMk cId="3336646820" sldId="526"/>
-        </pc:sldMkLst>
-      </pc:sldChg>
-      <pc:sldChg chg="del">
-        <pc:chgData name="Khattab, Sherif" userId="c83b1e15-36f3-4f46-aceb-05aac24c545e" providerId="ADAL" clId="{86C989E0-91AC-42C2-9974-EED7EE88B024}" dt="2022-02-10T19:21:14.712" v="976" actId="2696"/>
-        <pc:sldMkLst>
-          <pc:docMk/>
-          <pc:sldMk cId="3989127528" sldId="527"/>
-        </pc:sldMkLst>
-      </pc:sldChg>
-      <pc:sldChg chg="add del">
-        <pc:chgData name="Khattab, Sherif" userId="c83b1e15-36f3-4f46-aceb-05aac24c545e" providerId="ADAL" clId="{86C989E0-91AC-42C2-9974-EED7EE88B024}" dt="2022-02-10T19:21:14.712" v="976" actId="2696"/>
-        <pc:sldMkLst>
-          <pc:docMk/>
-          <pc:sldMk cId="2733511410" sldId="528"/>
-        </pc:sldMkLst>
-      </pc:sldChg>
-      <pc:sldChg chg="add del">
-        <pc:chgData name="Khattab, Sherif" userId="c83b1e15-36f3-4f46-aceb-05aac24c545e" providerId="ADAL" clId="{86C989E0-91AC-42C2-9974-EED7EE88B024}" dt="2022-02-10T19:21:14.712" v="976" actId="2696"/>
-        <pc:sldMkLst>
-          <pc:docMk/>
-          <pc:sldMk cId="2369676605" sldId="529"/>
-        </pc:sldMkLst>
-      </pc:sldChg>
-      <pc:sldChg chg="add del">
-        <pc:chgData name="Khattab, Sherif" userId="c83b1e15-36f3-4f46-aceb-05aac24c545e" providerId="ADAL" clId="{86C989E0-91AC-42C2-9974-EED7EE88B024}" dt="2022-02-10T19:21:14.712" v="976" actId="2696"/>
-        <pc:sldMkLst>
-          <pc:docMk/>
-          <pc:sldMk cId="2849079961" sldId="530"/>
-        </pc:sldMkLst>
-      </pc:sldChg>
-      <pc:sldChg chg="add del">
-        <pc:chgData name="Khattab, Sherif" userId="c83b1e15-36f3-4f46-aceb-05aac24c545e" providerId="ADAL" clId="{86C989E0-91AC-42C2-9974-EED7EE88B024}" dt="2022-02-10T19:21:14.712" v="976" actId="2696"/>
-        <pc:sldMkLst>
-          <pc:docMk/>
-          <pc:sldMk cId="198862008" sldId="531"/>
-        </pc:sldMkLst>
-      </pc:sldChg>
-      <pc:sldChg chg="add del">
-        <pc:chgData name="Khattab, Sherif" userId="c83b1e15-36f3-4f46-aceb-05aac24c545e" providerId="ADAL" clId="{86C989E0-91AC-42C2-9974-EED7EE88B024}" dt="2022-02-10T19:21:14.712" v="976" actId="2696"/>
-        <pc:sldMkLst>
-          <pc:docMk/>
-          <pc:sldMk cId="3242586881" sldId="532"/>
-        </pc:sldMkLst>
-      </pc:sldChg>
-      <pc:sldChg chg="add del">
-        <pc:chgData name="Khattab, Sherif" userId="c83b1e15-36f3-4f46-aceb-05aac24c545e" providerId="ADAL" clId="{86C989E0-91AC-42C2-9974-EED7EE88B024}" dt="2022-02-10T19:21:14.712" v="976" actId="2696"/>
-        <pc:sldMkLst>
-          <pc:docMk/>
-          <pc:sldMk cId="202149894" sldId="533"/>
-        </pc:sldMkLst>
-      </pc:sldChg>
-      <pc:sldChg chg="add del">
-        <pc:chgData name="Khattab, Sherif" userId="c83b1e15-36f3-4f46-aceb-05aac24c545e" providerId="ADAL" clId="{86C989E0-91AC-42C2-9974-EED7EE88B024}" dt="2022-02-10T19:21:14.712" v="976" actId="2696"/>
-        <pc:sldMkLst>
-          <pc:docMk/>
-          <pc:sldMk cId="1862553252" sldId="534"/>
-        </pc:sldMkLst>
-      </pc:sldChg>
-      <pc:sldChg chg="add del">
-        <pc:chgData name="Khattab, Sherif" userId="c83b1e15-36f3-4f46-aceb-05aac24c545e" providerId="ADAL" clId="{86C989E0-91AC-42C2-9974-EED7EE88B024}" dt="2022-02-10T19:21:14.712" v="976" actId="2696"/>
-        <pc:sldMkLst>
-          <pc:docMk/>
-          <pc:sldMk cId="3718964789" sldId="543"/>
-        </pc:sldMkLst>
-      </pc:sldChg>
-      <pc:sldChg chg="add del">
-        <pc:chgData name="Khattab, Sherif" userId="c83b1e15-36f3-4f46-aceb-05aac24c545e" providerId="ADAL" clId="{86C989E0-91AC-42C2-9974-EED7EE88B024}" dt="2022-02-10T19:21:14.712" v="976" actId="2696"/>
-        <pc:sldMkLst>
-          <pc:docMk/>
-          <pc:sldMk cId="486560120" sldId="544"/>
-        </pc:sldMkLst>
-      </pc:sldChg>
-      <pc:sldChg chg="del">
-        <pc:chgData name="Khattab, Sherif" userId="c83b1e15-36f3-4f46-aceb-05aac24c545e" providerId="ADAL" clId="{86C989E0-91AC-42C2-9974-EED7EE88B024}" dt="2022-02-10T19:21:14.712" v="976" actId="2696"/>
-        <pc:sldMkLst>
-          <pc:docMk/>
-          <pc:sldMk cId="2959171718" sldId="545"/>
-        </pc:sldMkLst>
-      </pc:sldChg>
-      <pc:sldChg chg="del">
-        <pc:chgData name="Khattab, Sherif" userId="c83b1e15-36f3-4f46-aceb-05aac24c545e" providerId="ADAL" clId="{86C989E0-91AC-42C2-9974-EED7EE88B024}" dt="2022-02-10T19:21:14.712" v="976" actId="2696"/>
-        <pc:sldMkLst>
-          <pc:docMk/>
-          <pc:sldMk cId="2259346312" sldId="546"/>
-        </pc:sldMkLst>
-      </pc:sldChg>
-      <pc:sldChg chg="del">
-        <pc:chgData name="Khattab, Sherif" userId="c83b1e15-36f3-4f46-aceb-05aac24c545e" providerId="ADAL" clId="{86C989E0-91AC-42C2-9974-EED7EE88B024}" dt="2022-02-10T19:21:14.712" v="976" actId="2696"/>
-        <pc:sldMkLst>
-          <pc:docMk/>
-          <pc:sldMk cId="3876805328" sldId="547"/>
-        </pc:sldMkLst>
-      </pc:sldChg>
-      <pc:sldChg chg="del">
-        <pc:chgData name="Khattab, Sherif" userId="c83b1e15-36f3-4f46-aceb-05aac24c545e" providerId="ADAL" clId="{86C989E0-91AC-42C2-9974-EED7EE88B024}" dt="2022-02-10T19:21:14.712" v="976" actId="2696"/>
-        <pc:sldMkLst>
-          <pc:docMk/>
-          <pc:sldMk cId="1302483671" sldId="548"/>
-        </pc:sldMkLst>
-      </pc:sldChg>
-      <pc:sldChg chg="addSp delSp modSp add del mod modAnim">
-        <pc:chgData name="Khattab, Sherif" userId="c83b1e15-36f3-4f46-aceb-05aac24c545e" providerId="ADAL" clId="{86C989E0-91AC-42C2-9974-EED7EE88B024}" dt="2022-02-10T14:20:31.575" v="192" actId="6549"/>
-        <pc:sldMkLst>
-          <pc:docMk/>
-          <pc:sldMk cId="1850740189" sldId="551"/>
-        </pc:sldMkLst>
-        <pc:spChg chg="add del">
-          <ac:chgData name="Khattab, Sherif" userId="c83b1e15-36f3-4f46-aceb-05aac24c545e" providerId="ADAL" clId="{86C989E0-91AC-42C2-9974-EED7EE88B024}" dt="2022-02-10T14:20:10.492" v="181" actId="22"/>
-          <ac:spMkLst>
-            <pc:docMk/>
-            <pc:sldMk cId="1850740189" sldId="551"/>
-            <ac:spMk id="26" creationId="{0D075C5A-60F5-43F3-B541-88F11B105EC2}"/>
-          </ac:spMkLst>
-        </pc:spChg>
-        <pc:spChg chg="add mod">
-          <ac:chgData name="Khattab, Sherif" userId="c83b1e15-36f3-4f46-aceb-05aac24c545e" providerId="ADAL" clId="{86C989E0-91AC-42C2-9974-EED7EE88B024}" dt="2022-02-10T14:20:12.702" v="183" actId="1076"/>
-          <ac:spMkLst>
-            <pc:docMk/>
-            <pc:sldMk cId="1850740189" sldId="551"/>
-            <ac:spMk id="28" creationId="{7116BF4A-1256-458D-8770-0AAA0B6783D8}"/>
-          </ac:spMkLst>
-        </pc:spChg>
-        <pc:spChg chg="mod">
-          <ac:chgData name="Khattab, Sherif" userId="c83b1e15-36f3-4f46-aceb-05aac24c545e" providerId="ADAL" clId="{86C989E0-91AC-42C2-9974-EED7EE88B024}" dt="2022-02-10T14:20:31.575" v="192" actId="6549"/>
-          <ac:spMkLst>
-            <pc:docMk/>
-            <pc:sldMk cId="1850740189" sldId="551"/>
-            <ac:spMk id="118786" creationId="{26D54543-5CF1-B947-A0EE-00F2D893EE94}"/>
-          </ac:spMkLst>
-        </pc:spChg>
-        <pc:spChg chg="mod">
-          <ac:chgData name="Khattab, Sherif" userId="c83b1e15-36f3-4f46-aceb-05aac24c545e" providerId="ADAL" clId="{86C989E0-91AC-42C2-9974-EED7EE88B024}" dt="2022-02-10T14:20:00.016" v="174" actId="1076"/>
-          <ac:spMkLst>
-            <pc:docMk/>
-            <pc:sldMk cId="1850740189" sldId="551"/>
-            <ac:spMk id="118787" creationId="{98C49C38-B250-2147-AE6C-530E1AA08885}"/>
-          </ac:spMkLst>
-        </pc:spChg>
-        <pc:spChg chg="mod">
-          <ac:chgData name="Khattab, Sherif" userId="c83b1e15-36f3-4f46-aceb-05aac24c545e" providerId="ADAL" clId="{86C989E0-91AC-42C2-9974-EED7EE88B024}" dt="2022-02-10T14:20:00.016" v="174" actId="1076"/>
-          <ac:spMkLst>
-            <pc:docMk/>
-            <pc:sldMk cId="1850740189" sldId="551"/>
-            <ac:spMk id="118788" creationId="{53F82913-4751-364A-8AE7-032DF279A0A9}"/>
-          </ac:spMkLst>
-        </pc:spChg>
-        <pc:spChg chg="mod">
-          <ac:chgData name="Khattab, Sherif" userId="c83b1e15-36f3-4f46-aceb-05aac24c545e" providerId="ADAL" clId="{86C989E0-91AC-42C2-9974-EED7EE88B024}" dt="2022-02-10T14:20:00.016" v="174" actId="1076"/>
-          <ac:spMkLst>
-            <pc:docMk/>
-            <pc:sldMk cId="1850740189" sldId="551"/>
-            <ac:spMk id="118789" creationId="{D2746B01-3B26-2547-A3F4-6814F822C8BA}"/>
-          </ac:spMkLst>
-        </pc:spChg>
-        <pc:spChg chg="mod">
-          <ac:chgData name="Khattab, Sherif" userId="c83b1e15-36f3-4f46-aceb-05aac24c545e" providerId="ADAL" clId="{86C989E0-91AC-42C2-9974-EED7EE88B024}" dt="2022-02-10T14:20:00.016" v="174" actId="1076"/>
-          <ac:spMkLst>
-            <pc:docMk/>
-            <pc:sldMk cId="1850740189" sldId="551"/>
-            <ac:spMk id="118790" creationId="{7BA12B8A-76C8-8B48-BB05-9671FCD0F0C9}"/>
-          </ac:spMkLst>
-        </pc:spChg>
-        <pc:spChg chg="mod">
-          <ac:chgData name="Khattab, Sherif" userId="c83b1e15-36f3-4f46-aceb-05aac24c545e" providerId="ADAL" clId="{86C989E0-91AC-42C2-9974-EED7EE88B024}" dt="2022-02-10T14:20:00.016" v="174" actId="1076"/>
-          <ac:spMkLst>
-            <pc:docMk/>
-            <pc:sldMk cId="1850740189" sldId="551"/>
-            <ac:spMk id="118791" creationId="{13E152E0-121B-6F48-8C9E-94F2BE92FD25}"/>
-          </ac:spMkLst>
-        </pc:spChg>
-        <pc:spChg chg="mod">
-          <ac:chgData name="Khattab, Sherif" userId="c83b1e15-36f3-4f46-aceb-05aac24c545e" providerId="ADAL" clId="{86C989E0-91AC-42C2-9974-EED7EE88B024}" dt="2022-02-10T14:20:00.016" v="174" actId="1076"/>
-          <ac:spMkLst>
-            <pc:docMk/>
-            <pc:sldMk cId="1850740189" sldId="551"/>
-            <ac:spMk id="118792" creationId="{4043197E-3A9F-0A46-A4A7-C4BE79AFE421}"/>
-          </ac:spMkLst>
-        </pc:spChg>
-        <pc:spChg chg="mod">
-          <ac:chgData name="Khattab, Sherif" userId="c83b1e15-36f3-4f46-aceb-05aac24c545e" providerId="ADAL" clId="{86C989E0-91AC-42C2-9974-EED7EE88B024}" dt="2022-02-10T14:20:00.016" v="174" actId="1076"/>
-          <ac:spMkLst>
-            <pc:docMk/>
-            <pc:sldMk cId="1850740189" sldId="551"/>
-            <ac:spMk id="118793" creationId="{84D5FC6A-9BC3-2749-AC1C-7840D838E557}"/>
-          </ac:spMkLst>
-        </pc:spChg>
-        <pc:spChg chg="mod">
-          <ac:chgData name="Khattab, Sherif" userId="c83b1e15-36f3-4f46-aceb-05aac24c545e" providerId="ADAL" clId="{86C989E0-91AC-42C2-9974-EED7EE88B024}" dt="2022-02-10T14:20:00.016" v="174" actId="1076"/>
-          <ac:spMkLst>
-            <pc:docMk/>
-            <pc:sldMk cId="1850740189" sldId="551"/>
-            <ac:spMk id="118794" creationId="{1714054E-4CF4-5143-B355-3185210C2B95}"/>
-          </ac:spMkLst>
-        </pc:spChg>
-        <pc:spChg chg="mod">
-          <ac:chgData name="Khattab, Sherif" userId="c83b1e15-36f3-4f46-aceb-05aac24c545e" providerId="ADAL" clId="{86C989E0-91AC-42C2-9974-EED7EE88B024}" dt="2022-02-10T14:20:00.016" v="174" actId="1076"/>
-          <ac:spMkLst>
-            <pc:docMk/>
-            <pc:sldMk cId="1850740189" sldId="551"/>
-            <ac:spMk id="118795" creationId="{83A0AAB2-4E58-8849-9F14-46DA4237D688}"/>
-          </ac:spMkLst>
-        </pc:spChg>
-        <pc:spChg chg="mod">
-          <ac:chgData name="Khattab, Sherif" userId="c83b1e15-36f3-4f46-aceb-05aac24c545e" providerId="ADAL" clId="{86C989E0-91AC-42C2-9974-EED7EE88B024}" dt="2022-02-10T14:20:00.016" v="174" actId="1076"/>
-          <ac:spMkLst>
-            <pc:docMk/>
-            <pc:sldMk cId="1850740189" sldId="551"/>
-            <ac:spMk id="118796" creationId="{D3D593C1-426F-3148-AB55-E37C99CF81B3}"/>
-          </ac:spMkLst>
-        </pc:spChg>
-        <pc:spChg chg="mod">
-          <ac:chgData name="Khattab, Sherif" userId="c83b1e15-36f3-4f46-aceb-05aac24c545e" providerId="ADAL" clId="{86C989E0-91AC-42C2-9974-EED7EE88B024}" dt="2022-02-10T14:20:00.016" v="174" actId="1076"/>
-          <ac:spMkLst>
-            <pc:docMk/>
-            <pc:sldMk cId="1850740189" sldId="551"/>
-            <ac:spMk id="118797" creationId="{DEEC2606-406B-7B44-8FAD-0A7A2D33967B}"/>
-          </ac:spMkLst>
-        </pc:spChg>
-        <pc:spChg chg="mod">
-          <ac:chgData name="Khattab, Sherif" userId="c83b1e15-36f3-4f46-aceb-05aac24c545e" providerId="ADAL" clId="{86C989E0-91AC-42C2-9974-EED7EE88B024}" dt="2022-02-10T14:20:00.016" v="174" actId="1076"/>
-          <ac:spMkLst>
-            <pc:docMk/>
-            <pc:sldMk cId="1850740189" sldId="551"/>
-            <ac:spMk id="118798" creationId="{3278E209-BA82-8046-88AC-2F6CB1E218D3}"/>
-          </ac:spMkLst>
-        </pc:spChg>
-        <pc:spChg chg="mod">
-          <ac:chgData name="Khattab, Sherif" userId="c83b1e15-36f3-4f46-aceb-05aac24c545e" providerId="ADAL" clId="{86C989E0-91AC-42C2-9974-EED7EE88B024}" dt="2022-02-10T14:20:00.016" v="174" actId="1076"/>
-          <ac:spMkLst>
-            <pc:docMk/>
-            <pc:sldMk cId="1850740189" sldId="551"/>
-            <ac:spMk id="118799" creationId="{D12302FB-C18D-C34E-AC6F-CA54380613AE}"/>
-          </ac:spMkLst>
-        </pc:spChg>
-        <pc:spChg chg="mod">
-          <ac:chgData name="Khattab, Sherif" userId="c83b1e15-36f3-4f46-aceb-05aac24c545e" providerId="ADAL" clId="{86C989E0-91AC-42C2-9974-EED7EE88B024}" dt="2022-02-10T14:20:15.108" v="184" actId="1076"/>
-          <ac:spMkLst>
-            <pc:docMk/>
-            <pc:sldMk cId="1850740189" sldId="551"/>
-            <ac:spMk id="118806" creationId="{ED78E685-ED28-7549-B9BC-0EA9598A3ABF}"/>
-          </ac:spMkLst>
-        </pc:spChg>
-        <pc:picChg chg="mod">
-          <ac:chgData name="Khattab, Sherif" userId="c83b1e15-36f3-4f46-aceb-05aac24c545e" providerId="ADAL" clId="{86C989E0-91AC-42C2-9974-EED7EE88B024}" dt="2022-02-10T14:20:00.016" v="174" actId="1076"/>
-          <ac:picMkLst>
-            <pc:docMk/>
-            <pc:sldMk cId="1850740189" sldId="551"/>
-            <ac:picMk id="118800" creationId="{E95CBB6A-64AD-8346-BD2B-9D520A474D21}"/>
-          </ac:picMkLst>
-        </pc:picChg>
-        <pc:picChg chg="mod">
-          <ac:chgData name="Khattab, Sherif" userId="c83b1e15-36f3-4f46-aceb-05aac24c545e" providerId="ADAL" clId="{86C989E0-91AC-42C2-9974-EED7EE88B024}" dt="2022-02-10T14:20:00.016" v="174" actId="1076"/>
-          <ac:picMkLst>
-            <pc:docMk/>
-            <pc:sldMk cId="1850740189" sldId="551"/>
-            <ac:picMk id="118801" creationId="{883C6F00-A1A9-0746-8166-922C32FA0F39}"/>
-          </ac:picMkLst>
-        </pc:picChg>
-        <pc:picChg chg="mod">
-          <ac:chgData name="Khattab, Sherif" userId="c83b1e15-36f3-4f46-aceb-05aac24c545e" providerId="ADAL" clId="{86C989E0-91AC-42C2-9974-EED7EE88B024}" dt="2022-02-10T14:20:00.016" v="174" actId="1076"/>
-          <ac:picMkLst>
-            <pc:docMk/>
-            <pc:sldMk cId="1850740189" sldId="551"/>
-            <ac:picMk id="118802" creationId="{936CD62E-FC51-BE4C-9A40-CB47EE8BC4F7}"/>
-          </ac:picMkLst>
-        </pc:picChg>
-        <pc:picChg chg="mod">
-          <ac:chgData name="Khattab, Sherif" userId="c83b1e15-36f3-4f46-aceb-05aac24c545e" providerId="ADAL" clId="{86C989E0-91AC-42C2-9974-EED7EE88B024}" dt="2022-02-10T14:20:00.016" v="174" actId="1076"/>
-          <ac:picMkLst>
-            <pc:docMk/>
-            <pc:sldMk cId="1850740189" sldId="551"/>
-            <ac:picMk id="118803" creationId="{DDF14947-FA7B-EB4B-8CEF-25F37E446853}"/>
-          </ac:picMkLst>
-        </pc:picChg>
-        <pc:picChg chg="mod">
-          <ac:chgData name="Khattab, Sherif" userId="c83b1e15-36f3-4f46-aceb-05aac24c545e" providerId="ADAL" clId="{86C989E0-91AC-42C2-9974-EED7EE88B024}" dt="2022-02-10T14:20:00.016" v="174" actId="1076"/>
-          <ac:picMkLst>
-            <pc:docMk/>
-            <pc:sldMk cId="1850740189" sldId="551"/>
-            <ac:picMk id="118804" creationId="{8421A293-89F5-BF47-B18A-1A08E6D7B351}"/>
-          </ac:picMkLst>
-        </pc:picChg>
-        <pc:picChg chg="mod">
-          <ac:chgData name="Khattab, Sherif" userId="c83b1e15-36f3-4f46-aceb-05aac24c545e" providerId="ADAL" clId="{86C989E0-91AC-42C2-9974-EED7EE88B024}" dt="2022-02-10T14:20:00.016" v="174" actId="1076"/>
-          <ac:picMkLst>
-            <pc:docMk/>
-            <pc:sldMk cId="1850740189" sldId="551"/>
-            <ac:picMk id="118805" creationId="{8A44AA5A-3BC4-4649-9DB5-DC9618E00928}"/>
-          </ac:picMkLst>
-        </pc:picChg>
-      </pc:sldChg>
-      <pc:sldChg chg="add del">
-        <pc:chgData name="Khattab, Sherif" userId="c83b1e15-36f3-4f46-aceb-05aac24c545e" providerId="ADAL" clId="{86C989E0-91AC-42C2-9974-EED7EE88B024}" dt="2022-02-10T14:22:39.471" v="390" actId="47"/>
-        <pc:sldMkLst>
-          <pc:docMk/>
-          <pc:sldMk cId="1401906409" sldId="552"/>
-        </pc:sldMkLst>
-      </pc:sldChg>
-      <pc:sldChg chg="add del">
-        <pc:chgData name="Khattab, Sherif" userId="c83b1e15-36f3-4f46-aceb-05aac24c545e" providerId="ADAL" clId="{86C989E0-91AC-42C2-9974-EED7EE88B024}" dt="2022-02-10T19:16:00.566" v="557" actId="2696"/>
-        <pc:sldMkLst>
-          <pc:docMk/>
-          <pc:sldMk cId="441821993" sldId="553"/>
-        </pc:sldMkLst>
-      </pc:sldChg>
-      <pc:sldChg chg="add del">
-        <pc:chgData name="Khattab, Sherif" userId="c83b1e15-36f3-4f46-aceb-05aac24c545e" providerId="ADAL" clId="{86C989E0-91AC-42C2-9974-EED7EE88B024}" dt="2022-02-10T19:18:39.860" v="796" actId="2696"/>
-        <pc:sldMkLst>
-          <pc:docMk/>
-          <pc:sldMk cId="647114807" sldId="553"/>
-        </pc:sldMkLst>
-      </pc:sldChg>
-      <pc:sldChg chg="add del">
-        <pc:chgData name="Khattab, Sherif" userId="c83b1e15-36f3-4f46-aceb-05aac24c545e" providerId="ADAL" clId="{86C989E0-91AC-42C2-9974-EED7EE88B024}" dt="2022-02-10T19:16:17.528" v="559"/>
-        <pc:sldMkLst>
-          <pc:docMk/>
-          <pc:sldMk cId="1158192905" sldId="553"/>
-        </pc:sldMkLst>
-      </pc:sldChg>
-      <pc:sldChg chg="add del">
-        <pc:chgData name="Khattab, Sherif" userId="c83b1e15-36f3-4f46-aceb-05aac24c545e" providerId="ADAL" clId="{86C989E0-91AC-42C2-9974-EED7EE88B024}" dt="2022-02-10T19:19:02.615" v="804"/>
-        <pc:sldMkLst>
-          <pc:docMk/>
-          <pc:sldMk cId="1448010789" sldId="553"/>
-        </pc:sldMkLst>
-      </pc:sldChg>
-      <pc:sldChg chg="add">
-        <pc:chgData name="Khattab, Sherif" userId="c83b1e15-36f3-4f46-aceb-05aac24c545e" providerId="ADAL" clId="{86C989E0-91AC-42C2-9974-EED7EE88B024}" dt="2022-02-10T19:19:02.639" v="805"/>
-        <pc:sldMkLst>
-          <pc:docMk/>
-          <pc:sldMk cId="2971514464" sldId="553"/>
-        </pc:sldMkLst>
-      </pc:sldChg>
-      <pc:sldChg chg="add del">
-        <pc:chgData name="Khattab, Sherif" userId="c83b1e15-36f3-4f46-aceb-05aac24c545e" providerId="ADAL" clId="{86C989E0-91AC-42C2-9974-EED7EE88B024}" dt="2022-02-10T19:21:14.712" v="976" actId="2696"/>
-        <pc:sldMkLst>
-          <pc:docMk/>
-          <pc:sldMk cId="375143652" sldId="556"/>
-        </pc:sldMkLst>
-      </pc:sldChg>
-      <pc:sldChg chg="add del">
-        <pc:chgData name="Khattab, Sherif" userId="c83b1e15-36f3-4f46-aceb-05aac24c545e" providerId="ADAL" clId="{86C989E0-91AC-42C2-9974-EED7EE88B024}" dt="2022-02-10T19:21:14.712" v="976" actId="2696"/>
-        <pc:sldMkLst>
-          <pc:docMk/>
-          <pc:sldMk cId="2858246217" sldId="558"/>
-        </pc:sldMkLst>
-      </pc:sldChg>
-      <pc:sldChg chg="modSp mod ord modAnim">
-        <pc:chgData name="Khattab, Sherif" userId="c83b1e15-36f3-4f46-aceb-05aac24c545e" providerId="ADAL" clId="{86C989E0-91AC-42C2-9974-EED7EE88B024}" dt="2022-02-10T19:15:11.223" v="534"/>
-        <pc:sldMkLst>
-          <pc:docMk/>
-          <pc:sldMk cId="25940297" sldId="559"/>
-        </pc:sldMkLst>
-        <pc:spChg chg="mod">
-          <ac:chgData name="Khattab, Sherif" userId="c83b1e15-36f3-4f46-aceb-05aac24c545e" providerId="ADAL" clId="{86C989E0-91AC-42C2-9974-EED7EE88B024}" dt="2022-02-10T19:11:54.118" v="439" actId="20577"/>
-          <ac:spMkLst>
-            <pc:docMk/>
-            <pc:sldMk cId="25940297" sldId="559"/>
-            <ac:spMk id="2" creationId="{9B3E4D42-8F18-4882-97A4-82789ADF4273}"/>
-          </ac:spMkLst>
-        </pc:spChg>
-        <pc:spChg chg="mod">
-          <ac:chgData name="Khattab, Sherif" userId="c83b1e15-36f3-4f46-aceb-05aac24c545e" providerId="ADAL" clId="{86C989E0-91AC-42C2-9974-EED7EE88B024}" dt="2022-02-10T19:15:05.338" v="532" actId="27636"/>
-          <ac:spMkLst>
-            <pc:docMk/>
-            <pc:sldMk cId="25940297" sldId="559"/>
-            <ac:spMk id="3" creationId="{BB580724-74D7-4341-B0BA-D4087388C83C}"/>
-          </ac:spMkLst>
-        </pc:spChg>
-      </pc:sldChg>
-      <pc:sldChg chg="modSp del mod">
-        <pc:chgData name="Khattab, Sherif" userId="c83b1e15-36f3-4f46-aceb-05aac24c545e" providerId="ADAL" clId="{86C989E0-91AC-42C2-9974-EED7EE88B024}" dt="2022-02-10T14:19:09.812" v="143" actId="47"/>
-        <pc:sldMkLst>
-          <pc:docMk/>
-          <pc:sldMk cId="2984359601" sldId="560"/>
-        </pc:sldMkLst>
-        <pc:spChg chg="mod">
-          <ac:chgData name="Khattab, Sherif" userId="c83b1e15-36f3-4f46-aceb-05aac24c545e" providerId="ADAL" clId="{86C989E0-91AC-42C2-9974-EED7EE88B024}" dt="2022-02-10T14:18:22.055" v="141" actId="20577"/>
-          <ac:spMkLst>
-            <pc:docMk/>
-            <pc:sldMk cId="2984359601" sldId="560"/>
-            <ac:spMk id="2" creationId="{56232F58-9C18-47CD-A244-694BBC62F61C}"/>
-          </ac:spMkLst>
-        </pc:spChg>
-        <pc:spChg chg="mod">
-          <ac:chgData name="Khattab, Sherif" userId="c83b1e15-36f3-4f46-aceb-05aac24c545e" providerId="ADAL" clId="{86C989E0-91AC-42C2-9974-EED7EE88B024}" dt="2022-02-10T14:18:24.191" v="142" actId="20577"/>
-          <ac:spMkLst>
-            <pc:docMk/>
-            <pc:sldMk cId="2984359601" sldId="560"/>
-            <ac:spMk id="3" creationId="{C119AD50-CA5F-42C5-B28B-3C5A51ABB173}"/>
-          </ac:spMkLst>
-        </pc:spChg>
-      </pc:sldChg>
-      <pc:sldChg chg="add del">
-        <pc:chgData name="Khattab, Sherif" userId="c83b1e15-36f3-4f46-aceb-05aac24c545e" providerId="ADAL" clId="{86C989E0-91AC-42C2-9974-EED7EE88B024}" dt="2022-02-10T19:21:14.712" v="976" actId="2696"/>
-        <pc:sldMkLst>
-          <pc:docMk/>
-          <pc:sldMk cId="355203031" sldId="561"/>
-        </pc:sldMkLst>
-      </pc:sldChg>
-      <pc:sldChg chg="add del">
-        <pc:chgData name="Khattab, Sherif" userId="c83b1e15-36f3-4f46-aceb-05aac24c545e" providerId="ADAL" clId="{86C989E0-91AC-42C2-9974-EED7EE88B024}" dt="2022-02-10T14:22:45.568" v="391" actId="47"/>
-        <pc:sldMkLst>
-          <pc:docMk/>
-          <pc:sldMk cId="2842851832" sldId="562"/>
-        </pc:sldMkLst>
-      </pc:sldChg>
-      <pc:sldChg chg="addSp modSp new mod">
-        <pc:chgData name="Khattab, Sherif" userId="c83b1e15-36f3-4f46-aceb-05aac24c545e" providerId="ADAL" clId="{86C989E0-91AC-42C2-9974-EED7EE88B024}" dt="2022-02-10T19:15:48.662" v="555"/>
-        <pc:sldMkLst>
-          <pc:docMk/>
-          <pc:sldMk cId="1163018378" sldId="563"/>
-        </pc:sldMkLst>
-        <pc:spChg chg="mod">
-          <ac:chgData name="Khattab, Sherif" userId="c83b1e15-36f3-4f46-aceb-05aac24c545e" providerId="ADAL" clId="{86C989E0-91AC-42C2-9974-EED7EE88B024}" dt="2022-02-10T14:20:56.289" v="231" actId="20577"/>
-          <ac:spMkLst>
-            <pc:docMk/>
-            <pc:sldMk cId="1163018378" sldId="563"/>
-            <ac:spMk id="2" creationId="{0DEC764F-01AF-4BA5-9677-DE25AAD7D5EB}"/>
-          </ac:spMkLst>
-        </pc:spChg>
-        <pc:spChg chg="mod">
-          <ac:chgData name="Khattab, Sherif" userId="c83b1e15-36f3-4f46-aceb-05aac24c545e" providerId="ADAL" clId="{86C989E0-91AC-42C2-9974-EED7EE88B024}" dt="2022-02-10T14:21:39.733" v="346" actId="20577"/>
-          <ac:spMkLst>
-            <pc:docMk/>
-            <pc:sldMk cId="1163018378" sldId="563"/>
-            <ac:spMk id="3" creationId="{16AC7D26-428E-4E6B-9C9F-B1F47979EE4D}"/>
-          </ac:spMkLst>
-        </pc:spChg>
-        <pc:spChg chg="add mod">
-          <ac:chgData name="Khattab, Sherif" userId="c83b1e15-36f3-4f46-aceb-05aac24c545e" providerId="ADAL" clId="{86C989E0-91AC-42C2-9974-EED7EE88B024}" dt="2022-02-10T19:15:48.662" v="555"/>
-          <ac:spMkLst>
-            <pc:docMk/>
-            <pc:sldMk cId="1163018378" sldId="563"/>
-            <ac:spMk id="6" creationId="{29220CDC-AF73-4502-BA63-7A1456CD0CA9}"/>
-          </ac:spMkLst>
-        </pc:spChg>
-        <pc:spChg chg="add mod">
-          <ac:chgData name="Khattab, Sherif" userId="c83b1e15-36f3-4f46-aceb-05aac24c545e" providerId="ADAL" clId="{86C989E0-91AC-42C2-9974-EED7EE88B024}" dt="2022-02-10T19:15:48.662" v="555"/>
-          <ac:spMkLst>
-            <pc:docMk/>
-            <pc:sldMk cId="1163018378" sldId="563"/>
-            <ac:spMk id="7" creationId="{BAA126C1-9FD0-4E9D-8EBE-62223BA09369}"/>
-          </ac:spMkLst>
-        </pc:spChg>
-      </pc:sldChg>
-      <pc:sldChg chg="addSp modSp add mod">
-        <pc:chgData name="Khattab, Sherif" userId="c83b1e15-36f3-4f46-aceb-05aac24c545e" providerId="ADAL" clId="{86C989E0-91AC-42C2-9974-EED7EE88B024}" dt="2022-02-10T19:15:51.638" v="556"/>
-        <pc:sldMkLst>
-          <pc:docMk/>
-          <pc:sldMk cId="1704561566" sldId="564"/>
-        </pc:sldMkLst>
-        <pc:spChg chg="mod">
-          <ac:chgData name="Khattab, Sherif" userId="c83b1e15-36f3-4f46-aceb-05aac24c545e" providerId="ADAL" clId="{86C989E0-91AC-42C2-9974-EED7EE88B024}" dt="2022-02-10T14:21:50.507" v="349" actId="20577"/>
-          <ac:spMkLst>
-            <pc:docMk/>
-            <pc:sldMk cId="1704561566" sldId="564"/>
-            <ac:spMk id="2" creationId="{0DEC764F-01AF-4BA5-9677-DE25AAD7D5EB}"/>
-          </ac:spMkLst>
-        </pc:spChg>
-        <pc:spChg chg="mod">
-          <ac:chgData name="Khattab, Sherif" userId="c83b1e15-36f3-4f46-aceb-05aac24c545e" providerId="ADAL" clId="{86C989E0-91AC-42C2-9974-EED7EE88B024}" dt="2022-02-10T14:22:26.049" v="389" actId="6549"/>
-          <ac:spMkLst>
-            <pc:docMk/>
-            <pc:sldMk cId="1704561566" sldId="564"/>
-            <ac:spMk id="3" creationId="{16AC7D26-428E-4E6B-9C9F-B1F47979EE4D}"/>
-          </ac:spMkLst>
-        </pc:spChg>
-        <pc:spChg chg="add mod">
-          <ac:chgData name="Khattab, Sherif" userId="c83b1e15-36f3-4f46-aceb-05aac24c545e" providerId="ADAL" clId="{86C989E0-91AC-42C2-9974-EED7EE88B024}" dt="2022-02-10T19:15:51.638" v="556"/>
-          <ac:spMkLst>
-            <pc:docMk/>
-            <pc:sldMk cId="1704561566" sldId="564"/>
-            <ac:spMk id="6" creationId="{18FB27A7-690B-4F3F-8DBB-22E5F4B84818}"/>
-          </ac:spMkLst>
-        </pc:spChg>
-        <pc:spChg chg="add mod">
-          <ac:chgData name="Khattab, Sherif" userId="c83b1e15-36f3-4f46-aceb-05aac24c545e" providerId="ADAL" clId="{86C989E0-91AC-42C2-9974-EED7EE88B024}" dt="2022-02-10T19:15:51.638" v="556"/>
-          <ac:spMkLst>
-            <pc:docMk/>
-            <pc:sldMk cId="1704561566" sldId="564"/>
-            <ac:spMk id="7" creationId="{04AC908C-D0A3-4301-AF0E-855420707852}"/>
-          </ac:spMkLst>
-        </pc:spChg>
-      </pc:sldChg>
-      <pc:sldChg chg="add del">
-        <pc:chgData name="Khattab, Sherif" userId="c83b1e15-36f3-4f46-aceb-05aac24c545e" providerId="ADAL" clId="{86C989E0-91AC-42C2-9974-EED7EE88B024}" dt="2022-02-10T19:21:14.712" v="976" actId="2696"/>
-        <pc:sldMkLst>
-          <pc:docMk/>
-          <pc:sldMk cId="931898487" sldId="581"/>
-        </pc:sldMkLst>
-      </pc:sldChg>
-      <pc:sldChg chg="add del ord">
-        <pc:chgData name="Khattab, Sherif" userId="c83b1e15-36f3-4f46-aceb-05aac24c545e" providerId="ADAL" clId="{86C989E0-91AC-42C2-9974-EED7EE88B024}" dt="2022-02-10T19:20:49.419" v="975"/>
-        <pc:sldMkLst>
-          <pc:docMk/>
-          <pc:sldMk cId="2301043" sldId="582"/>
-        </pc:sldMkLst>
-      </pc:sldChg>
-      <pc:sldChg chg="add del">
-        <pc:chgData name="Khattab, Sherif" userId="c83b1e15-36f3-4f46-aceb-05aac24c545e" providerId="ADAL" clId="{86C989E0-91AC-42C2-9974-EED7EE88B024}" dt="2022-02-10T19:21:14.712" v="976" actId="2696"/>
-        <pc:sldMkLst>
-          <pc:docMk/>
-          <pc:sldMk cId="725852215" sldId="583"/>
-        </pc:sldMkLst>
-      </pc:sldChg>
-      <pc:sldChg chg="add del">
-        <pc:chgData name="Khattab, Sherif" userId="c83b1e15-36f3-4f46-aceb-05aac24c545e" providerId="ADAL" clId="{86C989E0-91AC-42C2-9974-EED7EE88B024}" dt="2022-02-10T19:21:14.712" v="976" actId="2696"/>
-        <pc:sldMkLst>
-          <pc:docMk/>
-          <pc:sldMk cId="2987249071" sldId="584"/>
-        </pc:sldMkLst>
-      </pc:sldChg>
-      <pc:sldChg chg="add del">
-        <pc:chgData name="Khattab, Sherif" userId="c83b1e15-36f3-4f46-aceb-05aac24c545e" providerId="ADAL" clId="{86C989E0-91AC-42C2-9974-EED7EE88B024}" dt="2022-02-10T19:21:14.712" v="976" actId="2696"/>
-        <pc:sldMkLst>
-          <pc:docMk/>
-          <pc:sldMk cId="1810255753" sldId="585"/>
-        </pc:sldMkLst>
-      </pc:sldChg>
-      <pc:sldChg chg="add del">
-        <pc:chgData name="Khattab, Sherif" userId="c83b1e15-36f3-4f46-aceb-05aac24c545e" providerId="ADAL" clId="{86C989E0-91AC-42C2-9974-EED7EE88B024}" dt="2022-02-10T19:21:14.712" v="976" actId="2696"/>
-        <pc:sldMkLst>
-          <pc:docMk/>
-          <pc:sldMk cId="1613586742" sldId="586"/>
-        </pc:sldMkLst>
-      </pc:sldChg>
-      <pc:sldChg chg="add del">
-        <pc:chgData name="Khattab, Sherif" userId="c83b1e15-36f3-4f46-aceb-05aac24c545e" providerId="ADAL" clId="{86C989E0-91AC-42C2-9974-EED7EE88B024}" dt="2022-02-10T19:21:14.712" v="976" actId="2696"/>
-        <pc:sldMkLst>
-          <pc:docMk/>
-          <pc:sldMk cId="1883276906" sldId="587"/>
-        </pc:sldMkLst>
-      </pc:sldChg>
-      <pc:sldChg chg="modSp new mod ord modAnim">
-        <pc:chgData name="Khattab, Sherif" userId="c83b1e15-36f3-4f46-aceb-05aac24c545e" providerId="ADAL" clId="{86C989E0-91AC-42C2-9974-EED7EE88B024}" dt="2022-02-10T19:15:35.134" v="552"/>
-        <pc:sldMkLst>
-          <pc:docMk/>
-          <pc:sldMk cId="4254770334" sldId="588"/>
-        </pc:sldMkLst>
-        <pc:spChg chg="mod">
-          <ac:chgData name="Khattab, Sherif" userId="c83b1e15-36f3-4f46-aceb-05aac24c545e" providerId="ADAL" clId="{86C989E0-91AC-42C2-9974-EED7EE88B024}" dt="2022-02-10T19:15:22.700" v="548" actId="404"/>
-          <ac:spMkLst>
-            <pc:docMk/>
-            <pc:sldMk cId="4254770334" sldId="588"/>
-            <ac:spMk id="2" creationId="{2B719A8D-FFCF-4F33-A1EF-1B47541E2A88}"/>
-          </ac:spMkLst>
-        </pc:spChg>
-        <pc:spChg chg="mod">
-          <ac:chgData name="Khattab, Sherif" userId="c83b1e15-36f3-4f46-aceb-05aac24c545e" providerId="ADAL" clId="{86C989E0-91AC-42C2-9974-EED7EE88B024}" dt="2022-02-10T19:15:15.458" v="547" actId="27636"/>
-          <ac:spMkLst>
-            <pc:docMk/>
-            <pc:sldMk cId="4254770334" sldId="588"/>
-            <ac:spMk id="3" creationId="{615884C0-0D74-4653-9064-E4C7BDC08BFC}"/>
-          </ac:spMkLst>
-        </pc:spChg>
-      </pc:sldChg>
-      <pc:sldChg chg="modSp new mod modAnim">
-        <pc:chgData name="Khattab, Sherif" userId="c83b1e15-36f3-4f46-aceb-05aac24c545e" providerId="ADAL" clId="{86C989E0-91AC-42C2-9974-EED7EE88B024}" dt="2022-02-10T19:15:40.856" v="554"/>
-        <pc:sldMkLst>
-          <pc:docMk/>
-          <pc:sldMk cId="3123948321" sldId="589"/>
-        </pc:sldMkLst>
-        <pc:spChg chg="mod">
-          <ac:chgData name="Khattab, Sherif" userId="c83b1e15-36f3-4f46-aceb-05aac24c545e" providerId="ADAL" clId="{86C989E0-91AC-42C2-9974-EED7EE88B024}" dt="2022-02-10T19:13:30.880" v="501" actId="20577"/>
-          <ac:spMkLst>
-            <pc:docMk/>
-            <pc:sldMk cId="3123948321" sldId="589"/>
-            <ac:spMk id="2" creationId="{9C8E793F-C42F-4640-BB1F-35B9A4948BC9}"/>
-          </ac:spMkLst>
-        </pc:spChg>
-        <pc:spChg chg="mod">
-          <ac:chgData name="Khattab, Sherif" userId="c83b1e15-36f3-4f46-aceb-05aac24c545e" providerId="ADAL" clId="{86C989E0-91AC-42C2-9974-EED7EE88B024}" dt="2022-02-10T19:15:27.283" v="550" actId="6549"/>
-          <ac:spMkLst>
-            <pc:docMk/>
-            <pc:sldMk cId="3123948321" sldId="589"/>
-            <ac:spMk id="3" creationId="{F99AC314-6D82-4093-BF29-E5027394A5D8}"/>
-          </ac:spMkLst>
-        </pc:spChg>
-      </pc:sldChg>
-      <pc:sldChg chg="modSp new mod">
-        <pc:chgData name="Khattab, Sherif" userId="c83b1e15-36f3-4f46-aceb-05aac24c545e" providerId="ADAL" clId="{86C989E0-91AC-42C2-9974-EED7EE88B024}" dt="2022-02-10T19:20:01.650" v="900" actId="20577"/>
-        <pc:sldMkLst>
-          <pc:docMk/>
-          <pc:sldMk cId="287963889" sldId="590"/>
-        </pc:sldMkLst>
-        <pc:spChg chg="mod">
-          <ac:chgData name="Khattab, Sherif" userId="c83b1e15-36f3-4f46-aceb-05aac24c545e" providerId="ADAL" clId="{86C989E0-91AC-42C2-9974-EED7EE88B024}" dt="2022-02-10T19:17:13.345" v="619" actId="20577"/>
-          <ac:spMkLst>
-            <pc:docMk/>
-            <pc:sldMk cId="287963889" sldId="590"/>
-            <ac:spMk id="2" creationId="{6F6B47D2-BF4D-4A7E-B96C-A469DDC32F21}"/>
-          </ac:spMkLst>
-        </pc:spChg>
-        <pc:spChg chg="mod">
-          <ac:chgData name="Khattab, Sherif" userId="c83b1e15-36f3-4f46-aceb-05aac24c545e" providerId="ADAL" clId="{86C989E0-91AC-42C2-9974-EED7EE88B024}" dt="2022-02-10T19:20:01.650" v="900" actId="20577"/>
-          <ac:spMkLst>
-            <pc:docMk/>
-            <pc:sldMk cId="287963889" sldId="590"/>
-            <ac:spMk id="3" creationId="{D4B104AC-F825-4D12-AF47-9BB2A93013A3}"/>
-          </ac:spMkLst>
-        </pc:spChg>
-      </pc:sldChg>
-      <pc:sldChg chg="modSp new mod">
-        <pc:chgData name="Khattab, Sherif" userId="c83b1e15-36f3-4f46-aceb-05aac24c545e" providerId="ADAL" clId="{86C989E0-91AC-42C2-9974-EED7EE88B024}" dt="2022-02-10T19:18:05.667" v="789" actId="20577"/>
-        <pc:sldMkLst>
-          <pc:docMk/>
-          <pc:sldMk cId="2859212682" sldId="591"/>
-        </pc:sldMkLst>
-        <pc:spChg chg="mod">
-          <ac:chgData name="Khattab, Sherif" userId="c83b1e15-36f3-4f46-aceb-05aac24c545e" providerId="ADAL" clId="{86C989E0-91AC-42C2-9974-EED7EE88B024}" dt="2022-02-10T19:17:51.675" v="750" actId="20577"/>
-          <ac:spMkLst>
-            <pc:docMk/>
-            <pc:sldMk cId="2859212682" sldId="591"/>
-            <ac:spMk id="2" creationId="{59D6DC7C-061F-4CDB-ABBD-2CF68B9788C9}"/>
-          </ac:spMkLst>
-        </pc:spChg>
-        <pc:spChg chg="mod">
-          <ac:chgData name="Khattab, Sherif" userId="c83b1e15-36f3-4f46-aceb-05aac24c545e" providerId="ADAL" clId="{86C989E0-91AC-42C2-9974-EED7EE88B024}" dt="2022-02-10T19:18:05.667" v="789" actId="20577"/>
-          <ac:spMkLst>
-            <pc:docMk/>
-            <pc:sldMk cId="2859212682" sldId="591"/>
-            <ac:spMk id="3" creationId="{6F232C81-3D5E-44D0-AAE2-8089087759FF}"/>
-          </ac:spMkLst>
-        </pc:spChg>
-      </pc:sldChg>
-      <pc:sldChg chg="modSp add mod ord">
-        <pc:chgData name="Khattab, Sherif" userId="c83b1e15-36f3-4f46-aceb-05aac24c545e" providerId="ADAL" clId="{86C989E0-91AC-42C2-9974-EED7EE88B024}" dt="2022-02-10T19:19:33.329" v="891" actId="20577"/>
-        <pc:sldMkLst>
-          <pc:docMk/>
-          <pc:sldMk cId="979694929" sldId="592"/>
-        </pc:sldMkLst>
-        <pc:spChg chg="mod">
-          <ac:chgData name="Khattab, Sherif" userId="c83b1e15-36f3-4f46-aceb-05aac24c545e" providerId="ADAL" clId="{86C989E0-91AC-42C2-9974-EED7EE88B024}" dt="2022-02-10T19:19:33.329" v="891" actId="20577"/>
-          <ac:spMkLst>
-            <pc:docMk/>
-            <pc:sldMk cId="979694929" sldId="592"/>
-            <ac:spMk id="2" creationId="{59D6DC7C-061F-4CDB-ABBD-2CF68B9788C9}"/>
-          </ac:spMkLst>
-        </pc:spChg>
-        <pc:spChg chg="mod">
-          <ac:chgData name="Khattab, Sherif" userId="c83b1e15-36f3-4f46-aceb-05aac24c545e" providerId="ADAL" clId="{86C989E0-91AC-42C2-9974-EED7EE88B024}" dt="2022-02-10T19:19:28.618" v="881" actId="20577"/>
-          <ac:spMkLst>
-            <pc:docMk/>
-            <pc:sldMk cId="979694929" sldId="592"/>
-            <ac:spMk id="3" creationId="{6F232C81-3D5E-44D0-AAE2-8089087759FF}"/>
-          </ac:spMkLst>
-        </pc:spChg>
-      </pc:sldChg>
-      <pc:sldChg chg="modSp add mod ord">
-        <pc:chgData name="Khattab, Sherif" userId="c83b1e15-36f3-4f46-aceb-05aac24c545e" providerId="ADAL" clId="{86C989E0-91AC-42C2-9974-EED7EE88B024}" dt="2022-02-10T19:20:33.589" v="971" actId="20577"/>
-        <pc:sldMkLst>
-          <pc:docMk/>
-          <pc:sldMk cId="2670576502" sldId="593"/>
-        </pc:sldMkLst>
-        <pc:spChg chg="mod">
-          <ac:chgData name="Khattab, Sherif" userId="c83b1e15-36f3-4f46-aceb-05aac24c545e" providerId="ADAL" clId="{86C989E0-91AC-42C2-9974-EED7EE88B024}" dt="2022-02-10T19:20:20.570" v="915" actId="20577"/>
-          <ac:spMkLst>
-            <pc:docMk/>
-            <pc:sldMk cId="2670576502" sldId="593"/>
-            <ac:spMk id="2" creationId="{59D6DC7C-061F-4CDB-ABBD-2CF68B9788C9}"/>
-          </ac:spMkLst>
-        </pc:spChg>
-        <pc:spChg chg="mod">
-          <ac:chgData name="Khattab, Sherif" userId="c83b1e15-36f3-4f46-aceb-05aac24c545e" providerId="ADAL" clId="{86C989E0-91AC-42C2-9974-EED7EE88B024}" dt="2022-02-10T19:20:33.589" v="971" actId="20577"/>
-          <ac:spMkLst>
-            <pc:docMk/>
-            <pc:sldMk cId="2670576502" sldId="593"/>
-            <ac:spMk id="3" creationId="{6F232C81-3D5E-44D0-AAE2-8089087759FF}"/>
-          </ac:spMkLst>
-        </pc:spChg>
-      </pc:sldChg>
+      </pc:sldChg>
+      <pc:sldMasterChg chg="modSldLayout">
+        <pc:chgData name="Khattab, Sherif" userId="c83b1e15-36f3-4f46-aceb-05aac24c545e" providerId="ADAL" clId="{E6EB0EA7-2544-4CF1-A7D6-AFF5E9AECA5D}" dt="2020-05-14T17:11:02.329" v="5" actId="478"/>
+        <pc:sldMasterMkLst>
+          <pc:docMk/>
+          <pc:sldMasterMk cId="0" sldId="2147483648"/>
+        </pc:sldMasterMkLst>
+        <pc:sldLayoutChg chg="addSp delSp modSp">
+          <pc:chgData name="Khattab, Sherif" userId="c83b1e15-36f3-4f46-aceb-05aac24c545e" providerId="ADAL" clId="{E6EB0EA7-2544-4CF1-A7D6-AFF5E9AECA5D}" dt="2020-05-14T17:11:02.329" v="5" actId="478"/>
+          <pc:sldLayoutMkLst>
+            <pc:docMk/>
+            <pc:sldMasterMk cId="0" sldId="2147483648"/>
+            <pc:sldLayoutMk cId="75952674" sldId="2147483651"/>
+          </pc:sldLayoutMkLst>
+          <pc:spChg chg="mod">
+            <ac:chgData name="Khattab, Sherif" userId="c83b1e15-36f3-4f46-aceb-05aac24c545e" providerId="ADAL" clId="{E6EB0EA7-2544-4CF1-A7D6-AFF5E9AECA5D}" dt="2020-05-14T17:10:58.314" v="4" actId="207"/>
+            <ac:spMkLst>
+              <pc:docMk/>
+              <pc:sldMasterMk cId="0" sldId="2147483648"/>
+              <pc:sldLayoutMk cId="75952674" sldId="2147483651"/>
+              <ac:spMk id="2" creationId="{00000000-0000-0000-0000-000000000000}"/>
+            </ac:spMkLst>
+          </pc:spChg>
+          <pc:picChg chg="add del mod">
+            <ac:chgData name="Khattab, Sherif" userId="c83b1e15-36f3-4f46-aceb-05aac24c545e" providerId="ADAL" clId="{E6EB0EA7-2544-4CF1-A7D6-AFF5E9AECA5D}" dt="2020-05-14T17:11:02.329" v="5" actId="478"/>
+            <ac:picMkLst>
+              <pc:docMk/>
+              <pc:sldMasterMk cId="0" sldId="2147483648"/>
+              <pc:sldLayoutMk cId="75952674" sldId="2147483651"/>
+              <ac:picMk id="10" creationId="{CE32924D-DB3B-4207-A608-C0B94DD56D2C}"/>
+            </ac:picMkLst>
+          </pc:picChg>
+        </pc:sldLayoutChg>
+      </pc:sldMasterChg>
     </pc:docChg>
   </pc:docChgLst>
   <pc:docChgLst>
@@ -5003,24 +4539,2303 @@
     </pc:docChg>
   </pc:docChgLst>
   <pc:docChgLst>
-    <pc:chgData name="Khattab, Sherif" userId="c83b1e15-36f3-4f46-aceb-05aac24c545e" providerId="ADAL" clId="{00771379-563B-405F-813C-A6D6F2B0CDAD}"/>
-    <pc:docChg chg="modSld">
-      <pc:chgData name="Khattab, Sherif" userId="c83b1e15-36f3-4f46-aceb-05aac24c545e" providerId="ADAL" clId="{00771379-563B-405F-813C-A6D6F2B0CDAD}" dt="2020-09-08T04:21:57.867" v="3" actId="20577"/>
+    <pc:chgData name="Sherif Khattab" userId="c83b1e15-36f3-4f46-aceb-05aac24c545e" providerId="ADAL" clId="{4F266D3B-92A2-40A8-A073-356F608DC91A}"/>
+    <pc:docChg chg="undo custSel addSld delSld modSld">
+      <pc:chgData name="Sherif Khattab" userId="c83b1e15-36f3-4f46-aceb-05aac24c545e" providerId="ADAL" clId="{4F266D3B-92A2-40A8-A073-356F608DC91A}" dt="2021-02-16T18:38:20.208" v="578" actId="20577"/>
       <pc:docMkLst>
         <pc:docMk/>
       </pc:docMkLst>
       <pc:sldChg chg="modSp mod">
-        <pc:chgData name="Khattab, Sherif" userId="c83b1e15-36f3-4f46-aceb-05aac24c545e" providerId="ADAL" clId="{00771379-563B-405F-813C-A6D6F2B0CDAD}" dt="2020-09-08T04:21:57.867" v="3" actId="20577"/>
+        <pc:chgData name="Sherif Khattab" userId="c83b1e15-36f3-4f46-aceb-05aac24c545e" providerId="ADAL" clId="{4F266D3B-92A2-40A8-A073-356F608DC91A}" dt="2021-02-16T15:39:14.558" v="504" actId="20577"/>
+        <pc:sldMkLst>
+          <pc:docMk/>
+          <pc:sldMk cId="3681208715" sldId="257"/>
+        </pc:sldMkLst>
+        <pc:spChg chg="mod">
+          <ac:chgData name="Sherif Khattab" userId="c83b1e15-36f3-4f46-aceb-05aac24c545e" providerId="ADAL" clId="{4F266D3B-92A2-40A8-A073-356F608DC91A}" dt="2021-02-16T15:39:14.558" v="504" actId="20577"/>
+          <ac:spMkLst>
+            <pc:docMk/>
+            <pc:sldMk cId="3681208715" sldId="257"/>
+            <ac:spMk id="5123" creationId="{550C3EC1-F853-4061-A0F2-F81B64390D10}"/>
+          </ac:spMkLst>
+        </pc:spChg>
+      </pc:sldChg>
+      <pc:sldChg chg="del">
+        <pc:chgData name="Sherif Khattab" userId="c83b1e15-36f3-4f46-aceb-05aac24c545e" providerId="ADAL" clId="{4F266D3B-92A2-40A8-A073-356F608DC91A}" dt="2021-02-16T15:39:00.760" v="491" actId="47"/>
+        <pc:sldMkLst>
+          <pc:docMk/>
+          <pc:sldMk cId="1664517503" sldId="258"/>
+        </pc:sldMkLst>
+      </pc:sldChg>
+      <pc:sldChg chg="del">
+        <pc:chgData name="Sherif Khattab" userId="c83b1e15-36f3-4f46-aceb-05aac24c545e" providerId="ADAL" clId="{4F266D3B-92A2-40A8-A073-356F608DC91A}" dt="2021-02-16T14:38:32.321" v="5" actId="47"/>
+        <pc:sldMkLst>
+          <pc:docMk/>
+          <pc:sldMk cId="1004035158" sldId="259"/>
+        </pc:sldMkLst>
+      </pc:sldChg>
+      <pc:sldChg chg="del">
+        <pc:chgData name="Sherif Khattab" userId="c83b1e15-36f3-4f46-aceb-05aac24c545e" providerId="ADAL" clId="{4F266D3B-92A2-40A8-A073-356F608DC91A}" dt="2021-02-16T15:39:06.861" v="493" actId="47"/>
+        <pc:sldMkLst>
+          <pc:docMk/>
+          <pc:sldMk cId="3230569327" sldId="260"/>
+        </pc:sldMkLst>
+      </pc:sldChg>
+      <pc:sldChg chg="del">
+        <pc:chgData name="Sherif Khattab" userId="c83b1e15-36f3-4f46-aceb-05aac24c545e" providerId="ADAL" clId="{4F266D3B-92A2-40A8-A073-356F608DC91A}" dt="2021-02-16T14:38:32.321" v="5" actId="47"/>
+        <pc:sldMkLst>
+          <pc:docMk/>
+          <pc:sldMk cId="1444142485" sldId="261"/>
+        </pc:sldMkLst>
+      </pc:sldChg>
+      <pc:sldChg chg="del">
+        <pc:chgData name="Sherif Khattab" userId="c83b1e15-36f3-4f46-aceb-05aac24c545e" providerId="ADAL" clId="{4F266D3B-92A2-40A8-A073-356F608DC91A}" dt="2021-02-16T14:38:32.321" v="5" actId="47"/>
+        <pc:sldMkLst>
+          <pc:docMk/>
+          <pc:sldMk cId="516417489" sldId="262"/>
+        </pc:sldMkLst>
+      </pc:sldChg>
+      <pc:sldChg chg="del">
+        <pc:chgData name="Sherif Khattab" userId="c83b1e15-36f3-4f46-aceb-05aac24c545e" providerId="ADAL" clId="{4F266D3B-92A2-40A8-A073-356F608DC91A}" dt="2021-02-16T14:38:32.321" v="5" actId="47"/>
+        <pc:sldMkLst>
+          <pc:docMk/>
+          <pc:sldMk cId="561583903" sldId="263"/>
+        </pc:sldMkLst>
+      </pc:sldChg>
+      <pc:sldChg chg="del">
+        <pc:chgData name="Sherif Khattab" userId="c83b1e15-36f3-4f46-aceb-05aac24c545e" providerId="ADAL" clId="{4F266D3B-92A2-40A8-A073-356F608DC91A}" dt="2021-02-16T14:38:32.321" v="5" actId="47"/>
+        <pc:sldMkLst>
+          <pc:docMk/>
+          <pc:sldMk cId="982315759" sldId="264"/>
+        </pc:sldMkLst>
+      </pc:sldChg>
+      <pc:sldChg chg="del">
+        <pc:chgData name="Sherif Khattab" userId="c83b1e15-36f3-4f46-aceb-05aac24c545e" providerId="ADAL" clId="{4F266D3B-92A2-40A8-A073-356F608DC91A}" dt="2021-02-16T14:38:32.321" v="5" actId="47"/>
+        <pc:sldMkLst>
+          <pc:docMk/>
+          <pc:sldMk cId="423130617" sldId="265"/>
+        </pc:sldMkLst>
+      </pc:sldChg>
+      <pc:sldChg chg="del">
+        <pc:chgData name="Sherif Khattab" userId="c83b1e15-36f3-4f46-aceb-05aac24c545e" providerId="ADAL" clId="{4F266D3B-92A2-40A8-A073-356F608DC91A}" dt="2021-02-16T14:40:29.007" v="103" actId="47"/>
+        <pc:sldMkLst>
+          <pc:docMk/>
+          <pc:sldMk cId="386763112" sldId="266"/>
+        </pc:sldMkLst>
+      </pc:sldChg>
+      <pc:sldChg chg="del">
+        <pc:chgData name="Sherif Khattab" userId="c83b1e15-36f3-4f46-aceb-05aac24c545e" providerId="ADAL" clId="{4F266D3B-92A2-40A8-A073-356F608DC91A}" dt="2021-02-16T14:38:32.321" v="5" actId="47"/>
+        <pc:sldMkLst>
+          <pc:docMk/>
+          <pc:sldMk cId="661211275" sldId="267"/>
+        </pc:sldMkLst>
+      </pc:sldChg>
+      <pc:sldChg chg="del">
+        <pc:chgData name="Sherif Khattab" userId="c83b1e15-36f3-4f46-aceb-05aac24c545e" providerId="ADAL" clId="{4F266D3B-92A2-40A8-A073-356F608DC91A}" dt="2021-02-16T14:38:32.321" v="5" actId="47"/>
+        <pc:sldMkLst>
+          <pc:docMk/>
+          <pc:sldMk cId="1897509347" sldId="268"/>
+        </pc:sldMkLst>
+      </pc:sldChg>
+      <pc:sldChg chg="del">
+        <pc:chgData name="Sherif Khattab" userId="c83b1e15-36f3-4f46-aceb-05aac24c545e" providerId="ADAL" clId="{4F266D3B-92A2-40A8-A073-356F608DC91A}" dt="2021-02-16T14:38:32.321" v="5" actId="47"/>
+        <pc:sldMkLst>
+          <pc:docMk/>
+          <pc:sldMk cId="1042310649" sldId="269"/>
+        </pc:sldMkLst>
+      </pc:sldChg>
+      <pc:sldChg chg="del">
+        <pc:chgData name="Sherif Khattab" userId="c83b1e15-36f3-4f46-aceb-05aac24c545e" providerId="ADAL" clId="{4F266D3B-92A2-40A8-A073-356F608DC91A}" dt="2021-02-16T14:38:32.321" v="5" actId="47"/>
+        <pc:sldMkLst>
+          <pc:docMk/>
+          <pc:sldMk cId="703361262" sldId="270"/>
+        </pc:sldMkLst>
+      </pc:sldChg>
+      <pc:sldChg chg="del">
+        <pc:chgData name="Sherif Khattab" userId="c83b1e15-36f3-4f46-aceb-05aac24c545e" providerId="ADAL" clId="{4F266D3B-92A2-40A8-A073-356F608DC91A}" dt="2021-02-16T14:38:32.321" v="5" actId="47"/>
+        <pc:sldMkLst>
+          <pc:docMk/>
+          <pc:sldMk cId="1436808390" sldId="271"/>
+        </pc:sldMkLst>
+      </pc:sldChg>
+      <pc:sldChg chg="del">
+        <pc:chgData name="Sherif Khattab" userId="c83b1e15-36f3-4f46-aceb-05aac24c545e" providerId="ADAL" clId="{4F266D3B-92A2-40A8-A073-356F608DC91A}" dt="2021-02-16T14:38:32.321" v="5" actId="47"/>
+        <pc:sldMkLst>
+          <pc:docMk/>
+          <pc:sldMk cId="1301683851" sldId="272"/>
+        </pc:sldMkLst>
+      </pc:sldChg>
+      <pc:sldChg chg="del">
+        <pc:chgData name="Sherif Khattab" userId="c83b1e15-36f3-4f46-aceb-05aac24c545e" providerId="ADAL" clId="{4F266D3B-92A2-40A8-A073-356F608DC91A}" dt="2021-02-16T15:40:09.232" v="506" actId="47"/>
+        <pc:sldMkLst>
+          <pc:docMk/>
+          <pc:sldMk cId="1920820884" sldId="273"/>
+        </pc:sldMkLst>
+      </pc:sldChg>
+      <pc:sldChg chg="del">
+        <pc:chgData name="Sherif Khattab" userId="c83b1e15-36f3-4f46-aceb-05aac24c545e" providerId="ADAL" clId="{4F266D3B-92A2-40A8-A073-356F608DC91A}" dt="2021-02-16T14:38:32.321" v="5" actId="47"/>
+        <pc:sldMkLst>
+          <pc:docMk/>
+          <pc:sldMk cId="55302999" sldId="274"/>
+        </pc:sldMkLst>
+      </pc:sldChg>
+      <pc:sldChg chg="del">
+        <pc:chgData name="Sherif Khattab" userId="c83b1e15-36f3-4f46-aceb-05aac24c545e" providerId="ADAL" clId="{4F266D3B-92A2-40A8-A073-356F608DC91A}" dt="2021-02-16T14:38:32.321" v="5" actId="47"/>
+        <pc:sldMkLst>
+          <pc:docMk/>
+          <pc:sldMk cId="2064114192" sldId="276"/>
+        </pc:sldMkLst>
+      </pc:sldChg>
+      <pc:sldChg chg="del">
+        <pc:chgData name="Sherif Khattab" userId="c83b1e15-36f3-4f46-aceb-05aac24c545e" providerId="ADAL" clId="{4F266D3B-92A2-40A8-A073-356F608DC91A}" dt="2021-02-16T15:40:10.078" v="509" actId="47"/>
+        <pc:sldMkLst>
+          <pc:docMk/>
+          <pc:sldMk cId="2017417480" sldId="277"/>
+        </pc:sldMkLst>
+      </pc:sldChg>
+      <pc:sldChg chg="del">
+        <pc:chgData name="Sherif Khattab" userId="c83b1e15-36f3-4f46-aceb-05aac24c545e" providerId="ADAL" clId="{4F266D3B-92A2-40A8-A073-356F608DC91A}" dt="2021-02-16T14:38:32.321" v="5" actId="47"/>
+        <pc:sldMkLst>
+          <pc:docMk/>
+          <pc:sldMk cId="1000435174" sldId="278"/>
+        </pc:sldMkLst>
+      </pc:sldChg>
+      <pc:sldChg chg="del">
+        <pc:chgData name="Sherif Khattab" userId="c83b1e15-36f3-4f46-aceb-05aac24c545e" providerId="ADAL" clId="{4F266D3B-92A2-40A8-A073-356F608DC91A}" dt="2021-02-16T14:38:32.321" v="5" actId="47"/>
+        <pc:sldMkLst>
+          <pc:docMk/>
+          <pc:sldMk cId="2080017563" sldId="279"/>
+        </pc:sldMkLst>
+      </pc:sldChg>
+      <pc:sldChg chg="del">
+        <pc:chgData name="Sherif Khattab" userId="c83b1e15-36f3-4f46-aceb-05aac24c545e" providerId="ADAL" clId="{4F266D3B-92A2-40A8-A073-356F608DC91A}" dt="2021-02-16T15:40:10.241" v="513" actId="47"/>
+        <pc:sldMkLst>
+          <pc:docMk/>
+          <pc:sldMk cId="2773510753" sldId="280"/>
+        </pc:sldMkLst>
+      </pc:sldChg>
+      <pc:sldChg chg="del">
+        <pc:chgData name="Sherif Khattab" userId="c83b1e15-36f3-4f46-aceb-05aac24c545e" providerId="ADAL" clId="{4F266D3B-92A2-40A8-A073-356F608DC91A}" dt="2021-02-16T14:38:32.321" v="5" actId="47"/>
+        <pc:sldMkLst>
+          <pc:docMk/>
+          <pc:sldMk cId="1445345591" sldId="281"/>
+        </pc:sldMkLst>
+      </pc:sldChg>
+      <pc:sldChg chg="del">
+        <pc:chgData name="Sherif Khattab" userId="c83b1e15-36f3-4f46-aceb-05aac24c545e" providerId="ADAL" clId="{4F266D3B-92A2-40A8-A073-356F608DC91A}" dt="2021-02-16T14:38:32.321" v="5" actId="47"/>
+        <pc:sldMkLst>
+          <pc:docMk/>
+          <pc:sldMk cId="306268545" sldId="282"/>
+        </pc:sldMkLst>
+      </pc:sldChg>
+      <pc:sldChg chg="del">
+        <pc:chgData name="Sherif Khattab" userId="c83b1e15-36f3-4f46-aceb-05aac24c545e" providerId="ADAL" clId="{4F266D3B-92A2-40A8-A073-356F608DC91A}" dt="2021-02-16T15:40:10.360" v="516" actId="47"/>
+        <pc:sldMkLst>
+          <pc:docMk/>
+          <pc:sldMk cId="171235497" sldId="283"/>
+        </pc:sldMkLst>
+      </pc:sldChg>
+      <pc:sldChg chg="del">
+        <pc:chgData name="Sherif Khattab" userId="c83b1e15-36f3-4f46-aceb-05aac24c545e" providerId="ADAL" clId="{4F266D3B-92A2-40A8-A073-356F608DC91A}" dt="2021-02-16T15:40:10.408" v="517" actId="47"/>
+        <pc:sldMkLst>
+          <pc:docMk/>
+          <pc:sldMk cId="2099089282" sldId="284"/>
+        </pc:sldMkLst>
+      </pc:sldChg>
+      <pc:sldChg chg="del">
+        <pc:chgData name="Sherif Khattab" userId="c83b1e15-36f3-4f46-aceb-05aac24c545e" providerId="ADAL" clId="{4F266D3B-92A2-40A8-A073-356F608DC91A}" dt="2021-02-16T15:40:10.457" v="518" actId="47"/>
+        <pc:sldMkLst>
+          <pc:docMk/>
+          <pc:sldMk cId="1136622862" sldId="285"/>
+        </pc:sldMkLst>
+      </pc:sldChg>
+      <pc:sldChg chg="add del">
+        <pc:chgData name="Sherif Khattab" userId="c83b1e15-36f3-4f46-aceb-05aac24c545e" providerId="ADAL" clId="{4F266D3B-92A2-40A8-A073-356F608DC91A}" dt="2021-02-16T15:40:13.523" v="522" actId="47"/>
+        <pc:sldMkLst>
+          <pc:docMk/>
+          <pc:sldMk cId="1268007695" sldId="288"/>
+        </pc:sldMkLst>
+      </pc:sldChg>
+      <pc:sldChg chg="add del">
+        <pc:chgData name="Sherif Khattab" userId="c83b1e15-36f3-4f46-aceb-05aac24c545e" providerId="ADAL" clId="{4F266D3B-92A2-40A8-A073-356F608DC91A}" dt="2021-02-16T15:40:16.374" v="523" actId="47"/>
+        <pc:sldMkLst>
+          <pc:docMk/>
+          <pc:sldMk cId="463012687" sldId="289"/>
+        </pc:sldMkLst>
+      </pc:sldChg>
+      <pc:sldChg chg="del">
+        <pc:chgData name="Sherif Khattab" userId="c83b1e15-36f3-4f46-aceb-05aac24c545e" providerId="ADAL" clId="{4F266D3B-92A2-40A8-A073-356F608DC91A}" dt="2021-02-16T15:40:10.116" v="510" actId="47"/>
+        <pc:sldMkLst>
+          <pc:docMk/>
+          <pc:sldMk cId="442392580" sldId="290"/>
+        </pc:sldMkLst>
+      </pc:sldChg>
+      <pc:sldChg chg="del">
+        <pc:chgData name="Sherif Khattab" userId="c83b1e15-36f3-4f46-aceb-05aac24c545e" providerId="ADAL" clId="{4F266D3B-92A2-40A8-A073-356F608DC91A}" dt="2021-02-16T14:38:32.321" v="5" actId="47"/>
+        <pc:sldMkLst>
+          <pc:docMk/>
+          <pc:sldMk cId="2710637777" sldId="322"/>
+        </pc:sldMkLst>
+      </pc:sldChg>
+      <pc:sldChg chg="del">
+        <pc:chgData name="Sherif Khattab" userId="c83b1e15-36f3-4f46-aceb-05aac24c545e" providerId="ADAL" clId="{4F266D3B-92A2-40A8-A073-356F608DC91A}" dt="2021-02-16T14:38:32.321" v="5" actId="47"/>
+        <pc:sldMkLst>
+          <pc:docMk/>
+          <pc:sldMk cId="3292918179" sldId="324"/>
+        </pc:sldMkLst>
+      </pc:sldChg>
+      <pc:sldChg chg="del">
+        <pc:chgData name="Sherif Khattab" userId="c83b1e15-36f3-4f46-aceb-05aac24c545e" providerId="ADAL" clId="{4F266D3B-92A2-40A8-A073-356F608DC91A}" dt="2021-02-16T14:38:32.321" v="5" actId="47"/>
+        <pc:sldMkLst>
+          <pc:docMk/>
+          <pc:sldMk cId="355119911" sldId="338"/>
+        </pc:sldMkLst>
+      </pc:sldChg>
+      <pc:sldChg chg="del">
+        <pc:chgData name="Sherif Khattab" userId="c83b1e15-36f3-4f46-aceb-05aac24c545e" providerId="ADAL" clId="{4F266D3B-92A2-40A8-A073-356F608DC91A}" dt="2021-02-16T14:38:32.321" v="5" actId="47"/>
+        <pc:sldMkLst>
+          <pc:docMk/>
+          <pc:sldMk cId="4223572414" sldId="339"/>
+        </pc:sldMkLst>
+      </pc:sldChg>
+      <pc:sldChg chg="del">
+        <pc:chgData name="Sherif Khattab" userId="c83b1e15-36f3-4f46-aceb-05aac24c545e" providerId="ADAL" clId="{4F266D3B-92A2-40A8-A073-356F608DC91A}" dt="2021-02-16T14:38:32.321" v="5" actId="47"/>
+        <pc:sldMkLst>
+          <pc:docMk/>
+          <pc:sldMk cId="470668490" sldId="340"/>
+        </pc:sldMkLst>
+      </pc:sldChg>
+      <pc:sldChg chg="del">
+        <pc:chgData name="Sherif Khattab" userId="c83b1e15-36f3-4f46-aceb-05aac24c545e" providerId="ADAL" clId="{4F266D3B-92A2-40A8-A073-356F608DC91A}" dt="2021-02-16T14:38:32.321" v="5" actId="47"/>
+        <pc:sldMkLst>
+          <pc:docMk/>
+          <pc:sldMk cId="1205868326" sldId="341"/>
+        </pc:sldMkLst>
+      </pc:sldChg>
+      <pc:sldChg chg="del">
+        <pc:chgData name="Sherif Khattab" userId="c83b1e15-36f3-4f46-aceb-05aac24c545e" providerId="ADAL" clId="{4F266D3B-92A2-40A8-A073-356F608DC91A}" dt="2021-02-16T14:38:32.321" v="5" actId="47"/>
+        <pc:sldMkLst>
+          <pc:docMk/>
+          <pc:sldMk cId="1806563943" sldId="342"/>
+        </pc:sldMkLst>
+      </pc:sldChg>
+      <pc:sldChg chg="del">
+        <pc:chgData name="Sherif Khattab" userId="c83b1e15-36f3-4f46-aceb-05aac24c545e" providerId="ADAL" clId="{4F266D3B-92A2-40A8-A073-356F608DC91A}" dt="2021-02-16T14:38:32.321" v="5" actId="47"/>
+        <pc:sldMkLst>
+          <pc:docMk/>
+          <pc:sldMk cId="1167711490" sldId="343"/>
+        </pc:sldMkLst>
+      </pc:sldChg>
+      <pc:sldChg chg="del">
+        <pc:chgData name="Sherif Khattab" userId="c83b1e15-36f3-4f46-aceb-05aac24c545e" providerId="ADAL" clId="{4F266D3B-92A2-40A8-A073-356F608DC91A}" dt="2021-02-16T14:38:32.321" v="5" actId="47"/>
+        <pc:sldMkLst>
+          <pc:docMk/>
+          <pc:sldMk cId="1271999567" sldId="349"/>
+        </pc:sldMkLst>
+      </pc:sldChg>
+      <pc:sldChg chg="del">
+        <pc:chgData name="Sherif Khattab" userId="c83b1e15-36f3-4f46-aceb-05aac24c545e" providerId="ADAL" clId="{4F266D3B-92A2-40A8-A073-356F608DC91A}" dt="2021-02-16T14:38:32.321" v="5" actId="47"/>
+        <pc:sldMkLst>
+          <pc:docMk/>
+          <pc:sldMk cId="434376579" sldId="363"/>
+        </pc:sldMkLst>
+      </pc:sldChg>
+      <pc:sldChg chg="del">
+        <pc:chgData name="Sherif Khattab" userId="c83b1e15-36f3-4f46-aceb-05aac24c545e" providerId="ADAL" clId="{4F266D3B-92A2-40A8-A073-356F608DC91A}" dt="2021-02-16T14:38:32.321" v="5" actId="47"/>
+        <pc:sldMkLst>
+          <pc:docMk/>
+          <pc:sldMk cId="815621424" sldId="364"/>
+        </pc:sldMkLst>
+      </pc:sldChg>
+      <pc:sldChg chg="del">
+        <pc:chgData name="Sherif Khattab" userId="c83b1e15-36f3-4f46-aceb-05aac24c545e" providerId="ADAL" clId="{4F266D3B-92A2-40A8-A073-356F608DC91A}" dt="2021-02-16T14:38:32.321" v="5" actId="47"/>
+        <pc:sldMkLst>
+          <pc:docMk/>
+          <pc:sldMk cId="1934104099" sldId="365"/>
+        </pc:sldMkLst>
+      </pc:sldChg>
+      <pc:sldChg chg="del">
+        <pc:chgData name="Sherif Khattab" userId="c83b1e15-36f3-4f46-aceb-05aac24c545e" providerId="ADAL" clId="{4F266D3B-92A2-40A8-A073-356F608DC91A}" dt="2021-02-16T14:38:32.321" v="5" actId="47"/>
+        <pc:sldMkLst>
+          <pc:docMk/>
+          <pc:sldMk cId="2782429159" sldId="366"/>
+        </pc:sldMkLst>
+      </pc:sldChg>
+      <pc:sldChg chg="del">
+        <pc:chgData name="Sherif Khattab" userId="c83b1e15-36f3-4f46-aceb-05aac24c545e" providerId="ADAL" clId="{4F266D3B-92A2-40A8-A073-356F608DC91A}" dt="2021-02-16T14:38:32.321" v="5" actId="47"/>
+        <pc:sldMkLst>
+          <pc:docMk/>
+          <pc:sldMk cId="2251973667" sldId="367"/>
+        </pc:sldMkLst>
+      </pc:sldChg>
+      <pc:sldChg chg="del">
+        <pc:chgData name="Sherif Khattab" userId="c83b1e15-36f3-4f46-aceb-05aac24c545e" providerId="ADAL" clId="{4F266D3B-92A2-40A8-A073-356F608DC91A}" dt="2021-02-16T14:38:32.321" v="5" actId="47"/>
+        <pc:sldMkLst>
+          <pc:docMk/>
+          <pc:sldMk cId="3138501136" sldId="368"/>
+        </pc:sldMkLst>
+      </pc:sldChg>
+      <pc:sldChg chg="del">
+        <pc:chgData name="Sherif Khattab" userId="c83b1e15-36f3-4f46-aceb-05aac24c545e" providerId="ADAL" clId="{4F266D3B-92A2-40A8-A073-356F608DC91A}" dt="2021-02-16T14:38:32.321" v="5" actId="47"/>
+        <pc:sldMkLst>
+          <pc:docMk/>
+          <pc:sldMk cId="3210992163" sldId="369"/>
+        </pc:sldMkLst>
+      </pc:sldChg>
+      <pc:sldChg chg="del">
+        <pc:chgData name="Sherif Khattab" userId="c83b1e15-36f3-4f46-aceb-05aac24c545e" providerId="ADAL" clId="{4F266D3B-92A2-40A8-A073-356F608DC91A}" dt="2021-02-16T14:38:32.321" v="5" actId="47"/>
+        <pc:sldMkLst>
+          <pc:docMk/>
+          <pc:sldMk cId="4013065491" sldId="370"/>
+        </pc:sldMkLst>
+      </pc:sldChg>
+      <pc:sldChg chg="del">
+        <pc:chgData name="Sherif Khattab" userId="c83b1e15-36f3-4f46-aceb-05aac24c545e" providerId="ADAL" clId="{4F266D3B-92A2-40A8-A073-356F608DC91A}" dt="2021-02-16T14:38:32.321" v="5" actId="47"/>
+        <pc:sldMkLst>
+          <pc:docMk/>
+          <pc:sldMk cId="2592968416" sldId="371"/>
+        </pc:sldMkLst>
+      </pc:sldChg>
+      <pc:sldChg chg="del">
+        <pc:chgData name="Sherif Khattab" userId="c83b1e15-36f3-4f46-aceb-05aac24c545e" providerId="ADAL" clId="{4F266D3B-92A2-40A8-A073-356F608DC91A}" dt="2021-02-16T14:38:32.321" v="5" actId="47"/>
+        <pc:sldMkLst>
+          <pc:docMk/>
+          <pc:sldMk cId="3848335379" sldId="372"/>
+        </pc:sldMkLst>
+      </pc:sldChg>
+      <pc:sldChg chg="del">
+        <pc:chgData name="Sherif Khattab" userId="c83b1e15-36f3-4f46-aceb-05aac24c545e" providerId="ADAL" clId="{4F266D3B-92A2-40A8-A073-356F608DC91A}" dt="2021-02-16T14:38:32.321" v="5" actId="47"/>
+        <pc:sldMkLst>
+          <pc:docMk/>
+          <pc:sldMk cId="3161117264" sldId="373"/>
+        </pc:sldMkLst>
+      </pc:sldChg>
+      <pc:sldChg chg="del">
+        <pc:chgData name="Sherif Khattab" userId="c83b1e15-36f3-4f46-aceb-05aac24c545e" providerId="ADAL" clId="{4F266D3B-92A2-40A8-A073-356F608DC91A}" dt="2021-02-16T14:38:32.321" v="5" actId="47"/>
+        <pc:sldMkLst>
+          <pc:docMk/>
+          <pc:sldMk cId="1542066946" sldId="374"/>
+        </pc:sldMkLst>
+      </pc:sldChg>
+      <pc:sldChg chg="del">
+        <pc:chgData name="Sherif Khattab" userId="c83b1e15-36f3-4f46-aceb-05aac24c545e" providerId="ADAL" clId="{4F266D3B-92A2-40A8-A073-356F608DC91A}" dt="2021-02-16T14:38:32.321" v="5" actId="47"/>
+        <pc:sldMkLst>
+          <pc:docMk/>
+          <pc:sldMk cId="834112894" sldId="375"/>
+        </pc:sldMkLst>
+      </pc:sldChg>
+      <pc:sldChg chg="del">
+        <pc:chgData name="Sherif Khattab" userId="c83b1e15-36f3-4f46-aceb-05aac24c545e" providerId="ADAL" clId="{4F266D3B-92A2-40A8-A073-356F608DC91A}" dt="2021-02-16T14:38:32.321" v="5" actId="47"/>
+        <pc:sldMkLst>
+          <pc:docMk/>
+          <pc:sldMk cId="1165577892" sldId="376"/>
+        </pc:sldMkLst>
+      </pc:sldChg>
+      <pc:sldChg chg="del">
+        <pc:chgData name="Sherif Khattab" userId="c83b1e15-36f3-4f46-aceb-05aac24c545e" providerId="ADAL" clId="{4F266D3B-92A2-40A8-A073-356F608DC91A}" dt="2021-02-16T14:38:32.321" v="5" actId="47"/>
+        <pc:sldMkLst>
+          <pc:docMk/>
+          <pc:sldMk cId="583513582" sldId="377"/>
+        </pc:sldMkLst>
+      </pc:sldChg>
+      <pc:sldChg chg="del">
+        <pc:chgData name="Sherif Khattab" userId="c83b1e15-36f3-4f46-aceb-05aac24c545e" providerId="ADAL" clId="{4F266D3B-92A2-40A8-A073-356F608DC91A}" dt="2021-02-16T14:38:32.321" v="5" actId="47"/>
+        <pc:sldMkLst>
+          <pc:docMk/>
+          <pc:sldMk cId="3990797458" sldId="378"/>
+        </pc:sldMkLst>
+      </pc:sldChg>
+      <pc:sldChg chg="del">
+        <pc:chgData name="Sherif Khattab" userId="c83b1e15-36f3-4f46-aceb-05aac24c545e" providerId="ADAL" clId="{4F266D3B-92A2-40A8-A073-356F608DC91A}" dt="2021-02-16T14:38:32.321" v="5" actId="47"/>
+        <pc:sldMkLst>
+          <pc:docMk/>
+          <pc:sldMk cId="2736486443" sldId="379"/>
+        </pc:sldMkLst>
+      </pc:sldChg>
+      <pc:sldChg chg="del">
+        <pc:chgData name="Sherif Khattab" userId="c83b1e15-36f3-4f46-aceb-05aac24c545e" providerId="ADAL" clId="{4F266D3B-92A2-40A8-A073-356F608DC91A}" dt="2021-02-16T14:38:32.321" v="5" actId="47"/>
+        <pc:sldMkLst>
+          <pc:docMk/>
+          <pc:sldMk cId="541381985" sldId="380"/>
+        </pc:sldMkLst>
+      </pc:sldChg>
+      <pc:sldChg chg="del">
+        <pc:chgData name="Sherif Khattab" userId="c83b1e15-36f3-4f46-aceb-05aac24c545e" providerId="ADAL" clId="{4F266D3B-92A2-40A8-A073-356F608DC91A}" dt="2021-02-16T14:38:32.321" v="5" actId="47"/>
+        <pc:sldMkLst>
+          <pc:docMk/>
+          <pc:sldMk cId="2235897330" sldId="381"/>
+        </pc:sldMkLst>
+      </pc:sldChg>
+      <pc:sldChg chg="del">
+        <pc:chgData name="Sherif Khattab" userId="c83b1e15-36f3-4f46-aceb-05aac24c545e" providerId="ADAL" clId="{4F266D3B-92A2-40A8-A073-356F608DC91A}" dt="2021-02-16T14:38:32.321" v="5" actId="47"/>
+        <pc:sldMkLst>
+          <pc:docMk/>
+          <pc:sldMk cId="3360044446" sldId="382"/>
+        </pc:sldMkLst>
+      </pc:sldChg>
+      <pc:sldChg chg="add">
+        <pc:chgData name="Sherif Khattab" userId="c83b1e15-36f3-4f46-aceb-05aac24c545e" providerId="ADAL" clId="{4F266D3B-92A2-40A8-A073-356F608DC91A}" dt="2021-02-16T15:42:33.963" v="573"/>
+        <pc:sldMkLst>
+          <pc:docMk/>
+          <pc:sldMk cId="3851230975" sldId="382"/>
+        </pc:sldMkLst>
+      </pc:sldChg>
+      <pc:sldChg chg="del">
+        <pc:chgData name="Sherif Khattab" userId="c83b1e15-36f3-4f46-aceb-05aac24c545e" providerId="ADAL" clId="{4F266D3B-92A2-40A8-A073-356F608DC91A}" dt="2021-02-16T14:38:32.321" v="5" actId="47"/>
+        <pc:sldMkLst>
+          <pc:docMk/>
+          <pc:sldMk cId="1954384084" sldId="383"/>
+        </pc:sldMkLst>
+      </pc:sldChg>
+      <pc:sldChg chg="del">
+        <pc:chgData name="Sherif Khattab" userId="c83b1e15-36f3-4f46-aceb-05aac24c545e" providerId="ADAL" clId="{4F266D3B-92A2-40A8-A073-356F608DC91A}" dt="2021-02-16T14:38:32.321" v="5" actId="47"/>
+        <pc:sldMkLst>
+          <pc:docMk/>
+          <pc:sldMk cId="220759689" sldId="384"/>
+        </pc:sldMkLst>
+      </pc:sldChg>
+      <pc:sldChg chg="add">
+        <pc:chgData name="Sherif Khattab" userId="c83b1e15-36f3-4f46-aceb-05aac24c545e" providerId="ADAL" clId="{4F266D3B-92A2-40A8-A073-356F608DC91A}" dt="2021-02-16T15:42:21.392" v="572"/>
+        <pc:sldMkLst>
+          <pc:docMk/>
+          <pc:sldMk cId="1898410716" sldId="385"/>
+        </pc:sldMkLst>
+      </pc:sldChg>
+      <pc:sldChg chg="del">
+        <pc:chgData name="Sherif Khattab" userId="c83b1e15-36f3-4f46-aceb-05aac24c545e" providerId="ADAL" clId="{4F266D3B-92A2-40A8-A073-356F608DC91A}" dt="2021-02-16T14:38:32.321" v="5" actId="47"/>
+        <pc:sldMkLst>
+          <pc:docMk/>
+          <pc:sldMk cId="2809799376" sldId="385"/>
+        </pc:sldMkLst>
+      </pc:sldChg>
+      <pc:sldChg chg="del">
+        <pc:chgData name="Sherif Khattab" userId="c83b1e15-36f3-4f46-aceb-05aac24c545e" providerId="ADAL" clId="{4F266D3B-92A2-40A8-A073-356F608DC91A}" dt="2021-02-16T14:38:32.321" v="5" actId="47"/>
+        <pc:sldMkLst>
+          <pc:docMk/>
+          <pc:sldMk cId="2329144619" sldId="445"/>
+        </pc:sldMkLst>
+      </pc:sldChg>
+      <pc:sldChg chg="del">
+        <pc:chgData name="Sherif Khattab" userId="c83b1e15-36f3-4f46-aceb-05aac24c545e" providerId="ADAL" clId="{4F266D3B-92A2-40A8-A073-356F608DC91A}" dt="2021-02-16T14:38:32.321" v="5" actId="47"/>
+        <pc:sldMkLst>
+          <pc:docMk/>
+          <pc:sldMk cId="1783368962" sldId="448"/>
+        </pc:sldMkLst>
+      </pc:sldChg>
+      <pc:sldChg chg="del">
+        <pc:chgData name="Sherif Khattab" userId="c83b1e15-36f3-4f46-aceb-05aac24c545e" providerId="ADAL" clId="{4F266D3B-92A2-40A8-A073-356F608DC91A}" dt="2021-02-16T14:38:32.321" v="5" actId="47"/>
+        <pc:sldMkLst>
+          <pc:docMk/>
+          <pc:sldMk cId="2276002102" sldId="451"/>
+        </pc:sldMkLst>
+      </pc:sldChg>
+      <pc:sldChg chg="del">
+        <pc:chgData name="Sherif Khattab" userId="c83b1e15-36f3-4f46-aceb-05aac24c545e" providerId="ADAL" clId="{4F266D3B-92A2-40A8-A073-356F608DC91A}" dt="2021-02-16T15:39:03.476" v="492" actId="47"/>
+        <pc:sldMkLst>
+          <pc:docMk/>
+          <pc:sldMk cId="2163467695" sldId="455"/>
+        </pc:sldMkLst>
+      </pc:sldChg>
+      <pc:sldChg chg="del">
+        <pc:chgData name="Sherif Khattab" userId="c83b1e15-36f3-4f46-aceb-05aac24c545e" providerId="ADAL" clId="{4F266D3B-92A2-40A8-A073-356F608DC91A}" dt="2021-02-16T15:39:36.243" v="505" actId="47"/>
+        <pc:sldMkLst>
+          <pc:docMk/>
+          <pc:sldMk cId="1816629761" sldId="459"/>
+        </pc:sldMkLst>
+      </pc:sldChg>
+      <pc:sldChg chg="del">
+        <pc:chgData name="Sherif Khattab" userId="c83b1e15-36f3-4f46-aceb-05aac24c545e" providerId="ADAL" clId="{4F266D3B-92A2-40A8-A073-356F608DC91A}" dt="2021-02-16T15:40:10.605" v="519" actId="47"/>
+        <pc:sldMkLst>
+          <pc:docMk/>
+          <pc:sldMk cId="1471081860" sldId="463"/>
+        </pc:sldMkLst>
+      </pc:sldChg>
+      <pc:sldChg chg="del">
+        <pc:chgData name="Sherif Khattab" userId="c83b1e15-36f3-4f46-aceb-05aac24c545e" providerId="ADAL" clId="{4F266D3B-92A2-40A8-A073-356F608DC91A}" dt="2021-02-16T15:40:09.473" v="507" actId="47"/>
+        <pc:sldMkLst>
+          <pc:docMk/>
+          <pc:sldMk cId="574001865" sldId="464"/>
+        </pc:sldMkLst>
+      </pc:sldChg>
+      <pc:sldChg chg="del">
+        <pc:chgData name="Sherif Khattab" userId="c83b1e15-36f3-4f46-aceb-05aac24c545e" providerId="ADAL" clId="{4F266D3B-92A2-40A8-A073-356F608DC91A}" dt="2021-02-16T15:40:09.605" v="508" actId="47"/>
+        <pc:sldMkLst>
+          <pc:docMk/>
+          <pc:sldMk cId="2156977365" sldId="465"/>
+        </pc:sldMkLst>
+      </pc:sldChg>
+      <pc:sldChg chg="del">
+        <pc:chgData name="Sherif Khattab" userId="c83b1e15-36f3-4f46-aceb-05aac24c545e" providerId="ADAL" clId="{4F266D3B-92A2-40A8-A073-356F608DC91A}" dt="2021-02-16T15:40:10.156" v="511" actId="47"/>
+        <pc:sldMkLst>
+          <pc:docMk/>
+          <pc:sldMk cId="117329803" sldId="466"/>
+        </pc:sldMkLst>
+      </pc:sldChg>
+      <pc:sldChg chg="del">
+        <pc:chgData name="Sherif Khattab" userId="c83b1e15-36f3-4f46-aceb-05aac24c545e" providerId="ADAL" clId="{4F266D3B-92A2-40A8-A073-356F608DC91A}" dt="2021-02-16T15:40:10.190" v="512" actId="47"/>
+        <pc:sldMkLst>
+          <pc:docMk/>
+          <pc:sldMk cId="3643915362" sldId="467"/>
+        </pc:sldMkLst>
+      </pc:sldChg>
+      <pc:sldChg chg="del">
+        <pc:chgData name="Sherif Khattab" userId="c83b1e15-36f3-4f46-aceb-05aac24c545e" providerId="ADAL" clId="{4F266D3B-92A2-40A8-A073-356F608DC91A}" dt="2021-02-16T15:40:10.286" v="514" actId="47"/>
+        <pc:sldMkLst>
+          <pc:docMk/>
+          <pc:sldMk cId="1593910045" sldId="468"/>
+        </pc:sldMkLst>
+      </pc:sldChg>
+      <pc:sldChg chg="del">
+        <pc:chgData name="Sherif Khattab" userId="c83b1e15-36f3-4f46-aceb-05aac24c545e" providerId="ADAL" clId="{4F266D3B-92A2-40A8-A073-356F608DC91A}" dt="2021-02-16T15:40:10.331" v="515" actId="47"/>
+        <pc:sldMkLst>
+          <pc:docMk/>
+          <pc:sldMk cId="3392020218" sldId="469"/>
+        </pc:sldMkLst>
+      </pc:sldChg>
+      <pc:sldChg chg="del">
+        <pc:chgData name="Sherif Khattab" userId="c83b1e15-36f3-4f46-aceb-05aac24c545e" providerId="ADAL" clId="{4F266D3B-92A2-40A8-A073-356F608DC91A}" dt="2021-02-16T14:40:29.007" v="103" actId="47"/>
+        <pc:sldMkLst>
+          <pc:docMk/>
+          <pc:sldMk cId="3824051756" sldId="470"/>
+        </pc:sldMkLst>
+      </pc:sldChg>
+      <pc:sldChg chg="del">
+        <pc:chgData name="Sherif Khattab" userId="c83b1e15-36f3-4f46-aceb-05aac24c545e" providerId="ADAL" clId="{4F266D3B-92A2-40A8-A073-356F608DC91A}" dt="2021-02-16T14:40:29.007" v="103" actId="47"/>
+        <pc:sldMkLst>
+          <pc:docMk/>
+          <pc:sldMk cId="1025764700" sldId="471"/>
+        </pc:sldMkLst>
+      </pc:sldChg>
+      <pc:sldChg chg="del">
+        <pc:chgData name="Sherif Khattab" userId="c83b1e15-36f3-4f46-aceb-05aac24c545e" providerId="ADAL" clId="{4F266D3B-92A2-40A8-A073-356F608DC91A}" dt="2021-02-16T14:40:29.007" v="103" actId="47"/>
+        <pc:sldMkLst>
+          <pc:docMk/>
+          <pc:sldMk cId="3109107092" sldId="472"/>
+        </pc:sldMkLst>
+      </pc:sldChg>
+      <pc:sldChg chg="del">
+        <pc:chgData name="Sherif Khattab" userId="c83b1e15-36f3-4f46-aceb-05aac24c545e" providerId="ADAL" clId="{4F266D3B-92A2-40A8-A073-356F608DC91A}" dt="2021-02-16T14:40:29.007" v="103" actId="47"/>
+        <pc:sldMkLst>
+          <pc:docMk/>
+          <pc:sldMk cId="2185675405" sldId="473"/>
+        </pc:sldMkLst>
+      </pc:sldChg>
+      <pc:sldChg chg="del">
+        <pc:chgData name="Sherif Khattab" userId="c83b1e15-36f3-4f46-aceb-05aac24c545e" providerId="ADAL" clId="{4F266D3B-92A2-40A8-A073-356F608DC91A}" dt="2021-02-16T14:40:29.007" v="103" actId="47"/>
+        <pc:sldMkLst>
+          <pc:docMk/>
+          <pc:sldMk cId="1719184921" sldId="474"/>
+        </pc:sldMkLst>
+      </pc:sldChg>
+      <pc:sldChg chg="del">
+        <pc:chgData name="Sherif Khattab" userId="c83b1e15-36f3-4f46-aceb-05aac24c545e" providerId="ADAL" clId="{4F266D3B-92A2-40A8-A073-356F608DC91A}" dt="2021-02-16T14:40:29.007" v="103" actId="47"/>
+        <pc:sldMkLst>
+          <pc:docMk/>
+          <pc:sldMk cId="3632958702" sldId="475"/>
+        </pc:sldMkLst>
+      </pc:sldChg>
+      <pc:sldChg chg="del">
+        <pc:chgData name="Sherif Khattab" userId="c83b1e15-36f3-4f46-aceb-05aac24c545e" providerId="ADAL" clId="{4F266D3B-92A2-40A8-A073-356F608DC91A}" dt="2021-02-16T14:40:29.007" v="103" actId="47"/>
+        <pc:sldMkLst>
+          <pc:docMk/>
+          <pc:sldMk cId="2634117846" sldId="476"/>
+        </pc:sldMkLst>
+      </pc:sldChg>
+      <pc:sldChg chg="del">
+        <pc:chgData name="Sherif Khattab" userId="c83b1e15-36f3-4f46-aceb-05aac24c545e" providerId="ADAL" clId="{4F266D3B-92A2-40A8-A073-356F608DC91A}" dt="2021-02-16T14:40:29.007" v="103" actId="47"/>
+        <pc:sldMkLst>
+          <pc:docMk/>
+          <pc:sldMk cId="4038969182" sldId="477"/>
+        </pc:sldMkLst>
+      </pc:sldChg>
+      <pc:sldChg chg="del">
+        <pc:chgData name="Sherif Khattab" userId="c83b1e15-36f3-4f46-aceb-05aac24c545e" providerId="ADAL" clId="{4F266D3B-92A2-40A8-A073-356F608DC91A}" dt="2021-02-16T14:40:29.007" v="103" actId="47"/>
+        <pc:sldMkLst>
+          <pc:docMk/>
+          <pc:sldMk cId="326259628" sldId="478"/>
+        </pc:sldMkLst>
+      </pc:sldChg>
+      <pc:sldChg chg="del">
+        <pc:chgData name="Sherif Khattab" userId="c83b1e15-36f3-4f46-aceb-05aac24c545e" providerId="ADAL" clId="{4F266D3B-92A2-40A8-A073-356F608DC91A}" dt="2021-02-16T14:40:29.007" v="103" actId="47"/>
+        <pc:sldMkLst>
+          <pc:docMk/>
+          <pc:sldMk cId="873856523" sldId="479"/>
+        </pc:sldMkLst>
+      </pc:sldChg>
+      <pc:sldChg chg="del">
+        <pc:chgData name="Sherif Khattab" userId="c83b1e15-36f3-4f46-aceb-05aac24c545e" providerId="ADAL" clId="{4F266D3B-92A2-40A8-A073-356F608DC91A}" dt="2021-02-16T14:40:29.007" v="103" actId="47"/>
+        <pc:sldMkLst>
+          <pc:docMk/>
+          <pc:sldMk cId="3465344065" sldId="480"/>
+        </pc:sldMkLst>
+      </pc:sldChg>
+      <pc:sldChg chg="del">
+        <pc:chgData name="Sherif Khattab" userId="c83b1e15-36f3-4f46-aceb-05aac24c545e" providerId="ADAL" clId="{4F266D3B-92A2-40A8-A073-356F608DC91A}" dt="2021-02-16T14:40:29.007" v="103" actId="47"/>
+        <pc:sldMkLst>
+          <pc:docMk/>
+          <pc:sldMk cId="2002489455" sldId="481"/>
+        </pc:sldMkLst>
+      </pc:sldChg>
+      <pc:sldChg chg="del">
+        <pc:chgData name="Sherif Khattab" userId="c83b1e15-36f3-4f46-aceb-05aac24c545e" providerId="ADAL" clId="{4F266D3B-92A2-40A8-A073-356F608DC91A}" dt="2021-02-16T14:40:29.007" v="103" actId="47"/>
+        <pc:sldMkLst>
+          <pc:docMk/>
+          <pc:sldMk cId="1560930406" sldId="482"/>
+        </pc:sldMkLst>
+      </pc:sldChg>
+      <pc:sldChg chg="del">
+        <pc:chgData name="Sherif Khattab" userId="c83b1e15-36f3-4f46-aceb-05aac24c545e" providerId="ADAL" clId="{4F266D3B-92A2-40A8-A073-356F608DC91A}" dt="2021-02-16T14:40:29.007" v="103" actId="47"/>
+        <pc:sldMkLst>
+          <pc:docMk/>
+          <pc:sldMk cId="1387835057" sldId="483"/>
+        </pc:sldMkLst>
+      </pc:sldChg>
+      <pc:sldChg chg="del">
+        <pc:chgData name="Sherif Khattab" userId="c83b1e15-36f3-4f46-aceb-05aac24c545e" providerId="ADAL" clId="{4F266D3B-92A2-40A8-A073-356F608DC91A}" dt="2021-02-16T14:40:29.007" v="103" actId="47"/>
+        <pc:sldMkLst>
+          <pc:docMk/>
+          <pc:sldMk cId="1948397067" sldId="484"/>
+        </pc:sldMkLst>
+      </pc:sldChg>
+      <pc:sldChg chg="del">
+        <pc:chgData name="Sherif Khattab" userId="c83b1e15-36f3-4f46-aceb-05aac24c545e" providerId="ADAL" clId="{4F266D3B-92A2-40A8-A073-356F608DC91A}" dt="2021-02-16T14:40:29.007" v="103" actId="47"/>
+        <pc:sldMkLst>
+          <pc:docMk/>
+          <pc:sldMk cId="3473693154" sldId="485"/>
+        </pc:sldMkLst>
+      </pc:sldChg>
+      <pc:sldChg chg="del">
+        <pc:chgData name="Sherif Khattab" userId="c83b1e15-36f3-4f46-aceb-05aac24c545e" providerId="ADAL" clId="{4F266D3B-92A2-40A8-A073-356F608DC91A}" dt="2021-02-16T14:40:29.007" v="103" actId="47"/>
+        <pc:sldMkLst>
+          <pc:docMk/>
+          <pc:sldMk cId="2983945636" sldId="486"/>
+        </pc:sldMkLst>
+      </pc:sldChg>
+      <pc:sldChg chg="del">
+        <pc:chgData name="Sherif Khattab" userId="c83b1e15-36f3-4f46-aceb-05aac24c545e" providerId="ADAL" clId="{4F266D3B-92A2-40A8-A073-356F608DC91A}" dt="2021-02-16T14:40:29.007" v="103" actId="47"/>
+        <pc:sldMkLst>
+          <pc:docMk/>
+          <pc:sldMk cId="3673539870" sldId="487"/>
+        </pc:sldMkLst>
+      </pc:sldChg>
+      <pc:sldChg chg="del">
+        <pc:chgData name="Sherif Khattab" userId="c83b1e15-36f3-4f46-aceb-05aac24c545e" providerId="ADAL" clId="{4F266D3B-92A2-40A8-A073-356F608DC91A}" dt="2021-02-16T14:40:29.007" v="103" actId="47"/>
+        <pc:sldMkLst>
+          <pc:docMk/>
+          <pc:sldMk cId="1363323927" sldId="488"/>
+        </pc:sldMkLst>
+      </pc:sldChg>
+      <pc:sldChg chg="del">
+        <pc:chgData name="Sherif Khattab" userId="c83b1e15-36f3-4f46-aceb-05aac24c545e" providerId="ADAL" clId="{4F266D3B-92A2-40A8-A073-356F608DC91A}" dt="2021-02-16T14:40:29.007" v="103" actId="47"/>
+        <pc:sldMkLst>
+          <pc:docMk/>
+          <pc:sldMk cId="936409682" sldId="489"/>
+        </pc:sldMkLst>
+      </pc:sldChg>
+      <pc:sldChg chg="del">
+        <pc:chgData name="Sherif Khattab" userId="c83b1e15-36f3-4f46-aceb-05aac24c545e" providerId="ADAL" clId="{4F266D3B-92A2-40A8-A073-356F608DC91A}" dt="2021-02-16T14:40:29.007" v="103" actId="47"/>
+        <pc:sldMkLst>
+          <pc:docMk/>
+          <pc:sldMk cId="3252833104" sldId="490"/>
+        </pc:sldMkLst>
+      </pc:sldChg>
+      <pc:sldChg chg="del">
+        <pc:chgData name="Sherif Khattab" userId="c83b1e15-36f3-4f46-aceb-05aac24c545e" providerId="ADAL" clId="{4F266D3B-92A2-40A8-A073-356F608DC91A}" dt="2021-02-16T14:40:29.007" v="103" actId="47"/>
+        <pc:sldMkLst>
+          <pc:docMk/>
+          <pc:sldMk cId="3413759872" sldId="491"/>
+        </pc:sldMkLst>
+      </pc:sldChg>
+      <pc:sldChg chg="del">
+        <pc:chgData name="Sherif Khattab" userId="c83b1e15-36f3-4f46-aceb-05aac24c545e" providerId="ADAL" clId="{4F266D3B-92A2-40A8-A073-356F608DC91A}" dt="2021-02-16T14:40:29.007" v="103" actId="47"/>
+        <pc:sldMkLst>
+          <pc:docMk/>
+          <pc:sldMk cId="1930502979" sldId="492"/>
+        </pc:sldMkLst>
+      </pc:sldChg>
+      <pc:sldChg chg="del">
+        <pc:chgData name="Sherif Khattab" userId="c83b1e15-36f3-4f46-aceb-05aac24c545e" providerId="ADAL" clId="{4F266D3B-92A2-40A8-A073-356F608DC91A}" dt="2021-02-16T14:40:29.007" v="103" actId="47"/>
+        <pc:sldMkLst>
+          <pc:docMk/>
+          <pc:sldMk cId="220106575" sldId="493"/>
+        </pc:sldMkLst>
+      </pc:sldChg>
+      <pc:sldChg chg="del">
+        <pc:chgData name="Sherif Khattab" userId="c83b1e15-36f3-4f46-aceb-05aac24c545e" providerId="ADAL" clId="{4F266D3B-92A2-40A8-A073-356F608DC91A}" dt="2021-02-16T14:40:29.007" v="103" actId="47"/>
+        <pc:sldMkLst>
+          <pc:docMk/>
+          <pc:sldMk cId="3447713174" sldId="494"/>
+        </pc:sldMkLst>
+      </pc:sldChg>
+      <pc:sldChg chg="del">
+        <pc:chgData name="Sherif Khattab" userId="c83b1e15-36f3-4f46-aceb-05aac24c545e" providerId="ADAL" clId="{4F266D3B-92A2-40A8-A073-356F608DC91A}" dt="2021-02-16T14:40:29.007" v="103" actId="47"/>
+        <pc:sldMkLst>
+          <pc:docMk/>
+          <pc:sldMk cId="2129126942" sldId="495"/>
+        </pc:sldMkLst>
+      </pc:sldChg>
+      <pc:sldChg chg="modSp mod">
+        <pc:chgData name="Sherif Khattab" userId="c83b1e15-36f3-4f46-aceb-05aac24c545e" providerId="ADAL" clId="{4F266D3B-92A2-40A8-A073-356F608DC91A}" dt="2021-02-16T14:49:58.948" v="196" actId="20577"/>
+        <pc:sldMkLst>
+          <pc:docMk/>
+          <pc:sldMk cId="702367729" sldId="496"/>
+        </pc:sldMkLst>
+        <pc:spChg chg="mod">
+          <ac:chgData name="Sherif Khattab" userId="c83b1e15-36f3-4f46-aceb-05aac24c545e" providerId="ADAL" clId="{4F266D3B-92A2-40A8-A073-356F608DC91A}" dt="2021-02-16T14:49:58.948" v="196" actId="20577"/>
+          <ac:spMkLst>
+            <pc:docMk/>
+            <pc:sldMk cId="702367729" sldId="496"/>
+            <ac:spMk id="3" creationId="{2466C52D-9A48-4683-BE7F-268D8DB7FAAD}"/>
+          </ac:spMkLst>
+        </pc:spChg>
+      </pc:sldChg>
+      <pc:sldChg chg="addSp delSp modSp add mod modAnim">
+        <pc:chgData name="Sherif Khattab" userId="c83b1e15-36f3-4f46-aceb-05aac24c545e" providerId="ADAL" clId="{4F266D3B-92A2-40A8-A073-356F608DC91A}" dt="2021-02-16T15:29:38.464" v="468" actId="478"/>
+        <pc:sldMkLst>
+          <pc:docMk/>
+          <pc:sldMk cId="4202616107" sldId="500"/>
+        </pc:sldMkLst>
+        <pc:spChg chg="mod">
+          <ac:chgData name="Sherif Khattab" userId="c83b1e15-36f3-4f46-aceb-05aac24c545e" providerId="ADAL" clId="{4F266D3B-92A2-40A8-A073-356F608DC91A}" dt="2021-02-16T15:29:07.533" v="458" actId="20577"/>
+          <ac:spMkLst>
+            <pc:docMk/>
+            <pc:sldMk cId="4202616107" sldId="500"/>
+            <ac:spMk id="2" creationId="{6BF01C35-B7E9-AD43-99C8-95170559C8A0}"/>
+          </ac:spMkLst>
+        </pc:spChg>
+        <pc:spChg chg="mod">
+          <ac:chgData name="Sherif Khattab" userId="c83b1e15-36f3-4f46-aceb-05aac24c545e" providerId="ADAL" clId="{4F266D3B-92A2-40A8-A073-356F608DC91A}" dt="2021-02-16T15:28:55.379" v="451" actId="27636"/>
+          <ac:spMkLst>
+            <pc:docMk/>
+            <pc:sldMk cId="4202616107" sldId="500"/>
+            <ac:spMk id="3" creationId="{443F42C8-5750-0341-86AA-B64ED9D37EB6}"/>
+          </ac:spMkLst>
+        </pc:spChg>
+        <pc:graphicFrameChg chg="add del modGraphic">
+          <ac:chgData name="Sherif Khattab" userId="c83b1e15-36f3-4f46-aceb-05aac24c545e" providerId="ADAL" clId="{4F266D3B-92A2-40A8-A073-356F608DC91A}" dt="2021-02-16T15:29:38.464" v="468" actId="478"/>
+          <ac:graphicFrameMkLst>
+            <pc:docMk/>
+            <pc:sldMk cId="4202616107" sldId="500"/>
+            <ac:graphicFrameMk id="7" creationId="{8FA67E28-1575-4A35-92AE-803D55765388}"/>
+          </ac:graphicFrameMkLst>
+        </pc:graphicFrameChg>
+      </pc:sldChg>
+      <pc:sldChg chg="modSp add mod">
+        <pc:chgData name="Sherif Khattab" userId="c83b1e15-36f3-4f46-aceb-05aac24c545e" providerId="ADAL" clId="{4F266D3B-92A2-40A8-A073-356F608DC91A}" dt="2021-02-16T14:39:12.366" v="9"/>
+        <pc:sldMkLst>
+          <pc:docMk/>
+          <pc:sldMk cId="2116864396" sldId="505"/>
+        </pc:sldMkLst>
+        <pc:spChg chg="mod">
+          <ac:chgData name="Sherif Khattab" userId="c83b1e15-36f3-4f46-aceb-05aac24c545e" providerId="ADAL" clId="{4F266D3B-92A2-40A8-A073-356F608DC91A}" dt="2021-02-16T14:39:12.366" v="9"/>
+          <ac:spMkLst>
+            <pc:docMk/>
+            <pc:sldMk cId="2116864396" sldId="505"/>
+            <ac:spMk id="3" creationId="{9FDE3B14-90B9-4B5A-83C7-6E633E32EA28}"/>
+          </ac:spMkLst>
+        </pc:spChg>
+      </pc:sldChg>
+      <pc:sldChg chg="modSp add mod">
+        <pc:chgData name="Sherif Khattab" userId="c83b1e15-36f3-4f46-aceb-05aac24c545e" providerId="ADAL" clId="{4F266D3B-92A2-40A8-A073-356F608DC91A}" dt="2021-02-16T18:38:20.208" v="578" actId="20577"/>
+        <pc:sldMkLst>
+          <pc:docMk/>
+          <pc:sldMk cId="3652489610" sldId="506"/>
+        </pc:sldMkLst>
+        <pc:spChg chg="mod">
+          <ac:chgData name="Sherif Khattab" userId="c83b1e15-36f3-4f46-aceb-05aac24c545e" providerId="ADAL" clId="{4F266D3B-92A2-40A8-A073-356F608DC91A}" dt="2021-02-16T18:38:20.208" v="578" actId="20577"/>
+          <ac:spMkLst>
+            <pc:docMk/>
+            <pc:sldMk cId="3652489610" sldId="506"/>
+            <ac:spMk id="3" creationId="{9FDE3B14-90B9-4B5A-83C7-6E633E32EA28}"/>
+          </ac:spMkLst>
+        </pc:spChg>
+      </pc:sldChg>
+      <pc:sldChg chg="modSp add mod modAnim">
+        <pc:chgData name="Sherif Khattab" userId="c83b1e15-36f3-4f46-aceb-05aac24c545e" providerId="ADAL" clId="{4F266D3B-92A2-40A8-A073-356F608DC91A}" dt="2021-02-16T15:29:22.015" v="467" actId="20577"/>
+        <pc:sldMkLst>
+          <pc:docMk/>
+          <pc:sldMk cId="2487721040" sldId="516"/>
+        </pc:sldMkLst>
+        <pc:spChg chg="mod">
+          <ac:chgData name="Sherif Khattab" userId="c83b1e15-36f3-4f46-aceb-05aac24c545e" providerId="ADAL" clId="{4F266D3B-92A2-40A8-A073-356F608DC91A}" dt="2021-02-16T15:29:22.015" v="467" actId="20577"/>
+          <ac:spMkLst>
+            <pc:docMk/>
+            <pc:sldMk cId="2487721040" sldId="516"/>
+            <ac:spMk id="2" creationId="{8F0D0240-9749-9A4C-AFD0-B00F3A6D8FB6}"/>
+          </ac:spMkLst>
+        </pc:spChg>
+        <pc:spChg chg="mod">
+          <ac:chgData name="Sherif Khattab" userId="c83b1e15-36f3-4f46-aceb-05aac24c545e" providerId="ADAL" clId="{4F266D3B-92A2-40A8-A073-356F608DC91A}" dt="2021-02-16T14:57:08.364" v="397"/>
+          <ac:spMkLst>
+            <pc:docMk/>
+            <pc:sldMk cId="2487721040" sldId="516"/>
+            <ac:spMk id="3" creationId="{CBB5D1A1-A1C5-4D4A-9051-CB104F0E3B4F}"/>
+          </ac:spMkLst>
+        </pc:spChg>
+      </pc:sldChg>
+      <pc:sldChg chg="add del">
+        <pc:chgData name="Sherif Khattab" userId="c83b1e15-36f3-4f46-aceb-05aac24c545e" providerId="ADAL" clId="{4F266D3B-92A2-40A8-A073-356F608DC91A}" dt="2021-02-16T14:57:11.643" v="398" actId="47"/>
+        <pc:sldMkLst>
+          <pc:docMk/>
+          <pc:sldMk cId="3114182525" sldId="517"/>
+        </pc:sldMkLst>
+      </pc:sldChg>
+      <pc:sldChg chg="add">
+        <pc:chgData name="Sherif Khattab" userId="c83b1e15-36f3-4f46-aceb-05aac24c545e" providerId="ADAL" clId="{4F266D3B-92A2-40A8-A073-356F608DC91A}" dt="2021-02-16T14:38:45.616" v="6"/>
+        <pc:sldMkLst>
+          <pc:docMk/>
+          <pc:sldMk cId="1616471687" sldId="518"/>
+        </pc:sldMkLst>
+      </pc:sldChg>
+      <pc:sldChg chg="addSp delSp modSp new mod modAnim">
+        <pc:chgData name="Sherif Khattab" userId="c83b1e15-36f3-4f46-aceb-05aac24c545e" providerId="ADAL" clId="{4F266D3B-92A2-40A8-A073-356F608DC91A}" dt="2021-02-16T15:28:48.026" v="449"/>
+        <pc:sldMkLst>
+          <pc:docMk/>
+          <pc:sldMk cId="3504930043" sldId="519"/>
+        </pc:sldMkLst>
+        <pc:spChg chg="mod">
+          <ac:chgData name="Sherif Khattab" userId="c83b1e15-36f3-4f46-aceb-05aac24c545e" providerId="ADAL" clId="{4F266D3B-92A2-40A8-A073-356F608DC91A}" dt="2021-02-16T15:27:02.433" v="415" actId="20577"/>
+          <ac:spMkLst>
+            <pc:docMk/>
+            <pc:sldMk cId="3504930043" sldId="519"/>
+            <ac:spMk id="2" creationId="{A0D540A4-5655-4AC5-A7D9-14716DD6CE03}"/>
+          </ac:spMkLst>
+        </pc:spChg>
+        <pc:spChg chg="add del mod">
+          <ac:chgData name="Sherif Khattab" userId="c83b1e15-36f3-4f46-aceb-05aac24c545e" providerId="ADAL" clId="{4F266D3B-92A2-40A8-A073-356F608DC91A}" dt="2021-02-16T15:28:30.614" v="447" actId="27636"/>
+          <ac:spMkLst>
+            <pc:docMk/>
+            <pc:sldMk cId="3504930043" sldId="519"/>
+            <ac:spMk id="3" creationId="{081F86C7-7D18-4E19-B794-DA1A4D2806F5}"/>
+          </ac:spMkLst>
+        </pc:spChg>
+        <pc:spChg chg="add del mod">
+          <ac:chgData name="Sherif Khattab" userId="c83b1e15-36f3-4f46-aceb-05aac24c545e" providerId="ADAL" clId="{4F266D3B-92A2-40A8-A073-356F608DC91A}" dt="2021-02-16T15:27:07.553" v="419"/>
+          <ac:spMkLst>
+            <pc:docMk/>
+            <pc:sldMk cId="3504930043" sldId="519"/>
+            <ac:spMk id="6" creationId="{5AAC249C-A516-4821-A58B-D2F4C5A24FC3}"/>
+          </ac:spMkLst>
+        </pc:spChg>
+      </pc:sldChg>
+      <pc:sldChg chg="add del">
+        <pc:chgData name="Sherif Khattab" userId="c83b1e15-36f3-4f46-aceb-05aac24c545e" providerId="ADAL" clId="{4F266D3B-92A2-40A8-A073-356F608DC91A}" dt="2021-02-16T14:38:53.992" v="7" actId="47"/>
+        <pc:sldMkLst>
+          <pc:docMk/>
+          <pc:sldMk cId="1895271479" sldId="520"/>
+        </pc:sldMkLst>
+      </pc:sldChg>
+      <pc:sldChg chg="modSp new mod modAnim">
+        <pc:chgData name="Sherif Khattab" userId="c83b1e15-36f3-4f46-aceb-05aac24c545e" providerId="ADAL" clId="{4F266D3B-92A2-40A8-A073-356F608DC91A}" dt="2021-02-16T15:29:50.503" v="470"/>
+        <pc:sldMkLst>
+          <pc:docMk/>
+          <pc:sldMk cId="2126070970" sldId="520"/>
+        </pc:sldMkLst>
+        <pc:spChg chg="mod">
+          <ac:chgData name="Sherif Khattab" userId="c83b1e15-36f3-4f46-aceb-05aac24c545e" providerId="ADAL" clId="{4F266D3B-92A2-40A8-A073-356F608DC91A}" dt="2021-02-16T15:29:16.027" v="461" actId="20577"/>
+          <ac:spMkLst>
+            <pc:docMk/>
+            <pc:sldMk cId="2126070970" sldId="520"/>
+            <ac:spMk id="2" creationId="{08235729-9B80-4A9E-BC29-C4B6E026AAF2}"/>
+          </ac:spMkLst>
+        </pc:spChg>
+        <pc:spChg chg="mod">
+          <ac:chgData name="Sherif Khattab" userId="c83b1e15-36f3-4f46-aceb-05aac24c545e" providerId="ADAL" clId="{4F266D3B-92A2-40A8-A073-356F608DC91A}" dt="2021-02-16T15:29:02.714" v="456" actId="20577"/>
+          <ac:spMkLst>
+            <pc:docMk/>
+            <pc:sldMk cId="2126070970" sldId="520"/>
+            <ac:spMk id="3" creationId="{D7399D59-7ED8-4451-AEDE-1AC4DE33563A}"/>
+          </ac:spMkLst>
+        </pc:spChg>
+      </pc:sldChg>
+      <pc:sldChg chg="add del">
+        <pc:chgData name="Sherif Khattab" userId="c83b1e15-36f3-4f46-aceb-05aac24c545e" providerId="ADAL" clId="{4F266D3B-92A2-40A8-A073-356F608DC91A}" dt="2021-02-16T14:38:54.959" v="8" actId="47"/>
+        <pc:sldMkLst>
+          <pc:docMk/>
+          <pc:sldMk cId="2885366123" sldId="521"/>
+        </pc:sldMkLst>
+      </pc:sldChg>
+      <pc:sldChg chg="add del">
+        <pc:chgData name="Sherif Khattab" userId="c83b1e15-36f3-4f46-aceb-05aac24c545e" providerId="ADAL" clId="{4F266D3B-92A2-40A8-A073-356F608DC91A}" dt="2021-02-16T14:39:22.937" v="10" actId="47"/>
+        <pc:sldMkLst>
+          <pc:docMk/>
+          <pc:sldMk cId="158309068" sldId="522"/>
+        </pc:sldMkLst>
+      </pc:sldChg>
+    </pc:docChg>
+  </pc:docChgLst>
+  <pc:docChgLst>
+    <pc:chgData name="Khattab, Sherif" userId="c83b1e15-36f3-4f46-aceb-05aac24c545e" providerId="ADAL" clId="{86C989E0-91AC-42C2-9974-EED7EE88B024}"/>
+    <pc:docChg chg="undo redo custSel addSld delSld modSld sldOrd">
+      <pc:chgData name="Khattab, Sherif" userId="c83b1e15-36f3-4f46-aceb-05aac24c545e" providerId="ADAL" clId="{86C989E0-91AC-42C2-9974-EED7EE88B024}" dt="2022-02-17T18:59:11.241" v="985" actId="20577"/>
+      <pc:docMkLst>
+        <pc:docMk/>
+      </pc:docMkLst>
+      <pc:sldChg chg="add del">
+        <pc:chgData name="Khattab, Sherif" userId="c83b1e15-36f3-4f46-aceb-05aac24c545e" providerId="ADAL" clId="{86C989E0-91AC-42C2-9974-EED7EE88B024}" dt="2022-02-10T19:18:32.179" v="794"/>
+        <pc:sldMkLst>
+          <pc:docMk/>
+          <pc:sldMk cId="1301760881" sldId="286"/>
+        </pc:sldMkLst>
+      </pc:sldChg>
+      <pc:sldChg chg="add del">
+        <pc:chgData name="Khattab, Sherif" userId="c83b1e15-36f3-4f46-aceb-05aac24c545e" providerId="ADAL" clId="{86C989E0-91AC-42C2-9974-EED7EE88B024}" dt="2022-02-10T19:18:14.130" v="790" actId="2696"/>
+        <pc:sldMkLst>
+          <pc:docMk/>
+          <pc:sldMk cId="3949722242" sldId="286"/>
+        </pc:sldMkLst>
+      </pc:sldChg>
+      <pc:sldChg chg="add del">
+        <pc:chgData name="Khattab, Sherif" userId="c83b1e15-36f3-4f46-aceb-05aac24c545e" providerId="ADAL" clId="{86C989E0-91AC-42C2-9974-EED7EE88B024}" dt="2022-02-10T19:21:14.712" v="976" actId="2696"/>
+        <pc:sldMkLst>
+          <pc:docMk/>
+          <pc:sldMk cId="4202765649" sldId="286"/>
+        </pc:sldMkLst>
+      </pc:sldChg>
+      <pc:sldChg chg="add del">
+        <pc:chgData name="Khattab, Sherif" userId="c83b1e15-36f3-4f46-aceb-05aac24c545e" providerId="ADAL" clId="{86C989E0-91AC-42C2-9974-EED7EE88B024}" dt="2022-02-10T19:21:14.712" v="976" actId="2696"/>
+        <pc:sldMkLst>
+          <pc:docMk/>
+          <pc:sldMk cId="1032220564" sldId="287"/>
+        </pc:sldMkLst>
+      </pc:sldChg>
+      <pc:sldChg chg="add del">
+        <pc:chgData name="Khattab, Sherif" userId="c83b1e15-36f3-4f46-aceb-05aac24c545e" providerId="ADAL" clId="{86C989E0-91AC-42C2-9974-EED7EE88B024}" dt="2022-02-10T19:21:14.712" v="976" actId="2696"/>
+        <pc:sldMkLst>
+          <pc:docMk/>
+          <pc:sldMk cId="1268007695" sldId="288"/>
+        </pc:sldMkLst>
+      </pc:sldChg>
+      <pc:sldChg chg="add del">
+        <pc:chgData name="Khattab, Sherif" userId="c83b1e15-36f3-4f46-aceb-05aac24c545e" providerId="ADAL" clId="{86C989E0-91AC-42C2-9974-EED7EE88B024}" dt="2022-02-10T19:21:14.712" v="976" actId="2696"/>
+        <pc:sldMkLst>
+          <pc:docMk/>
+          <pc:sldMk cId="463012687" sldId="289"/>
+        </pc:sldMkLst>
+      </pc:sldChg>
+      <pc:sldChg chg="add del">
+        <pc:chgData name="Khattab, Sherif" userId="c83b1e15-36f3-4f46-aceb-05aac24c545e" providerId="ADAL" clId="{86C989E0-91AC-42C2-9974-EED7EE88B024}" dt="2022-02-10T19:21:14.712" v="976" actId="2696"/>
+        <pc:sldMkLst>
+          <pc:docMk/>
+          <pc:sldMk cId="1806563943" sldId="342"/>
+        </pc:sldMkLst>
+      </pc:sldChg>
+      <pc:sldChg chg="add del">
+        <pc:chgData name="Khattab, Sherif" userId="c83b1e15-36f3-4f46-aceb-05aac24c545e" providerId="ADAL" clId="{86C989E0-91AC-42C2-9974-EED7EE88B024}" dt="2022-02-10T19:21:14.712" v="976" actId="2696"/>
+        <pc:sldMkLst>
+          <pc:docMk/>
+          <pc:sldMk cId="1167711490" sldId="343"/>
+        </pc:sldMkLst>
+      </pc:sldChg>
+      <pc:sldChg chg="del">
+        <pc:chgData name="Khattab, Sherif" userId="c83b1e15-36f3-4f46-aceb-05aac24c545e" providerId="ADAL" clId="{86C989E0-91AC-42C2-9974-EED7EE88B024}" dt="2022-02-10T19:21:14.712" v="976" actId="2696"/>
+        <pc:sldMkLst>
+          <pc:docMk/>
+          <pc:sldMk cId="3990797458" sldId="378"/>
+        </pc:sldMkLst>
+      </pc:sldChg>
+      <pc:sldChg chg="del">
+        <pc:chgData name="Khattab, Sherif" userId="c83b1e15-36f3-4f46-aceb-05aac24c545e" providerId="ADAL" clId="{86C989E0-91AC-42C2-9974-EED7EE88B024}" dt="2022-02-10T19:21:14.712" v="976" actId="2696"/>
+        <pc:sldMkLst>
+          <pc:docMk/>
+          <pc:sldMk cId="2736486443" sldId="379"/>
+        </pc:sldMkLst>
+      </pc:sldChg>
+      <pc:sldChg chg="modSp add del mod">
+        <pc:chgData name="Khattab, Sherif" userId="c83b1e15-36f3-4f46-aceb-05aac24c545e" providerId="ADAL" clId="{86C989E0-91AC-42C2-9974-EED7EE88B024}" dt="2022-02-17T18:59:11.241" v="985" actId="20577"/>
+        <pc:sldMkLst>
+          <pc:docMk/>
+          <pc:sldMk cId="1337868689" sldId="381"/>
+        </pc:sldMkLst>
+        <pc:spChg chg="mod">
+          <ac:chgData name="Khattab, Sherif" userId="c83b1e15-36f3-4f46-aceb-05aac24c545e" providerId="ADAL" clId="{86C989E0-91AC-42C2-9974-EED7EE88B024}" dt="2022-02-17T18:59:11.241" v="985" actId="20577"/>
+          <ac:spMkLst>
+            <pc:docMk/>
+            <pc:sldMk cId="1337868689" sldId="381"/>
+            <ac:spMk id="119813" creationId="{2D0E5FEC-FE0E-9048-B247-70B668077E38}"/>
+          </ac:spMkLst>
+        </pc:spChg>
+      </pc:sldChg>
+      <pc:sldChg chg="modSp mod">
+        <pc:chgData name="Khattab, Sherif" userId="c83b1e15-36f3-4f46-aceb-05aac24c545e" providerId="ADAL" clId="{86C989E0-91AC-42C2-9974-EED7EE88B024}" dt="2022-02-03T14:11:40.579" v="10" actId="20577"/>
         <pc:sldMkLst>
           <pc:docMk/>
           <pc:sldMk cId="1330366002" sldId="454"/>
         </pc:sldMkLst>
         <pc:spChg chg="mod">
-          <ac:chgData name="Khattab, Sherif" userId="c83b1e15-36f3-4f46-aceb-05aac24c545e" providerId="ADAL" clId="{00771379-563B-405F-813C-A6D6F2B0CDAD}" dt="2020-09-08T04:21:57.867" v="3" actId="20577"/>
+          <ac:chgData name="Khattab, Sherif" userId="c83b1e15-36f3-4f46-aceb-05aac24c545e" providerId="ADAL" clId="{86C989E0-91AC-42C2-9974-EED7EE88B024}" dt="2022-02-03T14:11:40.579" v="10" actId="20577"/>
           <ac:spMkLst>
             <pc:docMk/>
             <pc:sldMk cId="1330366002" sldId="454"/>
             <ac:spMk id="3" creationId="{00000000-0000-0000-0000-000000000000}"/>
+          </ac:spMkLst>
+        </pc:spChg>
+      </pc:sldChg>
+      <pc:sldChg chg="add del">
+        <pc:chgData name="Khattab, Sherif" userId="c83b1e15-36f3-4f46-aceb-05aac24c545e" providerId="ADAL" clId="{86C989E0-91AC-42C2-9974-EED7EE88B024}" dt="2022-02-10T14:23:22.226" v="394"/>
+        <pc:sldMkLst>
+          <pc:docMk/>
+          <pc:sldMk cId="3400641916" sldId="456"/>
+        </pc:sldMkLst>
+      </pc:sldChg>
+      <pc:sldChg chg="add del">
+        <pc:chgData name="Khattab, Sherif" userId="c83b1e15-36f3-4f46-aceb-05aac24c545e" providerId="ADAL" clId="{86C989E0-91AC-42C2-9974-EED7EE88B024}" dt="2022-02-10T19:16:39.744" v="563"/>
+        <pc:sldMkLst>
+          <pc:docMk/>
+          <pc:sldMk cId="565187749" sldId="457"/>
+        </pc:sldMkLst>
+      </pc:sldChg>
+      <pc:sldChg chg="add del">
+        <pc:chgData name="Khattab, Sherif" userId="c83b1e15-36f3-4f46-aceb-05aac24c545e" providerId="ADAL" clId="{86C989E0-91AC-42C2-9974-EED7EE88B024}" dt="2022-02-10T19:16:25.734" v="561" actId="2696"/>
+        <pc:sldMkLst>
+          <pc:docMk/>
+          <pc:sldMk cId="2840639230" sldId="457"/>
+        </pc:sldMkLst>
+      </pc:sldChg>
+      <pc:sldChg chg="add del ord">
+        <pc:chgData name="Khattab, Sherif" userId="c83b1e15-36f3-4f46-aceb-05aac24c545e" providerId="ADAL" clId="{86C989E0-91AC-42C2-9974-EED7EE88B024}" dt="2022-02-10T19:21:14.712" v="976" actId="2696"/>
+        <pc:sldMkLst>
+          <pc:docMk/>
+          <pc:sldMk cId="3909131520" sldId="457"/>
+        </pc:sldMkLst>
+      </pc:sldChg>
+      <pc:sldChg chg="add del ord">
+        <pc:chgData name="Khattab, Sherif" userId="c83b1e15-36f3-4f46-aceb-05aac24c545e" providerId="ADAL" clId="{86C989E0-91AC-42C2-9974-EED7EE88B024}" dt="2022-02-10T19:20:15.161" v="904" actId="20578"/>
+        <pc:sldMkLst>
+          <pc:docMk/>
+          <pc:sldMk cId="2116012598" sldId="458"/>
+        </pc:sldMkLst>
+      </pc:sldChg>
+      <pc:sldChg chg="add del">
+        <pc:chgData name="Khattab, Sherif" userId="c83b1e15-36f3-4f46-aceb-05aac24c545e" providerId="ADAL" clId="{86C989E0-91AC-42C2-9974-EED7EE88B024}" dt="2022-02-10T19:21:14.712" v="976" actId="2696"/>
+        <pc:sldMkLst>
+          <pc:docMk/>
+          <pc:sldMk cId="1011508301" sldId="460"/>
+        </pc:sldMkLst>
+      </pc:sldChg>
+      <pc:sldChg chg="add del">
+        <pc:chgData name="Khattab, Sherif" userId="c83b1e15-36f3-4f46-aceb-05aac24c545e" providerId="ADAL" clId="{86C989E0-91AC-42C2-9974-EED7EE88B024}" dt="2022-02-10T19:18:32.179" v="794"/>
+        <pc:sldMkLst>
+          <pc:docMk/>
+          <pc:sldMk cId="3032351722" sldId="460"/>
+        </pc:sldMkLst>
+      </pc:sldChg>
+      <pc:sldChg chg="add del">
+        <pc:chgData name="Khattab, Sherif" userId="c83b1e15-36f3-4f46-aceb-05aac24c545e" providerId="ADAL" clId="{86C989E0-91AC-42C2-9974-EED7EE88B024}" dt="2022-02-10T19:18:14.130" v="790" actId="2696"/>
+        <pc:sldMkLst>
+          <pc:docMk/>
+          <pc:sldMk cId="4107670357" sldId="460"/>
+        </pc:sldMkLst>
+      </pc:sldChg>
+      <pc:sldChg chg="add del ord">
+        <pc:chgData name="Khattab, Sherif" userId="c83b1e15-36f3-4f46-aceb-05aac24c545e" providerId="ADAL" clId="{86C989E0-91AC-42C2-9974-EED7EE88B024}" dt="2022-02-10T19:18:16.906" v="792"/>
+        <pc:sldMkLst>
+          <pc:docMk/>
+          <pc:sldMk cId="3714784862" sldId="461"/>
+        </pc:sldMkLst>
+      </pc:sldChg>
+      <pc:sldChg chg="modSp mod">
+        <pc:chgData name="Khattab, Sherif" userId="c83b1e15-36f3-4f46-aceb-05aac24c545e" providerId="ADAL" clId="{86C989E0-91AC-42C2-9974-EED7EE88B024}" dt="2022-02-10T14:16:41.721" v="17"/>
+        <pc:sldMkLst>
+          <pc:docMk/>
+          <pc:sldMk cId="3903507516" sldId="498"/>
+        </pc:sldMkLst>
+        <pc:spChg chg="mod">
+          <ac:chgData name="Khattab, Sherif" userId="c83b1e15-36f3-4f46-aceb-05aac24c545e" providerId="ADAL" clId="{86C989E0-91AC-42C2-9974-EED7EE88B024}" dt="2022-02-10T14:16:41.721" v="17"/>
+          <ac:spMkLst>
+            <pc:docMk/>
+            <pc:sldMk cId="3903507516" sldId="498"/>
+            <ac:spMk id="3" creationId="{2466C52D-9A48-4683-BE7F-268D8DB7FAAD}"/>
+          </ac:spMkLst>
+        </pc:spChg>
+      </pc:sldChg>
+      <pc:sldChg chg="modSp mod ord modAnim">
+        <pc:chgData name="Khattab, Sherif" userId="c83b1e15-36f3-4f46-aceb-05aac24c545e" providerId="ADAL" clId="{86C989E0-91AC-42C2-9974-EED7EE88B024}" dt="2022-02-10T14:18:10.602" v="119"/>
+        <pc:sldMkLst>
+          <pc:docMk/>
+          <pc:sldMk cId="2116864396" sldId="505"/>
+        </pc:sldMkLst>
+        <pc:spChg chg="mod">
+          <ac:chgData name="Khattab, Sherif" userId="c83b1e15-36f3-4f46-aceb-05aac24c545e" providerId="ADAL" clId="{86C989E0-91AC-42C2-9974-EED7EE88B024}" dt="2022-02-10T14:17:37.352" v="32" actId="20577"/>
+          <ac:spMkLst>
+            <pc:docMk/>
+            <pc:sldMk cId="2116864396" sldId="505"/>
+            <ac:spMk id="2" creationId="{4697D5D8-73B6-46FE-9121-07FEE70D566F}"/>
+          </ac:spMkLst>
+        </pc:spChg>
+        <pc:spChg chg="mod">
+          <ac:chgData name="Khattab, Sherif" userId="c83b1e15-36f3-4f46-aceb-05aac24c545e" providerId="ADAL" clId="{86C989E0-91AC-42C2-9974-EED7EE88B024}" dt="2022-02-10T14:18:02.457" v="117" actId="20577"/>
+          <ac:spMkLst>
+            <pc:docMk/>
+            <pc:sldMk cId="2116864396" sldId="505"/>
+            <ac:spMk id="3" creationId="{9FDE3B14-90B9-4B5A-83C7-6E633E32EA28}"/>
+          </ac:spMkLst>
+        </pc:spChg>
+      </pc:sldChg>
+      <pc:sldChg chg="add del">
+        <pc:chgData name="Khattab, Sherif" userId="c83b1e15-36f3-4f46-aceb-05aac24c545e" providerId="ADAL" clId="{86C989E0-91AC-42C2-9974-EED7EE88B024}" dt="2022-02-10T19:21:14.712" v="976" actId="2696"/>
+        <pc:sldMkLst>
+          <pc:docMk/>
+          <pc:sldMk cId="707882026" sldId="509"/>
+        </pc:sldMkLst>
+      </pc:sldChg>
+      <pc:sldChg chg="add del">
+        <pc:chgData name="Khattab, Sherif" userId="c83b1e15-36f3-4f46-aceb-05aac24c545e" providerId="ADAL" clId="{86C989E0-91AC-42C2-9974-EED7EE88B024}" dt="2022-02-10T19:21:14.712" v="976" actId="2696"/>
+        <pc:sldMkLst>
+          <pc:docMk/>
+          <pc:sldMk cId="2108493189" sldId="510"/>
+        </pc:sldMkLst>
+      </pc:sldChg>
+      <pc:sldChg chg="add del">
+        <pc:chgData name="Khattab, Sherif" userId="c83b1e15-36f3-4f46-aceb-05aac24c545e" providerId="ADAL" clId="{86C989E0-91AC-42C2-9974-EED7EE88B024}" dt="2022-02-10T19:21:14.712" v="976" actId="2696"/>
+        <pc:sldMkLst>
+          <pc:docMk/>
+          <pc:sldMk cId="2618280309" sldId="511"/>
+        </pc:sldMkLst>
+      </pc:sldChg>
+      <pc:sldChg chg="del">
+        <pc:chgData name="Khattab, Sherif" userId="c83b1e15-36f3-4f46-aceb-05aac24c545e" providerId="ADAL" clId="{86C989E0-91AC-42C2-9974-EED7EE88B024}" dt="2022-02-10T19:21:14.712" v="976" actId="2696"/>
+        <pc:sldMkLst>
+          <pc:docMk/>
+          <pc:sldMk cId="2907412692" sldId="512"/>
+        </pc:sldMkLst>
+      </pc:sldChg>
+      <pc:sldChg chg="del">
+        <pc:chgData name="Khattab, Sherif" userId="c83b1e15-36f3-4f46-aceb-05aac24c545e" providerId="ADAL" clId="{86C989E0-91AC-42C2-9974-EED7EE88B024}" dt="2022-02-10T19:21:14.712" v="976" actId="2696"/>
+        <pc:sldMkLst>
+          <pc:docMk/>
+          <pc:sldMk cId="3017477705" sldId="513"/>
+        </pc:sldMkLst>
+      </pc:sldChg>
+      <pc:sldChg chg="del">
+        <pc:chgData name="Khattab, Sherif" userId="c83b1e15-36f3-4f46-aceb-05aac24c545e" providerId="ADAL" clId="{86C989E0-91AC-42C2-9974-EED7EE88B024}" dt="2022-02-10T19:21:14.712" v="976" actId="2696"/>
+        <pc:sldMkLst>
+          <pc:docMk/>
+          <pc:sldMk cId="1468641068" sldId="514"/>
+        </pc:sldMkLst>
+      </pc:sldChg>
+      <pc:sldChg chg="del">
+        <pc:chgData name="Khattab, Sherif" userId="c83b1e15-36f3-4f46-aceb-05aac24c545e" providerId="ADAL" clId="{86C989E0-91AC-42C2-9974-EED7EE88B024}" dt="2022-02-10T19:21:14.712" v="976" actId="2696"/>
+        <pc:sldMkLst>
+          <pc:docMk/>
+          <pc:sldMk cId="2793897325" sldId="515"/>
+        </pc:sldMkLst>
+      </pc:sldChg>
+      <pc:sldChg chg="del">
+        <pc:chgData name="Khattab, Sherif" userId="c83b1e15-36f3-4f46-aceb-05aac24c545e" providerId="ADAL" clId="{86C989E0-91AC-42C2-9974-EED7EE88B024}" dt="2022-02-10T19:21:14.712" v="976" actId="2696"/>
+        <pc:sldMkLst>
+          <pc:docMk/>
+          <pc:sldMk cId="1699469998" sldId="522"/>
+        </pc:sldMkLst>
+      </pc:sldChg>
+      <pc:sldChg chg="add del">
+        <pc:chgData name="Khattab, Sherif" userId="c83b1e15-36f3-4f46-aceb-05aac24c545e" providerId="ADAL" clId="{86C989E0-91AC-42C2-9974-EED7EE88B024}" dt="2022-02-10T19:21:14.712" v="976" actId="2696"/>
+        <pc:sldMkLst>
+          <pc:docMk/>
+          <pc:sldMk cId="1471214150" sldId="523"/>
+        </pc:sldMkLst>
+      </pc:sldChg>
+      <pc:sldChg chg="add del">
+        <pc:chgData name="Khattab, Sherif" userId="c83b1e15-36f3-4f46-aceb-05aac24c545e" providerId="ADAL" clId="{86C989E0-91AC-42C2-9974-EED7EE88B024}" dt="2022-02-10T19:21:14.712" v="976" actId="2696"/>
+        <pc:sldMkLst>
+          <pc:docMk/>
+          <pc:sldMk cId="1839202036" sldId="524"/>
+        </pc:sldMkLst>
+      </pc:sldChg>
+      <pc:sldChg chg="add del">
+        <pc:chgData name="Khattab, Sherif" userId="c83b1e15-36f3-4f46-aceb-05aac24c545e" providerId="ADAL" clId="{86C989E0-91AC-42C2-9974-EED7EE88B024}" dt="2022-02-10T19:21:14.712" v="976" actId="2696"/>
+        <pc:sldMkLst>
+          <pc:docMk/>
+          <pc:sldMk cId="1301141676" sldId="525"/>
+        </pc:sldMkLst>
+      </pc:sldChg>
+      <pc:sldChg chg="add del">
+        <pc:chgData name="Khattab, Sherif" userId="c83b1e15-36f3-4f46-aceb-05aac24c545e" providerId="ADAL" clId="{86C989E0-91AC-42C2-9974-EED7EE88B024}" dt="2022-02-10T19:21:14.712" v="976" actId="2696"/>
+        <pc:sldMkLst>
+          <pc:docMk/>
+          <pc:sldMk cId="3336646820" sldId="526"/>
+        </pc:sldMkLst>
+      </pc:sldChg>
+      <pc:sldChg chg="del">
+        <pc:chgData name="Khattab, Sherif" userId="c83b1e15-36f3-4f46-aceb-05aac24c545e" providerId="ADAL" clId="{86C989E0-91AC-42C2-9974-EED7EE88B024}" dt="2022-02-10T19:21:14.712" v="976" actId="2696"/>
+        <pc:sldMkLst>
+          <pc:docMk/>
+          <pc:sldMk cId="3989127528" sldId="527"/>
+        </pc:sldMkLst>
+      </pc:sldChg>
+      <pc:sldChg chg="add del">
+        <pc:chgData name="Khattab, Sherif" userId="c83b1e15-36f3-4f46-aceb-05aac24c545e" providerId="ADAL" clId="{86C989E0-91AC-42C2-9974-EED7EE88B024}" dt="2022-02-10T19:21:14.712" v="976" actId="2696"/>
+        <pc:sldMkLst>
+          <pc:docMk/>
+          <pc:sldMk cId="2733511410" sldId="528"/>
+        </pc:sldMkLst>
+      </pc:sldChg>
+      <pc:sldChg chg="add del">
+        <pc:chgData name="Khattab, Sherif" userId="c83b1e15-36f3-4f46-aceb-05aac24c545e" providerId="ADAL" clId="{86C989E0-91AC-42C2-9974-EED7EE88B024}" dt="2022-02-10T19:21:14.712" v="976" actId="2696"/>
+        <pc:sldMkLst>
+          <pc:docMk/>
+          <pc:sldMk cId="2369676605" sldId="529"/>
+        </pc:sldMkLst>
+      </pc:sldChg>
+      <pc:sldChg chg="add del">
+        <pc:chgData name="Khattab, Sherif" userId="c83b1e15-36f3-4f46-aceb-05aac24c545e" providerId="ADAL" clId="{86C989E0-91AC-42C2-9974-EED7EE88B024}" dt="2022-02-10T19:21:14.712" v="976" actId="2696"/>
+        <pc:sldMkLst>
+          <pc:docMk/>
+          <pc:sldMk cId="2849079961" sldId="530"/>
+        </pc:sldMkLst>
+      </pc:sldChg>
+      <pc:sldChg chg="add del">
+        <pc:chgData name="Khattab, Sherif" userId="c83b1e15-36f3-4f46-aceb-05aac24c545e" providerId="ADAL" clId="{86C989E0-91AC-42C2-9974-EED7EE88B024}" dt="2022-02-10T19:21:14.712" v="976" actId="2696"/>
+        <pc:sldMkLst>
+          <pc:docMk/>
+          <pc:sldMk cId="198862008" sldId="531"/>
+        </pc:sldMkLst>
+      </pc:sldChg>
+      <pc:sldChg chg="add del">
+        <pc:chgData name="Khattab, Sherif" userId="c83b1e15-36f3-4f46-aceb-05aac24c545e" providerId="ADAL" clId="{86C989E0-91AC-42C2-9974-EED7EE88B024}" dt="2022-02-10T19:21:14.712" v="976" actId="2696"/>
+        <pc:sldMkLst>
+          <pc:docMk/>
+          <pc:sldMk cId="3242586881" sldId="532"/>
+        </pc:sldMkLst>
+      </pc:sldChg>
+      <pc:sldChg chg="add del">
+        <pc:chgData name="Khattab, Sherif" userId="c83b1e15-36f3-4f46-aceb-05aac24c545e" providerId="ADAL" clId="{86C989E0-91AC-42C2-9974-EED7EE88B024}" dt="2022-02-10T19:21:14.712" v="976" actId="2696"/>
+        <pc:sldMkLst>
+          <pc:docMk/>
+          <pc:sldMk cId="202149894" sldId="533"/>
+        </pc:sldMkLst>
+      </pc:sldChg>
+      <pc:sldChg chg="add del">
+        <pc:chgData name="Khattab, Sherif" userId="c83b1e15-36f3-4f46-aceb-05aac24c545e" providerId="ADAL" clId="{86C989E0-91AC-42C2-9974-EED7EE88B024}" dt="2022-02-10T19:21:14.712" v="976" actId="2696"/>
+        <pc:sldMkLst>
+          <pc:docMk/>
+          <pc:sldMk cId="1862553252" sldId="534"/>
+        </pc:sldMkLst>
+      </pc:sldChg>
+      <pc:sldChg chg="add del">
+        <pc:chgData name="Khattab, Sherif" userId="c83b1e15-36f3-4f46-aceb-05aac24c545e" providerId="ADAL" clId="{86C989E0-91AC-42C2-9974-EED7EE88B024}" dt="2022-02-10T19:21:14.712" v="976" actId="2696"/>
+        <pc:sldMkLst>
+          <pc:docMk/>
+          <pc:sldMk cId="3718964789" sldId="543"/>
+        </pc:sldMkLst>
+      </pc:sldChg>
+      <pc:sldChg chg="add del">
+        <pc:chgData name="Khattab, Sherif" userId="c83b1e15-36f3-4f46-aceb-05aac24c545e" providerId="ADAL" clId="{86C989E0-91AC-42C2-9974-EED7EE88B024}" dt="2022-02-10T19:21:14.712" v="976" actId="2696"/>
+        <pc:sldMkLst>
+          <pc:docMk/>
+          <pc:sldMk cId="486560120" sldId="544"/>
+        </pc:sldMkLst>
+      </pc:sldChg>
+      <pc:sldChg chg="del">
+        <pc:chgData name="Khattab, Sherif" userId="c83b1e15-36f3-4f46-aceb-05aac24c545e" providerId="ADAL" clId="{86C989E0-91AC-42C2-9974-EED7EE88B024}" dt="2022-02-10T19:21:14.712" v="976" actId="2696"/>
+        <pc:sldMkLst>
+          <pc:docMk/>
+          <pc:sldMk cId="2959171718" sldId="545"/>
+        </pc:sldMkLst>
+      </pc:sldChg>
+      <pc:sldChg chg="del">
+        <pc:chgData name="Khattab, Sherif" userId="c83b1e15-36f3-4f46-aceb-05aac24c545e" providerId="ADAL" clId="{86C989E0-91AC-42C2-9974-EED7EE88B024}" dt="2022-02-10T19:21:14.712" v="976" actId="2696"/>
+        <pc:sldMkLst>
+          <pc:docMk/>
+          <pc:sldMk cId="2259346312" sldId="546"/>
+        </pc:sldMkLst>
+      </pc:sldChg>
+      <pc:sldChg chg="del">
+        <pc:chgData name="Khattab, Sherif" userId="c83b1e15-36f3-4f46-aceb-05aac24c545e" providerId="ADAL" clId="{86C989E0-91AC-42C2-9974-EED7EE88B024}" dt="2022-02-10T19:21:14.712" v="976" actId="2696"/>
+        <pc:sldMkLst>
+          <pc:docMk/>
+          <pc:sldMk cId="3876805328" sldId="547"/>
+        </pc:sldMkLst>
+      </pc:sldChg>
+      <pc:sldChg chg="del">
+        <pc:chgData name="Khattab, Sherif" userId="c83b1e15-36f3-4f46-aceb-05aac24c545e" providerId="ADAL" clId="{86C989E0-91AC-42C2-9974-EED7EE88B024}" dt="2022-02-10T19:21:14.712" v="976" actId="2696"/>
+        <pc:sldMkLst>
+          <pc:docMk/>
+          <pc:sldMk cId="1302483671" sldId="548"/>
+        </pc:sldMkLst>
+      </pc:sldChg>
+      <pc:sldChg chg="addSp delSp modSp add del mod modAnim">
+        <pc:chgData name="Khattab, Sherif" userId="c83b1e15-36f3-4f46-aceb-05aac24c545e" providerId="ADAL" clId="{86C989E0-91AC-42C2-9974-EED7EE88B024}" dt="2022-02-10T14:20:31.575" v="192" actId="6549"/>
+        <pc:sldMkLst>
+          <pc:docMk/>
+          <pc:sldMk cId="1850740189" sldId="551"/>
+        </pc:sldMkLst>
+        <pc:spChg chg="add del">
+          <ac:chgData name="Khattab, Sherif" userId="c83b1e15-36f3-4f46-aceb-05aac24c545e" providerId="ADAL" clId="{86C989E0-91AC-42C2-9974-EED7EE88B024}" dt="2022-02-10T14:20:10.492" v="181" actId="22"/>
+          <ac:spMkLst>
+            <pc:docMk/>
+            <pc:sldMk cId="1850740189" sldId="551"/>
+            <ac:spMk id="26" creationId="{0D075C5A-60F5-43F3-B541-88F11B105EC2}"/>
+          </ac:spMkLst>
+        </pc:spChg>
+        <pc:spChg chg="add mod">
+          <ac:chgData name="Khattab, Sherif" userId="c83b1e15-36f3-4f46-aceb-05aac24c545e" providerId="ADAL" clId="{86C989E0-91AC-42C2-9974-EED7EE88B024}" dt="2022-02-10T14:20:12.702" v="183" actId="1076"/>
+          <ac:spMkLst>
+            <pc:docMk/>
+            <pc:sldMk cId="1850740189" sldId="551"/>
+            <ac:spMk id="28" creationId="{7116BF4A-1256-458D-8770-0AAA0B6783D8}"/>
+          </ac:spMkLst>
+        </pc:spChg>
+        <pc:spChg chg="mod">
+          <ac:chgData name="Khattab, Sherif" userId="c83b1e15-36f3-4f46-aceb-05aac24c545e" providerId="ADAL" clId="{86C989E0-91AC-42C2-9974-EED7EE88B024}" dt="2022-02-10T14:20:31.575" v="192" actId="6549"/>
+          <ac:spMkLst>
+            <pc:docMk/>
+            <pc:sldMk cId="1850740189" sldId="551"/>
+            <ac:spMk id="118786" creationId="{26D54543-5CF1-B947-A0EE-00F2D893EE94}"/>
+          </ac:spMkLst>
+        </pc:spChg>
+        <pc:spChg chg="mod">
+          <ac:chgData name="Khattab, Sherif" userId="c83b1e15-36f3-4f46-aceb-05aac24c545e" providerId="ADAL" clId="{86C989E0-91AC-42C2-9974-EED7EE88B024}" dt="2022-02-10T14:20:00.016" v="174" actId="1076"/>
+          <ac:spMkLst>
+            <pc:docMk/>
+            <pc:sldMk cId="1850740189" sldId="551"/>
+            <ac:spMk id="118787" creationId="{98C49C38-B250-2147-AE6C-530E1AA08885}"/>
+          </ac:spMkLst>
+        </pc:spChg>
+        <pc:spChg chg="mod">
+          <ac:chgData name="Khattab, Sherif" userId="c83b1e15-36f3-4f46-aceb-05aac24c545e" providerId="ADAL" clId="{86C989E0-91AC-42C2-9974-EED7EE88B024}" dt="2022-02-10T14:20:00.016" v="174" actId="1076"/>
+          <ac:spMkLst>
+            <pc:docMk/>
+            <pc:sldMk cId="1850740189" sldId="551"/>
+            <ac:spMk id="118788" creationId="{53F82913-4751-364A-8AE7-032DF279A0A9}"/>
+          </ac:spMkLst>
+        </pc:spChg>
+        <pc:spChg chg="mod">
+          <ac:chgData name="Khattab, Sherif" userId="c83b1e15-36f3-4f46-aceb-05aac24c545e" providerId="ADAL" clId="{86C989E0-91AC-42C2-9974-EED7EE88B024}" dt="2022-02-10T14:20:00.016" v="174" actId="1076"/>
+          <ac:spMkLst>
+            <pc:docMk/>
+            <pc:sldMk cId="1850740189" sldId="551"/>
+            <ac:spMk id="118789" creationId="{D2746B01-3B26-2547-A3F4-6814F822C8BA}"/>
+          </ac:spMkLst>
+        </pc:spChg>
+        <pc:spChg chg="mod">
+          <ac:chgData name="Khattab, Sherif" userId="c83b1e15-36f3-4f46-aceb-05aac24c545e" providerId="ADAL" clId="{86C989E0-91AC-42C2-9974-EED7EE88B024}" dt="2022-02-10T14:20:00.016" v="174" actId="1076"/>
+          <ac:spMkLst>
+            <pc:docMk/>
+            <pc:sldMk cId="1850740189" sldId="551"/>
+            <ac:spMk id="118790" creationId="{7BA12B8A-76C8-8B48-BB05-9671FCD0F0C9}"/>
+          </ac:spMkLst>
+        </pc:spChg>
+        <pc:spChg chg="mod">
+          <ac:chgData name="Khattab, Sherif" userId="c83b1e15-36f3-4f46-aceb-05aac24c545e" providerId="ADAL" clId="{86C989E0-91AC-42C2-9974-EED7EE88B024}" dt="2022-02-10T14:20:00.016" v="174" actId="1076"/>
+          <ac:spMkLst>
+            <pc:docMk/>
+            <pc:sldMk cId="1850740189" sldId="551"/>
+            <ac:spMk id="118791" creationId="{13E152E0-121B-6F48-8C9E-94F2BE92FD25}"/>
+          </ac:spMkLst>
+        </pc:spChg>
+        <pc:spChg chg="mod">
+          <ac:chgData name="Khattab, Sherif" userId="c83b1e15-36f3-4f46-aceb-05aac24c545e" providerId="ADAL" clId="{86C989E0-91AC-42C2-9974-EED7EE88B024}" dt="2022-02-10T14:20:00.016" v="174" actId="1076"/>
+          <ac:spMkLst>
+            <pc:docMk/>
+            <pc:sldMk cId="1850740189" sldId="551"/>
+            <ac:spMk id="118792" creationId="{4043197E-3A9F-0A46-A4A7-C4BE79AFE421}"/>
+          </ac:spMkLst>
+        </pc:spChg>
+        <pc:spChg chg="mod">
+          <ac:chgData name="Khattab, Sherif" userId="c83b1e15-36f3-4f46-aceb-05aac24c545e" providerId="ADAL" clId="{86C989E0-91AC-42C2-9974-EED7EE88B024}" dt="2022-02-10T14:20:00.016" v="174" actId="1076"/>
+          <ac:spMkLst>
+            <pc:docMk/>
+            <pc:sldMk cId="1850740189" sldId="551"/>
+            <ac:spMk id="118793" creationId="{84D5FC6A-9BC3-2749-AC1C-7840D838E557}"/>
+          </ac:spMkLst>
+        </pc:spChg>
+        <pc:spChg chg="mod">
+          <ac:chgData name="Khattab, Sherif" userId="c83b1e15-36f3-4f46-aceb-05aac24c545e" providerId="ADAL" clId="{86C989E0-91AC-42C2-9974-EED7EE88B024}" dt="2022-02-10T14:20:00.016" v="174" actId="1076"/>
+          <ac:spMkLst>
+            <pc:docMk/>
+            <pc:sldMk cId="1850740189" sldId="551"/>
+            <ac:spMk id="118794" creationId="{1714054E-4CF4-5143-B355-3185210C2B95}"/>
+          </ac:spMkLst>
+        </pc:spChg>
+        <pc:spChg chg="mod">
+          <ac:chgData name="Khattab, Sherif" userId="c83b1e15-36f3-4f46-aceb-05aac24c545e" providerId="ADAL" clId="{86C989E0-91AC-42C2-9974-EED7EE88B024}" dt="2022-02-10T14:20:00.016" v="174" actId="1076"/>
+          <ac:spMkLst>
+            <pc:docMk/>
+            <pc:sldMk cId="1850740189" sldId="551"/>
+            <ac:spMk id="118795" creationId="{83A0AAB2-4E58-8849-9F14-46DA4237D688}"/>
+          </ac:spMkLst>
+        </pc:spChg>
+        <pc:spChg chg="mod">
+          <ac:chgData name="Khattab, Sherif" userId="c83b1e15-36f3-4f46-aceb-05aac24c545e" providerId="ADAL" clId="{86C989E0-91AC-42C2-9974-EED7EE88B024}" dt="2022-02-10T14:20:00.016" v="174" actId="1076"/>
+          <ac:spMkLst>
+            <pc:docMk/>
+            <pc:sldMk cId="1850740189" sldId="551"/>
+            <ac:spMk id="118796" creationId="{D3D593C1-426F-3148-AB55-E37C99CF81B3}"/>
+          </ac:spMkLst>
+        </pc:spChg>
+        <pc:spChg chg="mod">
+          <ac:chgData name="Khattab, Sherif" userId="c83b1e15-36f3-4f46-aceb-05aac24c545e" providerId="ADAL" clId="{86C989E0-91AC-42C2-9974-EED7EE88B024}" dt="2022-02-10T14:20:00.016" v="174" actId="1076"/>
+          <ac:spMkLst>
+            <pc:docMk/>
+            <pc:sldMk cId="1850740189" sldId="551"/>
+            <ac:spMk id="118797" creationId="{DEEC2606-406B-7B44-8FAD-0A7A2D33967B}"/>
+          </ac:spMkLst>
+        </pc:spChg>
+        <pc:spChg chg="mod">
+          <ac:chgData name="Khattab, Sherif" userId="c83b1e15-36f3-4f46-aceb-05aac24c545e" providerId="ADAL" clId="{86C989E0-91AC-42C2-9974-EED7EE88B024}" dt="2022-02-10T14:20:00.016" v="174" actId="1076"/>
+          <ac:spMkLst>
+            <pc:docMk/>
+            <pc:sldMk cId="1850740189" sldId="551"/>
+            <ac:spMk id="118798" creationId="{3278E209-BA82-8046-88AC-2F6CB1E218D3}"/>
+          </ac:spMkLst>
+        </pc:spChg>
+        <pc:spChg chg="mod">
+          <ac:chgData name="Khattab, Sherif" userId="c83b1e15-36f3-4f46-aceb-05aac24c545e" providerId="ADAL" clId="{86C989E0-91AC-42C2-9974-EED7EE88B024}" dt="2022-02-10T14:20:00.016" v="174" actId="1076"/>
+          <ac:spMkLst>
+            <pc:docMk/>
+            <pc:sldMk cId="1850740189" sldId="551"/>
+            <ac:spMk id="118799" creationId="{D12302FB-C18D-C34E-AC6F-CA54380613AE}"/>
+          </ac:spMkLst>
+        </pc:spChg>
+        <pc:spChg chg="mod">
+          <ac:chgData name="Khattab, Sherif" userId="c83b1e15-36f3-4f46-aceb-05aac24c545e" providerId="ADAL" clId="{86C989E0-91AC-42C2-9974-EED7EE88B024}" dt="2022-02-10T14:20:15.108" v="184" actId="1076"/>
+          <ac:spMkLst>
+            <pc:docMk/>
+            <pc:sldMk cId="1850740189" sldId="551"/>
+            <ac:spMk id="118806" creationId="{ED78E685-ED28-7549-B9BC-0EA9598A3ABF}"/>
+          </ac:spMkLst>
+        </pc:spChg>
+        <pc:picChg chg="mod">
+          <ac:chgData name="Khattab, Sherif" userId="c83b1e15-36f3-4f46-aceb-05aac24c545e" providerId="ADAL" clId="{86C989E0-91AC-42C2-9974-EED7EE88B024}" dt="2022-02-10T14:20:00.016" v="174" actId="1076"/>
+          <ac:picMkLst>
+            <pc:docMk/>
+            <pc:sldMk cId="1850740189" sldId="551"/>
+            <ac:picMk id="118800" creationId="{E95CBB6A-64AD-8346-BD2B-9D520A474D21}"/>
+          </ac:picMkLst>
+        </pc:picChg>
+        <pc:picChg chg="mod">
+          <ac:chgData name="Khattab, Sherif" userId="c83b1e15-36f3-4f46-aceb-05aac24c545e" providerId="ADAL" clId="{86C989E0-91AC-42C2-9974-EED7EE88B024}" dt="2022-02-10T14:20:00.016" v="174" actId="1076"/>
+          <ac:picMkLst>
+            <pc:docMk/>
+            <pc:sldMk cId="1850740189" sldId="551"/>
+            <ac:picMk id="118801" creationId="{883C6F00-A1A9-0746-8166-922C32FA0F39}"/>
+          </ac:picMkLst>
+        </pc:picChg>
+        <pc:picChg chg="mod">
+          <ac:chgData name="Khattab, Sherif" userId="c83b1e15-36f3-4f46-aceb-05aac24c545e" providerId="ADAL" clId="{86C989E0-91AC-42C2-9974-EED7EE88B024}" dt="2022-02-10T14:20:00.016" v="174" actId="1076"/>
+          <ac:picMkLst>
+            <pc:docMk/>
+            <pc:sldMk cId="1850740189" sldId="551"/>
+            <ac:picMk id="118802" creationId="{936CD62E-FC51-BE4C-9A40-CB47EE8BC4F7}"/>
+          </ac:picMkLst>
+        </pc:picChg>
+        <pc:picChg chg="mod">
+          <ac:chgData name="Khattab, Sherif" userId="c83b1e15-36f3-4f46-aceb-05aac24c545e" providerId="ADAL" clId="{86C989E0-91AC-42C2-9974-EED7EE88B024}" dt="2022-02-10T14:20:00.016" v="174" actId="1076"/>
+          <ac:picMkLst>
+            <pc:docMk/>
+            <pc:sldMk cId="1850740189" sldId="551"/>
+            <ac:picMk id="118803" creationId="{DDF14947-FA7B-EB4B-8CEF-25F37E446853}"/>
+          </ac:picMkLst>
+        </pc:picChg>
+        <pc:picChg chg="mod">
+          <ac:chgData name="Khattab, Sherif" userId="c83b1e15-36f3-4f46-aceb-05aac24c545e" providerId="ADAL" clId="{86C989E0-91AC-42C2-9974-EED7EE88B024}" dt="2022-02-10T14:20:00.016" v="174" actId="1076"/>
+          <ac:picMkLst>
+            <pc:docMk/>
+            <pc:sldMk cId="1850740189" sldId="551"/>
+            <ac:picMk id="118804" creationId="{8421A293-89F5-BF47-B18A-1A08E6D7B351}"/>
+          </ac:picMkLst>
+        </pc:picChg>
+        <pc:picChg chg="mod">
+          <ac:chgData name="Khattab, Sherif" userId="c83b1e15-36f3-4f46-aceb-05aac24c545e" providerId="ADAL" clId="{86C989E0-91AC-42C2-9974-EED7EE88B024}" dt="2022-02-10T14:20:00.016" v="174" actId="1076"/>
+          <ac:picMkLst>
+            <pc:docMk/>
+            <pc:sldMk cId="1850740189" sldId="551"/>
+            <ac:picMk id="118805" creationId="{8A44AA5A-3BC4-4649-9DB5-DC9618E00928}"/>
+          </ac:picMkLst>
+        </pc:picChg>
+      </pc:sldChg>
+      <pc:sldChg chg="add del">
+        <pc:chgData name="Khattab, Sherif" userId="c83b1e15-36f3-4f46-aceb-05aac24c545e" providerId="ADAL" clId="{86C989E0-91AC-42C2-9974-EED7EE88B024}" dt="2022-02-10T14:22:39.471" v="390" actId="47"/>
+        <pc:sldMkLst>
+          <pc:docMk/>
+          <pc:sldMk cId="1401906409" sldId="552"/>
+        </pc:sldMkLst>
+      </pc:sldChg>
+      <pc:sldChg chg="add del">
+        <pc:chgData name="Khattab, Sherif" userId="c83b1e15-36f3-4f46-aceb-05aac24c545e" providerId="ADAL" clId="{86C989E0-91AC-42C2-9974-EED7EE88B024}" dt="2022-02-10T19:16:00.566" v="557" actId="2696"/>
+        <pc:sldMkLst>
+          <pc:docMk/>
+          <pc:sldMk cId="441821993" sldId="553"/>
+        </pc:sldMkLst>
+      </pc:sldChg>
+      <pc:sldChg chg="add del">
+        <pc:chgData name="Khattab, Sherif" userId="c83b1e15-36f3-4f46-aceb-05aac24c545e" providerId="ADAL" clId="{86C989E0-91AC-42C2-9974-EED7EE88B024}" dt="2022-02-10T19:18:39.860" v="796" actId="2696"/>
+        <pc:sldMkLst>
+          <pc:docMk/>
+          <pc:sldMk cId="647114807" sldId="553"/>
+        </pc:sldMkLst>
+      </pc:sldChg>
+      <pc:sldChg chg="add del">
+        <pc:chgData name="Khattab, Sherif" userId="c83b1e15-36f3-4f46-aceb-05aac24c545e" providerId="ADAL" clId="{86C989E0-91AC-42C2-9974-EED7EE88B024}" dt="2022-02-10T19:16:17.528" v="559"/>
+        <pc:sldMkLst>
+          <pc:docMk/>
+          <pc:sldMk cId="1158192905" sldId="553"/>
+        </pc:sldMkLst>
+      </pc:sldChg>
+      <pc:sldChg chg="add del">
+        <pc:chgData name="Khattab, Sherif" userId="c83b1e15-36f3-4f46-aceb-05aac24c545e" providerId="ADAL" clId="{86C989E0-91AC-42C2-9974-EED7EE88B024}" dt="2022-02-10T19:19:02.615" v="804"/>
+        <pc:sldMkLst>
+          <pc:docMk/>
+          <pc:sldMk cId="1448010789" sldId="553"/>
+        </pc:sldMkLst>
+      </pc:sldChg>
+      <pc:sldChg chg="add">
+        <pc:chgData name="Khattab, Sherif" userId="c83b1e15-36f3-4f46-aceb-05aac24c545e" providerId="ADAL" clId="{86C989E0-91AC-42C2-9974-EED7EE88B024}" dt="2022-02-10T19:19:02.639" v="805"/>
+        <pc:sldMkLst>
+          <pc:docMk/>
+          <pc:sldMk cId="2971514464" sldId="553"/>
+        </pc:sldMkLst>
+      </pc:sldChg>
+      <pc:sldChg chg="add del">
+        <pc:chgData name="Khattab, Sherif" userId="c83b1e15-36f3-4f46-aceb-05aac24c545e" providerId="ADAL" clId="{86C989E0-91AC-42C2-9974-EED7EE88B024}" dt="2022-02-10T19:21:14.712" v="976" actId="2696"/>
+        <pc:sldMkLst>
+          <pc:docMk/>
+          <pc:sldMk cId="375143652" sldId="556"/>
+        </pc:sldMkLst>
+      </pc:sldChg>
+      <pc:sldChg chg="add del">
+        <pc:chgData name="Khattab, Sherif" userId="c83b1e15-36f3-4f46-aceb-05aac24c545e" providerId="ADAL" clId="{86C989E0-91AC-42C2-9974-EED7EE88B024}" dt="2022-02-10T19:21:14.712" v="976" actId="2696"/>
+        <pc:sldMkLst>
+          <pc:docMk/>
+          <pc:sldMk cId="2858246217" sldId="558"/>
+        </pc:sldMkLst>
+      </pc:sldChg>
+      <pc:sldChg chg="modSp mod ord modAnim">
+        <pc:chgData name="Khattab, Sherif" userId="c83b1e15-36f3-4f46-aceb-05aac24c545e" providerId="ADAL" clId="{86C989E0-91AC-42C2-9974-EED7EE88B024}" dt="2022-02-10T19:15:11.223" v="534"/>
+        <pc:sldMkLst>
+          <pc:docMk/>
+          <pc:sldMk cId="25940297" sldId="559"/>
+        </pc:sldMkLst>
+        <pc:spChg chg="mod">
+          <ac:chgData name="Khattab, Sherif" userId="c83b1e15-36f3-4f46-aceb-05aac24c545e" providerId="ADAL" clId="{86C989E0-91AC-42C2-9974-EED7EE88B024}" dt="2022-02-10T19:11:54.118" v="439" actId="20577"/>
+          <ac:spMkLst>
+            <pc:docMk/>
+            <pc:sldMk cId="25940297" sldId="559"/>
+            <ac:spMk id="2" creationId="{9B3E4D42-8F18-4882-97A4-82789ADF4273}"/>
+          </ac:spMkLst>
+        </pc:spChg>
+        <pc:spChg chg="mod">
+          <ac:chgData name="Khattab, Sherif" userId="c83b1e15-36f3-4f46-aceb-05aac24c545e" providerId="ADAL" clId="{86C989E0-91AC-42C2-9974-EED7EE88B024}" dt="2022-02-10T19:15:05.338" v="532" actId="27636"/>
+          <ac:spMkLst>
+            <pc:docMk/>
+            <pc:sldMk cId="25940297" sldId="559"/>
+            <ac:spMk id="3" creationId="{BB580724-74D7-4341-B0BA-D4087388C83C}"/>
+          </ac:spMkLst>
+        </pc:spChg>
+      </pc:sldChg>
+      <pc:sldChg chg="modSp del mod">
+        <pc:chgData name="Khattab, Sherif" userId="c83b1e15-36f3-4f46-aceb-05aac24c545e" providerId="ADAL" clId="{86C989E0-91AC-42C2-9974-EED7EE88B024}" dt="2022-02-10T14:19:09.812" v="143" actId="47"/>
+        <pc:sldMkLst>
+          <pc:docMk/>
+          <pc:sldMk cId="2984359601" sldId="560"/>
+        </pc:sldMkLst>
+        <pc:spChg chg="mod">
+          <ac:chgData name="Khattab, Sherif" userId="c83b1e15-36f3-4f46-aceb-05aac24c545e" providerId="ADAL" clId="{86C989E0-91AC-42C2-9974-EED7EE88B024}" dt="2022-02-10T14:18:22.055" v="141" actId="20577"/>
+          <ac:spMkLst>
+            <pc:docMk/>
+            <pc:sldMk cId="2984359601" sldId="560"/>
+            <ac:spMk id="2" creationId="{56232F58-9C18-47CD-A244-694BBC62F61C}"/>
+          </ac:spMkLst>
+        </pc:spChg>
+        <pc:spChg chg="mod">
+          <ac:chgData name="Khattab, Sherif" userId="c83b1e15-36f3-4f46-aceb-05aac24c545e" providerId="ADAL" clId="{86C989E0-91AC-42C2-9974-EED7EE88B024}" dt="2022-02-10T14:18:24.191" v="142" actId="20577"/>
+          <ac:spMkLst>
+            <pc:docMk/>
+            <pc:sldMk cId="2984359601" sldId="560"/>
+            <ac:spMk id="3" creationId="{C119AD50-CA5F-42C5-B28B-3C5A51ABB173}"/>
+          </ac:spMkLst>
+        </pc:spChg>
+      </pc:sldChg>
+      <pc:sldChg chg="add del">
+        <pc:chgData name="Khattab, Sherif" userId="c83b1e15-36f3-4f46-aceb-05aac24c545e" providerId="ADAL" clId="{86C989E0-91AC-42C2-9974-EED7EE88B024}" dt="2022-02-10T19:21:14.712" v="976" actId="2696"/>
+        <pc:sldMkLst>
+          <pc:docMk/>
+          <pc:sldMk cId="355203031" sldId="561"/>
+        </pc:sldMkLst>
+      </pc:sldChg>
+      <pc:sldChg chg="add del">
+        <pc:chgData name="Khattab, Sherif" userId="c83b1e15-36f3-4f46-aceb-05aac24c545e" providerId="ADAL" clId="{86C989E0-91AC-42C2-9974-EED7EE88B024}" dt="2022-02-10T14:22:45.568" v="391" actId="47"/>
+        <pc:sldMkLst>
+          <pc:docMk/>
+          <pc:sldMk cId="2842851832" sldId="562"/>
+        </pc:sldMkLst>
+      </pc:sldChg>
+      <pc:sldChg chg="addSp modSp new mod">
+        <pc:chgData name="Khattab, Sherif" userId="c83b1e15-36f3-4f46-aceb-05aac24c545e" providerId="ADAL" clId="{86C989E0-91AC-42C2-9974-EED7EE88B024}" dt="2022-02-10T19:15:48.662" v="555"/>
+        <pc:sldMkLst>
+          <pc:docMk/>
+          <pc:sldMk cId="1163018378" sldId="563"/>
+        </pc:sldMkLst>
+        <pc:spChg chg="mod">
+          <ac:chgData name="Khattab, Sherif" userId="c83b1e15-36f3-4f46-aceb-05aac24c545e" providerId="ADAL" clId="{86C989E0-91AC-42C2-9974-EED7EE88B024}" dt="2022-02-10T14:20:56.289" v="231" actId="20577"/>
+          <ac:spMkLst>
+            <pc:docMk/>
+            <pc:sldMk cId="1163018378" sldId="563"/>
+            <ac:spMk id="2" creationId="{0DEC764F-01AF-4BA5-9677-DE25AAD7D5EB}"/>
+          </ac:spMkLst>
+        </pc:spChg>
+        <pc:spChg chg="mod">
+          <ac:chgData name="Khattab, Sherif" userId="c83b1e15-36f3-4f46-aceb-05aac24c545e" providerId="ADAL" clId="{86C989E0-91AC-42C2-9974-EED7EE88B024}" dt="2022-02-10T14:21:39.733" v="346" actId="20577"/>
+          <ac:spMkLst>
+            <pc:docMk/>
+            <pc:sldMk cId="1163018378" sldId="563"/>
+            <ac:spMk id="3" creationId="{16AC7D26-428E-4E6B-9C9F-B1F47979EE4D}"/>
+          </ac:spMkLst>
+        </pc:spChg>
+        <pc:spChg chg="add mod">
+          <ac:chgData name="Khattab, Sherif" userId="c83b1e15-36f3-4f46-aceb-05aac24c545e" providerId="ADAL" clId="{86C989E0-91AC-42C2-9974-EED7EE88B024}" dt="2022-02-10T19:15:48.662" v="555"/>
+          <ac:spMkLst>
+            <pc:docMk/>
+            <pc:sldMk cId="1163018378" sldId="563"/>
+            <ac:spMk id="6" creationId="{29220CDC-AF73-4502-BA63-7A1456CD0CA9}"/>
+          </ac:spMkLst>
+        </pc:spChg>
+        <pc:spChg chg="add mod">
+          <ac:chgData name="Khattab, Sherif" userId="c83b1e15-36f3-4f46-aceb-05aac24c545e" providerId="ADAL" clId="{86C989E0-91AC-42C2-9974-EED7EE88B024}" dt="2022-02-10T19:15:48.662" v="555"/>
+          <ac:spMkLst>
+            <pc:docMk/>
+            <pc:sldMk cId="1163018378" sldId="563"/>
+            <ac:spMk id="7" creationId="{BAA126C1-9FD0-4E9D-8EBE-62223BA09369}"/>
+          </ac:spMkLst>
+        </pc:spChg>
+      </pc:sldChg>
+      <pc:sldChg chg="addSp modSp add mod">
+        <pc:chgData name="Khattab, Sherif" userId="c83b1e15-36f3-4f46-aceb-05aac24c545e" providerId="ADAL" clId="{86C989E0-91AC-42C2-9974-EED7EE88B024}" dt="2022-02-10T19:15:51.638" v="556"/>
+        <pc:sldMkLst>
+          <pc:docMk/>
+          <pc:sldMk cId="1704561566" sldId="564"/>
+        </pc:sldMkLst>
+        <pc:spChg chg="mod">
+          <ac:chgData name="Khattab, Sherif" userId="c83b1e15-36f3-4f46-aceb-05aac24c545e" providerId="ADAL" clId="{86C989E0-91AC-42C2-9974-EED7EE88B024}" dt="2022-02-10T14:21:50.507" v="349" actId="20577"/>
+          <ac:spMkLst>
+            <pc:docMk/>
+            <pc:sldMk cId="1704561566" sldId="564"/>
+            <ac:spMk id="2" creationId="{0DEC764F-01AF-4BA5-9677-DE25AAD7D5EB}"/>
+          </ac:spMkLst>
+        </pc:spChg>
+        <pc:spChg chg="mod">
+          <ac:chgData name="Khattab, Sherif" userId="c83b1e15-36f3-4f46-aceb-05aac24c545e" providerId="ADAL" clId="{86C989E0-91AC-42C2-9974-EED7EE88B024}" dt="2022-02-10T14:22:26.049" v="389" actId="6549"/>
+          <ac:spMkLst>
+            <pc:docMk/>
+            <pc:sldMk cId="1704561566" sldId="564"/>
+            <ac:spMk id="3" creationId="{16AC7D26-428E-4E6B-9C9F-B1F47979EE4D}"/>
+          </ac:spMkLst>
+        </pc:spChg>
+        <pc:spChg chg="add mod">
+          <ac:chgData name="Khattab, Sherif" userId="c83b1e15-36f3-4f46-aceb-05aac24c545e" providerId="ADAL" clId="{86C989E0-91AC-42C2-9974-EED7EE88B024}" dt="2022-02-10T19:15:51.638" v="556"/>
+          <ac:spMkLst>
+            <pc:docMk/>
+            <pc:sldMk cId="1704561566" sldId="564"/>
+            <ac:spMk id="6" creationId="{18FB27A7-690B-4F3F-8DBB-22E5F4B84818}"/>
+          </ac:spMkLst>
+        </pc:spChg>
+        <pc:spChg chg="add mod">
+          <ac:chgData name="Khattab, Sherif" userId="c83b1e15-36f3-4f46-aceb-05aac24c545e" providerId="ADAL" clId="{86C989E0-91AC-42C2-9974-EED7EE88B024}" dt="2022-02-10T19:15:51.638" v="556"/>
+          <ac:spMkLst>
+            <pc:docMk/>
+            <pc:sldMk cId="1704561566" sldId="564"/>
+            <ac:spMk id="7" creationId="{04AC908C-D0A3-4301-AF0E-855420707852}"/>
+          </ac:spMkLst>
+        </pc:spChg>
+      </pc:sldChg>
+      <pc:sldChg chg="add del">
+        <pc:chgData name="Khattab, Sherif" userId="c83b1e15-36f3-4f46-aceb-05aac24c545e" providerId="ADAL" clId="{86C989E0-91AC-42C2-9974-EED7EE88B024}" dt="2022-02-10T19:21:14.712" v="976" actId="2696"/>
+        <pc:sldMkLst>
+          <pc:docMk/>
+          <pc:sldMk cId="931898487" sldId="581"/>
+        </pc:sldMkLst>
+      </pc:sldChg>
+      <pc:sldChg chg="add del ord">
+        <pc:chgData name="Khattab, Sherif" userId="c83b1e15-36f3-4f46-aceb-05aac24c545e" providerId="ADAL" clId="{86C989E0-91AC-42C2-9974-EED7EE88B024}" dt="2022-02-10T19:20:49.419" v="975"/>
+        <pc:sldMkLst>
+          <pc:docMk/>
+          <pc:sldMk cId="2301043" sldId="582"/>
+        </pc:sldMkLst>
+      </pc:sldChg>
+      <pc:sldChg chg="add del">
+        <pc:chgData name="Khattab, Sherif" userId="c83b1e15-36f3-4f46-aceb-05aac24c545e" providerId="ADAL" clId="{86C989E0-91AC-42C2-9974-EED7EE88B024}" dt="2022-02-10T19:21:14.712" v="976" actId="2696"/>
+        <pc:sldMkLst>
+          <pc:docMk/>
+          <pc:sldMk cId="725852215" sldId="583"/>
+        </pc:sldMkLst>
+      </pc:sldChg>
+      <pc:sldChg chg="add del">
+        <pc:chgData name="Khattab, Sherif" userId="c83b1e15-36f3-4f46-aceb-05aac24c545e" providerId="ADAL" clId="{86C989E0-91AC-42C2-9974-EED7EE88B024}" dt="2022-02-10T19:21:14.712" v="976" actId="2696"/>
+        <pc:sldMkLst>
+          <pc:docMk/>
+          <pc:sldMk cId="2987249071" sldId="584"/>
+        </pc:sldMkLst>
+      </pc:sldChg>
+      <pc:sldChg chg="add del">
+        <pc:chgData name="Khattab, Sherif" userId="c83b1e15-36f3-4f46-aceb-05aac24c545e" providerId="ADAL" clId="{86C989E0-91AC-42C2-9974-EED7EE88B024}" dt="2022-02-10T19:21:14.712" v="976" actId="2696"/>
+        <pc:sldMkLst>
+          <pc:docMk/>
+          <pc:sldMk cId="1810255753" sldId="585"/>
+        </pc:sldMkLst>
+      </pc:sldChg>
+      <pc:sldChg chg="add del">
+        <pc:chgData name="Khattab, Sherif" userId="c83b1e15-36f3-4f46-aceb-05aac24c545e" providerId="ADAL" clId="{86C989E0-91AC-42C2-9974-EED7EE88B024}" dt="2022-02-10T19:21:14.712" v="976" actId="2696"/>
+        <pc:sldMkLst>
+          <pc:docMk/>
+          <pc:sldMk cId="1613586742" sldId="586"/>
+        </pc:sldMkLst>
+      </pc:sldChg>
+      <pc:sldChg chg="add del">
+        <pc:chgData name="Khattab, Sherif" userId="c83b1e15-36f3-4f46-aceb-05aac24c545e" providerId="ADAL" clId="{86C989E0-91AC-42C2-9974-EED7EE88B024}" dt="2022-02-10T19:21:14.712" v="976" actId="2696"/>
+        <pc:sldMkLst>
+          <pc:docMk/>
+          <pc:sldMk cId="1883276906" sldId="587"/>
+        </pc:sldMkLst>
+      </pc:sldChg>
+      <pc:sldChg chg="modSp new mod ord modAnim">
+        <pc:chgData name="Khattab, Sherif" userId="c83b1e15-36f3-4f46-aceb-05aac24c545e" providerId="ADAL" clId="{86C989E0-91AC-42C2-9974-EED7EE88B024}" dt="2022-02-10T19:15:35.134" v="552"/>
+        <pc:sldMkLst>
+          <pc:docMk/>
+          <pc:sldMk cId="4254770334" sldId="588"/>
+        </pc:sldMkLst>
+        <pc:spChg chg="mod">
+          <ac:chgData name="Khattab, Sherif" userId="c83b1e15-36f3-4f46-aceb-05aac24c545e" providerId="ADAL" clId="{86C989E0-91AC-42C2-9974-EED7EE88B024}" dt="2022-02-10T19:15:22.700" v="548" actId="404"/>
+          <ac:spMkLst>
+            <pc:docMk/>
+            <pc:sldMk cId="4254770334" sldId="588"/>
+            <ac:spMk id="2" creationId="{2B719A8D-FFCF-4F33-A1EF-1B47541E2A88}"/>
+          </ac:spMkLst>
+        </pc:spChg>
+        <pc:spChg chg="mod">
+          <ac:chgData name="Khattab, Sherif" userId="c83b1e15-36f3-4f46-aceb-05aac24c545e" providerId="ADAL" clId="{86C989E0-91AC-42C2-9974-EED7EE88B024}" dt="2022-02-10T19:15:15.458" v="547" actId="27636"/>
+          <ac:spMkLst>
+            <pc:docMk/>
+            <pc:sldMk cId="4254770334" sldId="588"/>
+            <ac:spMk id="3" creationId="{615884C0-0D74-4653-9064-E4C7BDC08BFC}"/>
+          </ac:spMkLst>
+        </pc:spChg>
+      </pc:sldChg>
+      <pc:sldChg chg="modSp new mod modAnim">
+        <pc:chgData name="Khattab, Sherif" userId="c83b1e15-36f3-4f46-aceb-05aac24c545e" providerId="ADAL" clId="{86C989E0-91AC-42C2-9974-EED7EE88B024}" dt="2022-02-10T19:15:40.856" v="554"/>
+        <pc:sldMkLst>
+          <pc:docMk/>
+          <pc:sldMk cId="3123948321" sldId="589"/>
+        </pc:sldMkLst>
+        <pc:spChg chg="mod">
+          <ac:chgData name="Khattab, Sherif" userId="c83b1e15-36f3-4f46-aceb-05aac24c545e" providerId="ADAL" clId="{86C989E0-91AC-42C2-9974-EED7EE88B024}" dt="2022-02-10T19:13:30.880" v="501" actId="20577"/>
+          <ac:spMkLst>
+            <pc:docMk/>
+            <pc:sldMk cId="3123948321" sldId="589"/>
+            <ac:spMk id="2" creationId="{9C8E793F-C42F-4640-BB1F-35B9A4948BC9}"/>
+          </ac:spMkLst>
+        </pc:spChg>
+        <pc:spChg chg="mod">
+          <ac:chgData name="Khattab, Sherif" userId="c83b1e15-36f3-4f46-aceb-05aac24c545e" providerId="ADAL" clId="{86C989E0-91AC-42C2-9974-EED7EE88B024}" dt="2022-02-10T19:15:27.283" v="550" actId="6549"/>
+          <ac:spMkLst>
+            <pc:docMk/>
+            <pc:sldMk cId="3123948321" sldId="589"/>
+            <ac:spMk id="3" creationId="{F99AC314-6D82-4093-BF29-E5027394A5D8}"/>
+          </ac:spMkLst>
+        </pc:spChg>
+      </pc:sldChg>
+      <pc:sldChg chg="modSp new mod">
+        <pc:chgData name="Khattab, Sherif" userId="c83b1e15-36f3-4f46-aceb-05aac24c545e" providerId="ADAL" clId="{86C989E0-91AC-42C2-9974-EED7EE88B024}" dt="2022-02-10T19:20:01.650" v="900" actId="20577"/>
+        <pc:sldMkLst>
+          <pc:docMk/>
+          <pc:sldMk cId="287963889" sldId="590"/>
+        </pc:sldMkLst>
+        <pc:spChg chg="mod">
+          <ac:chgData name="Khattab, Sherif" userId="c83b1e15-36f3-4f46-aceb-05aac24c545e" providerId="ADAL" clId="{86C989E0-91AC-42C2-9974-EED7EE88B024}" dt="2022-02-10T19:17:13.345" v="619" actId="20577"/>
+          <ac:spMkLst>
+            <pc:docMk/>
+            <pc:sldMk cId="287963889" sldId="590"/>
+            <ac:spMk id="2" creationId="{6F6B47D2-BF4D-4A7E-B96C-A469DDC32F21}"/>
+          </ac:spMkLst>
+        </pc:spChg>
+        <pc:spChg chg="mod">
+          <ac:chgData name="Khattab, Sherif" userId="c83b1e15-36f3-4f46-aceb-05aac24c545e" providerId="ADAL" clId="{86C989E0-91AC-42C2-9974-EED7EE88B024}" dt="2022-02-10T19:20:01.650" v="900" actId="20577"/>
+          <ac:spMkLst>
+            <pc:docMk/>
+            <pc:sldMk cId="287963889" sldId="590"/>
+            <ac:spMk id="3" creationId="{D4B104AC-F825-4D12-AF47-9BB2A93013A3}"/>
+          </ac:spMkLst>
+        </pc:spChg>
+      </pc:sldChg>
+      <pc:sldChg chg="modSp new mod">
+        <pc:chgData name="Khattab, Sherif" userId="c83b1e15-36f3-4f46-aceb-05aac24c545e" providerId="ADAL" clId="{86C989E0-91AC-42C2-9974-EED7EE88B024}" dt="2022-02-10T19:18:05.667" v="789" actId="20577"/>
+        <pc:sldMkLst>
+          <pc:docMk/>
+          <pc:sldMk cId="2859212682" sldId="591"/>
+        </pc:sldMkLst>
+        <pc:spChg chg="mod">
+          <ac:chgData name="Khattab, Sherif" userId="c83b1e15-36f3-4f46-aceb-05aac24c545e" providerId="ADAL" clId="{86C989E0-91AC-42C2-9974-EED7EE88B024}" dt="2022-02-10T19:17:51.675" v="750" actId="20577"/>
+          <ac:spMkLst>
+            <pc:docMk/>
+            <pc:sldMk cId="2859212682" sldId="591"/>
+            <ac:spMk id="2" creationId="{59D6DC7C-061F-4CDB-ABBD-2CF68B9788C9}"/>
+          </ac:spMkLst>
+        </pc:spChg>
+        <pc:spChg chg="mod">
+          <ac:chgData name="Khattab, Sherif" userId="c83b1e15-36f3-4f46-aceb-05aac24c545e" providerId="ADAL" clId="{86C989E0-91AC-42C2-9974-EED7EE88B024}" dt="2022-02-10T19:18:05.667" v="789" actId="20577"/>
+          <ac:spMkLst>
+            <pc:docMk/>
+            <pc:sldMk cId="2859212682" sldId="591"/>
+            <ac:spMk id="3" creationId="{6F232C81-3D5E-44D0-AAE2-8089087759FF}"/>
+          </ac:spMkLst>
+        </pc:spChg>
+      </pc:sldChg>
+      <pc:sldChg chg="modSp add mod ord">
+        <pc:chgData name="Khattab, Sherif" userId="c83b1e15-36f3-4f46-aceb-05aac24c545e" providerId="ADAL" clId="{86C989E0-91AC-42C2-9974-EED7EE88B024}" dt="2022-02-10T19:19:33.329" v="891" actId="20577"/>
+        <pc:sldMkLst>
+          <pc:docMk/>
+          <pc:sldMk cId="979694929" sldId="592"/>
+        </pc:sldMkLst>
+        <pc:spChg chg="mod">
+          <ac:chgData name="Khattab, Sherif" userId="c83b1e15-36f3-4f46-aceb-05aac24c545e" providerId="ADAL" clId="{86C989E0-91AC-42C2-9974-EED7EE88B024}" dt="2022-02-10T19:19:33.329" v="891" actId="20577"/>
+          <ac:spMkLst>
+            <pc:docMk/>
+            <pc:sldMk cId="979694929" sldId="592"/>
+            <ac:spMk id="2" creationId="{59D6DC7C-061F-4CDB-ABBD-2CF68B9788C9}"/>
+          </ac:spMkLst>
+        </pc:spChg>
+        <pc:spChg chg="mod">
+          <ac:chgData name="Khattab, Sherif" userId="c83b1e15-36f3-4f46-aceb-05aac24c545e" providerId="ADAL" clId="{86C989E0-91AC-42C2-9974-EED7EE88B024}" dt="2022-02-10T19:19:28.618" v="881" actId="20577"/>
+          <ac:spMkLst>
+            <pc:docMk/>
+            <pc:sldMk cId="979694929" sldId="592"/>
+            <ac:spMk id="3" creationId="{6F232C81-3D5E-44D0-AAE2-8089087759FF}"/>
+          </ac:spMkLst>
+        </pc:spChg>
+      </pc:sldChg>
+      <pc:sldChg chg="modSp add mod ord">
+        <pc:chgData name="Khattab, Sherif" userId="c83b1e15-36f3-4f46-aceb-05aac24c545e" providerId="ADAL" clId="{86C989E0-91AC-42C2-9974-EED7EE88B024}" dt="2022-02-10T19:20:33.589" v="971" actId="20577"/>
+        <pc:sldMkLst>
+          <pc:docMk/>
+          <pc:sldMk cId="2670576502" sldId="593"/>
+        </pc:sldMkLst>
+        <pc:spChg chg="mod">
+          <ac:chgData name="Khattab, Sherif" userId="c83b1e15-36f3-4f46-aceb-05aac24c545e" providerId="ADAL" clId="{86C989E0-91AC-42C2-9974-EED7EE88B024}" dt="2022-02-10T19:20:20.570" v="915" actId="20577"/>
+          <ac:spMkLst>
+            <pc:docMk/>
+            <pc:sldMk cId="2670576502" sldId="593"/>
+            <ac:spMk id="2" creationId="{59D6DC7C-061F-4CDB-ABBD-2CF68B9788C9}"/>
+          </ac:spMkLst>
+        </pc:spChg>
+        <pc:spChg chg="mod">
+          <ac:chgData name="Khattab, Sherif" userId="c83b1e15-36f3-4f46-aceb-05aac24c545e" providerId="ADAL" clId="{86C989E0-91AC-42C2-9974-EED7EE88B024}" dt="2022-02-10T19:20:33.589" v="971" actId="20577"/>
+          <ac:spMkLst>
+            <pc:docMk/>
+            <pc:sldMk cId="2670576502" sldId="593"/>
+            <ac:spMk id="3" creationId="{6F232C81-3D5E-44D0-AAE2-8089087759FF}"/>
+          </ac:spMkLst>
+        </pc:spChg>
+      </pc:sldChg>
+    </pc:docChg>
+  </pc:docChgLst>
+  <pc:docChgLst>
+    <pc:chgData name="Khattab, Sherif" userId="c83b1e15-36f3-4f46-aceb-05aac24c545e" providerId="ADAL" clId="{5F92678B-265D-4D46-94B4-5CC475EDA587}"/>
+    <pc:docChg chg="custSel addSld delSld modSld sldOrd">
+      <pc:chgData name="Khattab, Sherif" userId="c83b1e15-36f3-4f46-aceb-05aac24c545e" providerId="ADAL" clId="{5F92678B-265D-4D46-94B4-5CC475EDA587}" dt="2021-10-05T16:11:32.441" v="396" actId="2696"/>
+      <pc:docMkLst>
+        <pc:docMk/>
+      </pc:docMkLst>
+      <pc:sldChg chg="del">
+        <pc:chgData name="Khattab, Sherif" userId="c83b1e15-36f3-4f46-aceb-05aac24c545e" providerId="ADAL" clId="{5F92678B-265D-4D46-94B4-5CC475EDA587}" dt="2021-10-05T16:11:32.441" v="396" actId="2696"/>
+        <pc:sldMkLst>
+          <pc:docMk/>
+          <pc:sldMk cId="3681208715" sldId="257"/>
+        </pc:sldMkLst>
+      </pc:sldChg>
+      <pc:sldChg chg="del">
+        <pc:chgData name="Khattab, Sherif" userId="c83b1e15-36f3-4f46-aceb-05aac24c545e" providerId="ADAL" clId="{5F92678B-265D-4D46-94B4-5CC475EDA587}" dt="2021-10-05T16:11:32.441" v="396" actId="2696"/>
+        <pc:sldMkLst>
+          <pc:docMk/>
+          <pc:sldMk cId="3949722242" sldId="286"/>
+        </pc:sldMkLst>
+      </pc:sldChg>
+      <pc:sldChg chg="del">
+        <pc:chgData name="Khattab, Sherif" userId="c83b1e15-36f3-4f46-aceb-05aac24c545e" providerId="ADAL" clId="{5F92678B-265D-4D46-94B4-5CC475EDA587}" dt="2021-10-05T16:11:32.441" v="396" actId="2696"/>
+        <pc:sldMkLst>
+          <pc:docMk/>
+          <pc:sldMk cId="1032220564" sldId="287"/>
+        </pc:sldMkLst>
+      </pc:sldChg>
+      <pc:sldChg chg="del">
+        <pc:chgData name="Khattab, Sherif" userId="c83b1e15-36f3-4f46-aceb-05aac24c545e" providerId="ADAL" clId="{5F92678B-265D-4D46-94B4-5CC475EDA587}" dt="2021-10-05T16:11:32.441" v="396" actId="2696"/>
+        <pc:sldMkLst>
+          <pc:docMk/>
+          <pc:sldMk cId="1268007695" sldId="288"/>
+        </pc:sldMkLst>
+      </pc:sldChg>
+      <pc:sldChg chg="del">
+        <pc:chgData name="Khattab, Sherif" userId="c83b1e15-36f3-4f46-aceb-05aac24c545e" providerId="ADAL" clId="{5F92678B-265D-4D46-94B4-5CC475EDA587}" dt="2021-10-05T16:11:32.441" v="396" actId="2696"/>
+        <pc:sldMkLst>
+          <pc:docMk/>
+          <pc:sldMk cId="463012687" sldId="289"/>
+        </pc:sldMkLst>
+      </pc:sldChg>
+      <pc:sldChg chg="add del">
+        <pc:chgData name="Khattab, Sherif" userId="c83b1e15-36f3-4f46-aceb-05aac24c545e" providerId="ADAL" clId="{5F92678B-265D-4D46-94B4-5CC475EDA587}" dt="2021-10-05T16:11:32.441" v="396" actId="2696"/>
+        <pc:sldMkLst>
+          <pc:docMk/>
+          <pc:sldMk cId="1271999567" sldId="349"/>
+        </pc:sldMkLst>
+      </pc:sldChg>
+      <pc:sldChg chg="add">
+        <pc:chgData name="Khattab, Sherif" userId="c83b1e15-36f3-4f46-aceb-05aac24c545e" providerId="ADAL" clId="{5F92678B-265D-4D46-94B4-5CC475EDA587}" dt="2021-09-30T16:02:21.326" v="4"/>
+        <pc:sldMkLst>
+          <pc:docMk/>
+          <pc:sldMk cId="3990797458" sldId="378"/>
+        </pc:sldMkLst>
+      </pc:sldChg>
+      <pc:sldChg chg="add">
+        <pc:chgData name="Khattab, Sherif" userId="c83b1e15-36f3-4f46-aceb-05aac24c545e" providerId="ADAL" clId="{5F92678B-265D-4D46-94B4-5CC475EDA587}" dt="2021-09-30T16:02:21.326" v="4"/>
+        <pc:sldMkLst>
+          <pc:docMk/>
+          <pc:sldMk cId="2736486443" sldId="379"/>
+        </pc:sldMkLst>
+      </pc:sldChg>
+      <pc:sldChg chg="add del">
+        <pc:chgData name="Khattab, Sherif" userId="c83b1e15-36f3-4f46-aceb-05aac24c545e" providerId="ADAL" clId="{5F92678B-265D-4D46-94B4-5CC475EDA587}" dt="2021-10-05T16:11:32.441" v="396" actId="2696"/>
+        <pc:sldMkLst>
+          <pc:docMk/>
+          <pc:sldMk cId="1337868689" sldId="381"/>
+        </pc:sldMkLst>
+      </pc:sldChg>
+      <pc:sldChg chg="add del">
+        <pc:chgData name="Khattab, Sherif" userId="c83b1e15-36f3-4f46-aceb-05aac24c545e" providerId="ADAL" clId="{5F92678B-265D-4D46-94B4-5CC475EDA587}" dt="2021-09-30T16:10:27.789" v="388" actId="47"/>
+        <pc:sldMkLst>
+          <pc:docMk/>
+          <pc:sldMk cId="3851230975" sldId="382"/>
+        </pc:sldMkLst>
+      </pc:sldChg>
+      <pc:sldChg chg="add del">
+        <pc:chgData name="Khattab, Sherif" userId="c83b1e15-36f3-4f46-aceb-05aac24c545e" providerId="ADAL" clId="{5F92678B-265D-4D46-94B4-5CC475EDA587}" dt="2021-10-05T16:11:32.441" v="396" actId="2696"/>
+        <pc:sldMkLst>
+          <pc:docMk/>
+          <pc:sldMk cId="1591837287" sldId="384"/>
+        </pc:sldMkLst>
+      </pc:sldChg>
+      <pc:sldChg chg="add del">
+        <pc:chgData name="Khattab, Sherif" userId="c83b1e15-36f3-4f46-aceb-05aac24c545e" providerId="ADAL" clId="{5F92678B-265D-4D46-94B4-5CC475EDA587}" dt="2021-09-30T16:10:27.174" v="387" actId="47"/>
+        <pc:sldMkLst>
+          <pc:docMk/>
+          <pc:sldMk cId="1898410716" sldId="385"/>
+        </pc:sldMkLst>
+      </pc:sldChg>
+      <pc:sldChg chg="del">
+        <pc:chgData name="Khattab, Sherif" userId="c83b1e15-36f3-4f46-aceb-05aac24c545e" providerId="ADAL" clId="{5F92678B-265D-4D46-94B4-5CC475EDA587}" dt="2021-10-05T16:11:32.441" v="396" actId="2696"/>
+        <pc:sldMkLst>
+          <pc:docMk/>
+          <pc:sldMk cId="3400641916" sldId="456"/>
+        </pc:sldMkLst>
+      </pc:sldChg>
+      <pc:sldChg chg="del">
+        <pc:chgData name="Khattab, Sherif" userId="c83b1e15-36f3-4f46-aceb-05aac24c545e" providerId="ADAL" clId="{5F92678B-265D-4D46-94B4-5CC475EDA587}" dt="2021-10-05T16:11:32.441" v="396" actId="2696"/>
+        <pc:sldMkLst>
+          <pc:docMk/>
+          <pc:sldMk cId="2840639230" sldId="457"/>
+        </pc:sldMkLst>
+      </pc:sldChg>
+      <pc:sldChg chg="del">
+        <pc:chgData name="Khattab, Sherif" userId="c83b1e15-36f3-4f46-aceb-05aac24c545e" providerId="ADAL" clId="{5F92678B-265D-4D46-94B4-5CC475EDA587}" dt="2021-10-05T16:11:32.441" v="396" actId="2696"/>
+        <pc:sldMkLst>
+          <pc:docMk/>
+          <pc:sldMk cId="2116012598" sldId="458"/>
+        </pc:sldMkLst>
+      </pc:sldChg>
+      <pc:sldChg chg="del">
+        <pc:chgData name="Khattab, Sherif" userId="c83b1e15-36f3-4f46-aceb-05aac24c545e" providerId="ADAL" clId="{5F92678B-265D-4D46-94B4-5CC475EDA587}" dt="2021-10-05T16:11:32.441" v="396" actId="2696"/>
+        <pc:sldMkLst>
+          <pc:docMk/>
+          <pc:sldMk cId="4107670357" sldId="460"/>
+        </pc:sldMkLst>
+      </pc:sldChg>
+      <pc:sldChg chg="del">
+        <pc:chgData name="Khattab, Sherif" userId="c83b1e15-36f3-4f46-aceb-05aac24c545e" providerId="ADAL" clId="{5F92678B-265D-4D46-94B4-5CC475EDA587}" dt="2021-10-05T16:11:32.441" v="396" actId="2696"/>
+        <pc:sldMkLst>
+          <pc:docMk/>
+          <pc:sldMk cId="3714784862" sldId="461"/>
+        </pc:sldMkLst>
+      </pc:sldChg>
+      <pc:sldChg chg="del">
+        <pc:chgData name="Khattab, Sherif" userId="c83b1e15-36f3-4f46-aceb-05aac24c545e" providerId="ADAL" clId="{5F92678B-265D-4D46-94B4-5CC475EDA587}" dt="2021-10-05T16:11:32.441" v="396" actId="2696"/>
+        <pc:sldMkLst>
+          <pc:docMk/>
+          <pc:sldMk cId="931898487" sldId="462"/>
+        </pc:sldMkLst>
+      </pc:sldChg>
+      <pc:sldChg chg="del">
+        <pc:chgData name="Khattab, Sherif" userId="c83b1e15-36f3-4f46-aceb-05aac24c545e" providerId="ADAL" clId="{5F92678B-265D-4D46-94B4-5CC475EDA587}" dt="2021-09-30T16:03:01.658" v="5" actId="47"/>
+        <pc:sldMkLst>
+          <pc:docMk/>
+          <pc:sldMk cId="702367729" sldId="496"/>
+        </pc:sldMkLst>
+      </pc:sldChg>
+      <pc:sldChg chg="modSp add mod">
+        <pc:chgData name="Khattab, Sherif" userId="c83b1e15-36f3-4f46-aceb-05aac24c545e" providerId="ADAL" clId="{5F92678B-265D-4D46-94B4-5CC475EDA587}" dt="2021-10-04T16:42:20.517" v="395" actId="6549"/>
+        <pc:sldMkLst>
+          <pc:docMk/>
+          <pc:sldMk cId="3903507516" sldId="498"/>
+        </pc:sldMkLst>
+        <pc:spChg chg="mod">
+          <ac:chgData name="Khattab, Sherif" userId="c83b1e15-36f3-4f46-aceb-05aac24c545e" providerId="ADAL" clId="{5F92678B-265D-4D46-94B4-5CC475EDA587}" dt="2021-10-04T16:42:20.517" v="395" actId="6549"/>
+          <ac:spMkLst>
+            <pc:docMk/>
+            <pc:sldMk cId="3903507516" sldId="498"/>
+            <ac:spMk id="3" creationId="{2466C52D-9A48-4683-BE7F-268D8DB7FAAD}"/>
+          </ac:spMkLst>
+        </pc:spChg>
+      </pc:sldChg>
+      <pc:sldChg chg="del">
+        <pc:chgData name="Khattab, Sherif" userId="c83b1e15-36f3-4f46-aceb-05aac24c545e" providerId="ADAL" clId="{5F92678B-265D-4D46-94B4-5CC475EDA587}" dt="2021-09-30T16:02:07.054" v="1" actId="47"/>
+        <pc:sldMkLst>
+          <pc:docMk/>
+          <pc:sldMk cId="4202616107" sldId="500"/>
+        </pc:sldMkLst>
+      </pc:sldChg>
+      <pc:sldChg chg="modSp mod">
+        <pc:chgData name="Khattab, Sherif" userId="c83b1e15-36f3-4f46-aceb-05aac24c545e" providerId="ADAL" clId="{5F92678B-265D-4D46-94B4-5CC475EDA587}" dt="2021-09-30T16:04:46.773" v="209" actId="20577"/>
+        <pc:sldMkLst>
+          <pc:docMk/>
+          <pc:sldMk cId="2116864396" sldId="505"/>
+        </pc:sldMkLst>
+        <pc:spChg chg="mod">
+          <ac:chgData name="Khattab, Sherif" userId="c83b1e15-36f3-4f46-aceb-05aac24c545e" providerId="ADAL" clId="{5F92678B-265D-4D46-94B4-5CC475EDA587}" dt="2021-09-30T16:04:46.773" v="209" actId="20577"/>
+          <ac:spMkLst>
+            <pc:docMk/>
+            <pc:sldMk cId="2116864396" sldId="505"/>
+            <ac:spMk id="3" creationId="{9FDE3B14-90B9-4B5A-83C7-6E633E32EA28}"/>
+          </ac:spMkLst>
+        </pc:spChg>
+      </pc:sldChg>
+      <pc:sldChg chg="del">
+        <pc:chgData name="Khattab, Sherif" userId="c83b1e15-36f3-4f46-aceb-05aac24c545e" providerId="ADAL" clId="{5F92678B-265D-4D46-94B4-5CC475EDA587}" dt="2021-09-30T16:07:19.248" v="382" actId="47"/>
+        <pc:sldMkLst>
+          <pc:docMk/>
+          <pc:sldMk cId="3652489610" sldId="506"/>
+        </pc:sldMkLst>
+      </pc:sldChg>
+      <pc:sldChg chg="add">
+        <pc:chgData name="Khattab, Sherif" userId="c83b1e15-36f3-4f46-aceb-05aac24c545e" providerId="ADAL" clId="{5F92678B-265D-4D46-94B4-5CC475EDA587}" dt="2021-09-30T16:02:21.326" v="4"/>
+        <pc:sldMkLst>
+          <pc:docMk/>
+          <pc:sldMk cId="2907412692" sldId="512"/>
+        </pc:sldMkLst>
+      </pc:sldChg>
+      <pc:sldChg chg="add">
+        <pc:chgData name="Khattab, Sherif" userId="c83b1e15-36f3-4f46-aceb-05aac24c545e" providerId="ADAL" clId="{5F92678B-265D-4D46-94B4-5CC475EDA587}" dt="2021-09-30T16:02:21.326" v="4"/>
+        <pc:sldMkLst>
+          <pc:docMk/>
+          <pc:sldMk cId="3017477705" sldId="513"/>
+        </pc:sldMkLst>
+      </pc:sldChg>
+      <pc:sldChg chg="add">
+        <pc:chgData name="Khattab, Sherif" userId="c83b1e15-36f3-4f46-aceb-05aac24c545e" providerId="ADAL" clId="{5F92678B-265D-4D46-94B4-5CC475EDA587}" dt="2021-09-30T16:02:21.326" v="4"/>
+        <pc:sldMkLst>
+          <pc:docMk/>
+          <pc:sldMk cId="1468641068" sldId="514"/>
+        </pc:sldMkLst>
+      </pc:sldChg>
+      <pc:sldChg chg="add">
+        <pc:chgData name="Khattab, Sherif" userId="c83b1e15-36f3-4f46-aceb-05aac24c545e" providerId="ADAL" clId="{5F92678B-265D-4D46-94B4-5CC475EDA587}" dt="2021-09-30T16:02:21.326" v="4"/>
+        <pc:sldMkLst>
+          <pc:docMk/>
+          <pc:sldMk cId="2793897325" sldId="515"/>
+        </pc:sldMkLst>
+      </pc:sldChg>
+      <pc:sldChg chg="add del">
+        <pc:chgData name="Khattab, Sherif" userId="c83b1e15-36f3-4f46-aceb-05aac24c545e" providerId="ADAL" clId="{5F92678B-265D-4D46-94B4-5CC475EDA587}" dt="2021-09-30T16:07:13.193" v="379" actId="47"/>
+        <pc:sldMkLst>
+          <pc:docMk/>
+          <pc:sldMk cId="2487721040" sldId="516"/>
+        </pc:sldMkLst>
+      </pc:sldChg>
+      <pc:sldChg chg="del">
+        <pc:chgData name="Khattab, Sherif" userId="c83b1e15-36f3-4f46-aceb-05aac24c545e" providerId="ADAL" clId="{5F92678B-265D-4D46-94B4-5CC475EDA587}" dt="2021-09-30T16:07:21.067" v="383" actId="47"/>
+        <pc:sldMkLst>
+          <pc:docMk/>
+          <pc:sldMk cId="1616471687" sldId="518"/>
+        </pc:sldMkLst>
+      </pc:sldChg>
+      <pc:sldChg chg="add del">
+        <pc:chgData name="Khattab, Sherif" userId="c83b1e15-36f3-4f46-aceb-05aac24c545e" providerId="ADAL" clId="{5F92678B-265D-4D46-94B4-5CC475EDA587}" dt="2021-10-05T16:11:32.441" v="396" actId="2696"/>
+        <pc:sldMkLst>
+          <pc:docMk/>
+          <pc:sldMk cId="3504930043" sldId="519"/>
+        </pc:sldMkLst>
+      </pc:sldChg>
+      <pc:sldChg chg="add del">
+        <pc:chgData name="Khattab, Sherif" userId="c83b1e15-36f3-4f46-aceb-05aac24c545e" providerId="ADAL" clId="{5F92678B-265D-4D46-94B4-5CC475EDA587}" dt="2021-09-30T16:10:28.947" v="389" actId="47"/>
+        <pc:sldMkLst>
+          <pc:docMk/>
+          <pc:sldMk cId="2126070970" sldId="520"/>
+        </pc:sldMkLst>
+      </pc:sldChg>
+      <pc:sldChg chg="add del">
+        <pc:chgData name="Khattab, Sherif" userId="c83b1e15-36f3-4f46-aceb-05aac24c545e" providerId="ADAL" clId="{5F92678B-265D-4D46-94B4-5CC475EDA587}" dt="2021-10-05T16:11:32.441" v="396" actId="2696"/>
+        <pc:sldMkLst>
+          <pc:docMk/>
+          <pc:sldMk cId="2000814537" sldId="521"/>
+        </pc:sldMkLst>
+      </pc:sldChg>
+      <pc:sldChg chg="del">
+        <pc:chgData name="Khattab, Sherif" userId="c83b1e15-36f3-4f46-aceb-05aac24c545e" providerId="ADAL" clId="{5F92678B-265D-4D46-94B4-5CC475EDA587}" dt="2021-09-30T16:04:52.627" v="210" actId="2696"/>
+        <pc:sldMkLst>
+          <pc:docMk/>
+          <pc:sldMk cId="3364308863" sldId="521"/>
+        </pc:sldMkLst>
+      </pc:sldChg>
+      <pc:sldChg chg="add">
+        <pc:chgData name="Khattab, Sherif" userId="c83b1e15-36f3-4f46-aceb-05aac24c545e" providerId="ADAL" clId="{5F92678B-265D-4D46-94B4-5CC475EDA587}" dt="2021-09-30T16:10:39.338" v="390"/>
+        <pc:sldMkLst>
+          <pc:docMk/>
+          <pc:sldMk cId="1699469998" sldId="522"/>
+        </pc:sldMkLst>
+      </pc:sldChg>
+      <pc:sldChg chg="add del">
+        <pc:chgData name="Khattab, Sherif" userId="c83b1e15-36f3-4f46-aceb-05aac24c545e" providerId="ADAL" clId="{5F92678B-265D-4D46-94B4-5CC475EDA587}" dt="2021-09-30T16:07:24.166" v="384" actId="2696"/>
+        <pc:sldMkLst>
+          <pc:docMk/>
+          <pc:sldMk cId="3046460320" sldId="522"/>
+        </pc:sldMkLst>
+      </pc:sldChg>
+      <pc:sldChg chg="add">
+        <pc:chgData name="Khattab, Sherif" userId="c83b1e15-36f3-4f46-aceb-05aac24c545e" providerId="ADAL" clId="{5F92678B-265D-4D46-94B4-5CC475EDA587}" dt="2021-09-30T16:02:21.326" v="4"/>
+        <pc:sldMkLst>
+          <pc:docMk/>
+          <pc:sldMk cId="3989127528" sldId="527"/>
+        </pc:sldMkLst>
+      </pc:sldChg>
+      <pc:sldChg chg="add">
+        <pc:chgData name="Khattab, Sherif" userId="c83b1e15-36f3-4f46-aceb-05aac24c545e" providerId="ADAL" clId="{5F92678B-265D-4D46-94B4-5CC475EDA587}" dt="2021-09-30T16:02:21.326" v="4"/>
+        <pc:sldMkLst>
+          <pc:docMk/>
+          <pc:sldMk cId="2959171718" sldId="545"/>
+        </pc:sldMkLst>
+      </pc:sldChg>
+      <pc:sldChg chg="add">
+        <pc:chgData name="Khattab, Sherif" userId="c83b1e15-36f3-4f46-aceb-05aac24c545e" providerId="ADAL" clId="{5F92678B-265D-4D46-94B4-5CC475EDA587}" dt="2021-09-30T16:02:21.326" v="4"/>
+        <pc:sldMkLst>
+          <pc:docMk/>
+          <pc:sldMk cId="2259346312" sldId="546"/>
+        </pc:sldMkLst>
+      </pc:sldChg>
+      <pc:sldChg chg="add">
+        <pc:chgData name="Khattab, Sherif" userId="c83b1e15-36f3-4f46-aceb-05aac24c545e" providerId="ADAL" clId="{5F92678B-265D-4D46-94B4-5CC475EDA587}" dt="2021-09-30T16:02:21.326" v="4"/>
+        <pc:sldMkLst>
+          <pc:docMk/>
+          <pc:sldMk cId="3876805328" sldId="547"/>
+        </pc:sldMkLst>
+      </pc:sldChg>
+      <pc:sldChg chg="add">
+        <pc:chgData name="Khattab, Sherif" userId="c83b1e15-36f3-4f46-aceb-05aac24c545e" providerId="ADAL" clId="{5F92678B-265D-4D46-94B4-5CC475EDA587}" dt="2021-09-30T16:02:21.326" v="4"/>
+        <pc:sldMkLst>
+          <pc:docMk/>
+          <pc:sldMk cId="1302483671" sldId="548"/>
+        </pc:sldMkLst>
+      </pc:sldChg>
+      <pc:sldChg chg="add del">
+        <pc:chgData name="Khattab, Sherif" userId="c83b1e15-36f3-4f46-aceb-05aac24c545e" providerId="ADAL" clId="{5F92678B-265D-4D46-94B4-5CC475EDA587}" dt="2021-10-05T16:11:32.441" v="396" actId="2696"/>
+        <pc:sldMkLst>
+          <pc:docMk/>
+          <pc:sldMk cId="4082589092" sldId="549"/>
+        </pc:sldMkLst>
+      </pc:sldChg>
+      <pc:sldChg chg="add del">
+        <pc:chgData name="Khattab, Sherif" userId="c83b1e15-36f3-4f46-aceb-05aac24c545e" providerId="ADAL" clId="{5F92678B-265D-4D46-94B4-5CC475EDA587}" dt="2021-10-05T16:11:32.441" v="396" actId="2696"/>
+        <pc:sldMkLst>
+          <pc:docMk/>
+          <pc:sldMk cId="2768642374" sldId="550"/>
+        </pc:sldMkLst>
+      </pc:sldChg>
+      <pc:sldChg chg="add del">
+        <pc:chgData name="Khattab, Sherif" userId="c83b1e15-36f3-4f46-aceb-05aac24c545e" providerId="ADAL" clId="{5F92678B-265D-4D46-94B4-5CC475EDA587}" dt="2021-10-05T16:11:32.441" v="396" actId="2696"/>
+        <pc:sldMkLst>
+          <pc:docMk/>
+          <pc:sldMk cId="1850740189" sldId="551"/>
+        </pc:sldMkLst>
+      </pc:sldChg>
+      <pc:sldChg chg="add del">
+        <pc:chgData name="Khattab, Sherif" userId="c83b1e15-36f3-4f46-aceb-05aac24c545e" providerId="ADAL" clId="{5F92678B-265D-4D46-94B4-5CC475EDA587}" dt="2021-10-05T16:11:32.441" v="396" actId="2696"/>
+        <pc:sldMkLst>
+          <pc:docMk/>
+          <pc:sldMk cId="1401906409" sldId="552"/>
+        </pc:sldMkLst>
+      </pc:sldChg>
+      <pc:sldChg chg="add del">
+        <pc:chgData name="Khattab, Sherif" userId="c83b1e15-36f3-4f46-aceb-05aac24c545e" providerId="ADAL" clId="{5F92678B-265D-4D46-94B4-5CC475EDA587}" dt="2021-10-05T16:11:32.441" v="396" actId="2696"/>
+        <pc:sldMkLst>
+          <pc:docMk/>
+          <pc:sldMk cId="441821993" sldId="553"/>
+        </pc:sldMkLst>
+      </pc:sldChg>
+      <pc:sldChg chg="add del">
+        <pc:chgData name="Khattab, Sherif" userId="c83b1e15-36f3-4f46-aceb-05aac24c545e" providerId="ADAL" clId="{5F92678B-265D-4D46-94B4-5CC475EDA587}" dt="2021-10-05T16:11:32.441" v="396" actId="2696"/>
+        <pc:sldMkLst>
+          <pc:docMk/>
+          <pc:sldMk cId="3858160310" sldId="554"/>
+        </pc:sldMkLst>
+      </pc:sldChg>
+      <pc:sldChg chg="add del">
+        <pc:chgData name="Khattab, Sherif" userId="c83b1e15-36f3-4f46-aceb-05aac24c545e" providerId="ADAL" clId="{5F92678B-265D-4D46-94B4-5CC475EDA587}" dt="2021-10-05T16:11:32.441" v="396" actId="2696"/>
+        <pc:sldMkLst>
+          <pc:docMk/>
+          <pc:sldMk cId="924667073" sldId="555"/>
+        </pc:sldMkLst>
+      </pc:sldChg>
+      <pc:sldChg chg="add del ord">
+        <pc:chgData name="Khattab, Sherif" userId="c83b1e15-36f3-4f46-aceb-05aac24c545e" providerId="ADAL" clId="{5F92678B-265D-4D46-94B4-5CC475EDA587}" dt="2021-10-05T16:11:32.441" v="396" actId="2696"/>
+        <pc:sldMkLst>
+          <pc:docMk/>
+          <pc:sldMk cId="2842851832" sldId="556"/>
+        </pc:sldMkLst>
+      </pc:sldChg>
+      <pc:sldChg chg="add del">
+        <pc:chgData name="Khattab, Sherif" userId="c83b1e15-36f3-4f46-aceb-05aac24c545e" providerId="ADAL" clId="{5F92678B-265D-4D46-94B4-5CC475EDA587}" dt="2021-09-30T16:07:15.446" v="380" actId="47"/>
+        <pc:sldMkLst>
+          <pc:docMk/>
+          <pc:sldMk cId="3228093271" sldId="557"/>
+        </pc:sldMkLst>
+      </pc:sldChg>
+      <pc:sldChg chg="add del">
+        <pc:chgData name="Khattab, Sherif" userId="c83b1e15-36f3-4f46-aceb-05aac24c545e" providerId="ADAL" clId="{5F92678B-265D-4D46-94B4-5CC475EDA587}" dt="2021-09-30T16:07:16.008" v="381" actId="47"/>
+        <pc:sldMkLst>
+          <pc:docMk/>
+          <pc:sldMk cId="1343377634" sldId="558"/>
+        </pc:sldMkLst>
+      </pc:sldChg>
+      <pc:sldChg chg="modSp new mod">
+        <pc:chgData name="Khattab, Sherif" userId="c83b1e15-36f3-4f46-aceb-05aac24c545e" providerId="ADAL" clId="{5F92678B-265D-4D46-94B4-5CC475EDA587}" dt="2021-09-30T16:05:23.204" v="235" actId="20577"/>
+        <pc:sldMkLst>
+          <pc:docMk/>
+          <pc:sldMk cId="25940297" sldId="559"/>
+        </pc:sldMkLst>
+        <pc:spChg chg="mod">
+          <ac:chgData name="Khattab, Sherif" userId="c83b1e15-36f3-4f46-aceb-05aac24c545e" providerId="ADAL" clId="{5F92678B-265D-4D46-94B4-5CC475EDA587}" dt="2021-09-30T16:05:23.204" v="235" actId="20577"/>
+          <ac:spMkLst>
+            <pc:docMk/>
+            <pc:sldMk cId="25940297" sldId="559"/>
+            <ac:spMk id="2" creationId="{9B3E4D42-8F18-4882-97A4-82789ADF4273}"/>
+          </ac:spMkLst>
+        </pc:spChg>
+      </pc:sldChg>
+      <pc:sldChg chg="modSp new mod">
+        <pc:chgData name="Khattab, Sherif" userId="c83b1e15-36f3-4f46-aceb-05aac24c545e" providerId="ADAL" clId="{5F92678B-265D-4D46-94B4-5CC475EDA587}" dt="2021-09-30T16:06:13.956" v="378" actId="20577"/>
+        <pc:sldMkLst>
+          <pc:docMk/>
+          <pc:sldMk cId="2984359601" sldId="560"/>
+        </pc:sldMkLst>
+        <pc:spChg chg="mod">
+          <ac:chgData name="Khattab, Sherif" userId="c83b1e15-36f3-4f46-aceb-05aac24c545e" providerId="ADAL" clId="{5F92678B-265D-4D46-94B4-5CC475EDA587}" dt="2021-09-30T16:05:34.159" v="254" actId="5793"/>
+          <ac:spMkLst>
+            <pc:docMk/>
+            <pc:sldMk cId="2984359601" sldId="560"/>
+            <ac:spMk id="2" creationId="{56232F58-9C18-47CD-A244-694BBC62F61C}"/>
+          </ac:spMkLst>
+        </pc:spChg>
+        <pc:spChg chg="mod">
+          <ac:chgData name="Khattab, Sherif" userId="c83b1e15-36f3-4f46-aceb-05aac24c545e" providerId="ADAL" clId="{5F92678B-265D-4D46-94B4-5CC475EDA587}" dt="2021-09-30T16:06:13.956" v="378" actId="20577"/>
+          <ac:spMkLst>
+            <pc:docMk/>
+            <pc:sldMk cId="2984359601" sldId="560"/>
+            <ac:spMk id="3" creationId="{C119AD50-CA5F-42C5-B28B-3C5A51ABB173}"/>
           </ac:spMkLst>
         </pc:spChg>
       </pc:sldChg>
@@ -5607,6 +7422,851 @@
     </pc:docChg>
   </pc:docChgLst>
   <pc:docChgLst>
+    <pc:chgData name="Khattab, Sherif" userId="c83b1e15-36f3-4f46-aceb-05aac24c545e" providerId="ADAL" clId="{79D9A848-63DC-C04B-A37B-45CD4B398B25}"/>
+    <pc:docChg chg="sldOrd">
+      <pc:chgData name="Khattab, Sherif" userId="c83b1e15-36f3-4f46-aceb-05aac24c545e" providerId="ADAL" clId="{79D9A848-63DC-C04B-A37B-45CD4B398B25}" dt="2020-10-07T03:45:55.390" v="0" actId="20578"/>
+      <pc:docMkLst>
+        <pc:docMk/>
+      </pc:docMkLst>
+      <pc:sldChg chg="ord">
+        <pc:chgData name="Khattab, Sherif" userId="c83b1e15-36f3-4f46-aceb-05aac24c545e" providerId="ADAL" clId="{79D9A848-63DC-C04B-A37B-45CD4B398B25}" dt="2020-10-07T03:45:55.390" v="0" actId="20578"/>
+        <pc:sldMkLst>
+          <pc:docMk/>
+          <pc:sldMk cId="434376579" sldId="363"/>
+        </pc:sldMkLst>
+      </pc:sldChg>
+    </pc:docChg>
+  </pc:docChgLst>
+  <pc:docChgLst>
+    <pc:chgData name="Khattab, Sherif" userId="c83b1e15-36f3-4f46-aceb-05aac24c545e" providerId="ADAL" clId="{FE92C68B-4A2B-491A-802D-9A016E970098}"/>
+    <pc:docChg chg="addSld modSld">
+      <pc:chgData name="Khattab, Sherif" userId="c83b1e15-36f3-4f46-aceb-05aac24c545e" providerId="ADAL" clId="{FE92C68B-4A2B-491A-802D-9A016E970098}" dt="2021-01-21T02:52:14.809" v="71" actId="20577"/>
+      <pc:docMkLst>
+        <pc:docMk/>
+      </pc:docMkLst>
+      <pc:sldChg chg="modSp mod">
+        <pc:chgData name="Khattab, Sherif" userId="c83b1e15-36f3-4f46-aceb-05aac24c545e" providerId="ADAL" clId="{FE92C68B-4A2B-491A-802D-9A016E970098}" dt="2021-01-21T02:51:24.200" v="12" actId="20577"/>
+        <pc:sldMkLst>
+          <pc:docMk/>
+          <pc:sldMk cId="1330366002" sldId="454"/>
+        </pc:sldMkLst>
+        <pc:spChg chg="mod">
+          <ac:chgData name="Khattab, Sherif" userId="c83b1e15-36f3-4f46-aceb-05aac24c545e" providerId="ADAL" clId="{FE92C68B-4A2B-491A-802D-9A016E970098}" dt="2021-01-21T02:51:24.200" v="12" actId="20577"/>
+          <ac:spMkLst>
+            <pc:docMk/>
+            <pc:sldMk cId="1330366002" sldId="454"/>
+            <ac:spMk id="3" creationId="{00000000-0000-0000-0000-000000000000}"/>
+          </ac:spMkLst>
+        </pc:spChg>
+      </pc:sldChg>
+      <pc:sldChg chg="modSp new mod">
+        <pc:chgData name="Khattab, Sherif" userId="c83b1e15-36f3-4f46-aceb-05aac24c545e" providerId="ADAL" clId="{FE92C68B-4A2B-491A-802D-9A016E970098}" dt="2021-01-21T02:52:14.809" v="71" actId="20577"/>
+        <pc:sldMkLst>
+          <pc:docMk/>
+          <pc:sldMk cId="702367729" sldId="496"/>
+        </pc:sldMkLst>
+        <pc:spChg chg="mod">
+          <ac:chgData name="Khattab, Sherif" userId="c83b1e15-36f3-4f46-aceb-05aac24c545e" providerId="ADAL" clId="{FE92C68B-4A2B-491A-802D-9A016E970098}" dt="2021-01-21T02:51:45.117" v="26" actId="20577"/>
+          <ac:spMkLst>
+            <pc:docMk/>
+            <pc:sldMk cId="702367729" sldId="496"/>
+            <ac:spMk id="2" creationId="{AB9EA720-F5B4-463B-B14C-1970BB85B2C8}"/>
+          </ac:spMkLst>
+        </pc:spChg>
+        <pc:spChg chg="mod">
+          <ac:chgData name="Khattab, Sherif" userId="c83b1e15-36f3-4f46-aceb-05aac24c545e" providerId="ADAL" clId="{FE92C68B-4A2B-491A-802D-9A016E970098}" dt="2021-01-21T02:52:14.809" v="71" actId="20577"/>
+          <ac:spMkLst>
+            <pc:docMk/>
+            <pc:sldMk cId="702367729" sldId="496"/>
+            <ac:spMk id="3" creationId="{2466C52D-9A48-4683-BE7F-268D8DB7FAAD}"/>
+          </ac:spMkLst>
+        </pc:spChg>
+      </pc:sldChg>
+    </pc:docChg>
+  </pc:docChgLst>
+  <pc:docChgLst>
+    <pc:chgData name="Khattab, Sherif" userId="c83b1e15-36f3-4f46-aceb-05aac24c545e" providerId="ADAL" clId="{EE78B4C3-BA47-2B47-8B84-4022815E3587}"/>
+    <pc:docChg chg="addSld delSld modSld">
+      <pc:chgData name="Khattab, Sherif" userId="c83b1e15-36f3-4f46-aceb-05aac24c545e" providerId="ADAL" clId="{EE78B4C3-BA47-2B47-8B84-4022815E3587}" dt="2019-05-14T13:34:18.851" v="46"/>
+      <pc:docMkLst>
+        <pc:docMk/>
+      </pc:docMkLst>
+      <pc:sldChg chg="modSp">
+        <pc:chgData name="Khattab, Sherif" userId="c83b1e15-36f3-4f46-aceb-05aac24c545e" providerId="ADAL" clId="{EE78B4C3-BA47-2B47-8B84-4022815E3587}" dt="2019-05-14T13:28:04.131" v="18" actId="20577"/>
+        <pc:sldMkLst>
+          <pc:docMk/>
+          <pc:sldMk cId="0" sldId="256"/>
+        </pc:sldMkLst>
+        <pc:spChg chg="mod">
+          <ac:chgData name="Khattab, Sherif" userId="c83b1e15-36f3-4f46-aceb-05aac24c545e" providerId="ADAL" clId="{EE78B4C3-BA47-2B47-8B84-4022815E3587}" dt="2019-05-14T13:28:04.131" v="18" actId="20577"/>
+          <ac:spMkLst>
+            <pc:docMk/>
+            <pc:sldMk cId="0" sldId="256"/>
+            <ac:spMk id="2" creationId="{00000000-0000-0000-0000-000000000000}"/>
+          </ac:spMkLst>
+        </pc:spChg>
+      </pc:sldChg>
+      <pc:sldChg chg="delSp">
+        <pc:chgData name="Khattab, Sherif" userId="c83b1e15-36f3-4f46-aceb-05aac24c545e" providerId="ADAL" clId="{EE78B4C3-BA47-2B47-8B84-4022815E3587}" dt="2019-05-14T13:30:07.468" v="20"/>
+        <pc:sldMkLst>
+          <pc:docMk/>
+          <pc:sldMk cId="1004035158" sldId="259"/>
+        </pc:sldMkLst>
+        <pc:spChg chg="del">
+          <ac:chgData name="Khattab, Sherif" userId="c83b1e15-36f3-4f46-aceb-05aac24c545e" providerId="ADAL" clId="{EE78B4C3-BA47-2B47-8B84-4022815E3587}" dt="2019-05-14T13:30:07.468" v="20"/>
+          <ac:spMkLst>
+            <pc:docMk/>
+            <pc:sldMk cId="1004035158" sldId="259"/>
+            <ac:spMk id="2" creationId="{00000000-0000-0000-0000-000000000000}"/>
+          </ac:spMkLst>
+        </pc:spChg>
+      </pc:sldChg>
+      <pc:sldChg chg="delSp">
+        <pc:chgData name="Khattab, Sherif" userId="c83b1e15-36f3-4f46-aceb-05aac24c545e" providerId="ADAL" clId="{EE78B4C3-BA47-2B47-8B84-4022815E3587}" dt="2019-05-14T13:30:07.468" v="20"/>
+        <pc:sldMkLst>
+          <pc:docMk/>
+          <pc:sldMk cId="1444142485" sldId="261"/>
+        </pc:sldMkLst>
+        <pc:spChg chg="del">
+          <ac:chgData name="Khattab, Sherif" userId="c83b1e15-36f3-4f46-aceb-05aac24c545e" providerId="ADAL" clId="{EE78B4C3-BA47-2B47-8B84-4022815E3587}" dt="2019-05-14T13:30:07.468" v="20"/>
+          <ac:spMkLst>
+            <pc:docMk/>
+            <pc:sldMk cId="1444142485" sldId="261"/>
+            <ac:spMk id="3" creationId="{00000000-0000-0000-0000-000000000000}"/>
+          </ac:spMkLst>
+        </pc:spChg>
+      </pc:sldChg>
+      <pc:sldChg chg="delSp">
+        <pc:chgData name="Khattab, Sherif" userId="c83b1e15-36f3-4f46-aceb-05aac24c545e" providerId="ADAL" clId="{EE78B4C3-BA47-2B47-8B84-4022815E3587}" dt="2019-05-14T13:30:07.468" v="20"/>
+        <pc:sldMkLst>
+          <pc:docMk/>
+          <pc:sldMk cId="516417489" sldId="262"/>
+        </pc:sldMkLst>
+        <pc:spChg chg="del">
+          <ac:chgData name="Khattab, Sherif" userId="c83b1e15-36f3-4f46-aceb-05aac24c545e" providerId="ADAL" clId="{EE78B4C3-BA47-2B47-8B84-4022815E3587}" dt="2019-05-14T13:30:07.468" v="20"/>
+          <ac:spMkLst>
+            <pc:docMk/>
+            <pc:sldMk cId="516417489" sldId="262"/>
+            <ac:spMk id="2" creationId="{00000000-0000-0000-0000-000000000000}"/>
+          </ac:spMkLst>
+        </pc:spChg>
+      </pc:sldChg>
+      <pc:sldChg chg="delSp">
+        <pc:chgData name="Khattab, Sherif" userId="c83b1e15-36f3-4f46-aceb-05aac24c545e" providerId="ADAL" clId="{EE78B4C3-BA47-2B47-8B84-4022815E3587}" dt="2019-05-14T13:30:07.468" v="20"/>
+        <pc:sldMkLst>
+          <pc:docMk/>
+          <pc:sldMk cId="561583903" sldId="263"/>
+        </pc:sldMkLst>
+        <pc:spChg chg="del">
+          <ac:chgData name="Khattab, Sherif" userId="c83b1e15-36f3-4f46-aceb-05aac24c545e" providerId="ADAL" clId="{EE78B4C3-BA47-2B47-8B84-4022815E3587}" dt="2019-05-14T13:30:07.468" v="20"/>
+          <ac:spMkLst>
+            <pc:docMk/>
+            <pc:sldMk cId="561583903" sldId="263"/>
+            <ac:spMk id="3" creationId="{00000000-0000-0000-0000-000000000000}"/>
+          </ac:spMkLst>
+        </pc:spChg>
+      </pc:sldChg>
+      <pc:sldChg chg="delSp">
+        <pc:chgData name="Khattab, Sherif" userId="c83b1e15-36f3-4f46-aceb-05aac24c545e" providerId="ADAL" clId="{EE78B4C3-BA47-2B47-8B84-4022815E3587}" dt="2019-05-14T13:30:07.468" v="20"/>
+        <pc:sldMkLst>
+          <pc:docMk/>
+          <pc:sldMk cId="982315759" sldId="264"/>
+        </pc:sldMkLst>
+        <pc:spChg chg="del">
+          <ac:chgData name="Khattab, Sherif" userId="c83b1e15-36f3-4f46-aceb-05aac24c545e" providerId="ADAL" clId="{EE78B4C3-BA47-2B47-8B84-4022815E3587}" dt="2019-05-14T13:30:07.468" v="20"/>
+          <ac:spMkLst>
+            <pc:docMk/>
+            <pc:sldMk cId="982315759" sldId="264"/>
+            <ac:spMk id="2" creationId="{00000000-0000-0000-0000-000000000000}"/>
+          </ac:spMkLst>
+        </pc:spChg>
+      </pc:sldChg>
+      <pc:sldChg chg="delSp modSp">
+        <pc:chgData name="Khattab, Sherif" userId="c83b1e15-36f3-4f46-aceb-05aac24c545e" providerId="ADAL" clId="{EE78B4C3-BA47-2B47-8B84-4022815E3587}" dt="2019-05-14T13:30:35.317" v="37" actId="20577"/>
+        <pc:sldMkLst>
+          <pc:docMk/>
+          <pc:sldMk cId="423130617" sldId="265"/>
+        </pc:sldMkLst>
+        <pc:spChg chg="del">
+          <ac:chgData name="Khattab, Sherif" userId="c83b1e15-36f3-4f46-aceb-05aac24c545e" providerId="ADAL" clId="{EE78B4C3-BA47-2B47-8B84-4022815E3587}" dt="2019-05-14T13:30:07.468" v="20"/>
+          <ac:spMkLst>
+            <pc:docMk/>
+            <pc:sldMk cId="423130617" sldId="265"/>
+            <ac:spMk id="3" creationId="{00000000-0000-0000-0000-000000000000}"/>
+          </ac:spMkLst>
+        </pc:spChg>
+        <pc:spChg chg="mod">
+          <ac:chgData name="Khattab, Sherif" userId="c83b1e15-36f3-4f46-aceb-05aac24c545e" providerId="ADAL" clId="{EE78B4C3-BA47-2B47-8B84-4022815E3587}" dt="2019-05-14T13:30:35.317" v="37" actId="20577"/>
+          <ac:spMkLst>
+            <pc:docMk/>
+            <pc:sldMk cId="423130617" sldId="265"/>
+            <ac:spMk id="12290" creationId="{00000000-0000-0000-0000-000000000000}"/>
+          </ac:spMkLst>
+        </pc:spChg>
+      </pc:sldChg>
+      <pc:sldChg chg="delSp">
+        <pc:chgData name="Khattab, Sherif" userId="c83b1e15-36f3-4f46-aceb-05aac24c545e" providerId="ADAL" clId="{EE78B4C3-BA47-2B47-8B84-4022815E3587}" dt="2019-05-14T13:30:07.468" v="20"/>
+        <pc:sldMkLst>
+          <pc:docMk/>
+          <pc:sldMk cId="661211275" sldId="267"/>
+        </pc:sldMkLst>
+        <pc:spChg chg="del">
+          <ac:chgData name="Khattab, Sherif" userId="c83b1e15-36f3-4f46-aceb-05aac24c545e" providerId="ADAL" clId="{EE78B4C3-BA47-2B47-8B84-4022815E3587}" dt="2019-05-14T13:30:07.468" v="20"/>
+          <ac:spMkLst>
+            <pc:docMk/>
+            <pc:sldMk cId="661211275" sldId="267"/>
+            <ac:spMk id="2" creationId="{00000000-0000-0000-0000-000000000000}"/>
+          </ac:spMkLst>
+        </pc:spChg>
+      </pc:sldChg>
+      <pc:sldChg chg="delSp">
+        <pc:chgData name="Khattab, Sherif" userId="c83b1e15-36f3-4f46-aceb-05aac24c545e" providerId="ADAL" clId="{EE78B4C3-BA47-2B47-8B84-4022815E3587}" dt="2019-05-14T13:30:07.468" v="20"/>
+        <pc:sldMkLst>
+          <pc:docMk/>
+          <pc:sldMk cId="1897509347" sldId="268"/>
+        </pc:sldMkLst>
+        <pc:spChg chg="del">
+          <ac:chgData name="Khattab, Sherif" userId="c83b1e15-36f3-4f46-aceb-05aac24c545e" providerId="ADAL" clId="{EE78B4C3-BA47-2B47-8B84-4022815E3587}" dt="2019-05-14T13:30:07.468" v="20"/>
+          <ac:spMkLst>
+            <pc:docMk/>
+            <pc:sldMk cId="1897509347" sldId="268"/>
+            <ac:spMk id="2" creationId="{00000000-0000-0000-0000-000000000000}"/>
+          </ac:spMkLst>
+        </pc:spChg>
+      </pc:sldChg>
+      <pc:sldChg chg="delSp">
+        <pc:chgData name="Khattab, Sherif" userId="c83b1e15-36f3-4f46-aceb-05aac24c545e" providerId="ADAL" clId="{EE78B4C3-BA47-2B47-8B84-4022815E3587}" dt="2019-05-14T13:30:07.468" v="20"/>
+        <pc:sldMkLst>
+          <pc:docMk/>
+          <pc:sldMk cId="1042310649" sldId="269"/>
+        </pc:sldMkLst>
+        <pc:spChg chg="del">
+          <ac:chgData name="Khattab, Sherif" userId="c83b1e15-36f3-4f46-aceb-05aac24c545e" providerId="ADAL" clId="{EE78B4C3-BA47-2B47-8B84-4022815E3587}" dt="2019-05-14T13:30:07.468" v="20"/>
+          <ac:spMkLst>
+            <pc:docMk/>
+            <pc:sldMk cId="1042310649" sldId="269"/>
+            <ac:spMk id="3" creationId="{00000000-0000-0000-0000-000000000000}"/>
+          </ac:spMkLst>
+        </pc:spChg>
+      </pc:sldChg>
+      <pc:sldChg chg="delSp">
+        <pc:chgData name="Khattab, Sherif" userId="c83b1e15-36f3-4f46-aceb-05aac24c545e" providerId="ADAL" clId="{EE78B4C3-BA47-2B47-8B84-4022815E3587}" dt="2019-05-14T13:30:07.468" v="20"/>
+        <pc:sldMkLst>
+          <pc:docMk/>
+          <pc:sldMk cId="703361262" sldId="270"/>
+        </pc:sldMkLst>
+        <pc:spChg chg="del">
+          <ac:chgData name="Khattab, Sherif" userId="c83b1e15-36f3-4f46-aceb-05aac24c545e" providerId="ADAL" clId="{EE78B4C3-BA47-2B47-8B84-4022815E3587}" dt="2019-05-14T13:30:07.468" v="20"/>
+          <ac:spMkLst>
+            <pc:docMk/>
+            <pc:sldMk cId="703361262" sldId="270"/>
+            <ac:spMk id="3" creationId="{00000000-0000-0000-0000-000000000000}"/>
+          </ac:spMkLst>
+        </pc:spChg>
+      </pc:sldChg>
+      <pc:sldChg chg="delSp">
+        <pc:chgData name="Khattab, Sherif" userId="c83b1e15-36f3-4f46-aceb-05aac24c545e" providerId="ADAL" clId="{EE78B4C3-BA47-2B47-8B84-4022815E3587}" dt="2019-05-14T13:30:07.468" v="20"/>
+        <pc:sldMkLst>
+          <pc:docMk/>
+          <pc:sldMk cId="1436808390" sldId="271"/>
+        </pc:sldMkLst>
+        <pc:spChg chg="del">
+          <ac:chgData name="Khattab, Sherif" userId="c83b1e15-36f3-4f46-aceb-05aac24c545e" providerId="ADAL" clId="{EE78B4C3-BA47-2B47-8B84-4022815E3587}" dt="2019-05-14T13:30:07.468" v="20"/>
+          <ac:spMkLst>
+            <pc:docMk/>
+            <pc:sldMk cId="1436808390" sldId="271"/>
+            <ac:spMk id="2" creationId="{00000000-0000-0000-0000-000000000000}"/>
+          </ac:spMkLst>
+        </pc:spChg>
+      </pc:sldChg>
+      <pc:sldChg chg="delSp">
+        <pc:chgData name="Khattab, Sherif" userId="c83b1e15-36f3-4f46-aceb-05aac24c545e" providerId="ADAL" clId="{EE78B4C3-BA47-2B47-8B84-4022815E3587}" dt="2019-05-14T13:30:07.468" v="20"/>
+        <pc:sldMkLst>
+          <pc:docMk/>
+          <pc:sldMk cId="1301683851" sldId="272"/>
+        </pc:sldMkLst>
+        <pc:spChg chg="del">
+          <ac:chgData name="Khattab, Sherif" userId="c83b1e15-36f3-4f46-aceb-05aac24c545e" providerId="ADAL" clId="{EE78B4C3-BA47-2B47-8B84-4022815E3587}" dt="2019-05-14T13:30:07.468" v="20"/>
+          <ac:spMkLst>
+            <pc:docMk/>
+            <pc:sldMk cId="1301683851" sldId="272"/>
+            <ac:spMk id="3" creationId="{00000000-0000-0000-0000-000000000000}"/>
+          </ac:spMkLst>
+        </pc:spChg>
+      </pc:sldChg>
+      <pc:sldChg chg="delSp">
+        <pc:chgData name="Khattab, Sherif" userId="c83b1e15-36f3-4f46-aceb-05aac24c545e" providerId="ADAL" clId="{EE78B4C3-BA47-2B47-8B84-4022815E3587}" dt="2019-05-14T13:30:07.468" v="20"/>
+        <pc:sldMkLst>
+          <pc:docMk/>
+          <pc:sldMk cId="55302999" sldId="274"/>
+        </pc:sldMkLst>
+        <pc:spChg chg="del">
+          <ac:chgData name="Khattab, Sherif" userId="c83b1e15-36f3-4f46-aceb-05aac24c545e" providerId="ADAL" clId="{EE78B4C3-BA47-2B47-8B84-4022815E3587}" dt="2019-05-14T13:30:07.468" v="20"/>
+          <ac:spMkLst>
+            <pc:docMk/>
+            <pc:sldMk cId="55302999" sldId="274"/>
+            <ac:spMk id="2" creationId="{00000000-0000-0000-0000-000000000000}"/>
+          </ac:spMkLst>
+        </pc:spChg>
+      </pc:sldChg>
+      <pc:sldChg chg="delSp">
+        <pc:chgData name="Khattab, Sherif" userId="c83b1e15-36f3-4f46-aceb-05aac24c545e" providerId="ADAL" clId="{EE78B4C3-BA47-2B47-8B84-4022815E3587}" dt="2019-05-14T13:30:07.468" v="20"/>
+        <pc:sldMkLst>
+          <pc:docMk/>
+          <pc:sldMk cId="2064114192" sldId="276"/>
+        </pc:sldMkLst>
+        <pc:spChg chg="del">
+          <ac:chgData name="Khattab, Sherif" userId="c83b1e15-36f3-4f46-aceb-05aac24c545e" providerId="ADAL" clId="{EE78B4C3-BA47-2B47-8B84-4022815E3587}" dt="2019-05-14T13:30:07.468" v="20"/>
+          <ac:spMkLst>
+            <pc:docMk/>
+            <pc:sldMk cId="2064114192" sldId="276"/>
+            <ac:spMk id="2" creationId="{00000000-0000-0000-0000-000000000000}"/>
+          </ac:spMkLst>
+        </pc:spChg>
+      </pc:sldChg>
+      <pc:sldChg chg="delSp">
+        <pc:chgData name="Khattab, Sherif" userId="c83b1e15-36f3-4f46-aceb-05aac24c545e" providerId="ADAL" clId="{EE78B4C3-BA47-2B47-8B84-4022815E3587}" dt="2019-05-14T13:30:07.468" v="20"/>
+        <pc:sldMkLst>
+          <pc:docMk/>
+          <pc:sldMk cId="1000435174" sldId="278"/>
+        </pc:sldMkLst>
+        <pc:spChg chg="del">
+          <ac:chgData name="Khattab, Sherif" userId="c83b1e15-36f3-4f46-aceb-05aac24c545e" providerId="ADAL" clId="{EE78B4C3-BA47-2B47-8B84-4022815E3587}" dt="2019-05-14T13:30:07.468" v="20"/>
+          <ac:spMkLst>
+            <pc:docMk/>
+            <pc:sldMk cId="1000435174" sldId="278"/>
+            <ac:spMk id="2" creationId="{00000000-0000-0000-0000-000000000000}"/>
+          </ac:spMkLst>
+        </pc:spChg>
+      </pc:sldChg>
+      <pc:sldChg chg="delSp">
+        <pc:chgData name="Khattab, Sherif" userId="c83b1e15-36f3-4f46-aceb-05aac24c545e" providerId="ADAL" clId="{EE78B4C3-BA47-2B47-8B84-4022815E3587}" dt="2019-05-14T13:30:07.468" v="20"/>
+        <pc:sldMkLst>
+          <pc:docMk/>
+          <pc:sldMk cId="2080017563" sldId="279"/>
+        </pc:sldMkLst>
+        <pc:spChg chg="del">
+          <ac:chgData name="Khattab, Sherif" userId="c83b1e15-36f3-4f46-aceb-05aac24c545e" providerId="ADAL" clId="{EE78B4C3-BA47-2B47-8B84-4022815E3587}" dt="2019-05-14T13:30:07.468" v="20"/>
+          <ac:spMkLst>
+            <pc:docMk/>
+            <pc:sldMk cId="2080017563" sldId="279"/>
+            <ac:spMk id="3" creationId="{00000000-0000-0000-0000-000000000000}"/>
+          </ac:spMkLst>
+        </pc:spChg>
+      </pc:sldChg>
+      <pc:sldChg chg="delSp">
+        <pc:chgData name="Khattab, Sherif" userId="c83b1e15-36f3-4f46-aceb-05aac24c545e" providerId="ADAL" clId="{EE78B4C3-BA47-2B47-8B84-4022815E3587}" dt="2019-05-14T13:30:07.468" v="20"/>
+        <pc:sldMkLst>
+          <pc:docMk/>
+          <pc:sldMk cId="1445345591" sldId="281"/>
+        </pc:sldMkLst>
+        <pc:spChg chg="del">
+          <ac:chgData name="Khattab, Sherif" userId="c83b1e15-36f3-4f46-aceb-05aac24c545e" providerId="ADAL" clId="{EE78B4C3-BA47-2B47-8B84-4022815E3587}" dt="2019-05-14T13:30:07.468" v="20"/>
+          <ac:spMkLst>
+            <pc:docMk/>
+            <pc:sldMk cId="1445345591" sldId="281"/>
+            <ac:spMk id="2" creationId="{00000000-0000-0000-0000-000000000000}"/>
+          </ac:spMkLst>
+        </pc:spChg>
+      </pc:sldChg>
+      <pc:sldChg chg="delSp">
+        <pc:chgData name="Khattab, Sherif" userId="c83b1e15-36f3-4f46-aceb-05aac24c545e" providerId="ADAL" clId="{EE78B4C3-BA47-2B47-8B84-4022815E3587}" dt="2019-05-14T13:30:07.468" v="20"/>
+        <pc:sldMkLst>
+          <pc:docMk/>
+          <pc:sldMk cId="306268545" sldId="282"/>
+        </pc:sldMkLst>
+        <pc:spChg chg="del">
+          <ac:chgData name="Khattab, Sherif" userId="c83b1e15-36f3-4f46-aceb-05aac24c545e" providerId="ADAL" clId="{EE78B4C3-BA47-2B47-8B84-4022815E3587}" dt="2019-05-14T13:30:07.468" v="20"/>
+          <ac:spMkLst>
+            <pc:docMk/>
+            <pc:sldMk cId="306268545" sldId="282"/>
+            <ac:spMk id="2" creationId="{00000000-0000-0000-0000-000000000000}"/>
+          </ac:spMkLst>
+        </pc:spChg>
+      </pc:sldChg>
+      <pc:sldChg chg="delSp add">
+        <pc:chgData name="Khattab, Sherif" userId="c83b1e15-36f3-4f46-aceb-05aac24c545e" providerId="ADAL" clId="{EE78B4C3-BA47-2B47-8B84-4022815E3587}" dt="2019-05-14T13:34:18.851" v="46"/>
+        <pc:sldMkLst>
+          <pc:docMk/>
+          <pc:sldMk cId="2710637777" sldId="322"/>
+        </pc:sldMkLst>
+        <pc:spChg chg="del">
+          <ac:chgData name="Khattab, Sherif" userId="c83b1e15-36f3-4f46-aceb-05aac24c545e" providerId="ADAL" clId="{EE78B4C3-BA47-2B47-8B84-4022815E3587}" dt="2019-05-14T13:34:18.851" v="46"/>
+          <ac:spMkLst>
+            <pc:docMk/>
+            <pc:sldMk cId="2710637777" sldId="322"/>
+            <ac:spMk id="6" creationId="{0700C6EC-DCCB-614E-A0F4-3418D2D78AC7}"/>
+          </ac:spMkLst>
+        </pc:spChg>
+      </pc:sldChg>
+      <pc:sldChg chg="delSp add">
+        <pc:chgData name="Khattab, Sherif" userId="c83b1e15-36f3-4f46-aceb-05aac24c545e" providerId="ADAL" clId="{EE78B4C3-BA47-2B47-8B84-4022815E3587}" dt="2019-05-14T13:34:18.851" v="46"/>
+        <pc:sldMkLst>
+          <pc:docMk/>
+          <pc:sldMk cId="3292918179" sldId="324"/>
+        </pc:sldMkLst>
+        <pc:spChg chg="del">
+          <ac:chgData name="Khattab, Sherif" userId="c83b1e15-36f3-4f46-aceb-05aac24c545e" providerId="ADAL" clId="{EE78B4C3-BA47-2B47-8B84-4022815E3587}" dt="2019-05-14T13:34:18.851" v="46"/>
+          <ac:spMkLst>
+            <pc:docMk/>
+            <pc:sldMk cId="3292918179" sldId="324"/>
+            <ac:spMk id="26" creationId="{3729950E-4F02-6B44-A5A4-B6238ABBD35B}"/>
+          </ac:spMkLst>
+        </pc:spChg>
+      </pc:sldChg>
+      <pc:sldChg chg="delSp add">
+        <pc:chgData name="Khattab, Sherif" userId="c83b1e15-36f3-4f46-aceb-05aac24c545e" providerId="ADAL" clId="{EE78B4C3-BA47-2B47-8B84-4022815E3587}" dt="2019-05-14T13:34:18.851" v="46"/>
+        <pc:sldMkLst>
+          <pc:docMk/>
+          <pc:sldMk cId="355119911" sldId="338"/>
+        </pc:sldMkLst>
+        <pc:spChg chg="del">
+          <ac:chgData name="Khattab, Sherif" userId="c83b1e15-36f3-4f46-aceb-05aac24c545e" providerId="ADAL" clId="{EE78B4C3-BA47-2B47-8B84-4022815E3587}" dt="2019-05-14T13:34:18.851" v="46"/>
+          <ac:spMkLst>
+            <pc:docMk/>
+            <pc:sldMk cId="355119911" sldId="338"/>
+            <ac:spMk id="7" creationId="{AC4B9F18-B1E5-C341-B953-6D96BAA0EB6C}"/>
+          </ac:spMkLst>
+        </pc:spChg>
+      </pc:sldChg>
+      <pc:sldChg chg="delSp add">
+        <pc:chgData name="Khattab, Sherif" userId="c83b1e15-36f3-4f46-aceb-05aac24c545e" providerId="ADAL" clId="{EE78B4C3-BA47-2B47-8B84-4022815E3587}" dt="2019-05-14T13:34:18.851" v="46"/>
+        <pc:sldMkLst>
+          <pc:docMk/>
+          <pc:sldMk cId="4223572414" sldId="339"/>
+        </pc:sldMkLst>
+        <pc:spChg chg="del">
+          <ac:chgData name="Khattab, Sherif" userId="c83b1e15-36f3-4f46-aceb-05aac24c545e" providerId="ADAL" clId="{EE78B4C3-BA47-2B47-8B84-4022815E3587}" dt="2019-05-14T13:34:18.851" v="46"/>
+          <ac:spMkLst>
+            <pc:docMk/>
+            <pc:sldMk cId="4223572414" sldId="339"/>
+            <ac:spMk id="6" creationId="{48879884-318D-6C49-B6B8-463E617B85F1}"/>
+          </ac:spMkLst>
+        </pc:spChg>
+      </pc:sldChg>
+      <pc:sldChg chg="delSp add">
+        <pc:chgData name="Khattab, Sherif" userId="c83b1e15-36f3-4f46-aceb-05aac24c545e" providerId="ADAL" clId="{EE78B4C3-BA47-2B47-8B84-4022815E3587}" dt="2019-05-14T13:34:18.851" v="46"/>
+        <pc:sldMkLst>
+          <pc:docMk/>
+          <pc:sldMk cId="470668490" sldId="340"/>
+        </pc:sldMkLst>
+        <pc:spChg chg="del">
+          <ac:chgData name="Khattab, Sherif" userId="c83b1e15-36f3-4f46-aceb-05aac24c545e" providerId="ADAL" clId="{EE78B4C3-BA47-2B47-8B84-4022815E3587}" dt="2019-05-14T13:34:18.851" v="46"/>
+          <ac:spMkLst>
+            <pc:docMk/>
+            <pc:sldMk cId="470668490" sldId="340"/>
+            <ac:spMk id="6" creationId="{32D0E818-62B1-0A49-9CFC-1DC58F40FEBE}"/>
+          </ac:spMkLst>
+        </pc:spChg>
+      </pc:sldChg>
+      <pc:sldChg chg="delSp add">
+        <pc:chgData name="Khattab, Sherif" userId="c83b1e15-36f3-4f46-aceb-05aac24c545e" providerId="ADAL" clId="{EE78B4C3-BA47-2B47-8B84-4022815E3587}" dt="2019-05-14T13:34:18.851" v="46"/>
+        <pc:sldMkLst>
+          <pc:docMk/>
+          <pc:sldMk cId="1205868326" sldId="341"/>
+        </pc:sldMkLst>
+        <pc:spChg chg="del">
+          <ac:chgData name="Khattab, Sherif" userId="c83b1e15-36f3-4f46-aceb-05aac24c545e" providerId="ADAL" clId="{EE78B4C3-BA47-2B47-8B84-4022815E3587}" dt="2019-05-14T13:34:18.851" v="46"/>
+          <ac:spMkLst>
+            <pc:docMk/>
+            <pc:sldMk cId="1205868326" sldId="341"/>
+            <ac:spMk id="6" creationId="{918B0854-EAA5-9D49-9ED0-EA7684377156}"/>
+          </ac:spMkLst>
+        </pc:spChg>
+      </pc:sldChg>
+      <pc:sldChg chg="delSp add">
+        <pc:chgData name="Khattab, Sherif" userId="c83b1e15-36f3-4f46-aceb-05aac24c545e" providerId="ADAL" clId="{EE78B4C3-BA47-2B47-8B84-4022815E3587}" dt="2019-05-14T13:34:18.851" v="46"/>
+        <pc:sldMkLst>
+          <pc:docMk/>
+          <pc:sldMk cId="1806563943" sldId="342"/>
+        </pc:sldMkLst>
+        <pc:spChg chg="del">
+          <ac:chgData name="Khattab, Sherif" userId="c83b1e15-36f3-4f46-aceb-05aac24c545e" providerId="ADAL" clId="{EE78B4C3-BA47-2B47-8B84-4022815E3587}" dt="2019-05-14T13:34:18.851" v="46"/>
+          <ac:spMkLst>
+            <pc:docMk/>
+            <pc:sldMk cId="1806563943" sldId="342"/>
+            <ac:spMk id="9" creationId="{712AC7F1-3CB0-3140-8620-EAE2154DEBDF}"/>
+          </ac:spMkLst>
+        </pc:spChg>
+      </pc:sldChg>
+      <pc:sldChg chg="delSp add">
+        <pc:chgData name="Khattab, Sherif" userId="c83b1e15-36f3-4f46-aceb-05aac24c545e" providerId="ADAL" clId="{EE78B4C3-BA47-2B47-8B84-4022815E3587}" dt="2019-05-14T13:34:18.851" v="46"/>
+        <pc:sldMkLst>
+          <pc:docMk/>
+          <pc:sldMk cId="1167711490" sldId="343"/>
+        </pc:sldMkLst>
+        <pc:spChg chg="del">
+          <ac:chgData name="Khattab, Sherif" userId="c83b1e15-36f3-4f46-aceb-05aac24c545e" providerId="ADAL" clId="{EE78B4C3-BA47-2B47-8B84-4022815E3587}" dt="2019-05-14T13:34:18.851" v="46"/>
+          <ac:spMkLst>
+            <pc:docMk/>
+            <pc:sldMk cId="1167711490" sldId="343"/>
+            <ac:spMk id="9" creationId="{7277E941-6A46-A141-896C-8CF8D763337C}"/>
+          </ac:spMkLst>
+        </pc:spChg>
+      </pc:sldChg>
+      <pc:sldChg chg="delSp add">
+        <pc:chgData name="Khattab, Sherif" userId="c83b1e15-36f3-4f46-aceb-05aac24c545e" providerId="ADAL" clId="{EE78B4C3-BA47-2B47-8B84-4022815E3587}" dt="2019-05-14T13:34:18.851" v="46"/>
+        <pc:sldMkLst>
+          <pc:docMk/>
+          <pc:sldMk cId="1271999567" sldId="349"/>
+        </pc:sldMkLst>
+        <pc:spChg chg="del">
+          <ac:chgData name="Khattab, Sherif" userId="c83b1e15-36f3-4f46-aceb-05aac24c545e" providerId="ADAL" clId="{EE78B4C3-BA47-2B47-8B84-4022815E3587}" dt="2019-05-14T13:34:18.851" v="46"/>
+          <ac:spMkLst>
+            <pc:docMk/>
+            <pc:sldMk cId="1271999567" sldId="349"/>
+            <ac:spMk id="8" creationId="{7BD79B2E-E2F2-FE40-AF15-AA838FE67060}"/>
+          </ac:spMkLst>
+        </pc:spChg>
+      </pc:sldChg>
+      <pc:sldChg chg="delSp add">
+        <pc:chgData name="Khattab, Sherif" userId="c83b1e15-36f3-4f46-aceb-05aac24c545e" providerId="ADAL" clId="{EE78B4C3-BA47-2B47-8B84-4022815E3587}" dt="2019-05-14T13:34:18.851" v="46"/>
+        <pc:sldMkLst>
+          <pc:docMk/>
+          <pc:sldMk cId="434376579" sldId="363"/>
+        </pc:sldMkLst>
+        <pc:spChg chg="del">
+          <ac:chgData name="Khattab, Sherif" userId="c83b1e15-36f3-4f46-aceb-05aac24c545e" providerId="ADAL" clId="{EE78B4C3-BA47-2B47-8B84-4022815E3587}" dt="2019-05-14T13:34:18.851" v="46"/>
+          <ac:spMkLst>
+            <pc:docMk/>
+            <pc:sldMk cId="434376579" sldId="363"/>
+            <ac:spMk id="15" creationId="{1190D209-83D1-A548-8C7B-C35DE4396F91}"/>
+          </ac:spMkLst>
+        </pc:spChg>
+      </pc:sldChg>
+      <pc:sldChg chg="delSp add">
+        <pc:chgData name="Khattab, Sherif" userId="c83b1e15-36f3-4f46-aceb-05aac24c545e" providerId="ADAL" clId="{EE78B4C3-BA47-2B47-8B84-4022815E3587}" dt="2019-05-14T13:34:18.851" v="46"/>
+        <pc:sldMkLst>
+          <pc:docMk/>
+          <pc:sldMk cId="815621424" sldId="364"/>
+        </pc:sldMkLst>
+        <pc:spChg chg="del">
+          <ac:chgData name="Khattab, Sherif" userId="c83b1e15-36f3-4f46-aceb-05aac24c545e" providerId="ADAL" clId="{EE78B4C3-BA47-2B47-8B84-4022815E3587}" dt="2019-05-14T13:34:18.851" v="46"/>
+          <ac:spMkLst>
+            <pc:docMk/>
+            <pc:sldMk cId="815621424" sldId="364"/>
+            <ac:spMk id="29" creationId="{6D10D6C8-49C6-BE4E-9E3F-EEC76AE056AA}"/>
+          </ac:spMkLst>
+        </pc:spChg>
+      </pc:sldChg>
+      <pc:sldChg chg="delSp add">
+        <pc:chgData name="Khattab, Sherif" userId="c83b1e15-36f3-4f46-aceb-05aac24c545e" providerId="ADAL" clId="{EE78B4C3-BA47-2B47-8B84-4022815E3587}" dt="2019-05-14T13:34:18.851" v="46"/>
+        <pc:sldMkLst>
+          <pc:docMk/>
+          <pc:sldMk cId="1934104099" sldId="365"/>
+        </pc:sldMkLst>
+        <pc:spChg chg="del">
+          <ac:chgData name="Khattab, Sherif" userId="c83b1e15-36f3-4f46-aceb-05aac24c545e" providerId="ADAL" clId="{EE78B4C3-BA47-2B47-8B84-4022815E3587}" dt="2019-05-14T13:34:18.851" v="46"/>
+          <ac:spMkLst>
+            <pc:docMk/>
+            <pc:sldMk cId="1934104099" sldId="365"/>
+            <ac:spMk id="10" creationId="{87886125-1D5E-014B-A276-636801877DB6}"/>
+          </ac:spMkLst>
+        </pc:spChg>
+      </pc:sldChg>
+      <pc:sldChg chg="delSp add">
+        <pc:chgData name="Khattab, Sherif" userId="c83b1e15-36f3-4f46-aceb-05aac24c545e" providerId="ADAL" clId="{EE78B4C3-BA47-2B47-8B84-4022815E3587}" dt="2019-05-14T13:34:18.851" v="46"/>
+        <pc:sldMkLst>
+          <pc:docMk/>
+          <pc:sldMk cId="2782429159" sldId="366"/>
+        </pc:sldMkLst>
+        <pc:spChg chg="del">
+          <ac:chgData name="Khattab, Sherif" userId="c83b1e15-36f3-4f46-aceb-05aac24c545e" providerId="ADAL" clId="{EE78B4C3-BA47-2B47-8B84-4022815E3587}" dt="2019-05-14T13:34:18.851" v="46"/>
+          <ac:spMkLst>
+            <pc:docMk/>
+            <pc:sldMk cId="2782429159" sldId="366"/>
+            <ac:spMk id="6" creationId="{35E278D3-0A71-264A-B99D-056EBFA58F06}"/>
+          </ac:spMkLst>
+        </pc:spChg>
+      </pc:sldChg>
+      <pc:sldChg chg="delSp add">
+        <pc:chgData name="Khattab, Sherif" userId="c83b1e15-36f3-4f46-aceb-05aac24c545e" providerId="ADAL" clId="{EE78B4C3-BA47-2B47-8B84-4022815E3587}" dt="2019-05-14T13:34:18.851" v="46"/>
+        <pc:sldMkLst>
+          <pc:docMk/>
+          <pc:sldMk cId="2251973667" sldId="367"/>
+        </pc:sldMkLst>
+        <pc:spChg chg="del">
+          <ac:chgData name="Khattab, Sherif" userId="c83b1e15-36f3-4f46-aceb-05aac24c545e" providerId="ADAL" clId="{EE78B4C3-BA47-2B47-8B84-4022815E3587}" dt="2019-05-14T13:34:18.851" v="46"/>
+          <ac:spMkLst>
+            <pc:docMk/>
+            <pc:sldMk cId="2251973667" sldId="367"/>
+            <ac:spMk id="6" creationId="{156F37D5-7C3B-D446-B495-19F8366B5AD6}"/>
+          </ac:spMkLst>
+        </pc:spChg>
+      </pc:sldChg>
+      <pc:sldChg chg="delSp add">
+        <pc:chgData name="Khattab, Sherif" userId="c83b1e15-36f3-4f46-aceb-05aac24c545e" providerId="ADAL" clId="{EE78B4C3-BA47-2B47-8B84-4022815E3587}" dt="2019-05-14T13:34:18.851" v="46"/>
+        <pc:sldMkLst>
+          <pc:docMk/>
+          <pc:sldMk cId="3138501136" sldId="368"/>
+        </pc:sldMkLst>
+        <pc:spChg chg="del">
+          <ac:chgData name="Khattab, Sherif" userId="c83b1e15-36f3-4f46-aceb-05aac24c545e" providerId="ADAL" clId="{EE78B4C3-BA47-2B47-8B84-4022815E3587}" dt="2019-05-14T13:34:18.851" v="46"/>
+          <ac:spMkLst>
+            <pc:docMk/>
+            <pc:sldMk cId="3138501136" sldId="368"/>
+            <ac:spMk id="9" creationId="{2996EA4B-3DC2-9F42-B065-0840F656E48E}"/>
+          </ac:spMkLst>
+        </pc:spChg>
+      </pc:sldChg>
+      <pc:sldChg chg="delSp add">
+        <pc:chgData name="Khattab, Sherif" userId="c83b1e15-36f3-4f46-aceb-05aac24c545e" providerId="ADAL" clId="{EE78B4C3-BA47-2B47-8B84-4022815E3587}" dt="2019-05-14T13:34:18.851" v="46"/>
+        <pc:sldMkLst>
+          <pc:docMk/>
+          <pc:sldMk cId="3210992163" sldId="369"/>
+        </pc:sldMkLst>
+        <pc:spChg chg="del">
+          <ac:chgData name="Khattab, Sherif" userId="c83b1e15-36f3-4f46-aceb-05aac24c545e" providerId="ADAL" clId="{EE78B4C3-BA47-2B47-8B84-4022815E3587}" dt="2019-05-14T13:34:18.851" v="46"/>
+          <ac:spMkLst>
+            <pc:docMk/>
+            <pc:sldMk cId="3210992163" sldId="369"/>
+            <ac:spMk id="6" creationId="{B0B02CAE-6A9B-A441-9498-BF8F3DB626EB}"/>
+          </ac:spMkLst>
+        </pc:spChg>
+      </pc:sldChg>
+      <pc:sldChg chg="delSp add">
+        <pc:chgData name="Khattab, Sherif" userId="c83b1e15-36f3-4f46-aceb-05aac24c545e" providerId="ADAL" clId="{EE78B4C3-BA47-2B47-8B84-4022815E3587}" dt="2019-05-14T13:34:18.851" v="46"/>
+        <pc:sldMkLst>
+          <pc:docMk/>
+          <pc:sldMk cId="4013065491" sldId="370"/>
+        </pc:sldMkLst>
+        <pc:spChg chg="del">
+          <ac:chgData name="Khattab, Sherif" userId="c83b1e15-36f3-4f46-aceb-05aac24c545e" providerId="ADAL" clId="{EE78B4C3-BA47-2B47-8B84-4022815E3587}" dt="2019-05-14T13:34:18.851" v="46"/>
+          <ac:spMkLst>
+            <pc:docMk/>
+            <pc:sldMk cId="4013065491" sldId="370"/>
+            <ac:spMk id="8" creationId="{D0EF7B2F-C2A6-4E4A-BA48-98165068EB9D}"/>
+          </ac:spMkLst>
+        </pc:spChg>
+      </pc:sldChg>
+      <pc:sldChg chg="delSp add">
+        <pc:chgData name="Khattab, Sherif" userId="c83b1e15-36f3-4f46-aceb-05aac24c545e" providerId="ADAL" clId="{EE78B4C3-BA47-2B47-8B84-4022815E3587}" dt="2019-05-14T13:34:18.851" v="46"/>
+        <pc:sldMkLst>
+          <pc:docMk/>
+          <pc:sldMk cId="2592968416" sldId="371"/>
+        </pc:sldMkLst>
+        <pc:spChg chg="del">
+          <ac:chgData name="Khattab, Sherif" userId="c83b1e15-36f3-4f46-aceb-05aac24c545e" providerId="ADAL" clId="{EE78B4C3-BA47-2B47-8B84-4022815E3587}" dt="2019-05-14T13:34:18.851" v="46"/>
+          <ac:spMkLst>
+            <pc:docMk/>
+            <pc:sldMk cId="2592968416" sldId="371"/>
+            <ac:spMk id="8" creationId="{61F73BD1-10AC-B146-B4D6-4D1B879CEAE3}"/>
+          </ac:spMkLst>
+        </pc:spChg>
+      </pc:sldChg>
+      <pc:sldChg chg="delSp add">
+        <pc:chgData name="Khattab, Sherif" userId="c83b1e15-36f3-4f46-aceb-05aac24c545e" providerId="ADAL" clId="{EE78B4C3-BA47-2B47-8B84-4022815E3587}" dt="2019-05-14T13:34:18.851" v="46"/>
+        <pc:sldMkLst>
+          <pc:docMk/>
+          <pc:sldMk cId="3848335379" sldId="372"/>
+        </pc:sldMkLst>
+        <pc:spChg chg="del">
+          <ac:chgData name="Khattab, Sherif" userId="c83b1e15-36f3-4f46-aceb-05aac24c545e" providerId="ADAL" clId="{EE78B4C3-BA47-2B47-8B84-4022815E3587}" dt="2019-05-14T13:34:18.851" v="46"/>
+          <ac:spMkLst>
+            <pc:docMk/>
+            <pc:sldMk cId="3848335379" sldId="372"/>
+            <ac:spMk id="9" creationId="{A9CB262F-7565-A04A-9FDE-A27BCA955EC0}"/>
+          </ac:spMkLst>
+        </pc:spChg>
+      </pc:sldChg>
+      <pc:sldChg chg="delSp add">
+        <pc:chgData name="Khattab, Sherif" userId="c83b1e15-36f3-4f46-aceb-05aac24c545e" providerId="ADAL" clId="{EE78B4C3-BA47-2B47-8B84-4022815E3587}" dt="2019-05-14T13:34:18.851" v="46"/>
+        <pc:sldMkLst>
+          <pc:docMk/>
+          <pc:sldMk cId="3161117264" sldId="373"/>
+        </pc:sldMkLst>
+        <pc:spChg chg="del">
+          <ac:chgData name="Khattab, Sherif" userId="c83b1e15-36f3-4f46-aceb-05aac24c545e" providerId="ADAL" clId="{EE78B4C3-BA47-2B47-8B84-4022815E3587}" dt="2019-05-14T13:34:18.851" v="46"/>
+          <ac:spMkLst>
+            <pc:docMk/>
+            <pc:sldMk cId="3161117264" sldId="373"/>
+            <ac:spMk id="6" creationId="{E9F1DC46-4FA4-D444-A7D6-705144867080}"/>
+          </ac:spMkLst>
+        </pc:spChg>
+      </pc:sldChg>
+      <pc:sldChg chg="delSp add">
+        <pc:chgData name="Khattab, Sherif" userId="c83b1e15-36f3-4f46-aceb-05aac24c545e" providerId="ADAL" clId="{EE78B4C3-BA47-2B47-8B84-4022815E3587}" dt="2019-05-14T13:34:18.851" v="46"/>
+        <pc:sldMkLst>
+          <pc:docMk/>
+          <pc:sldMk cId="1542066946" sldId="374"/>
+        </pc:sldMkLst>
+        <pc:spChg chg="del">
+          <ac:chgData name="Khattab, Sherif" userId="c83b1e15-36f3-4f46-aceb-05aac24c545e" providerId="ADAL" clId="{EE78B4C3-BA47-2B47-8B84-4022815E3587}" dt="2019-05-14T13:34:18.851" v="46"/>
+          <ac:spMkLst>
+            <pc:docMk/>
+            <pc:sldMk cId="1542066946" sldId="374"/>
+            <ac:spMk id="6" creationId="{D50D1AE2-A719-F648-ABE5-1D2605CF399A}"/>
+          </ac:spMkLst>
+        </pc:spChg>
+      </pc:sldChg>
+      <pc:sldChg chg="delSp add">
+        <pc:chgData name="Khattab, Sherif" userId="c83b1e15-36f3-4f46-aceb-05aac24c545e" providerId="ADAL" clId="{EE78B4C3-BA47-2B47-8B84-4022815E3587}" dt="2019-05-14T13:34:18.851" v="46"/>
+        <pc:sldMkLst>
+          <pc:docMk/>
+          <pc:sldMk cId="834112894" sldId="375"/>
+        </pc:sldMkLst>
+        <pc:spChg chg="del">
+          <ac:chgData name="Khattab, Sherif" userId="c83b1e15-36f3-4f46-aceb-05aac24c545e" providerId="ADAL" clId="{EE78B4C3-BA47-2B47-8B84-4022815E3587}" dt="2019-05-14T13:34:18.851" v="46"/>
+          <ac:spMkLst>
+            <pc:docMk/>
+            <pc:sldMk cId="834112894" sldId="375"/>
+            <ac:spMk id="6" creationId="{429B8308-B899-EF4A-97A6-3EEDF546FBBB}"/>
+          </ac:spMkLst>
+        </pc:spChg>
+      </pc:sldChg>
+      <pc:sldChg chg="delSp add">
+        <pc:chgData name="Khattab, Sherif" userId="c83b1e15-36f3-4f46-aceb-05aac24c545e" providerId="ADAL" clId="{EE78B4C3-BA47-2B47-8B84-4022815E3587}" dt="2019-05-14T13:34:18.851" v="46"/>
+        <pc:sldMkLst>
+          <pc:docMk/>
+          <pc:sldMk cId="1165577892" sldId="376"/>
+        </pc:sldMkLst>
+        <pc:spChg chg="del">
+          <ac:chgData name="Khattab, Sherif" userId="c83b1e15-36f3-4f46-aceb-05aac24c545e" providerId="ADAL" clId="{EE78B4C3-BA47-2B47-8B84-4022815E3587}" dt="2019-05-14T13:34:18.851" v="46"/>
+          <ac:spMkLst>
+            <pc:docMk/>
+            <pc:sldMk cId="1165577892" sldId="376"/>
+            <ac:spMk id="42" creationId="{27F42901-D1CE-084B-9E38-96413317B8CF}"/>
+          </ac:spMkLst>
+        </pc:spChg>
+      </pc:sldChg>
+      <pc:sldChg chg="delSp add">
+        <pc:chgData name="Khattab, Sherif" userId="c83b1e15-36f3-4f46-aceb-05aac24c545e" providerId="ADAL" clId="{EE78B4C3-BA47-2B47-8B84-4022815E3587}" dt="2019-05-14T13:34:18.851" v="46"/>
+        <pc:sldMkLst>
+          <pc:docMk/>
+          <pc:sldMk cId="1942139729" sldId="377"/>
+        </pc:sldMkLst>
+        <pc:spChg chg="del">
+          <ac:chgData name="Khattab, Sherif" userId="c83b1e15-36f3-4f46-aceb-05aac24c545e" providerId="ADAL" clId="{EE78B4C3-BA47-2B47-8B84-4022815E3587}" dt="2019-05-14T13:34:18.851" v="46"/>
+          <ac:spMkLst>
+            <pc:docMk/>
+            <pc:sldMk cId="1942139729" sldId="377"/>
+            <ac:spMk id="9" creationId="{68716DFF-FDE6-F443-A890-77FBFB539BEB}"/>
+          </ac:spMkLst>
+        </pc:spChg>
+      </pc:sldChg>
+      <pc:sldChg chg="delSp add">
+        <pc:chgData name="Khattab, Sherif" userId="c83b1e15-36f3-4f46-aceb-05aac24c545e" providerId="ADAL" clId="{EE78B4C3-BA47-2B47-8B84-4022815E3587}" dt="2019-05-14T13:34:18.851" v="46"/>
+        <pc:sldMkLst>
+          <pc:docMk/>
+          <pc:sldMk cId="3990797458" sldId="378"/>
+        </pc:sldMkLst>
+        <pc:spChg chg="del">
+          <ac:chgData name="Khattab, Sherif" userId="c83b1e15-36f3-4f46-aceb-05aac24c545e" providerId="ADAL" clId="{EE78B4C3-BA47-2B47-8B84-4022815E3587}" dt="2019-05-14T13:34:18.851" v="46"/>
+          <ac:spMkLst>
+            <pc:docMk/>
+            <pc:sldMk cId="3990797458" sldId="378"/>
+            <ac:spMk id="6" creationId="{ADE8E4C1-F96E-1346-A961-80E2D6A49C9A}"/>
+          </ac:spMkLst>
+        </pc:spChg>
+      </pc:sldChg>
+      <pc:sldChg chg="delSp add">
+        <pc:chgData name="Khattab, Sherif" userId="c83b1e15-36f3-4f46-aceb-05aac24c545e" providerId="ADAL" clId="{EE78B4C3-BA47-2B47-8B84-4022815E3587}" dt="2019-05-14T13:34:18.851" v="46"/>
+        <pc:sldMkLst>
+          <pc:docMk/>
+          <pc:sldMk cId="2736486443" sldId="379"/>
+        </pc:sldMkLst>
+        <pc:spChg chg="del">
+          <ac:chgData name="Khattab, Sherif" userId="c83b1e15-36f3-4f46-aceb-05aac24c545e" providerId="ADAL" clId="{EE78B4C3-BA47-2B47-8B84-4022815E3587}" dt="2019-05-14T13:34:18.851" v="46"/>
+          <ac:spMkLst>
+            <pc:docMk/>
+            <pc:sldMk cId="2736486443" sldId="379"/>
+            <ac:spMk id="9" creationId="{68630AFF-8EA0-D641-8FA2-6949259437AD}"/>
+          </ac:spMkLst>
+        </pc:spChg>
+      </pc:sldChg>
+      <pc:sldChg chg="delSp add">
+        <pc:chgData name="Khattab, Sherif" userId="c83b1e15-36f3-4f46-aceb-05aac24c545e" providerId="ADAL" clId="{EE78B4C3-BA47-2B47-8B84-4022815E3587}" dt="2019-05-14T13:34:18.851" v="46"/>
+        <pc:sldMkLst>
+          <pc:docMk/>
+          <pc:sldMk cId="541381985" sldId="380"/>
+        </pc:sldMkLst>
+        <pc:spChg chg="del">
+          <ac:chgData name="Khattab, Sherif" userId="c83b1e15-36f3-4f46-aceb-05aac24c545e" providerId="ADAL" clId="{EE78B4C3-BA47-2B47-8B84-4022815E3587}" dt="2019-05-14T13:34:18.851" v="46"/>
+          <ac:spMkLst>
+            <pc:docMk/>
+            <pc:sldMk cId="541381985" sldId="380"/>
+            <ac:spMk id="25" creationId="{4D20C47B-3C18-E64F-95ED-21B263511FAD}"/>
+          </ac:spMkLst>
+        </pc:spChg>
+      </pc:sldChg>
+      <pc:sldChg chg="delSp add">
+        <pc:chgData name="Khattab, Sherif" userId="c83b1e15-36f3-4f46-aceb-05aac24c545e" providerId="ADAL" clId="{EE78B4C3-BA47-2B47-8B84-4022815E3587}" dt="2019-05-14T13:34:18.851" v="46"/>
+        <pc:sldMkLst>
+          <pc:docMk/>
+          <pc:sldMk cId="2235897330" sldId="381"/>
+        </pc:sldMkLst>
+        <pc:spChg chg="del">
+          <ac:chgData name="Khattab, Sherif" userId="c83b1e15-36f3-4f46-aceb-05aac24c545e" providerId="ADAL" clId="{EE78B4C3-BA47-2B47-8B84-4022815E3587}" dt="2019-05-14T13:34:18.851" v="46"/>
+          <ac:spMkLst>
+            <pc:docMk/>
+            <pc:sldMk cId="2235897330" sldId="381"/>
+            <ac:spMk id="8" creationId="{9D3BDADA-F567-BD4E-9F02-7C5462E120E7}"/>
+          </ac:spMkLst>
+        </pc:spChg>
+      </pc:sldChg>
+      <pc:sldChg chg="delSp add">
+        <pc:chgData name="Khattab, Sherif" userId="c83b1e15-36f3-4f46-aceb-05aac24c545e" providerId="ADAL" clId="{EE78B4C3-BA47-2B47-8B84-4022815E3587}" dt="2019-05-14T13:34:18.851" v="46"/>
+        <pc:sldMkLst>
+          <pc:docMk/>
+          <pc:sldMk cId="3360044446" sldId="382"/>
+        </pc:sldMkLst>
+        <pc:spChg chg="del">
+          <ac:chgData name="Khattab, Sherif" userId="c83b1e15-36f3-4f46-aceb-05aac24c545e" providerId="ADAL" clId="{EE78B4C3-BA47-2B47-8B84-4022815E3587}" dt="2019-05-14T13:34:18.851" v="46"/>
+          <ac:spMkLst>
+            <pc:docMk/>
+            <pc:sldMk cId="3360044446" sldId="382"/>
+            <ac:spMk id="8" creationId="{90688045-CAEF-334F-9E8D-5DE392BB31B7}"/>
+          </ac:spMkLst>
+        </pc:spChg>
+      </pc:sldChg>
+      <pc:sldChg chg="delSp add">
+        <pc:chgData name="Khattab, Sherif" userId="c83b1e15-36f3-4f46-aceb-05aac24c545e" providerId="ADAL" clId="{EE78B4C3-BA47-2B47-8B84-4022815E3587}" dt="2019-05-14T13:34:18.851" v="46"/>
+        <pc:sldMkLst>
+          <pc:docMk/>
+          <pc:sldMk cId="1954384084" sldId="383"/>
+        </pc:sldMkLst>
+        <pc:spChg chg="del">
+          <ac:chgData name="Khattab, Sherif" userId="c83b1e15-36f3-4f46-aceb-05aac24c545e" providerId="ADAL" clId="{EE78B4C3-BA47-2B47-8B84-4022815E3587}" dt="2019-05-14T13:34:18.851" v="46"/>
+          <ac:spMkLst>
+            <pc:docMk/>
+            <pc:sldMk cId="1954384084" sldId="383"/>
+            <ac:spMk id="8" creationId="{307391A8-557A-8A4A-8E68-85B54349ED8F}"/>
+          </ac:spMkLst>
+        </pc:spChg>
+      </pc:sldChg>
+      <pc:sldChg chg="delSp add">
+        <pc:chgData name="Khattab, Sherif" userId="c83b1e15-36f3-4f46-aceb-05aac24c545e" providerId="ADAL" clId="{EE78B4C3-BA47-2B47-8B84-4022815E3587}" dt="2019-05-14T13:34:18.851" v="46"/>
+        <pc:sldMkLst>
+          <pc:docMk/>
+          <pc:sldMk cId="220759689" sldId="384"/>
+        </pc:sldMkLst>
+        <pc:spChg chg="del">
+          <ac:chgData name="Khattab, Sherif" userId="c83b1e15-36f3-4f46-aceb-05aac24c545e" providerId="ADAL" clId="{EE78B4C3-BA47-2B47-8B84-4022815E3587}" dt="2019-05-14T13:34:18.851" v="46"/>
+          <ac:spMkLst>
+            <pc:docMk/>
+            <pc:sldMk cId="220759689" sldId="384"/>
+            <ac:spMk id="6" creationId="{E1DC0099-5926-8C42-9144-C73482BF1FE7}"/>
+          </ac:spMkLst>
+        </pc:spChg>
+      </pc:sldChg>
+      <pc:sldChg chg="delSp add">
+        <pc:chgData name="Khattab, Sherif" userId="c83b1e15-36f3-4f46-aceb-05aac24c545e" providerId="ADAL" clId="{EE78B4C3-BA47-2B47-8B84-4022815E3587}" dt="2019-05-14T13:34:18.851" v="46"/>
+        <pc:sldMkLst>
+          <pc:docMk/>
+          <pc:sldMk cId="2809799376" sldId="385"/>
+        </pc:sldMkLst>
+        <pc:spChg chg="del">
+          <ac:chgData name="Khattab, Sherif" userId="c83b1e15-36f3-4f46-aceb-05aac24c545e" providerId="ADAL" clId="{EE78B4C3-BA47-2B47-8B84-4022815E3587}" dt="2019-05-14T13:34:18.851" v="46"/>
+          <ac:spMkLst>
+            <pc:docMk/>
+            <pc:sldMk cId="2809799376" sldId="385"/>
+            <ac:spMk id="8" creationId="{0E14A1DC-F2CD-F64B-A516-0E10067BD269}"/>
+          </ac:spMkLst>
+        </pc:spChg>
+      </pc:sldChg>
+    </pc:docChg>
+  </pc:docChgLst>
+  <pc:docChgLst>
     <pc:chgData name="Khattab, Sherif" userId="c83b1e15-36f3-4f46-aceb-05aac24c545e" providerId="ADAL" clId="{6B32A7CB-D6D5-4A46-AB03-3D776A5A722B}"/>
     <pc:docChg chg="modSld">
       <pc:chgData name="Khattab, Sherif" userId="c83b1e15-36f3-4f46-aceb-05aac24c545e" providerId="ADAL" clId="{6B32A7CB-D6D5-4A46-AB03-3D776A5A722B}" dt="2021-09-01T06:17:51.524" v="0"/>
@@ -5631,749 +8291,171 @@
     </pc:docChg>
   </pc:docChgLst>
   <pc:docChgLst>
-    <pc:chgData name="Sherif Khattab" userId="c83b1e15-36f3-4f46-aceb-05aac24c545e" providerId="ADAL" clId="{4F266D3B-92A2-40A8-A073-356F608DC91A}"/>
-    <pc:docChg chg="undo custSel addSld delSld modSld">
-      <pc:chgData name="Sherif Khattab" userId="c83b1e15-36f3-4f46-aceb-05aac24c545e" providerId="ADAL" clId="{4F266D3B-92A2-40A8-A073-356F608DC91A}" dt="2021-02-16T18:38:20.208" v="578" actId="20577"/>
+    <pc:chgData name="Sherif Khattab" userId="c83b1e15-36f3-4f46-aceb-05aac24c545e" providerId="ADAL" clId="{D1F8C7F8-B63D-426F-B9AE-033C1F2663EE}"/>
+    <pc:docChg chg="custSel addSld delSld modSld">
+      <pc:chgData name="Sherif Khattab" userId="c83b1e15-36f3-4f46-aceb-05aac24c545e" providerId="ADAL" clId="{D1F8C7F8-B63D-426F-B9AE-033C1F2663EE}" dt="2021-02-19T03:40:10.059" v="412" actId="1076"/>
       <pc:docMkLst>
         <pc:docMk/>
       </pc:docMkLst>
+      <pc:sldChg chg="add del">
+        <pc:chgData name="Sherif Khattab" userId="c83b1e15-36f3-4f46-aceb-05aac24c545e" providerId="ADAL" clId="{D1F8C7F8-B63D-426F-B9AE-033C1F2663EE}" dt="2021-02-18T17:38:26.978" v="262" actId="47"/>
+        <pc:sldMkLst>
+          <pc:docMk/>
+          <pc:sldMk cId="1920820884" sldId="273"/>
+        </pc:sldMkLst>
+      </pc:sldChg>
+      <pc:sldChg chg="add del">
+        <pc:chgData name="Sherif Khattab" userId="c83b1e15-36f3-4f46-aceb-05aac24c545e" providerId="ADAL" clId="{D1F8C7F8-B63D-426F-B9AE-033C1F2663EE}" dt="2021-02-18T17:38:26.978" v="262" actId="47"/>
+        <pc:sldMkLst>
+          <pc:docMk/>
+          <pc:sldMk cId="2017417480" sldId="277"/>
+        </pc:sldMkLst>
+      </pc:sldChg>
+      <pc:sldChg chg="add del">
+        <pc:chgData name="Sherif Khattab" userId="c83b1e15-36f3-4f46-aceb-05aac24c545e" providerId="ADAL" clId="{D1F8C7F8-B63D-426F-B9AE-033C1F2663EE}" dt="2021-02-18T17:38:26.978" v="262" actId="47"/>
+        <pc:sldMkLst>
+          <pc:docMk/>
+          <pc:sldMk cId="2773510753" sldId="280"/>
+        </pc:sldMkLst>
+      </pc:sldChg>
+      <pc:sldChg chg="add del">
+        <pc:chgData name="Sherif Khattab" userId="c83b1e15-36f3-4f46-aceb-05aac24c545e" providerId="ADAL" clId="{D1F8C7F8-B63D-426F-B9AE-033C1F2663EE}" dt="2021-02-18T17:38:26.978" v="262" actId="47"/>
+        <pc:sldMkLst>
+          <pc:docMk/>
+          <pc:sldMk cId="171235497" sldId="283"/>
+        </pc:sldMkLst>
+      </pc:sldChg>
+      <pc:sldChg chg="add del">
+        <pc:chgData name="Sherif Khattab" userId="c83b1e15-36f3-4f46-aceb-05aac24c545e" providerId="ADAL" clId="{D1F8C7F8-B63D-426F-B9AE-033C1F2663EE}" dt="2021-02-18T17:38:26.978" v="262" actId="47"/>
+        <pc:sldMkLst>
+          <pc:docMk/>
+          <pc:sldMk cId="2099089282" sldId="284"/>
+        </pc:sldMkLst>
+      </pc:sldChg>
+      <pc:sldChg chg="add del">
+        <pc:chgData name="Sherif Khattab" userId="c83b1e15-36f3-4f46-aceb-05aac24c545e" providerId="ADAL" clId="{D1F8C7F8-B63D-426F-B9AE-033C1F2663EE}" dt="2021-02-18T17:38:26.978" v="262" actId="47"/>
+        <pc:sldMkLst>
+          <pc:docMk/>
+          <pc:sldMk cId="1136622862" sldId="285"/>
+        </pc:sldMkLst>
+      </pc:sldChg>
+      <pc:sldChg chg="addSp modSp mod">
+        <pc:chgData name="Sherif Khattab" userId="c83b1e15-36f3-4f46-aceb-05aac24c545e" providerId="ADAL" clId="{D1F8C7F8-B63D-426F-B9AE-033C1F2663EE}" dt="2021-02-19T03:40:10.059" v="412" actId="1076"/>
+        <pc:sldMkLst>
+          <pc:docMk/>
+          <pc:sldMk cId="1268007695" sldId="288"/>
+        </pc:sldMkLst>
+        <pc:spChg chg="mod">
+          <ac:chgData name="Sherif Khattab" userId="c83b1e15-36f3-4f46-aceb-05aac24c545e" providerId="ADAL" clId="{D1F8C7F8-B63D-426F-B9AE-033C1F2663EE}" dt="2021-02-19T03:39:56.599" v="409" actId="27636"/>
+          <ac:spMkLst>
+            <pc:docMk/>
+            <pc:sldMk cId="1268007695" sldId="288"/>
+            <ac:spMk id="45061" creationId="{C82BDD8E-B02C-45D7-A4E1-5AA0B3D3D510}"/>
+          </ac:spMkLst>
+        </pc:spChg>
+        <pc:picChg chg="add mod">
+          <ac:chgData name="Sherif Khattab" userId="c83b1e15-36f3-4f46-aceb-05aac24c545e" providerId="ADAL" clId="{D1F8C7F8-B63D-426F-B9AE-033C1F2663EE}" dt="2021-02-19T03:40:10.059" v="412" actId="1076"/>
+          <ac:picMkLst>
+            <pc:docMk/>
+            <pc:sldMk cId="1268007695" sldId="288"/>
+            <ac:picMk id="3" creationId="{FAB5A6F1-6630-4DA0-9CA2-FAD14DB5308D}"/>
+          </ac:picMkLst>
+        </pc:picChg>
+      </pc:sldChg>
       <pc:sldChg chg="modSp mod">
-        <pc:chgData name="Sherif Khattab" userId="c83b1e15-36f3-4f46-aceb-05aac24c545e" providerId="ADAL" clId="{4F266D3B-92A2-40A8-A073-356F608DC91A}" dt="2021-02-16T15:39:14.558" v="504" actId="20577"/>
-        <pc:sldMkLst>
-          <pc:docMk/>
-          <pc:sldMk cId="3681208715" sldId="257"/>
+        <pc:chgData name="Sherif Khattab" userId="c83b1e15-36f3-4f46-aceb-05aac24c545e" providerId="ADAL" clId="{D1F8C7F8-B63D-426F-B9AE-033C1F2663EE}" dt="2021-02-18T17:39:06.054" v="295" actId="6549"/>
+        <pc:sldMkLst>
+          <pc:docMk/>
+          <pc:sldMk cId="463012687" sldId="289"/>
         </pc:sldMkLst>
         <pc:spChg chg="mod">
-          <ac:chgData name="Sherif Khattab" userId="c83b1e15-36f3-4f46-aceb-05aac24c545e" providerId="ADAL" clId="{4F266D3B-92A2-40A8-A073-356F608DC91A}" dt="2021-02-16T15:39:14.558" v="504" actId="20577"/>
-          <ac:spMkLst>
-            <pc:docMk/>
-            <pc:sldMk cId="3681208715" sldId="257"/>
-            <ac:spMk id="5123" creationId="{550C3EC1-F853-4061-A0F2-F81B64390D10}"/>
-          </ac:spMkLst>
-        </pc:spChg>
+          <ac:chgData name="Sherif Khattab" userId="c83b1e15-36f3-4f46-aceb-05aac24c545e" providerId="ADAL" clId="{D1F8C7F8-B63D-426F-B9AE-033C1F2663EE}" dt="2021-02-18T15:58:02.150" v="261" actId="207"/>
+          <ac:spMkLst>
+            <pc:docMk/>
+            <pc:sldMk cId="463012687" sldId="289"/>
+            <ac:spMk id="103" creationId="{4F76D617-EEBD-4B8B-B82A-EA3BF2585492}"/>
+          </ac:spMkLst>
+        </pc:spChg>
+        <pc:spChg chg="mod">
+          <ac:chgData name="Sherif Khattab" userId="c83b1e15-36f3-4f46-aceb-05aac24c545e" providerId="ADAL" clId="{D1F8C7F8-B63D-426F-B9AE-033C1F2663EE}" dt="2021-02-18T17:39:06.054" v="295" actId="6549"/>
+          <ac:spMkLst>
+            <pc:docMk/>
+            <pc:sldMk cId="463012687" sldId="289"/>
+            <ac:spMk id="46282" creationId="{E7A6F565-6797-41A4-9E37-DE763723D06D}"/>
+          </ac:spMkLst>
+        </pc:spChg>
+      </pc:sldChg>
+      <pc:sldChg chg="add del">
+        <pc:chgData name="Sherif Khattab" userId="c83b1e15-36f3-4f46-aceb-05aac24c545e" providerId="ADAL" clId="{D1F8C7F8-B63D-426F-B9AE-033C1F2663EE}" dt="2021-02-18T17:38:26.978" v="262" actId="47"/>
+        <pc:sldMkLst>
+          <pc:docMk/>
+          <pc:sldMk cId="442392580" sldId="290"/>
+        </pc:sldMkLst>
       </pc:sldChg>
       <pc:sldChg chg="del">
-        <pc:chgData name="Sherif Khattab" userId="c83b1e15-36f3-4f46-aceb-05aac24c545e" providerId="ADAL" clId="{4F266D3B-92A2-40A8-A073-356F608DC91A}" dt="2021-02-16T15:39:00.760" v="491" actId="47"/>
-        <pc:sldMkLst>
-          <pc:docMk/>
-          <pc:sldMk cId="1664517503" sldId="258"/>
+        <pc:chgData name="Sherif Khattab" userId="c83b1e15-36f3-4f46-aceb-05aac24c545e" providerId="ADAL" clId="{D1F8C7F8-B63D-426F-B9AE-033C1F2663EE}" dt="2021-02-18T06:35:56.761" v="43" actId="47"/>
+        <pc:sldMkLst>
+          <pc:docMk/>
+          <pc:sldMk cId="3851230975" sldId="382"/>
         </pc:sldMkLst>
       </pc:sldChg>
       <pc:sldChg chg="del">
-        <pc:chgData name="Sherif Khattab" userId="c83b1e15-36f3-4f46-aceb-05aac24c545e" providerId="ADAL" clId="{4F266D3B-92A2-40A8-A073-356F608DC91A}" dt="2021-02-16T14:38:32.321" v="5" actId="47"/>
-        <pc:sldMkLst>
-          <pc:docMk/>
-          <pc:sldMk cId="1004035158" sldId="259"/>
-        </pc:sldMkLst>
-      </pc:sldChg>
-      <pc:sldChg chg="del">
-        <pc:chgData name="Sherif Khattab" userId="c83b1e15-36f3-4f46-aceb-05aac24c545e" providerId="ADAL" clId="{4F266D3B-92A2-40A8-A073-356F608DC91A}" dt="2021-02-16T15:39:06.861" v="493" actId="47"/>
-        <pc:sldMkLst>
-          <pc:docMk/>
-          <pc:sldMk cId="3230569327" sldId="260"/>
-        </pc:sldMkLst>
-      </pc:sldChg>
-      <pc:sldChg chg="del">
-        <pc:chgData name="Sherif Khattab" userId="c83b1e15-36f3-4f46-aceb-05aac24c545e" providerId="ADAL" clId="{4F266D3B-92A2-40A8-A073-356F608DC91A}" dt="2021-02-16T14:38:32.321" v="5" actId="47"/>
-        <pc:sldMkLst>
-          <pc:docMk/>
-          <pc:sldMk cId="1444142485" sldId="261"/>
-        </pc:sldMkLst>
-      </pc:sldChg>
-      <pc:sldChg chg="del">
-        <pc:chgData name="Sherif Khattab" userId="c83b1e15-36f3-4f46-aceb-05aac24c545e" providerId="ADAL" clId="{4F266D3B-92A2-40A8-A073-356F608DC91A}" dt="2021-02-16T14:38:32.321" v="5" actId="47"/>
-        <pc:sldMkLst>
-          <pc:docMk/>
-          <pc:sldMk cId="516417489" sldId="262"/>
-        </pc:sldMkLst>
-      </pc:sldChg>
-      <pc:sldChg chg="del">
-        <pc:chgData name="Sherif Khattab" userId="c83b1e15-36f3-4f46-aceb-05aac24c545e" providerId="ADAL" clId="{4F266D3B-92A2-40A8-A073-356F608DC91A}" dt="2021-02-16T14:38:32.321" v="5" actId="47"/>
-        <pc:sldMkLst>
-          <pc:docMk/>
-          <pc:sldMk cId="561583903" sldId="263"/>
-        </pc:sldMkLst>
-      </pc:sldChg>
-      <pc:sldChg chg="del">
-        <pc:chgData name="Sherif Khattab" userId="c83b1e15-36f3-4f46-aceb-05aac24c545e" providerId="ADAL" clId="{4F266D3B-92A2-40A8-A073-356F608DC91A}" dt="2021-02-16T14:38:32.321" v="5" actId="47"/>
-        <pc:sldMkLst>
-          <pc:docMk/>
-          <pc:sldMk cId="982315759" sldId="264"/>
-        </pc:sldMkLst>
-      </pc:sldChg>
-      <pc:sldChg chg="del">
-        <pc:chgData name="Sherif Khattab" userId="c83b1e15-36f3-4f46-aceb-05aac24c545e" providerId="ADAL" clId="{4F266D3B-92A2-40A8-A073-356F608DC91A}" dt="2021-02-16T14:38:32.321" v="5" actId="47"/>
-        <pc:sldMkLst>
-          <pc:docMk/>
-          <pc:sldMk cId="423130617" sldId="265"/>
-        </pc:sldMkLst>
-      </pc:sldChg>
-      <pc:sldChg chg="del">
-        <pc:chgData name="Sherif Khattab" userId="c83b1e15-36f3-4f46-aceb-05aac24c545e" providerId="ADAL" clId="{4F266D3B-92A2-40A8-A073-356F608DC91A}" dt="2021-02-16T14:40:29.007" v="103" actId="47"/>
-        <pc:sldMkLst>
-          <pc:docMk/>
-          <pc:sldMk cId="386763112" sldId="266"/>
-        </pc:sldMkLst>
-      </pc:sldChg>
-      <pc:sldChg chg="del">
-        <pc:chgData name="Sherif Khattab" userId="c83b1e15-36f3-4f46-aceb-05aac24c545e" providerId="ADAL" clId="{4F266D3B-92A2-40A8-A073-356F608DC91A}" dt="2021-02-16T14:38:32.321" v="5" actId="47"/>
-        <pc:sldMkLst>
-          <pc:docMk/>
-          <pc:sldMk cId="661211275" sldId="267"/>
-        </pc:sldMkLst>
-      </pc:sldChg>
-      <pc:sldChg chg="del">
-        <pc:chgData name="Sherif Khattab" userId="c83b1e15-36f3-4f46-aceb-05aac24c545e" providerId="ADAL" clId="{4F266D3B-92A2-40A8-A073-356F608DC91A}" dt="2021-02-16T14:38:32.321" v="5" actId="47"/>
-        <pc:sldMkLst>
-          <pc:docMk/>
-          <pc:sldMk cId="1897509347" sldId="268"/>
-        </pc:sldMkLst>
-      </pc:sldChg>
-      <pc:sldChg chg="del">
-        <pc:chgData name="Sherif Khattab" userId="c83b1e15-36f3-4f46-aceb-05aac24c545e" providerId="ADAL" clId="{4F266D3B-92A2-40A8-A073-356F608DC91A}" dt="2021-02-16T14:38:32.321" v="5" actId="47"/>
-        <pc:sldMkLst>
-          <pc:docMk/>
-          <pc:sldMk cId="1042310649" sldId="269"/>
-        </pc:sldMkLst>
-      </pc:sldChg>
-      <pc:sldChg chg="del">
-        <pc:chgData name="Sherif Khattab" userId="c83b1e15-36f3-4f46-aceb-05aac24c545e" providerId="ADAL" clId="{4F266D3B-92A2-40A8-A073-356F608DC91A}" dt="2021-02-16T14:38:32.321" v="5" actId="47"/>
-        <pc:sldMkLst>
-          <pc:docMk/>
-          <pc:sldMk cId="703361262" sldId="270"/>
-        </pc:sldMkLst>
-      </pc:sldChg>
-      <pc:sldChg chg="del">
-        <pc:chgData name="Sherif Khattab" userId="c83b1e15-36f3-4f46-aceb-05aac24c545e" providerId="ADAL" clId="{4F266D3B-92A2-40A8-A073-356F608DC91A}" dt="2021-02-16T14:38:32.321" v="5" actId="47"/>
-        <pc:sldMkLst>
-          <pc:docMk/>
-          <pc:sldMk cId="1436808390" sldId="271"/>
-        </pc:sldMkLst>
-      </pc:sldChg>
-      <pc:sldChg chg="del">
-        <pc:chgData name="Sherif Khattab" userId="c83b1e15-36f3-4f46-aceb-05aac24c545e" providerId="ADAL" clId="{4F266D3B-92A2-40A8-A073-356F608DC91A}" dt="2021-02-16T14:38:32.321" v="5" actId="47"/>
-        <pc:sldMkLst>
-          <pc:docMk/>
-          <pc:sldMk cId="1301683851" sldId="272"/>
-        </pc:sldMkLst>
-      </pc:sldChg>
-      <pc:sldChg chg="del">
-        <pc:chgData name="Sherif Khattab" userId="c83b1e15-36f3-4f46-aceb-05aac24c545e" providerId="ADAL" clId="{4F266D3B-92A2-40A8-A073-356F608DC91A}" dt="2021-02-16T15:40:09.232" v="506" actId="47"/>
-        <pc:sldMkLst>
-          <pc:docMk/>
-          <pc:sldMk cId="1920820884" sldId="273"/>
-        </pc:sldMkLst>
-      </pc:sldChg>
-      <pc:sldChg chg="del">
-        <pc:chgData name="Sherif Khattab" userId="c83b1e15-36f3-4f46-aceb-05aac24c545e" providerId="ADAL" clId="{4F266D3B-92A2-40A8-A073-356F608DC91A}" dt="2021-02-16T14:38:32.321" v="5" actId="47"/>
-        <pc:sldMkLst>
-          <pc:docMk/>
-          <pc:sldMk cId="55302999" sldId="274"/>
-        </pc:sldMkLst>
-      </pc:sldChg>
-      <pc:sldChg chg="del">
-        <pc:chgData name="Sherif Khattab" userId="c83b1e15-36f3-4f46-aceb-05aac24c545e" providerId="ADAL" clId="{4F266D3B-92A2-40A8-A073-356F608DC91A}" dt="2021-02-16T14:38:32.321" v="5" actId="47"/>
-        <pc:sldMkLst>
-          <pc:docMk/>
-          <pc:sldMk cId="2064114192" sldId="276"/>
-        </pc:sldMkLst>
-      </pc:sldChg>
-      <pc:sldChg chg="del">
-        <pc:chgData name="Sherif Khattab" userId="c83b1e15-36f3-4f46-aceb-05aac24c545e" providerId="ADAL" clId="{4F266D3B-92A2-40A8-A073-356F608DC91A}" dt="2021-02-16T15:40:10.078" v="509" actId="47"/>
-        <pc:sldMkLst>
-          <pc:docMk/>
-          <pc:sldMk cId="2017417480" sldId="277"/>
-        </pc:sldMkLst>
-      </pc:sldChg>
-      <pc:sldChg chg="del">
-        <pc:chgData name="Sherif Khattab" userId="c83b1e15-36f3-4f46-aceb-05aac24c545e" providerId="ADAL" clId="{4F266D3B-92A2-40A8-A073-356F608DC91A}" dt="2021-02-16T14:38:32.321" v="5" actId="47"/>
-        <pc:sldMkLst>
-          <pc:docMk/>
-          <pc:sldMk cId="1000435174" sldId="278"/>
-        </pc:sldMkLst>
-      </pc:sldChg>
-      <pc:sldChg chg="del">
-        <pc:chgData name="Sherif Khattab" userId="c83b1e15-36f3-4f46-aceb-05aac24c545e" providerId="ADAL" clId="{4F266D3B-92A2-40A8-A073-356F608DC91A}" dt="2021-02-16T14:38:32.321" v="5" actId="47"/>
-        <pc:sldMkLst>
-          <pc:docMk/>
-          <pc:sldMk cId="2080017563" sldId="279"/>
-        </pc:sldMkLst>
-      </pc:sldChg>
-      <pc:sldChg chg="del">
-        <pc:chgData name="Sherif Khattab" userId="c83b1e15-36f3-4f46-aceb-05aac24c545e" providerId="ADAL" clId="{4F266D3B-92A2-40A8-A073-356F608DC91A}" dt="2021-02-16T15:40:10.241" v="513" actId="47"/>
-        <pc:sldMkLst>
-          <pc:docMk/>
-          <pc:sldMk cId="2773510753" sldId="280"/>
-        </pc:sldMkLst>
-      </pc:sldChg>
-      <pc:sldChg chg="del">
-        <pc:chgData name="Sherif Khattab" userId="c83b1e15-36f3-4f46-aceb-05aac24c545e" providerId="ADAL" clId="{4F266D3B-92A2-40A8-A073-356F608DC91A}" dt="2021-02-16T14:38:32.321" v="5" actId="47"/>
-        <pc:sldMkLst>
-          <pc:docMk/>
-          <pc:sldMk cId="1445345591" sldId="281"/>
-        </pc:sldMkLst>
-      </pc:sldChg>
-      <pc:sldChg chg="del">
-        <pc:chgData name="Sherif Khattab" userId="c83b1e15-36f3-4f46-aceb-05aac24c545e" providerId="ADAL" clId="{4F266D3B-92A2-40A8-A073-356F608DC91A}" dt="2021-02-16T14:38:32.321" v="5" actId="47"/>
-        <pc:sldMkLst>
-          <pc:docMk/>
-          <pc:sldMk cId="306268545" sldId="282"/>
-        </pc:sldMkLst>
-      </pc:sldChg>
-      <pc:sldChg chg="del">
-        <pc:chgData name="Sherif Khattab" userId="c83b1e15-36f3-4f46-aceb-05aac24c545e" providerId="ADAL" clId="{4F266D3B-92A2-40A8-A073-356F608DC91A}" dt="2021-02-16T15:40:10.360" v="516" actId="47"/>
-        <pc:sldMkLst>
-          <pc:docMk/>
-          <pc:sldMk cId="171235497" sldId="283"/>
-        </pc:sldMkLst>
-      </pc:sldChg>
-      <pc:sldChg chg="del">
-        <pc:chgData name="Sherif Khattab" userId="c83b1e15-36f3-4f46-aceb-05aac24c545e" providerId="ADAL" clId="{4F266D3B-92A2-40A8-A073-356F608DC91A}" dt="2021-02-16T15:40:10.408" v="517" actId="47"/>
-        <pc:sldMkLst>
-          <pc:docMk/>
-          <pc:sldMk cId="2099089282" sldId="284"/>
-        </pc:sldMkLst>
-      </pc:sldChg>
-      <pc:sldChg chg="del">
-        <pc:chgData name="Sherif Khattab" userId="c83b1e15-36f3-4f46-aceb-05aac24c545e" providerId="ADAL" clId="{4F266D3B-92A2-40A8-A073-356F608DC91A}" dt="2021-02-16T15:40:10.457" v="518" actId="47"/>
-        <pc:sldMkLst>
-          <pc:docMk/>
-          <pc:sldMk cId="1136622862" sldId="285"/>
+        <pc:chgData name="Sherif Khattab" userId="c83b1e15-36f3-4f46-aceb-05aac24c545e" providerId="ADAL" clId="{D1F8C7F8-B63D-426F-B9AE-033C1F2663EE}" dt="2021-02-18T06:35:52.792" v="42" actId="47"/>
+        <pc:sldMkLst>
+          <pc:docMk/>
+          <pc:sldMk cId="1898410716" sldId="385"/>
         </pc:sldMkLst>
       </pc:sldChg>
       <pc:sldChg chg="add del">
-        <pc:chgData name="Sherif Khattab" userId="c83b1e15-36f3-4f46-aceb-05aac24c545e" providerId="ADAL" clId="{4F266D3B-92A2-40A8-A073-356F608DC91A}" dt="2021-02-16T15:40:13.523" v="522" actId="47"/>
-        <pc:sldMkLst>
-          <pc:docMk/>
-          <pc:sldMk cId="1268007695" sldId="288"/>
+        <pc:chgData name="Sherif Khattab" userId="c83b1e15-36f3-4f46-aceb-05aac24c545e" providerId="ADAL" clId="{D1F8C7F8-B63D-426F-B9AE-033C1F2663EE}" dt="2021-02-18T17:38:26.978" v="262" actId="47"/>
+        <pc:sldMkLst>
+          <pc:docMk/>
+          <pc:sldMk cId="574001865" sldId="464"/>
         </pc:sldMkLst>
       </pc:sldChg>
       <pc:sldChg chg="add del">
-        <pc:chgData name="Sherif Khattab" userId="c83b1e15-36f3-4f46-aceb-05aac24c545e" providerId="ADAL" clId="{4F266D3B-92A2-40A8-A073-356F608DC91A}" dt="2021-02-16T15:40:16.374" v="523" actId="47"/>
-        <pc:sldMkLst>
-          <pc:docMk/>
-          <pc:sldMk cId="463012687" sldId="289"/>
-        </pc:sldMkLst>
-      </pc:sldChg>
-      <pc:sldChg chg="del">
-        <pc:chgData name="Sherif Khattab" userId="c83b1e15-36f3-4f46-aceb-05aac24c545e" providerId="ADAL" clId="{4F266D3B-92A2-40A8-A073-356F608DC91A}" dt="2021-02-16T15:40:10.116" v="510" actId="47"/>
-        <pc:sldMkLst>
-          <pc:docMk/>
-          <pc:sldMk cId="442392580" sldId="290"/>
-        </pc:sldMkLst>
-      </pc:sldChg>
-      <pc:sldChg chg="del">
-        <pc:chgData name="Sherif Khattab" userId="c83b1e15-36f3-4f46-aceb-05aac24c545e" providerId="ADAL" clId="{4F266D3B-92A2-40A8-A073-356F608DC91A}" dt="2021-02-16T14:38:32.321" v="5" actId="47"/>
-        <pc:sldMkLst>
-          <pc:docMk/>
-          <pc:sldMk cId="2710637777" sldId="322"/>
-        </pc:sldMkLst>
-      </pc:sldChg>
-      <pc:sldChg chg="del">
-        <pc:chgData name="Sherif Khattab" userId="c83b1e15-36f3-4f46-aceb-05aac24c545e" providerId="ADAL" clId="{4F266D3B-92A2-40A8-A073-356F608DC91A}" dt="2021-02-16T14:38:32.321" v="5" actId="47"/>
-        <pc:sldMkLst>
-          <pc:docMk/>
-          <pc:sldMk cId="3292918179" sldId="324"/>
-        </pc:sldMkLst>
-      </pc:sldChg>
-      <pc:sldChg chg="del">
-        <pc:chgData name="Sherif Khattab" userId="c83b1e15-36f3-4f46-aceb-05aac24c545e" providerId="ADAL" clId="{4F266D3B-92A2-40A8-A073-356F608DC91A}" dt="2021-02-16T14:38:32.321" v="5" actId="47"/>
-        <pc:sldMkLst>
-          <pc:docMk/>
-          <pc:sldMk cId="355119911" sldId="338"/>
-        </pc:sldMkLst>
-      </pc:sldChg>
-      <pc:sldChg chg="del">
-        <pc:chgData name="Sherif Khattab" userId="c83b1e15-36f3-4f46-aceb-05aac24c545e" providerId="ADAL" clId="{4F266D3B-92A2-40A8-A073-356F608DC91A}" dt="2021-02-16T14:38:32.321" v="5" actId="47"/>
-        <pc:sldMkLst>
-          <pc:docMk/>
-          <pc:sldMk cId="4223572414" sldId="339"/>
-        </pc:sldMkLst>
-      </pc:sldChg>
-      <pc:sldChg chg="del">
-        <pc:chgData name="Sherif Khattab" userId="c83b1e15-36f3-4f46-aceb-05aac24c545e" providerId="ADAL" clId="{4F266D3B-92A2-40A8-A073-356F608DC91A}" dt="2021-02-16T14:38:32.321" v="5" actId="47"/>
-        <pc:sldMkLst>
-          <pc:docMk/>
-          <pc:sldMk cId="470668490" sldId="340"/>
-        </pc:sldMkLst>
-      </pc:sldChg>
-      <pc:sldChg chg="del">
-        <pc:chgData name="Sherif Khattab" userId="c83b1e15-36f3-4f46-aceb-05aac24c545e" providerId="ADAL" clId="{4F266D3B-92A2-40A8-A073-356F608DC91A}" dt="2021-02-16T14:38:32.321" v="5" actId="47"/>
-        <pc:sldMkLst>
-          <pc:docMk/>
-          <pc:sldMk cId="1205868326" sldId="341"/>
-        </pc:sldMkLst>
-      </pc:sldChg>
-      <pc:sldChg chg="del">
-        <pc:chgData name="Sherif Khattab" userId="c83b1e15-36f3-4f46-aceb-05aac24c545e" providerId="ADAL" clId="{4F266D3B-92A2-40A8-A073-356F608DC91A}" dt="2021-02-16T14:38:32.321" v="5" actId="47"/>
-        <pc:sldMkLst>
-          <pc:docMk/>
-          <pc:sldMk cId="1806563943" sldId="342"/>
-        </pc:sldMkLst>
-      </pc:sldChg>
-      <pc:sldChg chg="del">
-        <pc:chgData name="Sherif Khattab" userId="c83b1e15-36f3-4f46-aceb-05aac24c545e" providerId="ADAL" clId="{4F266D3B-92A2-40A8-A073-356F608DC91A}" dt="2021-02-16T14:38:32.321" v="5" actId="47"/>
-        <pc:sldMkLst>
-          <pc:docMk/>
-          <pc:sldMk cId="1167711490" sldId="343"/>
-        </pc:sldMkLst>
-      </pc:sldChg>
-      <pc:sldChg chg="del">
-        <pc:chgData name="Sherif Khattab" userId="c83b1e15-36f3-4f46-aceb-05aac24c545e" providerId="ADAL" clId="{4F266D3B-92A2-40A8-A073-356F608DC91A}" dt="2021-02-16T14:38:32.321" v="5" actId="47"/>
-        <pc:sldMkLst>
-          <pc:docMk/>
-          <pc:sldMk cId="1271999567" sldId="349"/>
-        </pc:sldMkLst>
-      </pc:sldChg>
-      <pc:sldChg chg="del">
-        <pc:chgData name="Sherif Khattab" userId="c83b1e15-36f3-4f46-aceb-05aac24c545e" providerId="ADAL" clId="{4F266D3B-92A2-40A8-A073-356F608DC91A}" dt="2021-02-16T14:38:32.321" v="5" actId="47"/>
-        <pc:sldMkLst>
-          <pc:docMk/>
-          <pc:sldMk cId="434376579" sldId="363"/>
-        </pc:sldMkLst>
-      </pc:sldChg>
-      <pc:sldChg chg="del">
-        <pc:chgData name="Sherif Khattab" userId="c83b1e15-36f3-4f46-aceb-05aac24c545e" providerId="ADAL" clId="{4F266D3B-92A2-40A8-A073-356F608DC91A}" dt="2021-02-16T14:38:32.321" v="5" actId="47"/>
-        <pc:sldMkLst>
-          <pc:docMk/>
-          <pc:sldMk cId="815621424" sldId="364"/>
-        </pc:sldMkLst>
-      </pc:sldChg>
-      <pc:sldChg chg="del">
-        <pc:chgData name="Sherif Khattab" userId="c83b1e15-36f3-4f46-aceb-05aac24c545e" providerId="ADAL" clId="{4F266D3B-92A2-40A8-A073-356F608DC91A}" dt="2021-02-16T14:38:32.321" v="5" actId="47"/>
-        <pc:sldMkLst>
-          <pc:docMk/>
-          <pc:sldMk cId="1934104099" sldId="365"/>
-        </pc:sldMkLst>
-      </pc:sldChg>
-      <pc:sldChg chg="del">
-        <pc:chgData name="Sherif Khattab" userId="c83b1e15-36f3-4f46-aceb-05aac24c545e" providerId="ADAL" clId="{4F266D3B-92A2-40A8-A073-356F608DC91A}" dt="2021-02-16T14:38:32.321" v="5" actId="47"/>
-        <pc:sldMkLst>
-          <pc:docMk/>
-          <pc:sldMk cId="2782429159" sldId="366"/>
-        </pc:sldMkLst>
-      </pc:sldChg>
-      <pc:sldChg chg="del">
-        <pc:chgData name="Sherif Khattab" userId="c83b1e15-36f3-4f46-aceb-05aac24c545e" providerId="ADAL" clId="{4F266D3B-92A2-40A8-A073-356F608DC91A}" dt="2021-02-16T14:38:32.321" v="5" actId="47"/>
-        <pc:sldMkLst>
-          <pc:docMk/>
-          <pc:sldMk cId="2251973667" sldId="367"/>
-        </pc:sldMkLst>
-      </pc:sldChg>
-      <pc:sldChg chg="del">
-        <pc:chgData name="Sherif Khattab" userId="c83b1e15-36f3-4f46-aceb-05aac24c545e" providerId="ADAL" clId="{4F266D3B-92A2-40A8-A073-356F608DC91A}" dt="2021-02-16T14:38:32.321" v="5" actId="47"/>
-        <pc:sldMkLst>
-          <pc:docMk/>
-          <pc:sldMk cId="3138501136" sldId="368"/>
-        </pc:sldMkLst>
-      </pc:sldChg>
-      <pc:sldChg chg="del">
-        <pc:chgData name="Sherif Khattab" userId="c83b1e15-36f3-4f46-aceb-05aac24c545e" providerId="ADAL" clId="{4F266D3B-92A2-40A8-A073-356F608DC91A}" dt="2021-02-16T14:38:32.321" v="5" actId="47"/>
-        <pc:sldMkLst>
-          <pc:docMk/>
-          <pc:sldMk cId="3210992163" sldId="369"/>
-        </pc:sldMkLst>
-      </pc:sldChg>
-      <pc:sldChg chg="del">
-        <pc:chgData name="Sherif Khattab" userId="c83b1e15-36f3-4f46-aceb-05aac24c545e" providerId="ADAL" clId="{4F266D3B-92A2-40A8-A073-356F608DC91A}" dt="2021-02-16T14:38:32.321" v="5" actId="47"/>
-        <pc:sldMkLst>
-          <pc:docMk/>
-          <pc:sldMk cId="4013065491" sldId="370"/>
-        </pc:sldMkLst>
-      </pc:sldChg>
-      <pc:sldChg chg="del">
-        <pc:chgData name="Sherif Khattab" userId="c83b1e15-36f3-4f46-aceb-05aac24c545e" providerId="ADAL" clId="{4F266D3B-92A2-40A8-A073-356F608DC91A}" dt="2021-02-16T14:38:32.321" v="5" actId="47"/>
-        <pc:sldMkLst>
-          <pc:docMk/>
-          <pc:sldMk cId="2592968416" sldId="371"/>
-        </pc:sldMkLst>
-      </pc:sldChg>
-      <pc:sldChg chg="del">
-        <pc:chgData name="Sherif Khattab" userId="c83b1e15-36f3-4f46-aceb-05aac24c545e" providerId="ADAL" clId="{4F266D3B-92A2-40A8-A073-356F608DC91A}" dt="2021-02-16T14:38:32.321" v="5" actId="47"/>
-        <pc:sldMkLst>
-          <pc:docMk/>
-          <pc:sldMk cId="3848335379" sldId="372"/>
-        </pc:sldMkLst>
-      </pc:sldChg>
-      <pc:sldChg chg="del">
-        <pc:chgData name="Sherif Khattab" userId="c83b1e15-36f3-4f46-aceb-05aac24c545e" providerId="ADAL" clId="{4F266D3B-92A2-40A8-A073-356F608DC91A}" dt="2021-02-16T14:38:32.321" v="5" actId="47"/>
-        <pc:sldMkLst>
-          <pc:docMk/>
-          <pc:sldMk cId="3161117264" sldId="373"/>
-        </pc:sldMkLst>
-      </pc:sldChg>
-      <pc:sldChg chg="del">
-        <pc:chgData name="Sherif Khattab" userId="c83b1e15-36f3-4f46-aceb-05aac24c545e" providerId="ADAL" clId="{4F266D3B-92A2-40A8-A073-356F608DC91A}" dt="2021-02-16T14:38:32.321" v="5" actId="47"/>
-        <pc:sldMkLst>
-          <pc:docMk/>
-          <pc:sldMk cId="1542066946" sldId="374"/>
-        </pc:sldMkLst>
-      </pc:sldChg>
-      <pc:sldChg chg="del">
-        <pc:chgData name="Sherif Khattab" userId="c83b1e15-36f3-4f46-aceb-05aac24c545e" providerId="ADAL" clId="{4F266D3B-92A2-40A8-A073-356F608DC91A}" dt="2021-02-16T14:38:32.321" v="5" actId="47"/>
-        <pc:sldMkLst>
-          <pc:docMk/>
-          <pc:sldMk cId="834112894" sldId="375"/>
-        </pc:sldMkLst>
-      </pc:sldChg>
-      <pc:sldChg chg="del">
-        <pc:chgData name="Sherif Khattab" userId="c83b1e15-36f3-4f46-aceb-05aac24c545e" providerId="ADAL" clId="{4F266D3B-92A2-40A8-A073-356F608DC91A}" dt="2021-02-16T14:38:32.321" v="5" actId="47"/>
-        <pc:sldMkLst>
-          <pc:docMk/>
-          <pc:sldMk cId="1165577892" sldId="376"/>
-        </pc:sldMkLst>
-      </pc:sldChg>
-      <pc:sldChg chg="del">
-        <pc:chgData name="Sherif Khattab" userId="c83b1e15-36f3-4f46-aceb-05aac24c545e" providerId="ADAL" clId="{4F266D3B-92A2-40A8-A073-356F608DC91A}" dt="2021-02-16T14:38:32.321" v="5" actId="47"/>
-        <pc:sldMkLst>
-          <pc:docMk/>
-          <pc:sldMk cId="583513582" sldId="377"/>
-        </pc:sldMkLst>
-      </pc:sldChg>
-      <pc:sldChg chg="del">
-        <pc:chgData name="Sherif Khattab" userId="c83b1e15-36f3-4f46-aceb-05aac24c545e" providerId="ADAL" clId="{4F266D3B-92A2-40A8-A073-356F608DC91A}" dt="2021-02-16T14:38:32.321" v="5" actId="47"/>
-        <pc:sldMkLst>
-          <pc:docMk/>
-          <pc:sldMk cId="3990797458" sldId="378"/>
-        </pc:sldMkLst>
-      </pc:sldChg>
-      <pc:sldChg chg="del">
-        <pc:chgData name="Sherif Khattab" userId="c83b1e15-36f3-4f46-aceb-05aac24c545e" providerId="ADAL" clId="{4F266D3B-92A2-40A8-A073-356F608DC91A}" dt="2021-02-16T14:38:32.321" v="5" actId="47"/>
-        <pc:sldMkLst>
-          <pc:docMk/>
-          <pc:sldMk cId="2736486443" sldId="379"/>
-        </pc:sldMkLst>
-      </pc:sldChg>
-      <pc:sldChg chg="del">
-        <pc:chgData name="Sherif Khattab" userId="c83b1e15-36f3-4f46-aceb-05aac24c545e" providerId="ADAL" clId="{4F266D3B-92A2-40A8-A073-356F608DC91A}" dt="2021-02-16T14:38:32.321" v="5" actId="47"/>
-        <pc:sldMkLst>
-          <pc:docMk/>
-          <pc:sldMk cId="541381985" sldId="380"/>
-        </pc:sldMkLst>
-      </pc:sldChg>
-      <pc:sldChg chg="del">
-        <pc:chgData name="Sherif Khattab" userId="c83b1e15-36f3-4f46-aceb-05aac24c545e" providerId="ADAL" clId="{4F266D3B-92A2-40A8-A073-356F608DC91A}" dt="2021-02-16T14:38:32.321" v="5" actId="47"/>
-        <pc:sldMkLst>
-          <pc:docMk/>
-          <pc:sldMk cId="2235897330" sldId="381"/>
-        </pc:sldMkLst>
-      </pc:sldChg>
-      <pc:sldChg chg="del">
-        <pc:chgData name="Sherif Khattab" userId="c83b1e15-36f3-4f46-aceb-05aac24c545e" providerId="ADAL" clId="{4F266D3B-92A2-40A8-A073-356F608DC91A}" dt="2021-02-16T14:38:32.321" v="5" actId="47"/>
-        <pc:sldMkLst>
-          <pc:docMk/>
-          <pc:sldMk cId="3360044446" sldId="382"/>
-        </pc:sldMkLst>
-      </pc:sldChg>
-      <pc:sldChg chg="add">
-        <pc:chgData name="Sherif Khattab" userId="c83b1e15-36f3-4f46-aceb-05aac24c545e" providerId="ADAL" clId="{4F266D3B-92A2-40A8-A073-356F608DC91A}" dt="2021-02-16T15:42:33.963" v="573"/>
-        <pc:sldMkLst>
-          <pc:docMk/>
-          <pc:sldMk cId="3851230975" sldId="382"/>
-        </pc:sldMkLst>
-      </pc:sldChg>
-      <pc:sldChg chg="del">
-        <pc:chgData name="Sherif Khattab" userId="c83b1e15-36f3-4f46-aceb-05aac24c545e" providerId="ADAL" clId="{4F266D3B-92A2-40A8-A073-356F608DC91A}" dt="2021-02-16T14:38:32.321" v="5" actId="47"/>
-        <pc:sldMkLst>
-          <pc:docMk/>
-          <pc:sldMk cId="1954384084" sldId="383"/>
-        </pc:sldMkLst>
-      </pc:sldChg>
-      <pc:sldChg chg="del">
-        <pc:chgData name="Sherif Khattab" userId="c83b1e15-36f3-4f46-aceb-05aac24c545e" providerId="ADAL" clId="{4F266D3B-92A2-40A8-A073-356F608DC91A}" dt="2021-02-16T14:38:32.321" v="5" actId="47"/>
-        <pc:sldMkLst>
-          <pc:docMk/>
-          <pc:sldMk cId="220759689" sldId="384"/>
-        </pc:sldMkLst>
-      </pc:sldChg>
-      <pc:sldChg chg="add">
-        <pc:chgData name="Sherif Khattab" userId="c83b1e15-36f3-4f46-aceb-05aac24c545e" providerId="ADAL" clId="{4F266D3B-92A2-40A8-A073-356F608DC91A}" dt="2021-02-16T15:42:21.392" v="572"/>
-        <pc:sldMkLst>
-          <pc:docMk/>
-          <pc:sldMk cId="1898410716" sldId="385"/>
-        </pc:sldMkLst>
-      </pc:sldChg>
-      <pc:sldChg chg="del">
-        <pc:chgData name="Sherif Khattab" userId="c83b1e15-36f3-4f46-aceb-05aac24c545e" providerId="ADAL" clId="{4F266D3B-92A2-40A8-A073-356F608DC91A}" dt="2021-02-16T14:38:32.321" v="5" actId="47"/>
-        <pc:sldMkLst>
-          <pc:docMk/>
-          <pc:sldMk cId="2809799376" sldId="385"/>
-        </pc:sldMkLst>
-      </pc:sldChg>
-      <pc:sldChg chg="del">
-        <pc:chgData name="Sherif Khattab" userId="c83b1e15-36f3-4f46-aceb-05aac24c545e" providerId="ADAL" clId="{4F266D3B-92A2-40A8-A073-356F608DC91A}" dt="2021-02-16T14:38:32.321" v="5" actId="47"/>
-        <pc:sldMkLst>
-          <pc:docMk/>
-          <pc:sldMk cId="2329144619" sldId="445"/>
-        </pc:sldMkLst>
-      </pc:sldChg>
-      <pc:sldChg chg="del">
-        <pc:chgData name="Sherif Khattab" userId="c83b1e15-36f3-4f46-aceb-05aac24c545e" providerId="ADAL" clId="{4F266D3B-92A2-40A8-A073-356F608DC91A}" dt="2021-02-16T14:38:32.321" v="5" actId="47"/>
-        <pc:sldMkLst>
-          <pc:docMk/>
-          <pc:sldMk cId="1783368962" sldId="448"/>
-        </pc:sldMkLst>
-      </pc:sldChg>
-      <pc:sldChg chg="del">
-        <pc:chgData name="Sherif Khattab" userId="c83b1e15-36f3-4f46-aceb-05aac24c545e" providerId="ADAL" clId="{4F266D3B-92A2-40A8-A073-356F608DC91A}" dt="2021-02-16T14:38:32.321" v="5" actId="47"/>
-        <pc:sldMkLst>
-          <pc:docMk/>
-          <pc:sldMk cId="2276002102" sldId="451"/>
-        </pc:sldMkLst>
-      </pc:sldChg>
-      <pc:sldChg chg="del">
-        <pc:chgData name="Sherif Khattab" userId="c83b1e15-36f3-4f46-aceb-05aac24c545e" providerId="ADAL" clId="{4F266D3B-92A2-40A8-A073-356F608DC91A}" dt="2021-02-16T15:39:03.476" v="492" actId="47"/>
-        <pc:sldMkLst>
-          <pc:docMk/>
-          <pc:sldMk cId="2163467695" sldId="455"/>
-        </pc:sldMkLst>
-      </pc:sldChg>
-      <pc:sldChg chg="del">
-        <pc:chgData name="Sherif Khattab" userId="c83b1e15-36f3-4f46-aceb-05aac24c545e" providerId="ADAL" clId="{4F266D3B-92A2-40A8-A073-356F608DC91A}" dt="2021-02-16T15:39:36.243" v="505" actId="47"/>
-        <pc:sldMkLst>
-          <pc:docMk/>
-          <pc:sldMk cId="1816629761" sldId="459"/>
-        </pc:sldMkLst>
-      </pc:sldChg>
-      <pc:sldChg chg="del">
-        <pc:chgData name="Sherif Khattab" userId="c83b1e15-36f3-4f46-aceb-05aac24c545e" providerId="ADAL" clId="{4F266D3B-92A2-40A8-A073-356F608DC91A}" dt="2021-02-16T15:40:10.605" v="519" actId="47"/>
-        <pc:sldMkLst>
-          <pc:docMk/>
-          <pc:sldMk cId="1471081860" sldId="463"/>
-        </pc:sldMkLst>
-      </pc:sldChg>
-      <pc:sldChg chg="del">
-        <pc:chgData name="Sherif Khattab" userId="c83b1e15-36f3-4f46-aceb-05aac24c545e" providerId="ADAL" clId="{4F266D3B-92A2-40A8-A073-356F608DC91A}" dt="2021-02-16T15:40:09.473" v="507" actId="47"/>
-        <pc:sldMkLst>
-          <pc:docMk/>
-          <pc:sldMk cId="574001865" sldId="464"/>
-        </pc:sldMkLst>
-      </pc:sldChg>
-      <pc:sldChg chg="del">
-        <pc:chgData name="Sherif Khattab" userId="c83b1e15-36f3-4f46-aceb-05aac24c545e" providerId="ADAL" clId="{4F266D3B-92A2-40A8-A073-356F608DC91A}" dt="2021-02-16T15:40:09.605" v="508" actId="47"/>
+        <pc:chgData name="Sherif Khattab" userId="c83b1e15-36f3-4f46-aceb-05aac24c545e" providerId="ADAL" clId="{D1F8C7F8-B63D-426F-B9AE-033C1F2663EE}" dt="2021-02-18T17:38:26.978" v="262" actId="47"/>
         <pc:sldMkLst>
           <pc:docMk/>
           <pc:sldMk cId="2156977365" sldId="465"/>
         </pc:sldMkLst>
       </pc:sldChg>
-      <pc:sldChg chg="del">
-        <pc:chgData name="Sherif Khattab" userId="c83b1e15-36f3-4f46-aceb-05aac24c545e" providerId="ADAL" clId="{4F266D3B-92A2-40A8-A073-356F608DC91A}" dt="2021-02-16T15:40:10.156" v="511" actId="47"/>
+      <pc:sldChg chg="add del">
+        <pc:chgData name="Sherif Khattab" userId="c83b1e15-36f3-4f46-aceb-05aac24c545e" providerId="ADAL" clId="{D1F8C7F8-B63D-426F-B9AE-033C1F2663EE}" dt="2021-02-18T17:38:26.978" v="262" actId="47"/>
         <pc:sldMkLst>
           <pc:docMk/>
           <pc:sldMk cId="117329803" sldId="466"/>
         </pc:sldMkLst>
       </pc:sldChg>
-      <pc:sldChg chg="del">
-        <pc:chgData name="Sherif Khattab" userId="c83b1e15-36f3-4f46-aceb-05aac24c545e" providerId="ADAL" clId="{4F266D3B-92A2-40A8-A073-356F608DC91A}" dt="2021-02-16T15:40:10.190" v="512" actId="47"/>
+      <pc:sldChg chg="add del">
+        <pc:chgData name="Sherif Khattab" userId="c83b1e15-36f3-4f46-aceb-05aac24c545e" providerId="ADAL" clId="{D1F8C7F8-B63D-426F-B9AE-033C1F2663EE}" dt="2021-02-18T17:38:26.978" v="262" actId="47"/>
         <pc:sldMkLst>
           <pc:docMk/>
           <pc:sldMk cId="3643915362" sldId="467"/>
         </pc:sldMkLst>
       </pc:sldChg>
-      <pc:sldChg chg="del">
-        <pc:chgData name="Sherif Khattab" userId="c83b1e15-36f3-4f46-aceb-05aac24c545e" providerId="ADAL" clId="{4F266D3B-92A2-40A8-A073-356F608DC91A}" dt="2021-02-16T15:40:10.286" v="514" actId="47"/>
+      <pc:sldChg chg="add del">
+        <pc:chgData name="Sherif Khattab" userId="c83b1e15-36f3-4f46-aceb-05aac24c545e" providerId="ADAL" clId="{D1F8C7F8-B63D-426F-B9AE-033C1F2663EE}" dt="2021-02-18T17:38:26.978" v="262" actId="47"/>
         <pc:sldMkLst>
           <pc:docMk/>
           <pc:sldMk cId="1593910045" sldId="468"/>
         </pc:sldMkLst>
       </pc:sldChg>
-      <pc:sldChg chg="del">
-        <pc:chgData name="Sherif Khattab" userId="c83b1e15-36f3-4f46-aceb-05aac24c545e" providerId="ADAL" clId="{4F266D3B-92A2-40A8-A073-356F608DC91A}" dt="2021-02-16T15:40:10.331" v="515" actId="47"/>
+      <pc:sldChg chg="add del">
+        <pc:chgData name="Sherif Khattab" userId="c83b1e15-36f3-4f46-aceb-05aac24c545e" providerId="ADAL" clId="{D1F8C7F8-B63D-426F-B9AE-033C1F2663EE}" dt="2021-02-18T17:38:26.978" v="262" actId="47"/>
         <pc:sldMkLst>
           <pc:docMk/>
           <pc:sldMk cId="3392020218" sldId="469"/>
         </pc:sldMkLst>
       </pc:sldChg>
-      <pc:sldChg chg="del">
-        <pc:chgData name="Sherif Khattab" userId="c83b1e15-36f3-4f46-aceb-05aac24c545e" providerId="ADAL" clId="{4F266D3B-92A2-40A8-A073-356F608DC91A}" dt="2021-02-16T14:40:29.007" v="103" actId="47"/>
-        <pc:sldMkLst>
-          <pc:docMk/>
-          <pc:sldMk cId="3824051756" sldId="470"/>
-        </pc:sldMkLst>
-      </pc:sldChg>
-      <pc:sldChg chg="del">
-        <pc:chgData name="Sherif Khattab" userId="c83b1e15-36f3-4f46-aceb-05aac24c545e" providerId="ADAL" clId="{4F266D3B-92A2-40A8-A073-356F608DC91A}" dt="2021-02-16T14:40:29.007" v="103" actId="47"/>
-        <pc:sldMkLst>
-          <pc:docMk/>
-          <pc:sldMk cId="1025764700" sldId="471"/>
-        </pc:sldMkLst>
-      </pc:sldChg>
-      <pc:sldChg chg="del">
-        <pc:chgData name="Sherif Khattab" userId="c83b1e15-36f3-4f46-aceb-05aac24c545e" providerId="ADAL" clId="{4F266D3B-92A2-40A8-A073-356F608DC91A}" dt="2021-02-16T14:40:29.007" v="103" actId="47"/>
-        <pc:sldMkLst>
-          <pc:docMk/>
-          <pc:sldMk cId="3109107092" sldId="472"/>
-        </pc:sldMkLst>
-      </pc:sldChg>
-      <pc:sldChg chg="del">
-        <pc:chgData name="Sherif Khattab" userId="c83b1e15-36f3-4f46-aceb-05aac24c545e" providerId="ADAL" clId="{4F266D3B-92A2-40A8-A073-356F608DC91A}" dt="2021-02-16T14:40:29.007" v="103" actId="47"/>
-        <pc:sldMkLst>
-          <pc:docMk/>
-          <pc:sldMk cId="2185675405" sldId="473"/>
-        </pc:sldMkLst>
-      </pc:sldChg>
-      <pc:sldChg chg="del">
-        <pc:chgData name="Sherif Khattab" userId="c83b1e15-36f3-4f46-aceb-05aac24c545e" providerId="ADAL" clId="{4F266D3B-92A2-40A8-A073-356F608DC91A}" dt="2021-02-16T14:40:29.007" v="103" actId="47"/>
-        <pc:sldMkLst>
-          <pc:docMk/>
-          <pc:sldMk cId="1719184921" sldId="474"/>
-        </pc:sldMkLst>
-      </pc:sldChg>
-      <pc:sldChg chg="del">
-        <pc:chgData name="Sherif Khattab" userId="c83b1e15-36f3-4f46-aceb-05aac24c545e" providerId="ADAL" clId="{4F266D3B-92A2-40A8-A073-356F608DC91A}" dt="2021-02-16T14:40:29.007" v="103" actId="47"/>
-        <pc:sldMkLst>
-          <pc:docMk/>
-          <pc:sldMk cId="3632958702" sldId="475"/>
-        </pc:sldMkLst>
-      </pc:sldChg>
-      <pc:sldChg chg="del">
-        <pc:chgData name="Sherif Khattab" userId="c83b1e15-36f3-4f46-aceb-05aac24c545e" providerId="ADAL" clId="{4F266D3B-92A2-40A8-A073-356F608DC91A}" dt="2021-02-16T14:40:29.007" v="103" actId="47"/>
-        <pc:sldMkLst>
-          <pc:docMk/>
-          <pc:sldMk cId="2634117846" sldId="476"/>
-        </pc:sldMkLst>
-      </pc:sldChg>
-      <pc:sldChg chg="del">
-        <pc:chgData name="Sherif Khattab" userId="c83b1e15-36f3-4f46-aceb-05aac24c545e" providerId="ADAL" clId="{4F266D3B-92A2-40A8-A073-356F608DC91A}" dt="2021-02-16T14:40:29.007" v="103" actId="47"/>
-        <pc:sldMkLst>
-          <pc:docMk/>
-          <pc:sldMk cId="4038969182" sldId="477"/>
-        </pc:sldMkLst>
-      </pc:sldChg>
-      <pc:sldChg chg="del">
-        <pc:chgData name="Sherif Khattab" userId="c83b1e15-36f3-4f46-aceb-05aac24c545e" providerId="ADAL" clId="{4F266D3B-92A2-40A8-A073-356F608DC91A}" dt="2021-02-16T14:40:29.007" v="103" actId="47"/>
-        <pc:sldMkLst>
-          <pc:docMk/>
-          <pc:sldMk cId="326259628" sldId="478"/>
-        </pc:sldMkLst>
-      </pc:sldChg>
-      <pc:sldChg chg="del">
-        <pc:chgData name="Sherif Khattab" userId="c83b1e15-36f3-4f46-aceb-05aac24c545e" providerId="ADAL" clId="{4F266D3B-92A2-40A8-A073-356F608DC91A}" dt="2021-02-16T14:40:29.007" v="103" actId="47"/>
-        <pc:sldMkLst>
-          <pc:docMk/>
-          <pc:sldMk cId="873856523" sldId="479"/>
-        </pc:sldMkLst>
-      </pc:sldChg>
-      <pc:sldChg chg="del">
-        <pc:chgData name="Sherif Khattab" userId="c83b1e15-36f3-4f46-aceb-05aac24c545e" providerId="ADAL" clId="{4F266D3B-92A2-40A8-A073-356F608DC91A}" dt="2021-02-16T14:40:29.007" v="103" actId="47"/>
-        <pc:sldMkLst>
-          <pc:docMk/>
-          <pc:sldMk cId="3465344065" sldId="480"/>
-        </pc:sldMkLst>
-      </pc:sldChg>
-      <pc:sldChg chg="del">
-        <pc:chgData name="Sherif Khattab" userId="c83b1e15-36f3-4f46-aceb-05aac24c545e" providerId="ADAL" clId="{4F266D3B-92A2-40A8-A073-356F608DC91A}" dt="2021-02-16T14:40:29.007" v="103" actId="47"/>
-        <pc:sldMkLst>
-          <pc:docMk/>
-          <pc:sldMk cId="2002489455" sldId="481"/>
-        </pc:sldMkLst>
-      </pc:sldChg>
-      <pc:sldChg chg="del">
-        <pc:chgData name="Sherif Khattab" userId="c83b1e15-36f3-4f46-aceb-05aac24c545e" providerId="ADAL" clId="{4F266D3B-92A2-40A8-A073-356F608DC91A}" dt="2021-02-16T14:40:29.007" v="103" actId="47"/>
-        <pc:sldMkLst>
-          <pc:docMk/>
-          <pc:sldMk cId="1560930406" sldId="482"/>
-        </pc:sldMkLst>
-      </pc:sldChg>
-      <pc:sldChg chg="del">
-        <pc:chgData name="Sherif Khattab" userId="c83b1e15-36f3-4f46-aceb-05aac24c545e" providerId="ADAL" clId="{4F266D3B-92A2-40A8-A073-356F608DC91A}" dt="2021-02-16T14:40:29.007" v="103" actId="47"/>
-        <pc:sldMkLst>
-          <pc:docMk/>
-          <pc:sldMk cId="1387835057" sldId="483"/>
-        </pc:sldMkLst>
-      </pc:sldChg>
-      <pc:sldChg chg="del">
-        <pc:chgData name="Sherif Khattab" userId="c83b1e15-36f3-4f46-aceb-05aac24c545e" providerId="ADAL" clId="{4F266D3B-92A2-40A8-A073-356F608DC91A}" dt="2021-02-16T14:40:29.007" v="103" actId="47"/>
-        <pc:sldMkLst>
-          <pc:docMk/>
-          <pc:sldMk cId="1948397067" sldId="484"/>
-        </pc:sldMkLst>
-      </pc:sldChg>
-      <pc:sldChg chg="del">
-        <pc:chgData name="Sherif Khattab" userId="c83b1e15-36f3-4f46-aceb-05aac24c545e" providerId="ADAL" clId="{4F266D3B-92A2-40A8-A073-356F608DC91A}" dt="2021-02-16T14:40:29.007" v="103" actId="47"/>
-        <pc:sldMkLst>
-          <pc:docMk/>
-          <pc:sldMk cId="3473693154" sldId="485"/>
-        </pc:sldMkLst>
-      </pc:sldChg>
-      <pc:sldChg chg="del">
-        <pc:chgData name="Sherif Khattab" userId="c83b1e15-36f3-4f46-aceb-05aac24c545e" providerId="ADAL" clId="{4F266D3B-92A2-40A8-A073-356F608DC91A}" dt="2021-02-16T14:40:29.007" v="103" actId="47"/>
-        <pc:sldMkLst>
-          <pc:docMk/>
-          <pc:sldMk cId="2983945636" sldId="486"/>
-        </pc:sldMkLst>
-      </pc:sldChg>
-      <pc:sldChg chg="del">
-        <pc:chgData name="Sherif Khattab" userId="c83b1e15-36f3-4f46-aceb-05aac24c545e" providerId="ADAL" clId="{4F266D3B-92A2-40A8-A073-356F608DC91A}" dt="2021-02-16T14:40:29.007" v="103" actId="47"/>
-        <pc:sldMkLst>
-          <pc:docMk/>
-          <pc:sldMk cId="3673539870" sldId="487"/>
-        </pc:sldMkLst>
-      </pc:sldChg>
-      <pc:sldChg chg="del">
-        <pc:chgData name="Sherif Khattab" userId="c83b1e15-36f3-4f46-aceb-05aac24c545e" providerId="ADAL" clId="{4F266D3B-92A2-40A8-A073-356F608DC91A}" dt="2021-02-16T14:40:29.007" v="103" actId="47"/>
-        <pc:sldMkLst>
-          <pc:docMk/>
-          <pc:sldMk cId="1363323927" sldId="488"/>
-        </pc:sldMkLst>
-      </pc:sldChg>
-      <pc:sldChg chg="del">
-        <pc:chgData name="Sherif Khattab" userId="c83b1e15-36f3-4f46-aceb-05aac24c545e" providerId="ADAL" clId="{4F266D3B-92A2-40A8-A073-356F608DC91A}" dt="2021-02-16T14:40:29.007" v="103" actId="47"/>
-        <pc:sldMkLst>
-          <pc:docMk/>
-          <pc:sldMk cId="936409682" sldId="489"/>
-        </pc:sldMkLst>
-      </pc:sldChg>
-      <pc:sldChg chg="del">
-        <pc:chgData name="Sherif Khattab" userId="c83b1e15-36f3-4f46-aceb-05aac24c545e" providerId="ADAL" clId="{4F266D3B-92A2-40A8-A073-356F608DC91A}" dt="2021-02-16T14:40:29.007" v="103" actId="47"/>
-        <pc:sldMkLst>
-          <pc:docMk/>
-          <pc:sldMk cId="3252833104" sldId="490"/>
-        </pc:sldMkLst>
-      </pc:sldChg>
-      <pc:sldChg chg="del">
-        <pc:chgData name="Sherif Khattab" userId="c83b1e15-36f3-4f46-aceb-05aac24c545e" providerId="ADAL" clId="{4F266D3B-92A2-40A8-A073-356F608DC91A}" dt="2021-02-16T14:40:29.007" v="103" actId="47"/>
-        <pc:sldMkLst>
-          <pc:docMk/>
-          <pc:sldMk cId="3413759872" sldId="491"/>
-        </pc:sldMkLst>
-      </pc:sldChg>
-      <pc:sldChg chg="del">
-        <pc:chgData name="Sherif Khattab" userId="c83b1e15-36f3-4f46-aceb-05aac24c545e" providerId="ADAL" clId="{4F266D3B-92A2-40A8-A073-356F608DC91A}" dt="2021-02-16T14:40:29.007" v="103" actId="47"/>
-        <pc:sldMkLst>
-          <pc:docMk/>
-          <pc:sldMk cId="1930502979" sldId="492"/>
-        </pc:sldMkLst>
-      </pc:sldChg>
-      <pc:sldChg chg="del">
-        <pc:chgData name="Sherif Khattab" userId="c83b1e15-36f3-4f46-aceb-05aac24c545e" providerId="ADAL" clId="{4F266D3B-92A2-40A8-A073-356F608DC91A}" dt="2021-02-16T14:40:29.007" v="103" actId="47"/>
-        <pc:sldMkLst>
-          <pc:docMk/>
-          <pc:sldMk cId="220106575" sldId="493"/>
-        </pc:sldMkLst>
-      </pc:sldChg>
-      <pc:sldChg chg="del">
-        <pc:chgData name="Sherif Khattab" userId="c83b1e15-36f3-4f46-aceb-05aac24c545e" providerId="ADAL" clId="{4F266D3B-92A2-40A8-A073-356F608DC91A}" dt="2021-02-16T14:40:29.007" v="103" actId="47"/>
-        <pc:sldMkLst>
-          <pc:docMk/>
-          <pc:sldMk cId="3447713174" sldId="494"/>
-        </pc:sldMkLst>
-      </pc:sldChg>
-      <pc:sldChg chg="del">
-        <pc:chgData name="Sherif Khattab" userId="c83b1e15-36f3-4f46-aceb-05aac24c545e" providerId="ADAL" clId="{4F266D3B-92A2-40A8-A073-356F608DC91A}" dt="2021-02-16T14:40:29.007" v="103" actId="47"/>
-        <pc:sldMkLst>
-          <pc:docMk/>
-          <pc:sldMk cId="2129126942" sldId="495"/>
-        </pc:sldMkLst>
-      </pc:sldChg>
       <pc:sldChg chg="modSp mod">
-        <pc:chgData name="Sherif Khattab" userId="c83b1e15-36f3-4f46-aceb-05aac24c545e" providerId="ADAL" clId="{4F266D3B-92A2-40A8-A073-356F608DC91A}" dt="2021-02-16T14:49:58.948" v="196" actId="20577"/>
+        <pc:chgData name="Sherif Khattab" userId="c83b1e15-36f3-4f46-aceb-05aac24c545e" providerId="ADAL" clId="{D1F8C7F8-B63D-426F-B9AE-033C1F2663EE}" dt="2021-02-19T03:38:30.993" v="367" actId="20577"/>
         <pc:sldMkLst>
           <pc:docMk/>
           <pc:sldMk cId="702367729" sldId="496"/>
         </pc:sldMkLst>
         <pc:spChg chg="mod">
-          <ac:chgData name="Sherif Khattab" userId="c83b1e15-36f3-4f46-aceb-05aac24c545e" providerId="ADAL" clId="{4F266D3B-92A2-40A8-A073-356F608DC91A}" dt="2021-02-16T14:49:58.948" v="196" actId="20577"/>
+          <ac:chgData name="Sherif Khattab" userId="c83b1e15-36f3-4f46-aceb-05aac24c545e" providerId="ADAL" clId="{D1F8C7F8-B63D-426F-B9AE-033C1F2663EE}" dt="2021-02-19T03:38:30.993" v="367" actId="20577"/>
           <ac:spMkLst>
             <pc:docMk/>
             <pc:sldMk cId="702367729" sldId="496"/>
@@ -6381,45 +8463,29 @@
           </ac:spMkLst>
         </pc:spChg>
       </pc:sldChg>
-      <pc:sldChg chg="addSp delSp modSp add mod modAnim">
-        <pc:chgData name="Sherif Khattab" userId="c83b1e15-36f3-4f46-aceb-05aac24c545e" providerId="ADAL" clId="{4F266D3B-92A2-40A8-A073-356F608DC91A}" dt="2021-02-16T15:29:38.464" v="468" actId="478"/>
+      <pc:sldChg chg="modSp mod modAnim">
+        <pc:chgData name="Sherif Khattab" userId="c83b1e15-36f3-4f46-aceb-05aac24c545e" providerId="ADAL" clId="{D1F8C7F8-B63D-426F-B9AE-033C1F2663EE}" dt="2021-02-18T06:49:33.301" v="256" actId="27636"/>
         <pc:sldMkLst>
           <pc:docMk/>
           <pc:sldMk cId="4202616107" sldId="500"/>
         </pc:sldMkLst>
         <pc:spChg chg="mod">
-          <ac:chgData name="Sherif Khattab" userId="c83b1e15-36f3-4f46-aceb-05aac24c545e" providerId="ADAL" clId="{4F266D3B-92A2-40A8-A073-356F608DC91A}" dt="2021-02-16T15:29:07.533" v="458" actId="20577"/>
-          <ac:spMkLst>
-            <pc:docMk/>
-            <pc:sldMk cId="4202616107" sldId="500"/>
-            <ac:spMk id="2" creationId="{6BF01C35-B7E9-AD43-99C8-95170559C8A0}"/>
-          </ac:spMkLst>
-        </pc:spChg>
-        <pc:spChg chg="mod">
-          <ac:chgData name="Sherif Khattab" userId="c83b1e15-36f3-4f46-aceb-05aac24c545e" providerId="ADAL" clId="{4F266D3B-92A2-40A8-A073-356F608DC91A}" dt="2021-02-16T15:28:55.379" v="451" actId="27636"/>
+          <ac:chgData name="Sherif Khattab" userId="c83b1e15-36f3-4f46-aceb-05aac24c545e" providerId="ADAL" clId="{D1F8C7F8-B63D-426F-B9AE-033C1F2663EE}" dt="2021-02-18T06:49:33.301" v="256" actId="27636"/>
           <ac:spMkLst>
             <pc:docMk/>
             <pc:sldMk cId="4202616107" sldId="500"/>
             <ac:spMk id="3" creationId="{443F42C8-5750-0341-86AA-B64ED9D37EB6}"/>
           </ac:spMkLst>
         </pc:spChg>
-        <pc:graphicFrameChg chg="add del modGraphic">
-          <ac:chgData name="Sherif Khattab" userId="c83b1e15-36f3-4f46-aceb-05aac24c545e" providerId="ADAL" clId="{4F266D3B-92A2-40A8-A073-356F608DC91A}" dt="2021-02-16T15:29:38.464" v="468" actId="478"/>
-          <ac:graphicFrameMkLst>
-            <pc:docMk/>
-            <pc:sldMk cId="4202616107" sldId="500"/>
-            <ac:graphicFrameMk id="7" creationId="{8FA67E28-1575-4A35-92AE-803D55765388}"/>
-          </ac:graphicFrameMkLst>
-        </pc:graphicFrameChg>
-      </pc:sldChg>
-      <pc:sldChg chg="modSp add mod">
-        <pc:chgData name="Sherif Khattab" userId="c83b1e15-36f3-4f46-aceb-05aac24c545e" providerId="ADAL" clId="{4F266D3B-92A2-40A8-A073-356F608DC91A}" dt="2021-02-16T14:39:12.366" v="9"/>
+      </pc:sldChg>
+      <pc:sldChg chg="modSp mod">
+        <pc:chgData name="Sherif Khattab" userId="c83b1e15-36f3-4f46-aceb-05aac24c545e" providerId="ADAL" clId="{D1F8C7F8-B63D-426F-B9AE-033C1F2663EE}" dt="2021-02-18T06:35:48.192" v="41"/>
         <pc:sldMkLst>
           <pc:docMk/>
           <pc:sldMk cId="2116864396" sldId="505"/>
         </pc:sldMkLst>
         <pc:spChg chg="mod">
-          <ac:chgData name="Sherif Khattab" userId="c83b1e15-36f3-4f46-aceb-05aac24c545e" providerId="ADAL" clId="{4F266D3B-92A2-40A8-A073-356F608DC91A}" dt="2021-02-16T14:39:12.366" v="9"/>
+          <ac:chgData name="Sherif Khattab" userId="c83b1e15-36f3-4f46-aceb-05aac24c545e" providerId="ADAL" clId="{D1F8C7F8-B63D-426F-B9AE-033C1F2663EE}" dt="2021-02-18T06:35:48.192" v="41"/>
           <ac:spMkLst>
             <pc:docMk/>
             <pc:sldMk cId="2116864396" sldId="505"/>
@@ -6427,14 +8493,14 @@
           </ac:spMkLst>
         </pc:spChg>
       </pc:sldChg>
-      <pc:sldChg chg="modSp add mod">
-        <pc:chgData name="Sherif Khattab" userId="c83b1e15-36f3-4f46-aceb-05aac24c545e" providerId="ADAL" clId="{4F266D3B-92A2-40A8-A073-356F608DC91A}" dt="2021-02-16T18:38:20.208" v="578" actId="20577"/>
+      <pc:sldChg chg="modSp mod">
+        <pc:chgData name="Sherif Khattab" userId="c83b1e15-36f3-4f46-aceb-05aac24c545e" providerId="ADAL" clId="{D1F8C7F8-B63D-426F-B9AE-033C1F2663EE}" dt="2021-02-19T03:39:32.414" v="407" actId="20577"/>
         <pc:sldMkLst>
           <pc:docMk/>
           <pc:sldMk cId="3652489610" sldId="506"/>
         </pc:sldMkLst>
         <pc:spChg chg="mod">
-          <ac:chgData name="Sherif Khattab" userId="c83b1e15-36f3-4f46-aceb-05aac24c545e" providerId="ADAL" clId="{4F266D3B-92A2-40A8-A073-356F608DC91A}" dt="2021-02-16T18:38:20.208" v="578" actId="20577"/>
+          <ac:chgData name="Sherif Khattab" userId="c83b1e15-36f3-4f46-aceb-05aac24c545e" providerId="ADAL" clId="{D1F8C7F8-B63D-426F-B9AE-033C1F2663EE}" dt="2021-02-19T03:39:32.414" v="407" actId="20577"/>
           <ac:spMkLst>
             <pc:docMk/>
             <pc:sldMk cId="3652489610" sldId="506"/>
@@ -6442,22 +8508,14 @@
           </ac:spMkLst>
         </pc:spChg>
       </pc:sldChg>
-      <pc:sldChg chg="modSp add mod modAnim">
-        <pc:chgData name="Sherif Khattab" userId="c83b1e15-36f3-4f46-aceb-05aac24c545e" providerId="ADAL" clId="{4F266D3B-92A2-40A8-A073-356F608DC91A}" dt="2021-02-16T15:29:22.015" v="467" actId="20577"/>
+      <pc:sldChg chg="modSp modAnim">
+        <pc:chgData name="Sherif Khattab" userId="c83b1e15-36f3-4f46-aceb-05aac24c545e" providerId="ADAL" clId="{D1F8C7F8-B63D-426F-B9AE-033C1F2663EE}" dt="2021-02-18T06:49:41.395" v="258"/>
         <pc:sldMkLst>
           <pc:docMk/>
           <pc:sldMk cId="2487721040" sldId="516"/>
         </pc:sldMkLst>
         <pc:spChg chg="mod">
-          <ac:chgData name="Sherif Khattab" userId="c83b1e15-36f3-4f46-aceb-05aac24c545e" providerId="ADAL" clId="{4F266D3B-92A2-40A8-A073-356F608DC91A}" dt="2021-02-16T15:29:22.015" v="467" actId="20577"/>
-          <ac:spMkLst>
-            <pc:docMk/>
-            <pc:sldMk cId="2487721040" sldId="516"/>
-            <ac:spMk id="2" creationId="{8F0D0240-9749-9A4C-AFD0-B00F3A6D8FB6}"/>
-          </ac:spMkLst>
-        </pc:spChg>
-        <pc:spChg chg="mod">
-          <ac:chgData name="Sherif Khattab" userId="c83b1e15-36f3-4f46-aceb-05aac24c545e" providerId="ADAL" clId="{4F266D3B-92A2-40A8-A073-356F608DC91A}" dt="2021-02-16T14:57:08.364" v="397"/>
+          <ac:chgData name="Sherif Khattab" userId="c83b1e15-36f3-4f46-aceb-05aac24c545e" providerId="ADAL" clId="{D1F8C7F8-B63D-426F-B9AE-033C1F2663EE}" dt="2021-02-18T06:49:41.395" v="258"/>
           <ac:spMkLst>
             <pc:docMk/>
             <pc:sldMk cId="2487721040" sldId="516"/>
@@ -6465,74 +8523,21 @@
           </ac:spMkLst>
         </pc:spChg>
       </pc:sldChg>
-      <pc:sldChg chg="add del">
-        <pc:chgData name="Sherif Khattab" userId="c83b1e15-36f3-4f46-aceb-05aac24c545e" providerId="ADAL" clId="{4F266D3B-92A2-40A8-A073-356F608DC91A}" dt="2021-02-16T14:57:11.643" v="398" actId="47"/>
-        <pc:sldMkLst>
-          <pc:docMk/>
-          <pc:sldMk cId="3114182525" sldId="517"/>
-        </pc:sldMkLst>
-      </pc:sldChg>
-      <pc:sldChg chg="add">
-        <pc:chgData name="Sherif Khattab" userId="c83b1e15-36f3-4f46-aceb-05aac24c545e" providerId="ADAL" clId="{4F266D3B-92A2-40A8-A073-356F608DC91A}" dt="2021-02-16T14:38:45.616" v="6"/>
-        <pc:sldMkLst>
-          <pc:docMk/>
-          <pc:sldMk cId="1616471687" sldId="518"/>
-        </pc:sldMkLst>
-      </pc:sldChg>
-      <pc:sldChg chg="addSp delSp modSp new mod modAnim">
-        <pc:chgData name="Sherif Khattab" userId="c83b1e15-36f3-4f46-aceb-05aac24c545e" providerId="ADAL" clId="{4F266D3B-92A2-40A8-A073-356F608DC91A}" dt="2021-02-16T15:28:48.026" v="449"/>
+      <pc:sldChg chg="del">
+        <pc:chgData name="Sherif Khattab" userId="c83b1e15-36f3-4f46-aceb-05aac24c545e" providerId="ADAL" clId="{D1F8C7F8-B63D-426F-B9AE-033C1F2663EE}" dt="2021-02-18T06:49:38.556" v="257" actId="47"/>
         <pc:sldMkLst>
           <pc:docMk/>
           <pc:sldMk cId="3504930043" sldId="519"/>
         </pc:sldMkLst>
+      </pc:sldChg>
+      <pc:sldChg chg="modSp mod modAnim">
+        <pc:chgData name="Sherif Khattab" userId="c83b1e15-36f3-4f46-aceb-05aac24c545e" providerId="ADAL" clId="{D1F8C7F8-B63D-426F-B9AE-033C1F2663EE}" dt="2021-02-18T06:48:49.773" v="216" actId="27636"/>
+        <pc:sldMkLst>
+          <pc:docMk/>
+          <pc:sldMk cId="2126070970" sldId="520"/>
+        </pc:sldMkLst>
         <pc:spChg chg="mod">
-          <ac:chgData name="Sherif Khattab" userId="c83b1e15-36f3-4f46-aceb-05aac24c545e" providerId="ADAL" clId="{4F266D3B-92A2-40A8-A073-356F608DC91A}" dt="2021-02-16T15:27:02.433" v="415" actId="20577"/>
-          <ac:spMkLst>
-            <pc:docMk/>
-            <pc:sldMk cId="3504930043" sldId="519"/>
-            <ac:spMk id="2" creationId="{A0D540A4-5655-4AC5-A7D9-14716DD6CE03}"/>
-          </ac:spMkLst>
-        </pc:spChg>
-        <pc:spChg chg="add del mod">
-          <ac:chgData name="Sherif Khattab" userId="c83b1e15-36f3-4f46-aceb-05aac24c545e" providerId="ADAL" clId="{4F266D3B-92A2-40A8-A073-356F608DC91A}" dt="2021-02-16T15:28:30.614" v="447" actId="27636"/>
-          <ac:spMkLst>
-            <pc:docMk/>
-            <pc:sldMk cId="3504930043" sldId="519"/>
-            <ac:spMk id="3" creationId="{081F86C7-7D18-4E19-B794-DA1A4D2806F5}"/>
-          </ac:spMkLst>
-        </pc:spChg>
-        <pc:spChg chg="add del mod">
-          <ac:chgData name="Sherif Khattab" userId="c83b1e15-36f3-4f46-aceb-05aac24c545e" providerId="ADAL" clId="{4F266D3B-92A2-40A8-A073-356F608DC91A}" dt="2021-02-16T15:27:07.553" v="419"/>
-          <ac:spMkLst>
-            <pc:docMk/>
-            <pc:sldMk cId="3504930043" sldId="519"/>
-            <ac:spMk id="6" creationId="{5AAC249C-A516-4821-A58B-D2F4C5A24FC3}"/>
-          </ac:spMkLst>
-        </pc:spChg>
-      </pc:sldChg>
-      <pc:sldChg chg="add del">
-        <pc:chgData name="Sherif Khattab" userId="c83b1e15-36f3-4f46-aceb-05aac24c545e" providerId="ADAL" clId="{4F266D3B-92A2-40A8-A073-356F608DC91A}" dt="2021-02-16T14:38:53.992" v="7" actId="47"/>
-        <pc:sldMkLst>
-          <pc:docMk/>
-          <pc:sldMk cId="1895271479" sldId="520"/>
-        </pc:sldMkLst>
-      </pc:sldChg>
-      <pc:sldChg chg="modSp new mod modAnim">
-        <pc:chgData name="Sherif Khattab" userId="c83b1e15-36f3-4f46-aceb-05aac24c545e" providerId="ADAL" clId="{4F266D3B-92A2-40A8-A073-356F608DC91A}" dt="2021-02-16T15:29:50.503" v="470"/>
-        <pc:sldMkLst>
-          <pc:docMk/>
-          <pc:sldMk cId="2126070970" sldId="520"/>
-        </pc:sldMkLst>
-        <pc:spChg chg="mod">
-          <ac:chgData name="Sherif Khattab" userId="c83b1e15-36f3-4f46-aceb-05aac24c545e" providerId="ADAL" clId="{4F266D3B-92A2-40A8-A073-356F608DC91A}" dt="2021-02-16T15:29:16.027" v="461" actId="20577"/>
-          <ac:spMkLst>
-            <pc:docMk/>
-            <pc:sldMk cId="2126070970" sldId="520"/>
-            <ac:spMk id="2" creationId="{08235729-9B80-4A9E-BC29-C4B6E026AAF2}"/>
-          </ac:spMkLst>
-        </pc:spChg>
-        <pc:spChg chg="mod">
-          <ac:chgData name="Sherif Khattab" userId="c83b1e15-36f3-4f46-aceb-05aac24c545e" providerId="ADAL" clId="{4F266D3B-92A2-40A8-A073-356F608DC91A}" dt="2021-02-16T15:29:02.714" v="456" actId="20577"/>
+          <ac:chgData name="Sherif Khattab" userId="c83b1e15-36f3-4f46-aceb-05aac24c545e" providerId="ADAL" clId="{D1F8C7F8-B63D-426F-B9AE-033C1F2663EE}" dt="2021-02-18T06:48:49.773" v="216" actId="27636"/>
           <ac:spMkLst>
             <pc:docMk/>
             <pc:sldMk cId="2126070970" sldId="520"/>
@@ -6540,1244 +8545,77 @@
           </ac:spMkLst>
         </pc:spChg>
       </pc:sldChg>
-      <pc:sldChg chg="add del">
-        <pc:chgData name="Sherif Khattab" userId="c83b1e15-36f3-4f46-aceb-05aac24c545e" providerId="ADAL" clId="{4F266D3B-92A2-40A8-A073-356F608DC91A}" dt="2021-02-16T14:38:54.959" v="8" actId="47"/>
-        <pc:sldMkLst>
-          <pc:docMk/>
-          <pc:sldMk cId="2885366123" sldId="521"/>
-        </pc:sldMkLst>
-      </pc:sldChg>
-      <pc:sldChg chg="add del">
-        <pc:chgData name="Sherif Khattab" userId="c83b1e15-36f3-4f46-aceb-05aac24c545e" providerId="ADAL" clId="{4F266D3B-92A2-40A8-A073-356F608DC91A}" dt="2021-02-16T14:39:22.937" v="10" actId="47"/>
-        <pc:sldMkLst>
-          <pc:docMk/>
-          <pc:sldMk cId="158309068" sldId="522"/>
-        </pc:sldMkLst>
+      <pc:sldChg chg="addSp delSp modSp new mod">
+        <pc:chgData name="Sherif Khattab" userId="c83b1e15-36f3-4f46-aceb-05aac24c545e" providerId="ADAL" clId="{D1F8C7F8-B63D-426F-B9AE-033C1F2663EE}" dt="2021-02-19T03:39:09.827" v="406" actId="1076"/>
+        <pc:sldMkLst>
+          <pc:docMk/>
+          <pc:sldMk cId="3364308863" sldId="521"/>
+        </pc:sldMkLst>
+        <pc:spChg chg="mod">
+          <ac:chgData name="Sherif Khattab" userId="c83b1e15-36f3-4f46-aceb-05aac24c545e" providerId="ADAL" clId="{D1F8C7F8-B63D-426F-B9AE-033C1F2663EE}" dt="2021-02-19T03:38:50.883" v="401" actId="20577"/>
+          <ac:spMkLst>
+            <pc:docMk/>
+            <pc:sldMk cId="3364308863" sldId="521"/>
+            <ac:spMk id="2" creationId="{740FD18B-897C-4780-8A5C-23717D65EEF2}"/>
+          </ac:spMkLst>
+        </pc:spChg>
+        <pc:picChg chg="add mod">
+          <ac:chgData name="Sherif Khattab" userId="c83b1e15-36f3-4f46-aceb-05aac24c545e" providerId="ADAL" clId="{D1F8C7F8-B63D-426F-B9AE-033C1F2663EE}" dt="2021-02-19T03:39:09.827" v="406" actId="1076"/>
+          <ac:picMkLst>
+            <pc:docMk/>
+            <pc:sldMk cId="3364308863" sldId="521"/>
+            <ac:picMk id="8" creationId="{5952D0CE-9495-421E-AC17-8DD3F137F580}"/>
+          </ac:picMkLst>
+        </pc:picChg>
+        <pc:inkChg chg="add del">
+          <ac:chgData name="Sherif Khattab" userId="c83b1e15-36f3-4f46-aceb-05aac24c545e" providerId="ADAL" clId="{D1F8C7F8-B63D-426F-B9AE-033C1F2663EE}" dt="2021-02-19T03:38:55.933" v="403"/>
+          <ac:inkMkLst>
+            <pc:docMk/>
+            <pc:sldMk cId="3364308863" sldId="521"/>
+            <ac:inkMk id="6" creationId="{F3A1FFC8-508E-4263-9C8A-5DC683D4D109}"/>
+          </ac:inkMkLst>
+        </pc:inkChg>
       </pc:sldChg>
     </pc:docChg>
   </pc:docChgLst>
   <pc:docChgLst>
-    <pc:chgData name="Khattab, Sherif" userId="c83b1e15-36f3-4f46-aceb-05aac24c545e" providerId="ADAL" clId="{E6EB0EA7-2544-4CF1-A7D6-AFF5E9AECA5D}"/>
-    <pc:docChg chg="addSld delSld modSld modMainMaster">
-      <pc:chgData name="Khattab, Sherif" userId="c83b1e15-36f3-4f46-aceb-05aac24c545e" providerId="ADAL" clId="{E6EB0EA7-2544-4CF1-A7D6-AFF5E9AECA5D}" dt="2020-05-14T17:16:25.708" v="6"/>
+    <pc:chgData name="Khattab, Sherif" userId="c83b1e15-36f3-4f46-aceb-05aac24c545e" providerId="ADAL" clId="{507A1873-EF81-4634-B692-B97E391A5F2F}"/>
+    <pc:docChg chg="modSld">
+      <pc:chgData name="Khattab, Sherif" userId="c83b1e15-36f3-4f46-aceb-05aac24c545e" providerId="ADAL" clId="{507A1873-EF81-4634-B692-B97E391A5F2F}" dt="2023-01-12T18:48:34.676" v="4"/>
       <pc:docMkLst>
         <pc:docMk/>
       </pc:docMkLst>
-      <pc:sldChg chg="del">
-        <pc:chgData name="Khattab, Sherif" userId="c83b1e15-36f3-4f46-aceb-05aac24c545e" providerId="ADAL" clId="{E6EB0EA7-2544-4CF1-A7D6-AFF5E9AECA5D}" dt="2020-05-14T17:10:07.728" v="1" actId="47"/>
-        <pc:sldMkLst>
-          <pc:docMk/>
-          <pc:sldMk cId="0" sldId="256"/>
-        </pc:sldMkLst>
-      </pc:sldChg>
-      <pc:sldChg chg="modSp">
-        <pc:chgData name="Khattab, Sherif" userId="c83b1e15-36f3-4f46-aceb-05aac24c545e" providerId="ADAL" clId="{E6EB0EA7-2544-4CF1-A7D6-AFF5E9AECA5D}" dt="2020-05-14T17:16:25.708" v="6"/>
-        <pc:sldMkLst>
-          <pc:docMk/>
-          <pc:sldMk cId="2710637777" sldId="322"/>
+      <pc:sldChg chg="addSp modSp mod">
+        <pc:chgData name="Khattab, Sherif" userId="c83b1e15-36f3-4f46-aceb-05aac24c545e" providerId="ADAL" clId="{507A1873-EF81-4634-B692-B97E391A5F2F}" dt="2023-01-12T18:48:34.676" v="4"/>
+        <pc:sldMkLst>
+          <pc:docMk/>
+          <pc:sldMk cId="1330366002" sldId="454"/>
         </pc:sldMkLst>
         <pc:spChg chg="mod">
-          <ac:chgData name="Khattab, Sherif" userId="c83b1e15-36f3-4f46-aceb-05aac24c545e" providerId="ADAL" clId="{E6EB0EA7-2544-4CF1-A7D6-AFF5E9AECA5D}" dt="2020-05-14T17:16:25.708" v="6"/>
-          <ac:spMkLst>
-            <pc:docMk/>
-            <pc:sldMk cId="2710637777" sldId="322"/>
-            <ac:spMk id="4" creationId="{98D70E46-AD06-A84D-A403-48FFDDB68BC6}"/>
+          <ac:chgData name="Khattab, Sherif" userId="c83b1e15-36f3-4f46-aceb-05aac24c545e" providerId="ADAL" clId="{507A1873-EF81-4634-B692-B97E391A5F2F}" dt="2023-01-12T18:48:34.308" v="3" actId="20577"/>
+          <ac:spMkLst>
+            <pc:docMk/>
+            <pc:sldMk cId="1330366002" sldId="454"/>
+            <ac:spMk id="2" creationId="{00000000-0000-0000-0000-000000000000}"/>
           </ac:spMkLst>
         </pc:spChg>
         <pc:spChg chg="mod">
-          <ac:chgData name="Khattab, Sherif" userId="c83b1e15-36f3-4f46-aceb-05aac24c545e" providerId="ADAL" clId="{E6EB0EA7-2544-4CF1-A7D6-AFF5E9AECA5D}" dt="2020-05-14T17:16:25.708" v="6"/>
-          <ac:spMkLst>
-            <pc:docMk/>
-            <pc:sldMk cId="2710637777" sldId="322"/>
-            <ac:spMk id="5" creationId="{68F74981-ADDA-9144-ACB5-CE4649DD2D8F}"/>
-          </ac:spMkLst>
-        </pc:spChg>
-        <pc:spChg chg="mod">
-          <ac:chgData name="Khattab, Sherif" userId="c83b1e15-36f3-4f46-aceb-05aac24c545e" providerId="ADAL" clId="{E6EB0EA7-2544-4CF1-A7D6-AFF5E9AECA5D}" dt="2020-05-14T17:16:25.708" v="6"/>
-          <ac:spMkLst>
-            <pc:docMk/>
-            <pc:sldMk cId="2710637777" sldId="322"/>
-            <ac:spMk id="90114" creationId="{308C4648-C13A-A547-ABA8-14DA70E0773D}"/>
-          </ac:spMkLst>
-        </pc:spChg>
-        <pc:spChg chg="mod">
-          <ac:chgData name="Khattab, Sherif" userId="c83b1e15-36f3-4f46-aceb-05aac24c545e" providerId="ADAL" clId="{E6EB0EA7-2544-4CF1-A7D6-AFF5E9AECA5D}" dt="2020-05-14T17:16:25.708" v="6"/>
-          <ac:spMkLst>
-            <pc:docMk/>
-            <pc:sldMk cId="2710637777" sldId="322"/>
-            <ac:spMk id="90115" creationId="{691666FD-EDA0-044F-A826-5F64B00DC362}"/>
-          </ac:spMkLst>
-        </pc:spChg>
-      </pc:sldChg>
-      <pc:sldChg chg="modSp">
-        <pc:chgData name="Khattab, Sherif" userId="c83b1e15-36f3-4f46-aceb-05aac24c545e" providerId="ADAL" clId="{E6EB0EA7-2544-4CF1-A7D6-AFF5E9AECA5D}" dt="2020-05-14T17:16:25.708" v="6"/>
-        <pc:sldMkLst>
-          <pc:docMk/>
-          <pc:sldMk cId="3292918179" sldId="324"/>
-        </pc:sldMkLst>
-        <pc:spChg chg="mod">
-          <ac:chgData name="Khattab, Sherif" userId="c83b1e15-36f3-4f46-aceb-05aac24c545e" providerId="ADAL" clId="{E6EB0EA7-2544-4CF1-A7D6-AFF5E9AECA5D}" dt="2020-05-14T17:16:25.708" v="6"/>
-          <ac:spMkLst>
-            <pc:docMk/>
-            <pc:sldMk cId="3292918179" sldId="324"/>
-            <ac:spMk id="24" creationId="{39DA5595-35A6-EF4C-A674-D955A9DDF867}"/>
-          </ac:spMkLst>
-        </pc:spChg>
-        <pc:spChg chg="mod">
-          <ac:chgData name="Khattab, Sherif" userId="c83b1e15-36f3-4f46-aceb-05aac24c545e" providerId="ADAL" clId="{E6EB0EA7-2544-4CF1-A7D6-AFF5E9AECA5D}" dt="2020-05-14T17:16:25.708" v="6"/>
-          <ac:spMkLst>
-            <pc:docMk/>
-            <pc:sldMk cId="3292918179" sldId="324"/>
-            <ac:spMk id="25" creationId="{D21BF80B-2C7E-944E-B2A9-604706C7B598}"/>
-          </ac:spMkLst>
-        </pc:spChg>
-        <pc:spChg chg="mod">
-          <ac:chgData name="Khattab, Sherif" userId="c83b1e15-36f3-4f46-aceb-05aac24c545e" providerId="ADAL" clId="{E6EB0EA7-2544-4CF1-A7D6-AFF5E9AECA5D}" dt="2020-05-14T17:16:25.708" v="6"/>
-          <ac:spMkLst>
-            <pc:docMk/>
-            <pc:sldMk cId="3292918179" sldId="324"/>
-            <ac:spMk id="92162" creationId="{4BC23600-A1B0-CF42-B178-92570A01C5A5}"/>
-          </ac:spMkLst>
-        </pc:spChg>
-      </pc:sldChg>
-      <pc:sldChg chg="modSp">
-        <pc:chgData name="Khattab, Sherif" userId="c83b1e15-36f3-4f46-aceb-05aac24c545e" providerId="ADAL" clId="{E6EB0EA7-2544-4CF1-A7D6-AFF5E9AECA5D}" dt="2020-05-14T17:16:25.708" v="6"/>
-        <pc:sldMkLst>
-          <pc:docMk/>
-          <pc:sldMk cId="355119911" sldId="338"/>
-        </pc:sldMkLst>
-        <pc:spChg chg="mod">
-          <ac:chgData name="Khattab, Sherif" userId="c83b1e15-36f3-4f46-aceb-05aac24c545e" providerId="ADAL" clId="{E6EB0EA7-2544-4CF1-A7D6-AFF5E9AECA5D}" dt="2020-05-14T17:16:25.708" v="6"/>
-          <ac:spMkLst>
-            <pc:docMk/>
-            <pc:sldMk cId="355119911" sldId="338"/>
-            <ac:spMk id="5" creationId="{9BF724B2-8DB6-E34D-92D7-DCA24F5F0C0D}"/>
-          </ac:spMkLst>
-        </pc:spChg>
-        <pc:spChg chg="mod">
-          <ac:chgData name="Khattab, Sherif" userId="c83b1e15-36f3-4f46-aceb-05aac24c545e" providerId="ADAL" clId="{E6EB0EA7-2544-4CF1-A7D6-AFF5E9AECA5D}" dt="2020-05-14T17:16:25.708" v="6"/>
-          <ac:spMkLst>
-            <pc:docMk/>
-            <pc:sldMk cId="355119911" sldId="338"/>
-            <ac:spMk id="6" creationId="{17F9517E-E98B-6746-8827-A9871727AF2B}"/>
-          </ac:spMkLst>
-        </pc:spChg>
-        <pc:spChg chg="mod">
-          <ac:chgData name="Khattab, Sherif" userId="c83b1e15-36f3-4f46-aceb-05aac24c545e" providerId="ADAL" clId="{E6EB0EA7-2544-4CF1-A7D6-AFF5E9AECA5D}" dt="2020-05-14T17:16:25.708" v="6"/>
-          <ac:spMkLst>
-            <pc:docMk/>
-            <pc:sldMk cId="355119911" sldId="338"/>
-            <ac:spMk id="106499" creationId="{ACBD2F3A-500A-1745-93B6-2D7243F6ECAD}"/>
-          </ac:spMkLst>
-        </pc:spChg>
-        <pc:spChg chg="mod">
-          <ac:chgData name="Khattab, Sherif" userId="c83b1e15-36f3-4f46-aceb-05aac24c545e" providerId="ADAL" clId="{E6EB0EA7-2544-4CF1-A7D6-AFF5E9AECA5D}" dt="2020-05-14T17:16:25.708" v="6"/>
-          <ac:spMkLst>
-            <pc:docMk/>
-            <pc:sldMk cId="355119911" sldId="338"/>
-            <ac:spMk id="106500" creationId="{C1A6B44F-6A6E-624E-A1A8-C1E38440BAFC}"/>
-          </ac:spMkLst>
-        </pc:spChg>
-      </pc:sldChg>
-      <pc:sldChg chg="modSp">
-        <pc:chgData name="Khattab, Sherif" userId="c83b1e15-36f3-4f46-aceb-05aac24c545e" providerId="ADAL" clId="{E6EB0EA7-2544-4CF1-A7D6-AFF5E9AECA5D}" dt="2020-05-14T17:16:25.708" v="6"/>
-        <pc:sldMkLst>
-          <pc:docMk/>
-          <pc:sldMk cId="4223572414" sldId="339"/>
-        </pc:sldMkLst>
-        <pc:spChg chg="mod">
-          <ac:chgData name="Khattab, Sherif" userId="c83b1e15-36f3-4f46-aceb-05aac24c545e" providerId="ADAL" clId="{E6EB0EA7-2544-4CF1-A7D6-AFF5E9AECA5D}" dt="2020-05-14T17:16:25.708" v="6"/>
-          <ac:spMkLst>
-            <pc:docMk/>
-            <pc:sldMk cId="4223572414" sldId="339"/>
-            <ac:spMk id="4" creationId="{D69010A4-1F91-904E-B3C8-1167C46C655B}"/>
-          </ac:spMkLst>
-        </pc:spChg>
-        <pc:spChg chg="mod">
-          <ac:chgData name="Khattab, Sherif" userId="c83b1e15-36f3-4f46-aceb-05aac24c545e" providerId="ADAL" clId="{E6EB0EA7-2544-4CF1-A7D6-AFF5E9AECA5D}" dt="2020-05-14T17:16:25.708" v="6"/>
-          <ac:spMkLst>
-            <pc:docMk/>
-            <pc:sldMk cId="4223572414" sldId="339"/>
-            <ac:spMk id="5" creationId="{9CD943DD-44DA-D14E-86E5-53D56F3B4693}"/>
-          </ac:spMkLst>
-        </pc:spChg>
-        <pc:spChg chg="mod">
-          <ac:chgData name="Khattab, Sherif" userId="c83b1e15-36f3-4f46-aceb-05aac24c545e" providerId="ADAL" clId="{E6EB0EA7-2544-4CF1-A7D6-AFF5E9AECA5D}" dt="2020-05-14T17:16:25.708" v="6"/>
-          <ac:spMkLst>
-            <pc:docMk/>
-            <pc:sldMk cId="4223572414" sldId="339"/>
-            <ac:spMk id="107522" creationId="{7F365B32-B892-9644-B8A9-4981039D7D56}"/>
-          </ac:spMkLst>
-        </pc:spChg>
-        <pc:spChg chg="mod">
-          <ac:chgData name="Khattab, Sherif" userId="c83b1e15-36f3-4f46-aceb-05aac24c545e" providerId="ADAL" clId="{E6EB0EA7-2544-4CF1-A7D6-AFF5E9AECA5D}" dt="2020-05-14T17:16:25.708" v="6"/>
-          <ac:spMkLst>
-            <pc:docMk/>
-            <pc:sldMk cId="4223572414" sldId="339"/>
-            <ac:spMk id="107523" creationId="{0F9697C6-2257-044C-8E34-AC62DE514C44}"/>
-          </ac:spMkLst>
-        </pc:spChg>
-      </pc:sldChg>
-      <pc:sldChg chg="modSp">
-        <pc:chgData name="Khattab, Sherif" userId="c83b1e15-36f3-4f46-aceb-05aac24c545e" providerId="ADAL" clId="{E6EB0EA7-2544-4CF1-A7D6-AFF5E9AECA5D}" dt="2020-05-14T17:16:25.708" v="6"/>
-        <pc:sldMkLst>
-          <pc:docMk/>
-          <pc:sldMk cId="470668490" sldId="340"/>
-        </pc:sldMkLst>
-        <pc:spChg chg="mod">
-          <ac:chgData name="Khattab, Sherif" userId="c83b1e15-36f3-4f46-aceb-05aac24c545e" providerId="ADAL" clId="{E6EB0EA7-2544-4CF1-A7D6-AFF5E9AECA5D}" dt="2020-05-14T17:16:25.708" v="6"/>
-          <ac:spMkLst>
-            <pc:docMk/>
-            <pc:sldMk cId="470668490" sldId="340"/>
-            <ac:spMk id="4" creationId="{29BFE3FF-96E0-4A48-9771-0902F36838F3}"/>
-          </ac:spMkLst>
-        </pc:spChg>
-        <pc:spChg chg="mod">
-          <ac:chgData name="Khattab, Sherif" userId="c83b1e15-36f3-4f46-aceb-05aac24c545e" providerId="ADAL" clId="{E6EB0EA7-2544-4CF1-A7D6-AFF5E9AECA5D}" dt="2020-05-14T17:16:25.708" v="6"/>
-          <ac:spMkLst>
-            <pc:docMk/>
-            <pc:sldMk cId="470668490" sldId="340"/>
-            <ac:spMk id="5" creationId="{85AFFB91-7C27-6641-9A78-BE1CCACB6DE8}"/>
-          </ac:spMkLst>
-        </pc:spChg>
-        <pc:spChg chg="mod">
-          <ac:chgData name="Khattab, Sherif" userId="c83b1e15-36f3-4f46-aceb-05aac24c545e" providerId="ADAL" clId="{E6EB0EA7-2544-4CF1-A7D6-AFF5E9AECA5D}" dt="2020-05-14T17:16:25.708" v="6"/>
-          <ac:spMkLst>
-            <pc:docMk/>
-            <pc:sldMk cId="470668490" sldId="340"/>
-            <ac:spMk id="108546" creationId="{96849A06-BBDF-C040-849E-A024B4FC255B}"/>
-          </ac:spMkLst>
-        </pc:spChg>
-        <pc:spChg chg="mod">
-          <ac:chgData name="Khattab, Sherif" userId="c83b1e15-36f3-4f46-aceb-05aac24c545e" providerId="ADAL" clId="{E6EB0EA7-2544-4CF1-A7D6-AFF5E9AECA5D}" dt="2020-05-14T17:16:25.708" v="6"/>
-          <ac:spMkLst>
-            <pc:docMk/>
-            <pc:sldMk cId="470668490" sldId="340"/>
-            <ac:spMk id="108547" creationId="{CC82A9AD-5F15-AB49-8F90-FE2C306DA419}"/>
-          </ac:spMkLst>
-        </pc:spChg>
-      </pc:sldChg>
-      <pc:sldChg chg="modSp">
-        <pc:chgData name="Khattab, Sherif" userId="c83b1e15-36f3-4f46-aceb-05aac24c545e" providerId="ADAL" clId="{E6EB0EA7-2544-4CF1-A7D6-AFF5E9AECA5D}" dt="2020-05-14T17:16:25.708" v="6"/>
-        <pc:sldMkLst>
-          <pc:docMk/>
-          <pc:sldMk cId="1205868326" sldId="341"/>
-        </pc:sldMkLst>
-        <pc:spChg chg="mod">
-          <ac:chgData name="Khattab, Sherif" userId="c83b1e15-36f3-4f46-aceb-05aac24c545e" providerId="ADAL" clId="{E6EB0EA7-2544-4CF1-A7D6-AFF5E9AECA5D}" dt="2020-05-14T17:16:25.708" v="6"/>
-          <ac:spMkLst>
-            <pc:docMk/>
-            <pc:sldMk cId="1205868326" sldId="341"/>
-            <ac:spMk id="4" creationId="{A5FE58C8-1460-C848-AB84-4F361A9896A1}"/>
-          </ac:spMkLst>
-        </pc:spChg>
-        <pc:spChg chg="mod">
-          <ac:chgData name="Khattab, Sherif" userId="c83b1e15-36f3-4f46-aceb-05aac24c545e" providerId="ADAL" clId="{E6EB0EA7-2544-4CF1-A7D6-AFF5E9AECA5D}" dt="2020-05-14T17:16:25.708" v="6"/>
-          <ac:spMkLst>
-            <pc:docMk/>
-            <pc:sldMk cId="1205868326" sldId="341"/>
-            <ac:spMk id="5" creationId="{F81FC055-C345-0D4E-990E-67395EA45FB7}"/>
-          </ac:spMkLst>
-        </pc:spChg>
-        <pc:spChg chg="mod">
-          <ac:chgData name="Khattab, Sherif" userId="c83b1e15-36f3-4f46-aceb-05aac24c545e" providerId="ADAL" clId="{E6EB0EA7-2544-4CF1-A7D6-AFF5E9AECA5D}" dt="2020-05-14T17:16:25.708" v="6"/>
-          <ac:spMkLst>
-            <pc:docMk/>
-            <pc:sldMk cId="1205868326" sldId="341"/>
-            <ac:spMk id="109570" creationId="{6A881214-C7A5-214A-8E7E-4D686B71DB5F}"/>
-          </ac:spMkLst>
-        </pc:spChg>
-        <pc:spChg chg="mod">
-          <ac:chgData name="Khattab, Sherif" userId="c83b1e15-36f3-4f46-aceb-05aac24c545e" providerId="ADAL" clId="{E6EB0EA7-2544-4CF1-A7D6-AFF5E9AECA5D}" dt="2020-05-14T17:16:25.708" v="6"/>
-          <ac:spMkLst>
-            <pc:docMk/>
-            <pc:sldMk cId="1205868326" sldId="341"/>
-            <ac:spMk id="109571" creationId="{EB65A8A9-691B-3D4F-B0AA-00914900DB3A}"/>
-          </ac:spMkLst>
-        </pc:spChg>
-      </pc:sldChg>
-      <pc:sldChg chg="modSp">
-        <pc:chgData name="Khattab, Sherif" userId="c83b1e15-36f3-4f46-aceb-05aac24c545e" providerId="ADAL" clId="{E6EB0EA7-2544-4CF1-A7D6-AFF5E9AECA5D}" dt="2020-05-14T17:16:25.708" v="6"/>
-        <pc:sldMkLst>
-          <pc:docMk/>
-          <pc:sldMk cId="1806563943" sldId="342"/>
-        </pc:sldMkLst>
-        <pc:spChg chg="mod">
-          <ac:chgData name="Khattab, Sherif" userId="c83b1e15-36f3-4f46-aceb-05aac24c545e" providerId="ADAL" clId="{E6EB0EA7-2544-4CF1-A7D6-AFF5E9AECA5D}" dt="2020-05-14T17:16:25.708" v="6"/>
-          <ac:spMkLst>
-            <pc:docMk/>
-            <pc:sldMk cId="1806563943" sldId="342"/>
-            <ac:spMk id="7" creationId="{6E9B925F-4BC9-934E-AB01-067F794B522E}"/>
-          </ac:spMkLst>
-        </pc:spChg>
-        <pc:spChg chg="mod">
-          <ac:chgData name="Khattab, Sherif" userId="c83b1e15-36f3-4f46-aceb-05aac24c545e" providerId="ADAL" clId="{E6EB0EA7-2544-4CF1-A7D6-AFF5E9AECA5D}" dt="2020-05-14T17:16:25.708" v="6"/>
-          <ac:spMkLst>
-            <pc:docMk/>
-            <pc:sldMk cId="1806563943" sldId="342"/>
-            <ac:spMk id="8" creationId="{0A731FB3-7935-8345-B6C7-AEE0B02240B9}"/>
-          </ac:spMkLst>
-        </pc:spChg>
-        <pc:spChg chg="mod">
-          <ac:chgData name="Khattab, Sherif" userId="c83b1e15-36f3-4f46-aceb-05aac24c545e" providerId="ADAL" clId="{E6EB0EA7-2544-4CF1-A7D6-AFF5E9AECA5D}" dt="2020-05-14T17:16:25.708" v="6"/>
-          <ac:spMkLst>
-            <pc:docMk/>
-            <pc:sldMk cId="1806563943" sldId="342"/>
-            <ac:spMk id="110597" creationId="{BDC36B20-DEF6-BF4D-B0E7-8F5461CE049F}"/>
-          </ac:spMkLst>
-        </pc:spChg>
-        <pc:spChg chg="mod">
-          <ac:chgData name="Khattab, Sherif" userId="c83b1e15-36f3-4f46-aceb-05aac24c545e" providerId="ADAL" clId="{E6EB0EA7-2544-4CF1-A7D6-AFF5E9AECA5D}" dt="2020-05-14T17:16:25.708" v="6"/>
-          <ac:spMkLst>
-            <pc:docMk/>
-            <pc:sldMk cId="1806563943" sldId="342"/>
-            <ac:spMk id="110598" creationId="{58C40865-3753-A447-9770-211D098125F8}"/>
-          </ac:spMkLst>
-        </pc:spChg>
-      </pc:sldChg>
-      <pc:sldChg chg="modSp">
-        <pc:chgData name="Khattab, Sherif" userId="c83b1e15-36f3-4f46-aceb-05aac24c545e" providerId="ADAL" clId="{E6EB0EA7-2544-4CF1-A7D6-AFF5E9AECA5D}" dt="2020-05-14T17:16:25.708" v="6"/>
-        <pc:sldMkLst>
-          <pc:docMk/>
-          <pc:sldMk cId="1167711490" sldId="343"/>
-        </pc:sldMkLst>
-        <pc:spChg chg="mod">
-          <ac:chgData name="Khattab, Sherif" userId="c83b1e15-36f3-4f46-aceb-05aac24c545e" providerId="ADAL" clId="{E6EB0EA7-2544-4CF1-A7D6-AFF5E9AECA5D}" dt="2020-05-14T17:16:25.708" v="6"/>
-          <ac:spMkLst>
-            <pc:docMk/>
-            <pc:sldMk cId="1167711490" sldId="343"/>
-            <ac:spMk id="7" creationId="{72500EF2-C006-2647-8CFD-300FA28B30EA}"/>
-          </ac:spMkLst>
-        </pc:spChg>
-        <pc:spChg chg="mod">
-          <ac:chgData name="Khattab, Sherif" userId="c83b1e15-36f3-4f46-aceb-05aac24c545e" providerId="ADAL" clId="{E6EB0EA7-2544-4CF1-A7D6-AFF5E9AECA5D}" dt="2020-05-14T17:16:25.708" v="6"/>
-          <ac:spMkLst>
-            <pc:docMk/>
-            <pc:sldMk cId="1167711490" sldId="343"/>
-            <ac:spMk id="8" creationId="{5513A82D-D95D-3B46-B415-F25C0E574B15}"/>
-          </ac:spMkLst>
-        </pc:spChg>
-        <pc:spChg chg="mod">
-          <ac:chgData name="Khattab, Sherif" userId="c83b1e15-36f3-4f46-aceb-05aac24c545e" providerId="ADAL" clId="{E6EB0EA7-2544-4CF1-A7D6-AFF5E9AECA5D}" dt="2020-05-14T17:16:25.708" v="6"/>
-          <ac:spMkLst>
-            <pc:docMk/>
-            <pc:sldMk cId="1167711490" sldId="343"/>
-            <ac:spMk id="111621" creationId="{98D1A996-CF96-BF4C-9178-C10B8182C328}"/>
-          </ac:spMkLst>
-        </pc:spChg>
-        <pc:spChg chg="mod">
-          <ac:chgData name="Khattab, Sherif" userId="c83b1e15-36f3-4f46-aceb-05aac24c545e" providerId="ADAL" clId="{E6EB0EA7-2544-4CF1-A7D6-AFF5E9AECA5D}" dt="2020-05-14T17:16:25.708" v="6"/>
-          <ac:spMkLst>
-            <pc:docMk/>
-            <pc:sldMk cId="1167711490" sldId="343"/>
-            <ac:spMk id="111622" creationId="{8B17F8A5-FE1E-5540-991C-590D33FA245A}"/>
-          </ac:spMkLst>
-        </pc:spChg>
-      </pc:sldChg>
-      <pc:sldChg chg="modSp">
-        <pc:chgData name="Khattab, Sherif" userId="c83b1e15-36f3-4f46-aceb-05aac24c545e" providerId="ADAL" clId="{E6EB0EA7-2544-4CF1-A7D6-AFF5E9AECA5D}" dt="2020-05-14T17:16:25.708" v="6"/>
-        <pc:sldMkLst>
-          <pc:docMk/>
-          <pc:sldMk cId="1271999567" sldId="349"/>
-        </pc:sldMkLst>
-        <pc:spChg chg="mod">
-          <ac:chgData name="Khattab, Sherif" userId="c83b1e15-36f3-4f46-aceb-05aac24c545e" providerId="ADAL" clId="{E6EB0EA7-2544-4CF1-A7D6-AFF5E9AECA5D}" dt="2020-05-14T17:16:25.708" v="6"/>
-          <ac:spMkLst>
-            <pc:docMk/>
-            <pc:sldMk cId="1271999567" sldId="349"/>
-            <ac:spMk id="2" creationId="{17A8AD5B-F689-B94F-A878-23B8A0273164}"/>
-          </ac:spMkLst>
-        </pc:spChg>
-        <pc:spChg chg="mod">
-          <ac:chgData name="Khattab, Sherif" userId="c83b1e15-36f3-4f46-aceb-05aac24c545e" providerId="ADAL" clId="{E6EB0EA7-2544-4CF1-A7D6-AFF5E9AECA5D}" dt="2020-05-14T17:16:25.708" v="6"/>
-          <ac:spMkLst>
-            <pc:docMk/>
-            <pc:sldMk cId="1271999567" sldId="349"/>
-            <ac:spMk id="6" creationId="{A88B15B3-238A-4746-829A-03A0FAA7FB19}"/>
-          </ac:spMkLst>
-        </pc:spChg>
-        <pc:spChg chg="mod">
-          <ac:chgData name="Khattab, Sherif" userId="c83b1e15-36f3-4f46-aceb-05aac24c545e" providerId="ADAL" clId="{E6EB0EA7-2544-4CF1-A7D6-AFF5E9AECA5D}" dt="2020-05-14T17:16:25.708" v="6"/>
-          <ac:spMkLst>
-            <pc:docMk/>
-            <pc:sldMk cId="1271999567" sldId="349"/>
-            <ac:spMk id="7" creationId="{D97A772E-AF56-8A43-8E21-10E9198972DA}"/>
-          </ac:spMkLst>
-        </pc:spChg>
-        <pc:spChg chg="mod">
-          <ac:chgData name="Khattab, Sherif" userId="c83b1e15-36f3-4f46-aceb-05aac24c545e" providerId="ADAL" clId="{E6EB0EA7-2544-4CF1-A7D6-AFF5E9AECA5D}" dt="2020-05-14T17:16:25.708" v="6"/>
-          <ac:spMkLst>
-            <pc:docMk/>
-            <pc:sldMk cId="1271999567" sldId="349"/>
-            <ac:spMk id="117762" creationId="{39807B7F-29D5-4E40-91D5-70F81AE81EDD}"/>
-          </ac:spMkLst>
-        </pc:spChg>
-      </pc:sldChg>
-      <pc:sldChg chg="modSp">
-        <pc:chgData name="Khattab, Sherif" userId="c83b1e15-36f3-4f46-aceb-05aac24c545e" providerId="ADAL" clId="{E6EB0EA7-2544-4CF1-A7D6-AFF5E9AECA5D}" dt="2020-05-14T17:16:25.708" v="6"/>
-        <pc:sldMkLst>
-          <pc:docMk/>
-          <pc:sldMk cId="434376579" sldId="363"/>
-        </pc:sldMkLst>
-        <pc:spChg chg="mod">
-          <ac:chgData name="Khattab, Sherif" userId="c83b1e15-36f3-4f46-aceb-05aac24c545e" providerId="ADAL" clId="{E6EB0EA7-2544-4CF1-A7D6-AFF5E9AECA5D}" dt="2020-05-14T17:16:25.708" v="6"/>
-          <ac:spMkLst>
-            <pc:docMk/>
-            <pc:sldMk cId="434376579" sldId="363"/>
-            <ac:spMk id="13" creationId="{399F8E88-2D61-7E41-B9E7-D5D16445265E}"/>
-          </ac:spMkLst>
-        </pc:spChg>
-        <pc:spChg chg="mod">
-          <ac:chgData name="Khattab, Sherif" userId="c83b1e15-36f3-4f46-aceb-05aac24c545e" providerId="ADAL" clId="{E6EB0EA7-2544-4CF1-A7D6-AFF5E9AECA5D}" dt="2020-05-14T17:16:25.708" v="6"/>
-          <ac:spMkLst>
-            <pc:docMk/>
-            <pc:sldMk cId="434376579" sldId="363"/>
-            <ac:spMk id="14" creationId="{1D9B0268-8DED-C745-8271-8B812DB10776}"/>
-          </ac:spMkLst>
-        </pc:spChg>
-        <pc:spChg chg="mod">
-          <ac:chgData name="Khattab, Sherif" userId="c83b1e15-36f3-4f46-aceb-05aac24c545e" providerId="ADAL" clId="{E6EB0EA7-2544-4CF1-A7D6-AFF5E9AECA5D}" dt="2020-05-14T17:16:25.708" v="6"/>
-          <ac:spMkLst>
-            <pc:docMk/>
-            <pc:sldMk cId="434376579" sldId="363"/>
-            <ac:spMk id="91148" creationId="{D182CBCC-E588-9C46-9A14-D3D8D1F9D94B}"/>
-          </ac:spMkLst>
-        </pc:spChg>
-      </pc:sldChg>
-      <pc:sldChg chg="modSp">
-        <pc:chgData name="Khattab, Sherif" userId="c83b1e15-36f3-4f46-aceb-05aac24c545e" providerId="ADAL" clId="{E6EB0EA7-2544-4CF1-A7D6-AFF5E9AECA5D}" dt="2020-05-14T17:16:25.708" v="6"/>
-        <pc:sldMkLst>
-          <pc:docMk/>
-          <pc:sldMk cId="815621424" sldId="364"/>
-        </pc:sldMkLst>
-        <pc:spChg chg="mod">
-          <ac:chgData name="Khattab, Sherif" userId="c83b1e15-36f3-4f46-aceb-05aac24c545e" providerId="ADAL" clId="{E6EB0EA7-2544-4CF1-A7D6-AFF5E9AECA5D}" dt="2020-05-14T17:16:25.708" v="6"/>
-          <ac:spMkLst>
-            <pc:docMk/>
-            <pc:sldMk cId="815621424" sldId="364"/>
-            <ac:spMk id="27" creationId="{667676E5-52CF-B949-92AA-54CEC4825EDD}"/>
-          </ac:spMkLst>
-        </pc:spChg>
-        <pc:spChg chg="mod">
-          <ac:chgData name="Khattab, Sherif" userId="c83b1e15-36f3-4f46-aceb-05aac24c545e" providerId="ADAL" clId="{E6EB0EA7-2544-4CF1-A7D6-AFF5E9AECA5D}" dt="2020-05-14T17:16:25.708" v="6"/>
-          <ac:spMkLst>
-            <pc:docMk/>
-            <pc:sldMk cId="815621424" sldId="364"/>
-            <ac:spMk id="28" creationId="{EC52B04B-D8AF-8643-A73A-7D7FBE25B1FC}"/>
-          </ac:spMkLst>
-        </pc:spChg>
-        <pc:spChg chg="mod">
-          <ac:chgData name="Khattab, Sherif" userId="c83b1e15-36f3-4f46-aceb-05aac24c545e" providerId="ADAL" clId="{E6EB0EA7-2544-4CF1-A7D6-AFF5E9AECA5D}" dt="2020-05-14T17:16:25.708" v="6"/>
-          <ac:spMkLst>
-            <pc:docMk/>
-            <pc:sldMk cId="815621424" sldId="364"/>
-            <ac:spMk id="93186" creationId="{E502F9E0-21A9-6844-A11A-A0680165B684}"/>
-          </ac:spMkLst>
-        </pc:spChg>
-        <pc:spChg chg="mod">
-          <ac:chgData name="Khattab, Sherif" userId="c83b1e15-36f3-4f46-aceb-05aac24c545e" providerId="ADAL" clId="{E6EB0EA7-2544-4CF1-A7D6-AFF5E9AECA5D}" dt="2020-05-14T17:16:25.708" v="6"/>
-          <ac:spMkLst>
-            <pc:docMk/>
-            <pc:sldMk cId="815621424" sldId="364"/>
-            <ac:spMk id="93187" creationId="{83249007-0AB0-EB49-9417-995673C1CEF5}"/>
-          </ac:spMkLst>
-        </pc:spChg>
-      </pc:sldChg>
-      <pc:sldChg chg="modSp">
-        <pc:chgData name="Khattab, Sherif" userId="c83b1e15-36f3-4f46-aceb-05aac24c545e" providerId="ADAL" clId="{E6EB0EA7-2544-4CF1-A7D6-AFF5E9AECA5D}" dt="2020-05-14T17:16:25.708" v="6"/>
-        <pc:sldMkLst>
-          <pc:docMk/>
-          <pc:sldMk cId="1934104099" sldId="365"/>
-        </pc:sldMkLst>
-        <pc:spChg chg="mod">
-          <ac:chgData name="Khattab, Sherif" userId="c83b1e15-36f3-4f46-aceb-05aac24c545e" providerId="ADAL" clId="{E6EB0EA7-2544-4CF1-A7D6-AFF5E9AECA5D}" dt="2020-05-14T17:16:25.708" v="6"/>
-          <ac:spMkLst>
-            <pc:docMk/>
-            <pc:sldMk cId="1934104099" sldId="365"/>
-            <ac:spMk id="8" creationId="{87B93D98-EEC5-C245-A824-29408C4F6AA9}"/>
-          </ac:spMkLst>
-        </pc:spChg>
-        <pc:spChg chg="mod">
-          <ac:chgData name="Khattab, Sherif" userId="c83b1e15-36f3-4f46-aceb-05aac24c545e" providerId="ADAL" clId="{E6EB0EA7-2544-4CF1-A7D6-AFF5E9AECA5D}" dt="2020-05-14T17:16:25.708" v="6"/>
-          <ac:spMkLst>
-            <pc:docMk/>
-            <pc:sldMk cId="1934104099" sldId="365"/>
-            <ac:spMk id="9" creationId="{97A00662-141E-7B4B-97ED-0FA4B9115725}"/>
-          </ac:spMkLst>
-        </pc:spChg>
-        <pc:spChg chg="mod">
-          <ac:chgData name="Khattab, Sherif" userId="c83b1e15-36f3-4f46-aceb-05aac24c545e" providerId="ADAL" clId="{E6EB0EA7-2544-4CF1-A7D6-AFF5E9AECA5D}" dt="2020-05-14T17:16:25.708" v="6"/>
-          <ac:spMkLst>
-            <pc:docMk/>
-            <pc:sldMk cId="1934104099" sldId="365"/>
-            <ac:spMk id="94210" creationId="{FD1747F8-31B5-1F41-BD48-CAFBB42D9534}"/>
-          </ac:spMkLst>
-        </pc:spChg>
-        <pc:spChg chg="mod">
-          <ac:chgData name="Khattab, Sherif" userId="c83b1e15-36f3-4f46-aceb-05aac24c545e" providerId="ADAL" clId="{E6EB0EA7-2544-4CF1-A7D6-AFF5E9AECA5D}" dt="2020-05-14T17:16:25.708" v="6"/>
-          <ac:spMkLst>
-            <pc:docMk/>
-            <pc:sldMk cId="1934104099" sldId="365"/>
-            <ac:spMk id="94211" creationId="{2F4C0CE7-B9FD-0E45-8A7B-DDDB3455B140}"/>
-          </ac:spMkLst>
-        </pc:spChg>
-      </pc:sldChg>
-      <pc:sldChg chg="modSp">
-        <pc:chgData name="Khattab, Sherif" userId="c83b1e15-36f3-4f46-aceb-05aac24c545e" providerId="ADAL" clId="{E6EB0EA7-2544-4CF1-A7D6-AFF5E9AECA5D}" dt="2020-05-14T17:16:25.708" v="6"/>
-        <pc:sldMkLst>
-          <pc:docMk/>
-          <pc:sldMk cId="2782429159" sldId="366"/>
-        </pc:sldMkLst>
-        <pc:spChg chg="mod">
-          <ac:chgData name="Khattab, Sherif" userId="c83b1e15-36f3-4f46-aceb-05aac24c545e" providerId="ADAL" clId="{E6EB0EA7-2544-4CF1-A7D6-AFF5E9AECA5D}" dt="2020-05-14T17:16:25.708" v="6"/>
-          <ac:spMkLst>
-            <pc:docMk/>
-            <pc:sldMk cId="2782429159" sldId="366"/>
-            <ac:spMk id="4" creationId="{27D16428-557C-2344-B354-75ACA52C8E36}"/>
-          </ac:spMkLst>
-        </pc:spChg>
-        <pc:spChg chg="mod">
-          <ac:chgData name="Khattab, Sherif" userId="c83b1e15-36f3-4f46-aceb-05aac24c545e" providerId="ADAL" clId="{E6EB0EA7-2544-4CF1-A7D6-AFF5E9AECA5D}" dt="2020-05-14T17:16:25.708" v="6"/>
-          <ac:spMkLst>
-            <pc:docMk/>
-            <pc:sldMk cId="2782429159" sldId="366"/>
-            <ac:spMk id="5" creationId="{9B92B5DB-B929-F947-BA57-49A11A6B5B28}"/>
-          </ac:spMkLst>
-        </pc:spChg>
-        <pc:spChg chg="mod">
-          <ac:chgData name="Khattab, Sherif" userId="c83b1e15-36f3-4f46-aceb-05aac24c545e" providerId="ADAL" clId="{E6EB0EA7-2544-4CF1-A7D6-AFF5E9AECA5D}" dt="2020-05-14T17:16:25.708" v="6"/>
-          <ac:spMkLst>
-            <pc:docMk/>
-            <pc:sldMk cId="2782429159" sldId="366"/>
-            <ac:spMk id="95234" creationId="{22679527-1C13-D745-AD6F-BECD21053034}"/>
-          </ac:spMkLst>
-        </pc:spChg>
-      </pc:sldChg>
-      <pc:sldChg chg="modSp">
-        <pc:chgData name="Khattab, Sherif" userId="c83b1e15-36f3-4f46-aceb-05aac24c545e" providerId="ADAL" clId="{E6EB0EA7-2544-4CF1-A7D6-AFF5E9AECA5D}" dt="2020-05-14T17:16:25.708" v="6"/>
-        <pc:sldMkLst>
-          <pc:docMk/>
-          <pc:sldMk cId="2251973667" sldId="367"/>
-        </pc:sldMkLst>
-        <pc:spChg chg="mod">
-          <ac:chgData name="Khattab, Sherif" userId="c83b1e15-36f3-4f46-aceb-05aac24c545e" providerId="ADAL" clId="{E6EB0EA7-2544-4CF1-A7D6-AFF5E9AECA5D}" dt="2020-05-14T17:16:25.708" v="6"/>
-          <ac:spMkLst>
-            <pc:docMk/>
-            <pc:sldMk cId="2251973667" sldId="367"/>
-            <ac:spMk id="4" creationId="{27AC079A-FDEE-5245-9DF2-0EA014E67F57}"/>
-          </ac:spMkLst>
-        </pc:spChg>
-        <pc:spChg chg="mod">
-          <ac:chgData name="Khattab, Sherif" userId="c83b1e15-36f3-4f46-aceb-05aac24c545e" providerId="ADAL" clId="{E6EB0EA7-2544-4CF1-A7D6-AFF5E9AECA5D}" dt="2020-05-14T17:16:25.708" v="6"/>
-          <ac:spMkLst>
-            <pc:docMk/>
-            <pc:sldMk cId="2251973667" sldId="367"/>
-            <ac:spMk id="5" creationId="{4BE14FC9-25DA-A545-BFFF-97AA43D9616B}"/>
-          </ac:spMkLst>
-        </pc:spChg>
-        <pc:spChg chg="mod">
-          <ac:chgData name="Khattab, Sherif" userId="c83b1e15-36f3-4f46-aceb-05aac24c545e" providerId="ADAL" clId="{E6EB0EA7-2544-4CF1-A7D6-AFF5E9AECA5D}" dt="2020-05-14T17:16:25.708" v="6"/>
-          <ac:spMkLst>
-            <pc:docMk/>
-            <pc:sldMk cId="2251973667" sldId="367"/>
-            <ac:spMk id="98306" creationId="{8383A26D-3C56-0042-8B6C-8FD1E0DFA250}"/>
-          </ac:spMkLst>
-        </pc:spChg>
-        <pc:spChg chg="mod">
-          <ac:chgData name="Khattab, Sherif" userId="c83b1e15-36f3-4f46-aceb-05aac24c545e" providerId="ADAL" clId="{E6EB0EA7-2544-4CF1-A7D6-AFF5E9AECA5D}" dt="2020-05-14T17:16:25.708" v="6"/>
-          <ac:spMkLst>
-            <pc:docMk/>
-            <pc:sldMk cId="2251973667" sldId="367"/>
-            <ac:spMk id="98307" creationId="{6AF066B1-89F4-4E4D-8ABF-40AC813F6866}"/>
-          </ac:spMkLst>
-        </pc:spChg>
-      </pc:sldChg>
-      <pc:sldChg chg="modSp">
-        <pc:chgData name="Khattab, Sherif" userId="c83b1e15-36f3-4f46-aceb-05aac24c545e" providerId="ADAL" clId="{E6EB0EA7-2544-4CF1-A7D6-AFF5E9AECA5D}" dt="2020-05-14T17:16:25.708" v="6"/>
-        <pc:sldMkLst>
-          <pc:docMk/>
-          <pc:sldMk cId="3138501136" sldId="368"/>
-        </pc:sldMkLst>
-        <pc:spChg chg="mod">
-          <ac:chgData name="Khattab, Sherif" userId="c83b1e15-36f3-4f46-aceb-05aac24c545e" providerId="ADAL" clId="{E6EB0EA7-2544-4CF1-A7D6-AFF5E9AECA5D}" dt="2020-05-14T17:16:25.708" v="6"/>
-          <ac:spMkLst>
-            <pc:docMk/>
-            <pc:sldMk cId="3138501136" sldId="368"/>
-            <ac:spMk id="7" creationId="{532CA168-7A4E-084D-AF13-F17DA4C99AF9}"/>
-          </ac:spMkLst>
-        </pc:spChg>
-        <pc:spChg chg="mod">
-          <ac:chgData name="Khattab, Sherif" userId="c83b1e15-36f3-4f46-aceb-05aac24c545e" providerId="ADAL" clId="{E6EB0EA7-2544-4CF1-A7D6-AFF5E9AECA5D}" dt="2020-05-14T17:16:25.708" v="6"/>
-          <ac:spMkLst>
-            <pc:docMk/>
-            <pc:sldMk cId="3138501136" sldId="368"/>
-            <ac:spMk id="8" creationId="{0C0EE1E8-F246-0344-879F-ACDF28735FC1}"/>
-          </ac:spMkLst>
-        </pc:spChg>
-        <pc:spChg chg="mod">
-          <ac:chgData name="Khattab, Sherif" userId="c83b1e15-36f3-4f46-aceb-05aac24c545e" providerId="ADAL" clId="{E6EB0EA7-2544-4CF1-A7D6-AFF5E9AECA5D}" dt="2020-05-14T17:16:25.708" v="6"/>
-          <ac:spMkLst>
-            <pc:docMk/>
-            <pc:sldMk cId="3138501136" sldId="368"/>
-            <ac:spMk id="99333" creationId="{6961FFD0-3136-6744-AF77-2A7A1A790F1E}"/>
-          </ac:spMkLst>
-        </pc:spChg>
-      </pc:sldChg>
-      <pc:sldChg chg="modSp">
-        <pc:chgData name="Khattab, Sherif" userId="c83b1e15-36f3-4f46-aceb-05aac24c545e" providerId="ADAL" clId="{E6EB0EA7-2544-4CF1-A7D6-AFF5E9AECA5D}" dt="2020-05-14T17:16:25.708" v="6"/>
-        <pc:sldMkLst>
-          <pc:docMk/>
-          <pc:sldMk cId="3210992163" sldId="369"/>
-        </pc:sldMkLst>
-        <pc:spChg chg="mod">
-          <ac:chgData name="Khattab, Sherif" userId="c83b1e15-36f3-4f46-aceb-05aac24c545e" providerId="ADAL" clId="{E6EB0EA7-2544-4CF1-A7D6-AFF5E9AECA5D}" dt="2020-05-14T17:16:25.708" v="6"/>
-          <ac:spMkLst>
-            <pc:docMk/>
-            <pc:sldMk cId="3210992163" sldId="369"/>
-            <ac:spMk id="4" creationId="{73DBA84E-7D96-E442-8FC3-A0C3749B1CC1}"/>
-          </ac:spMkLst>
-        </pc:spChg>
-        <pc:spChg chg="mod">
-          <ac:chgData name="Khattab, Sherif" userId="c83b1e15-36f3-4f46-aceb-05aac24c545e" providerId="ADAL" clId="{E6EB0EA7-2544-4CF1-A7D6-AFF5E9AECA5D}" dt="2020-05-14T17:16:25.708" v="6"/>
-          <ac:spMkLst>
-            <pc:docMk/>
-            <pc:sldMk cId="3210992163" sldId="369"/>
-            <ac:spMk id="5" creationId="{B9F1484A-3D19-CA4A-81F0-82E85A0AC7BB}"/>
-          </ac:spMkLst>
-        </pc:spChg>
-        <pc:spChg chg="mod">
-          <ac:chgData name="Khattab, Sherif" userId="c83b1e15-36f3-4f46-aceb-05aac24c545e" providerId="ADAL" clId="{E6EB0EA7-2544-4CF1-A7D6-AFF5E9AECA5D}" dt="2020-05-14T17:16:25.708" v="6"/>
-          <ac:spMkLst>
-            <pc:docMk/>
-            <pc:sldMk cId="3210992163" sldId="369"/>
-            <ac:spMk id="100354" creationId="{E957CE05-A4BD-144F-A0C4-0AAE7BD7009B}"/>
-          </ac:spMkLst>
-        </pc:spChg>
-        <pc:spChg chg="mod">
-          <ac:chgData name="Khattab, Sherif" userId="c83b1e15-36f3-4f46-aceb-05aac24c545e" providerId="ADAL" clId="{E6EB0EA7-2544-4CF1-A7D6-AFF5E9AECA5D}" dt="2020-05-14T17:16:25.708" v="6"/>
-          <ac:spMkLst>
-            <pc:docMk/>
-            <pc:sldMk cId="3210992163" sldId="369"/>
-            <ac:spMk id="100355" creationId="{0C36604A-A763-A345-B88E-8E6F2BF0C1FE}"/>
-          </ac:spMkLst>
-        </pc:spChg>
-      </pc:sldChg>
-      <pc:sldChg chg="modSp">
-        <pc:chgData name="Khattab, Sherif" userId="c83b1e15-36f3-4f46-aceb-05aac24c545e" providerId="ADAL" clId="{E6EB0EA7-2544-4CF1-A7D6-AFF5E9AECA5D}" dt="2020-05-14T17:16:25.708" v="6"/>
-        <pc:sldMkLst>
-          <pc:docMk/>
-          <pc:sldMk cId="4013065491" sldId="370"/>
-        </pc:sldMkLst>
-        <pc:spChg chg="mod">
-          <ac:chgData name="Khattab, Sherif" userId="c83b1e15-36f3-4f46-aceb-05aac24c545e" providerId="ADAL" clId="{E6EB0EA7-2544-4CF1-A7D6-AFF5E9AECA5D}" dt="2020-05-14T17:16:25.708" v="6"/>
-          <ac:spMkLst>
-            <pc:docMk/>
-            <pc:sldMk cId="4013065491" sldId="370"/>
-            <ac:spMk id="6" creationId="{B0B49E68-86D2-5744-ABD1-0A95627B1316}"/>
-          </ac:spMkLst>
-        </pc:spChg>
-        <pc:spChg chg="mod">
-          <ac:chgData name="Khattab, Sherif" userId="c83b1e15-36f3-4f46-aceb-05aac24c545e" providerId="ADAL" clId="{E6EB0EA7-2544-4CF1-A7D6-AFF5E9AECA5D}" dt="2020-05-14T17:16:25.708" v="6"/>
-          <ac:spMkLst>
-            <pc:docMk/>
-            <pc:sldMk cId="4013065491" sldId="370"/>
-            <ac:spMk id="7" creationId="{FD8B4B24-CAA8-9C41-A932-1538077BB231}"/>
-          </ac:spMkLst>
-        </pc:spChg>
-        <pc:spChg chg="mod">
-          <ac:chgData name="Khattab, Sherif" userId="c83b1e15-36f3-4f46-aceb-05aac24c545e" providerId="ADAL" clId="{E6EB0EA7-2544-4CF1-A7D6-AFF5E9AECA5D}" dt="2020-05-14T17:16:25.708" v="6"/>
-          <ac:spMkLst>
-            <pc:docMk/>
-            <pc:sldMk cId="4013065491" sldId="370"/>
-            <ac:spMk id="101378" creationId="{1C91B2E0-F076-D54D-8685-060CEC00A4EC}"/>
-          </ac:spMkLst>
-        </pc:spChg>
-      </pc:sldChg>
-      <pc:sldChg chg="modSp">
-        <pc:chgData name="Khattab, Sherif" userId="c83b1e15-36f3-4f46-aceb-05aac24c545e" providerId="ADAL" clId="{E6EB0EA7-2544-4CF1-A7D6-AFF5E9AECA5D}" dt="2020-05-14T17:16:25.708" v="6"/>
-        <pc:sldMkLst>
-          <pc:docMk/>
-          <pc:sldMk cId="2592968416" sldId="371"/>
-        </pc:sldMkLst>
-        <pc:spChg chg="mod">
-          <ac:chgData name="Khattab, Sherif" userId="c83b1e15-36f3-4f46-aceb-05aac24c545e" providerId="ADAL" clId="{E6EB0EA7-2544-4CF1-A7D6-AFF5E9AECA5D}" dt="2020-05-14T17:16:25.708" v="6"/>
-          <ac:spMkLst>
-            <pc:docMk/>
-            <pc:sldMk cId="2592968416" sldId="371"/>
-            <ac:spMk id="6" creationId="{04A613E7-574B-C34F-80DA-88C723B69E84}"/>
-          </ac:spMkLst>
-        </pc:spChg>
-        <pc:spChg chg="mod">
-          <ac:chgData name="Khattab, Sherif" userId="c83b1e15-36f3-4f46-aceb-05aac24c545e" providerId="ADAL" clId="{E6EB0EA7-2544-4CF1-A7D6-AFF5E9AECA5D}" dt="2020-05-14T17:16:25.708" v="6"/>
-          <ac:spMkLst>
-            <pc:docMk/>
-            <pc:sldMk cId="2592968416" sldId="371"/>
-            <ac:spMk id="7" creationId="{7CC2F7F6-93EA-AE4F-84CC-7374B32F503D}"/>
-          </ac:spMkLst>
-        </pc:spChg>
-        <pc:spChg chg="mod">
-          <ac:chgData name="Khattab, Sherif" userId="c83b1e15-36f3-4f46-aceb-05aac24c545e" providerId="ADAL" clId="{E6EB0EA7-2544-4CF1-A7D6-AFF5E9AECA5D}" dt="2020-05-14T17:16:25.708" v="6"/>
-          <ac:spMkLst>
-            <pc:docMk/>
-            <pc:sldMk cId="2592968416" sldId="371"/>
-            <ac:spMk id="102404" creationId="{6FDA00AC-6865-D94C-836F-7D9600078A83}"/>
-          </ac:spMkLst>
-        </pc:spChg>
-      </pc:sldChg>
-      <pc:sldChg chg="modSp">
-        <pc:chgData name="Khattab, Sherif" userId="c83b1e15-36f3-4f46-aceb-05aac24c545e" providerId="ADAL" clId="{E6EB0EA7-2544-4CF1-A7D6-AFF5E9AECA5D}" dt="2020-05-14T17:16:25.708" v="6"/>
-        <pc:sldMkLst>
-          <pc:docMk/>
-          <pc:sldMk cId="3848335379" sldId="372"/>
-        </pc:sldMkLst>
-        <pc:spChg chg="mod">
-          <ac:chgData name="Khattab, Sherif" userId="c83b1e15-36f3-4f46-aceb-05aac24c545e" providerId="ADAL" clId="{E6EB0EA7-2544-4CF1-A7D6-AFF5E9AECA5D}" dt="2020-05-14T17:16:25.708" v="6"/>
-          <ac:spMkLst>
-            <pc:docMk/>
-            <pc:sldMk cId="3848335379" sldId="372"/>
-            <ac:spMk id="7" creationId="{1C1CA73E-1E55-D244-B89B-B72382873627}"/>
-          </ac:spMkLst>
-        </pc:spChg>
-        <pc:spChg chg="mod">
-          <ac:chgData name="Khattab, Sherif" userId="c83b1e15-36f3-4f46-aceb-05aac24c545e" providerId="ADAL" clId="{E6EB0EA7-2544-4CF1-A7D6-AFF5E9AECA5D}" dt="2020-05-14T17:16:25.708" v="6"/>
-          <ac:spMkLst>
-            <pc:docMk/>
-            <pc:sldMk cId="3848335379" sldId="372"/>
-            <ac:spMk id="8" creationId="{79E131D4-95F6-D248-9154-AE15F551EEE7}"/>
-          </ac:spMkLst>
-        </pc:spChg>
-        <pc:spChg chg="mod">
-          <ac:chgData name="Khattab, Sherif" userId="c83b1e15-36f3-4f46-aceb-05aac24c545e" providerId="ADAL" clId="{E6EB0EA7-2544-4CF1-A7D6-AFF5E9AECA5D}" dt="2020-05-14T17:16:25.708" v="6"/>
-          <ac:spMkLst>
-            <pc:docMk/>
-            <pc:sldMk cId="3848335379" sldId="372"/>
-            <ac:spMk id="103429" creationId="{8D930911-1A6D-B54F-B76E-66809DD1728E}"/>
-          </ac:spMkLst>
-        </pc:spChg>
-        <pc:spChg chg="mod">
-          <ac:chgData name="Khattab, Sherif" userId="c83b1e15-36f3-4f46-aceb-05aac24c545e" providerId="ADAL" clId="{E6EB0EA7-2544-4CF1-A7D6-AFF5E9AECA5D}" dt="2020-05-14T17:16:25.708" v="6"/>
-          <ac:spMkLst>
-            <pc:docMk/>
-            <pc:sldMk cId="3848335379" sldId="372"/>
-            <ac:spMk id="103430" creationId="{0CA11B9E-1475-6C4F-9C95-B08141F31ADC}"/>
-          </ac:spMkLst>
-        </pc:spChg>
-      </pc:sldChg>
-      <pc:sldChg chg="modSp">
-        <pc:chgData name="Khattab, Sherif" userId="c83b1e15-36f3-4f46-aceb-05aac24c545e" providerId="ADAL" clId="{E6EB0EA7-2544-4CF1-A7D6-AFF5E9AECA5D}" dt="2020-05-14T17:16:25.708" v="6"/>
-        <pc:sldMkLst>
-          <pc:docMk/>
-          <pc:sldMk cId="3161117264" sldId="373"/>
-        </pc:sldMkLst>
-        <pc:spChg chg="mod">
-          <ac:chgData name="Khattab, Sherif" userId="c83b1e15-36f3-4f46-aceb-05aac24c545e" providerId="ADAL" clId="{E6EB0EA7-2544-4CF1-A7D6-AFF5E9AECA5D}" dt="2020-05-14T17:16:25.708" v="6"/>
-          <ac:spMkLst>
-            <pc:docMk/>
-            <pc:sldMk cId="3161117264" sldId="373"/>
-            <ac:spMk id="4" creationId="{D286E859-8EBE-914A-BE43-1BFE745BB03C}"/>
-          </ac:spMkLst>
-        </pc:spChg>
-        <pc:spChg chg="mod">
-          <ac:chgData name="Khattab, Sherif" userId="c83b1e15-36f3-4f46-aceb-05aac24c545e" providerId="ADAL" clId="{E6EB0EA7-2544-4CF1-A7D6-AFF5E9AECA5D}" dt="2020-05-14T17:16:25.708" v="6"/>
-          <ac:spMkLst>
-            <pc:docMk/>
-            <pc:sldMk cId="3161117264" sldId="373"/>
-            <ac:spMk id="5" creationId="{BB0DD3E4-3515-714D-878B-FD1CC73773E4}"/>
-          </ac:spMkLst>
-        </pc:spChg>
-        <pc:spChg chg="mod">
-          <ac:chgData name="Khattab, Sherif" userId="c83b1e15-36f3-4f46-aceb-05aac24c545e" providerId="ADAL" clId="{E6EB0EA7-2544-4CF1-A7D6-AFF5E9AECA5D}" dt="2020-05-14T17:16:25.708" v="6"/>
-          <ac:spMkLst>
-            <pc:docMk/>
-            <pc:sldMk cId="3161117264" sldId="373"/>
-            <ac:spMk id="104450" creationId="{EB53BFD2-2569-C440-A78C-F70A1D185BE8}"/>
-          </ac:spMkLst>
-        </pc:spChg>
-        <pc:spChg chg="mod">
-          <ac:chgData name="Khattab, Sherif" userId="c83b1e15-36f3-4f46-aceb-05aac24c545e" providerId="ADAL" clId="{E6EB0EA7-2544-4CF1-A7D6-AFF5E9AECA5D}" dt="2020-05-14T17:16:25.708" v="6"/>
-          <ac:spMkLst>
-            <pc:docMk/>
-            <pc:sldMk cId="3161117264" sldId="373"/>
-            <ac:spMk id="104451" creationId="{36A9E868-CE41-B547-B6C1-87C325B8A1FF}"/>
-          </ac:spMkLst>
-        </pc:spChg>
-      </pc:sldChg>
-      <pc:sldChg chg="modSp">
-        <pc:chgData name="Khattab, Sherif" userId="c83b1e15-36f3-4f46-aceb-05aac24c545e" providerId="ADAL" clId="{E6EB0EA7-2544-4CF1-A7D6-AFF5E9AECA5D}" dt="2020-05-14T17:16:25.708" v="6"/>
-        <pc:sldMkLst>
-          <pc:docMk/>
-          <pc:sldMk cId="1542066946" sldId="374"/>
-        </pc:sldMkLst>
-        <pc:spChg chg="mod">
-          <ac:chgData name="Khattab, Sherif" userId="c83b1e15-36f3-4f46-aceb-05aac24c545e" providerId="ADAL" clId="{E6EB0EA7-2544-4CF1-A7D6-AFF5E9AECA5D}" dt="2020-05-14T17:16:25.708" v="6"/>
-          <ac:spMkLst>
-            <pc:docMk/>
-            <pc:sldMk cId="1542066946" sldId="374"/>
-            <ac:spMk id="4" creationId="{EEDC933A-1F17-A24F-80B2-2B746C541E3D}"/>
-          </ac:spMkLst>
-        </pc:spChg>
-        <pc:spChg chg="mod">
-          <ac:chgData name="Khattab, Sherif" userId="c83b1e15-36f3-4f46-aceb-05aac24c545e" providerId="ADAL" clId="{E6EB0EA7-2544-4CF1-A7D6-AFF5E9AECA5D}" dt="2020-05-14T17:16:25.708" v="6"/>
-          <ac:spMkLst>
-            <pc:docMk/>
-            <pc:sldMk cId="1542066946" sldId="374"/>
-            <ac:spMk id="5" creationId="{309D0953-6635-1B4D-A779-9F44EE0705E6}"/>
-          </ac:spMkLst>
-        </pc:spChg>
-        <pc:spChg chg="mod">
-          <ac:chgData name="Khattab, Sherif" userId="c83b1e15-36f3-4f46-aceb-05aac24c545e" providerId="ADAL" clId="{E6EB0EA7-2544-4CF1-A7D6-AFF5E9AECA5D}" dt="2020-05-14T17:16:25.708" v="6"/>
-          <ac:spMkLst>
-            <pc:docMk/>
-            <pc:sldMk cId="1542066946" sldId="374"/>
-            <ac:spMk id="105474" creationId="{6E60B537-4E2B-3645-8740-E45FF319D167}"/>
-          </ac:spMkLst>
-        </pc:spChg>
-        <pc:spChg chg="mod">
-          <ac:chgData name="Khattab, Sherif" userId="c83b1e15-36f3-4f46-aceb-05aac24c545e" providerId="ADAL" clId="{E6EB0EA7-2544-4CF1-A7D6-AFF5E9AECA5D}" dt="2020-05-14T17:16:25.708" v="6"/>
-          <ac:spMkLst>
-            <pc:docMk/>
-            <pc:sldMk cId="1542066946" sldId="374"/>
-            <ac:spMk id="105475" creationId="{B2EA02B2-FF2F-E840-9115-9F46B908CC54}"/>
-          </ac:spMkLst>
-        </pc:spChg>
-      </pc:sldChg>
-      <pc:sldChg chg="modSp">
-        <pc:chgData name="Khattab, Sherif" userId="c83b1e15-36f3-4f46-aceb-05aac24c545e" providerId="ADAL" clId="{E6EB0EA7-2544-4CF1-A7D6-AFF5E9AECA5D}" dt="2020-05-14T17:16:25.708" v="6"/>
-        <pc:sldMkLst>
-          <pc:docMk/>
-          <pc:sldMk cId="834112894" sldId="375"/>
-        </pc:sldMkLst>
-        <pc:spChg chg="mod">
-          <ac:chgData name="Khattab, Sherif" userId="c83b1e15-36f3-4f46-aceb-05aac24c545e" providerId="ADAL" clId="{E6EB0EA7-2544-4CF1-A7D6-AFF5E9AECA5D}" dt="2020-05-14T17:16:25.708" v="6"/>
-          <ac:spMkLst>
-            <pc:docMk/>
-            <pc:sldMk cId="834112894" sldId="375"/>
-            <ac:spMk id="4" creationId="{31956E2C-E5A6-0647-BF42-137E615716E0}"/>
-          </ac:spMkLst>
-        </pc:spChg>
-        <pc:spChg chg="mod">
-          <ac:chgData name="Khattab, Sherif" userId="c83b1e15-36f3-4f46-aceb-05aac24c545e" providerId="ADAL" clId="{E6EB0EA7-2544-4CF1-A7D6-AFF5E9AECA5D}" dt="2020-05-14T17:16:25.708" v="6"/>
-          <ac:spMkLst>
-            <pc:docMk/>
-            <pc:sldMk cId="834112894" sldId="375"/>
-            <ac:spMk id="5" creationId="{B7C7726A-A27A-B54E-8233-121EE02C6ADC}"/>
-          </ac:spMkLst>
-        </pc:spChg>
-        <pc:spChg chg="mod">
-          <ac:chgData name="Khattab, Sherif" userId="c83b1e15-36f3-4f46-aceb-05aac24c545e" providerId="ADAL" clId="{E6EB0EA7-2544-4CF1-A7D6-AFF5E9AECA5D}" dt="2020-05-14T17:16:25.708" v="6"/>
-          <ac:spMkLst>
-            <pc:docMk/>
-            <pc:sldMk cId="834112894" sldId="375"/>
-            <ac:spMk id="112642" creationId="{838EA777-B608-8E4A-8B51-786B3BEF4E8D}"/>
-          </ac:spMkLst>
-        </pc:spChg>
-        <pc:spChg chg="mod">
-          <ac:chgData name="Khattab, Sherif" userId="c83b1e15-36f3-4f46-aceb-05aac24c545e" providerId="ADAL" clId="{E6EB0EA7-2544-4CF1-A7D6-AFF5E9AECA5D}" dt="2020-05-14T17:16:25.708" v="6"/>
-          <ac:spMkLst>
-            <pc:docMk/>
-            <pc:sldMk cId="834112894" sldId="375"/>
-            <ac:spMk id="112643" creationId="{362D90CE-C693-414D-B6F5-8829A4C95071}"/>
-          </ac:spMkLst>
-        </pc:spChg>
-      </pc:sldChg>
-      <pc:sldChg chg="modSp">
-        <pc:chgData name="Khattab, Sherif" userId="c83b1e15-36f3-4f46-aceb-05aac24c545e" providerId="ADAL" clId="{E6EB0EA7-2544-4CF1-A7D6-AFF5E9AECA5D}" dt="2020-05-14T17:16:25.708" v="6"/>
-        <pc:sldMkLst>
-          <pc:docMk/>
-          <pc:sldMk cId="1165577892" sldId="376"/>
-        </pc:sldMkLst>
-        <pc:spChg chg="mod">
-          <ac:chgData name="Khattab, Sherif" userId="c83b1e15-36f3-4f46-aceb-05aac24c545e" providerId="ADAL" clId="{E6EB0EA7-2544-4CF1-A7D6-AFF5E9AECA5D}" dt="2020-05-14T17:16:25.708" v="6"/>
-          <ac:spMkLst>
-            <pc:docMk/>
-            <pc:sldMk cId="1165577892" sldId="376"/>
-            <ac:spMk id="40" creationId="{67328B6C-4287-814A-93BF-39FD1F8937B2}"/>
-          </ac:spMkLst>
-        </pc:spChg>
-        <pc:spChg chg="mod">
-          <ac:chgData name="Khattab, Sherif" userId="c83b1e15-36f3-4f46-aceb-05aac24c545e" providerId="ADAL" clId="{E6EB0EA7-2544-4CF1-A7D6-AFF5E9AECA5D}" dt="2020-05-14T17:16:25.708" v="6"/>
-          <ac:spMkLst>
-            <pc:docMk/>
-            <pc:sldMk cId="1165577892" sldId="376"/>
-            <ac:spMk id="41" creationId="{8B2F9FDC-8F0A-CC49-98A2-71FB6688BA80}"/>
-          </ac:spMkLst>
-        </pc:spChg>
-        <pc:spChg chg="mod">
-          <ac:chgData name="Khattab, Sherif" userId="c83b1e15-36f3-4f46-aceb-05aac24c545e" providerId="ADAL" clId="{E6EB0EA7-2544-4CF1-A7D6-AFF5E9AECA5D}" dt="2020-05-14T17:16:25.708" v="6"/>
-          <ac:spMkLst>
-            <pc:docMk/>
-            <pc:sldMk cId="1165577892" sldId="376"/>
-            <ac:spMk id="113666" creationId="{75B0BB18-45FE-C145-86F9-5F2D13AD61F3}"/>
-          </ac:spMkLst>
-        </pc:spChg>
-        <pc:spChg chg="mod">
-          <ac:chgData name="Khattab, Sherif" userId="c83b1e15-36f3-4f46-aceb-05aac24c545e" providerId="ADAL" clId="{E6EB0EA7-2544-4CF1-A7D6-AFF5E9AECA5D}" dt="2020-05-14T17:16:25.708" v="6"/>
-          <ac:spMkLst>
-            <pc:docMk/>
-            <pc:sldMk cId="1165577892" sldId="376"/>
-            <ac:spMk id="113667" creationId="{53E09A75-9602-D845-8429-42B9F821B4BA}"/>
-          </ac:spMkLst>
-        </pc:spChg>
-      </pc:sldChg>
-      <pc:sldChg chg="modSp">
-        <pc:chgData name="Khattab, Sherif" userId="c83b1e15-36f3-4f46-aceb-05aac24c545e" providerId="ADAL" clId="{E6EB0EA7-2544-4CF1-A7D6-AFF5E9AECA5D}" dt="2020-05-14T17:16:25.708" v="6"/>
-        <pc:sldMkLst>
-          <pc:docMk/>
-          <pc:sldMk cId="583513582" sldId="377"/>
-        </pc:sldMkLst>
-        <pc:spChg chg="mod">
-          <ac:chgData name="Khattab, Sherif" userId="c83b1e15-36f3-4f46-aceb-05aac24c545e" providerId="ADAL" clId="{E6EB0EA7-2544-4CF1-A7D6-AFF5E9AECA5D}" dt="2020-05-14T17:16:25.708" v="6"/>
-          <ac:spMkLst>
-            <pc:docMk/>
-            <pc:sldMk cId="583513582" sldId="377"/>
-            <ac:spMk id="7" creationId="{0E336C6B-24E5-C547-995B-7595329F8449}"/>
-          </ac:spMkLst>
-        </pc:spChg>
-        <pc:spChg chg="mod">
-          <ac:chgData name="Khattab, Sherif" userId="c83b1e15-36f3-4f46-aceb-05aac24c545e" providerId="ADAL" clId="{E6EB0EA7-2544-4CF1-A7D6-AFF5E9AECA5D}" dt="2020-05-14T17:16:25.708" v="6"/>
-          <ac:spMkLst>
-            <pc:docMk/>
-            <pc:sldMk cId="583513582" sldId="377"/>
-            <ac:spMk id="8" creationId="{E0264D84-51E2-CF40-866C-B9902608A9A7}"/>
-          </ac:spMkLst>
-        </pc:spChg>
-        <pc:spChg chg="mod">
-          <ac:chgData name="Khattab, Sherif" userId="c83b1e15-36f3-4f46-aceb-05aac24c545e" providerId="ADAL" clId="{E6EB0EA7-2544-4CF1-A7D6-AFF5E9AECA5D}" dt="2020-05-14T17:16:25.708" v="6"/>
-          <ac:spMkLst>
-            <pc:docMk/>
-            <pc:sldMk cId="583513582" sldId="377"/>
-            <ac:spMk id="114693" creationId="{2AAD9DE3-45D5-A249-B337-D99D281826B9}"/>
-          </ac:spMkLst>
-        </pc:spChg>
-      </pc:sldChg>
-      <pc:sldChg chg="modSp">
-        <pc:chgData name="Khattab, Sherif" userId="c83b1e15-36f3-4f46-aceb-05aac24c545e" providerId="ADAL" clId="{E6EB0EA7-2544-4CF1-A7D6-AFF5E9AECA5D}" dt="2020-05-14T17:16:25.708" v="6"/>
-        <pc:sldMkLst>
-          <pc:docMk/>
-          <pc:sldMk cId="3990797458" sldId="378"/>
-        </pc:sldMkLst>
-        <pc:spChg chg="mod">
-          <ac:chgData name="Khattab, Sherif" userId="c83b1e15-36f3-4f46-aceb-05aac24c545e" providerId="ADAL" clId="{E6EB0EA7-2544-4CF1-A7D6-AFF5E9AECA5D}" dt="2020-05-14T17:16:25.708" v="6"/>
-          <ac:spMkLst>
-            <pc:docMk/>
-            <pc:sldMk cId="3990797458" sldId="378"/>
-            <ac:spMk id="4" creationId="{BD0C602E-3244-7347-8C4C-7141324C4D74}"/>
-          </ac:spMkLst>
-        </pc:spChg>
-        <pc:spChg chg="mod">
-          <ac:chgData name="Khattab, Sherif" userId="c83b1e15-36f3-4f46-aceb-05aac24c545e" providerId="ADAL" clId="{E6EB0EA7-2544-4CF1-A7D6-AFF5E9AECA5D}" dt="2020-05-14T17:16:25.708" v="6"/>
-          <ac:spMkLst>
-            <pc:docMk/>
-            <pc:sldMk cId="3990797458" sldId="378"/>
-            <ac:spMk id="5" creationId="{83641B87-BBB9-9941-85A4-F6E6D630A406}"/>
-          </ac:spMkLst>
-        </pc:spChg>
-        <pc:spChg chg="mod">
-          <ac:chgData name="Khattab, Sherif" userId="c83b1e15-36f3-4f46-aceb-05aac24c545e" providerId="ADAL" clId="{E6EB0EA7-2544-4CF1-A7D6-AFF5E9AECA5D}" dt="2020-05-14T17:16:25.708" v="6"/>
-          <ac:spMkLst>
-            <pc:docMk/>
-            <pc:sldMk cId="3990797458" sldId="378"/>
-            <ac:spMk id="115714" creationId="{662FDEC6-1A57-7A4E-BD61-B4C9C42FB107}"/>
-          </ac:spMkLst>
-        </pc:spChg>
-        <pc:spChg chg="mod">
-          <ac:chgData name="Khattab, Sherif" userId="c83b1e15-36f3-4f46-aceb-05aac24c545e" providerId="ADAL" clId="{E6EB0EA7-2544-4CF1-A7D6-AFF5E9AECA5D}" dt="2020-05-14T17:16:25.708" v="6"/>
-          <ac:spMkLst>
-            <pc:docMk/>
-            <pc:sldMk cId="3990797458" sldId="378"/>
-            <ac:spMk id="115715" creationId="{9CCF0D6A-3A12-D542-BC48-B9C95F39152F}"/>
-          </ac:spMkLst>
-        </pc:spChg>
-      </pc:sldChg>
-      <pc:sldChg chg="modSp">
-        <pc:chgData name="Khattab, Sherif" userId="c83b1e15-36f3-4f46-aceb-05aac24c545e" providerId="ADAL" clId="{E6EB0EA7-2544-4CF1-A7D6-AFF5E9AECA5D}" dt="2020-05-14T17:16:25.708" v="6"/>
-        <pc:sldMkLst>
-          <pc:docMk/>
-          <pc:sldMk cId="2736486443" sldId="379"/>
-        </pc:sldMkLst>
-        <pc:spChg chg="mod">
-          <ac:chgData name="Khattab, Sherif" userId="c83b1e15-36f3-4f46-aceb-05aac24c545e" providerId="ADAL" clId="{E6EB0EA7-2544-4CF1-A7D6-AFF5E9AECA5D}" dt="2020-05-14T17:16:25.708" v="6"/>
-          <ac:spMkLst>
-            <pc:docMk/>
-            <pc:sldMk cId="2736486443" sldId="379"/>
-            <ac:spMk id="7" creationId="{58C40539-46F0-494A-8163-8D5BF28501B8}"/>
-          </ac:spMkLst>
-        </pc:spChg>
-        <pc:spChg chg="mod">
-          <ac:chgData name="Khattab, Sherif" userId="c83b1e15-36f3-4f46-aceb-05aac24c545e" providerId="ADAL" clId="{E6EB0EA7-2544-4CF1-A7D6-AFF5E9AECA5D}" dt="2020-05-14T17:16:25.708" v="6"/>
-          <ac:spMkLst>
-            <pc:docMk/>
-            <pc:sldMk cId="2736486443" sldId="379"/>
-            <ac:spMk id="8" creationId="{FE005030-9F97-AB44-8CA9-4B4CEC2B226B}"/>
-          </ac:spMkLst>
-        </pc:spChg>
-        <pc:spChg chg="mod">
-          <ac:chgData name="Khattab, Sherif" userId="c83b1e15-36f3-4f46-aceb-05aac24c545e" providerId="ADAL" clId="{E6EB0EA7-2544-4CF1-A7D6-AFF5E9AECA5D}" dt="2020-05-14T17:16:25.708" v="6"/>
-          <ac:spMkLst>
-            <pc:docMk/>
-            <pc:sldMk cId="2736486443" sldId="379"/>
-            <ac:spMk id="116741" creationId="{61954CF2-0056-D24F-AC34-B313ACE689DF}"/>
-          </ac:spMkLst>
-        </pc:spChg>
-        <pc:spChg chg="mod">
-          <ac:chgData name="Khattab, Sherif" userId="c83b1e15-36f3-4f46-aceb-05aac24c545e" providerId="ADAL" clId="{E6EB0EA7-2544-4CF1-A7D6-AFF5E9AECA5D}" dt="2020-05-14T17:16:25.708" v="6"/>
-          <ac:spMkLst>
-            <pc:docMk/>
-            <pc:sldMk cId="2736486443" sldId="379"/>
-            <ac:spMk id="116742" creationId="{7FDA39D6-D460-F84C-B825-972ADE5DCF4A}"/>
-          </ac:spMkLst>
-        </pc:spChg>
-      </pc:sldChg>
-      <pc:sldChg chg="modSp">
-        <pc:chgData name="Khattab, Sherif" userId="c83b1e15-36f3-4f46-aceb-05aac24c545e" providerId="ADAL" clId="{E6EB0EA7-2544-4CF1-A7D6-AFF5E9AECA5D}" dt="2020-05-14T17:16:25.708" v="6"/>
-        <pc:sldMkLst>
-          <pc:docMk/>
-          <pc:sldMk cId="541381985" sldId="380"/>
-        </pc:sldMkLst>
-        <pc:spChg chg="mod">
-          <ac:chgData name="Khattab, Sherif" userId="c83b1e15-36f3-4f46-aceb-05aac24c545e" providerId="ADAL" clId="{E6EB0EA7-2544-4CF1-A7D6-AFF5E9AECA5D}" dt="2020-05-14T17:16:25.708" v="6"/>
-          <ac:spMkLst>
-            <pc:docMk/>
-            <pc:sldMk cId="541381985" sldId="380"/>
-            <ac:spMk id="23" creationId="{D8BAE81C-B76B-1043-9117-0845AC5B4638}"/>
-          </ac:spMkLst>
-        </pc:spChg>
-        <pc:spChg chg="mod">
-          <ac:chgData name="Khattab, Sherif" userId="c83b1e15-36f3-4f46-aceb-05aac24c545e" providerId="ADAL" clId="{E6EB0EA7-2544-4CF1-A7D6-AFF5E9AECA5D}" dt="2020-05-14T17:16:25.708" v="6"/>
-          <ac:spMkLst>
-            <pc:docMk/>
-            <pc:sldMk cId="541381985" sldId="380"/>
-            <ac:spMk id="24" creationId="{E12A7118-22DB-E24A-AC7D-671F01F34327}"/>
-          </ac:spMkLst>
-        </pc:spChg>
-        <pc:spChg chg="mod">
-          <ac:chgData name="Khattab, Sherif" userId="c83b1e15-36f3-4f46-aceb-05aac24c545e" providerId="ADAL" clId="{E6EB0EA7-2544-4CF1-A7D6-AFF5E9AECA5D}" dt="2020-05-14T17:16:25.708" v="6"/>
-          <ac:spMkLst>
-            <pc:docMk/>
-            <pc:sldMk cId="541381985" sldId="380"/>
-            <ac:spMk id="118786" creationId="{26D54543-5CF1-B947-A0EE-00F2D893EE94}"/>
-          </ac:spMkLst>
-        </pc:spChg>
-      </pc:sldChg>
-      <pc:sldChg chg="modSp">
-        <pc:chgData name="Khattab, Sherif" userId="c83b1e15-36f3-4f46-aceb-05aac24c545e" providerId="ADAL" clId="{E6EB0EA7-2544-4CF1-A7D6-AFF5E9AECA5D}" dt="2020-05-14T17:16:25.708" v="6"/>
-        <pc:sldMkLst>
-          <pc:docMk/>
-          <pc:sldMk cId="2235897330" sldId="381"/>
-        </pc:sldMkLst>
-        <pc:spChg chg="mod">
-          <ac:chgData name="Khattab, Sherif" userId="c83b1e15-36f3-4f46-aceb-05aac24c545e" providerId="ADAL" clId="{E6EB0EA7-2544-4CF1-A7D6-AFF5E9AECA5D}" dt="2020-05-14T17:16:25.708" v="6"/>
-          <ac:spMkLst>
-            <pc:docMk/>
-            <pc:sldMk cId="2235897330" sldId="381"/>
-            <ac:spMk id="6" creationId="{14AD1B91-AC10-B440-9C4C-C14AAC27D890}"/>
-          </ac:spMkLst>
-        </pc:spChg>
-        <pc:spChg chg="mod">
-          <ac:chgData name="Khattab, Sherif" userId="c83b1e15-36f3-4f46-aceb-05aac24c545e" providerId="ADAL" clId="{E6EB0EA7-2544-4CF1-A7D6-AFF5E9AECA5D}" dt="2020-05-14T17:16:25.708" v="6"/>
-          <ac:spMkLst>
-            <pc:docMk/>
-            <pc:sldMk cId="2235897330" sldId="381"/>
-            <ac:spMk id="7" creationId="{B9EE9886-5992-E94D-9C19-0A09959F63CE}"/>
-          </ac:spMkLst>
-        </pc:spChg>
-        <pc:spChg chg="mod">
-          <ac:chgData name="Khattab, Sherif" userId="c83b1e15-36f3-4f46-aceb-05aac24c545e" providerId="ADAL" clId="{E6EB0EA7-2544-4CF1-A7D6-AFF5E9AECA5D}" dt="2020-05-14T17:16:25.708" v="6"/>
-          <ac:spMkLst>
-            <pc:docMk/>
-            <pc:sldMk cId="2235897330" sldId="381"/>
-            <ac:spMk id="119812" creationId="{A73752DD-1D6A-F745-BB51-635DA198A402}"/>
-          </ac:spMkLst>
-        </pc:spChg>
-        <pc:spChg chg="mod">
-          <ac:chgData name="Khattab, Sherif" userId="c83b1e15-36f3-4f46-aceb-05aac24c545e" providerId="ADAL" clId="{E6EB0EA7-2544-4CF1-A7D6-AFF5E9AECA5D}" dt="2020-05-14T17:16:25.708" v="6"/>
-          <ac:spMkLst>
-            <pc:docMk/>
-            <pc:sldMk cId="2235897330" sldId="381"/>
-            <ac:spMk id="119813" creationId="{2D0E5FEC-FE0E-9048-B247-70B668077E38}"/>
-          </ac:spMkLst>
-        </pc:spChg>
-      </pc:sldChg>
-      <pc:sldChg chg="modSp">
-        <pc:chgData name="Khattab, Sherif" userId="c83b1e15-36f3-4f46-aceb-05aac24c545e" providerId="ADAL" clId="{E6EB0EA7-2544-4CF1-A7D6-AFF5E9AECA5D}" dt="2020-05-14T17:16:25.708" v="6"/>
-        <pc:sldMkLst>
-          <pc:docMk/>
-          <pc:sldMk cId="3360044446" sldId="382"/>
-        </pc:sldMkLst>
-        <pc:spChg chg="mod">
-          <ac:chgData name="Khattab, Sherif" userId="c83b1e15-36f3-4f46-aceb-05aac24c545e" providerId="ADAL" clId="{E6EB0EA7-2544-4CF1-A7D6-AFF5E9AECA5D}" dt="2020-05-14T17:16:25.708" v="6"/>
-          <ac:spMkLst>
-            <pc:docMk/>
-            <pc:sldMk cId="3360044446" sldId="382"/>
-            <ac:spMk id="6" creationId="{892037B0-DA9E-524E-9830-DB51F1E2FAD4}"/>
-          </ac:spMkLst>
-        </pc:spChg>
-        <pc:spChg chg="mod">
-          <ac:chgData name="Khattab, Sherif" userId="c83b1e15-36f3-4f46-aceb-05aac24c545e" providerId="ADAL" clId="{E6EB0EA7-2544-4CF1-A7D6-AFF5E9AECA5D}" dt="2020-05-14T17:16:25.708" v="6"/>
-          <ac:spMkLst>
-            <pc:docMk/>
-            <pc:sldMk cId="3360044446" sldId="382"/>
-            <ac:spMk id="7" creationId="{7AAA58F4-97D1-A64F-ABCD-20A52A9C827F}"/>
-          </ac:spMkLst>
-        </pc:spChg>
-        <pc:spChg chg="mod">
-          <ac:chgData name="Khattab, Sherif" userId="c83b1e15-36f3-4f46-aceb-05aac24c545e" providerId="ADAL" clId="{E6EB0EA7-2544-4CF1-A7D6-AFF5E9AECA5D}" dt="2020-05-14T17:16:25.708" v="6"/>
-          <ac:spMkLst>
-            <pc:docMk/>
-            <pc:sldMk cId="3360044446" sldId="382"/>
-            <ac:spMk id="120836" creationId="{88BA2802-16A1-694F-9A85-7A5E70F37E97}"/>
-          </ac:spMkLst>
-        </pc:spChg>
-      </pc:sldChg>
-      <pc:sldChg chg="modSp">
-        <pc:chgData name="Khattab, Sherif" userId="c83b1e15-36f3-4f46-aceb-05aac24c545e" providerId="ADAL" clId="{E6EB0EA7-2544-4CF1-A7D6-AFF5E9AECA5D}" dt="2020-05-14T17:16:25.708" v="6"/>
-        <pc:sldMkLst>
-          <pc:docMk/>
-          <pc:sldMk cId="1954384084" sldId="383"/>
-        </pc:sldMkLst>
-        <pc:spChg chg="mod">
-          <ac:chgData name="Khattab, Sherif" userId="c83b1e15-36f3-4f46-aceb-05aac24c545e" providerId="ADAL" clId="{E6EB0EA7-2544-4CF1-A7D6-AFF5E9AECA5D}" dt="2020-05-14T17:16:25.708" v="6"/>
-          <ac:spMkLst>
-            <pc:docMk/>
-            <pc:sldMk cId="1954384084" sldId="383"/>
-            <ac:spMk id="2" creationId="{C152C312-EE9A-B14C-81EE-6E9046ACD9F5}"/>
-          </ac:spMkLst>
-        </pc:spChg>
-        <pc:spChg chg="mod">
-          <ac:chgData name="Khattab, Sherif" userId="c83b1e15-36f3-4f46-aceb-05aac24c545e" providerId="ADAL" clId="{E6EB0EA7-2544-4CF1-A7D6-AFF5E9AECA5D}" dt="2020-05-14T17:16:25.708" v="6"/>
-          <ac:spMkLst>
-            <pc:docMk/>
-            <pc:sldMk cId="1954384084" sldId="383"/>
-            <ac:spMk id="6" creationId="{42655DCF-2496-8343-8285-CC501D3D933F}"/>
-          </ac:spMkLst>
-        </pc:spChg>
-        <pc:spChg chg="mod">
-          <ac:chgData name="Khattab, Sherif" userId="c83b1e15-36f3-4f46-aceb-05aac24c545e" providerId="ADAL" clId="{E6EB0EA7-2544-4CF1-A7D6-AFF5E9AECA5D}" dt="2020-05-14T17:16:25.708" v="6"/>
-          <ac:spMkLst>
-            <pc:docMk/>
-            <pc:sldMk cId="1954384084" sldId="383"/>
-            <ac:spMk id="7" creationId="{46F010D7-2CC3-2A4D-91D1-83C1FF96DE38}"/>
-          </ac:spMkLst>
-        </pc:spChg>
-        <pc:spChg chg="mod">
-          <ac:chgData name="Khattab, Sherif" userId="c83b1e15-36f3-4f46-aceb-05aac24c545e" providerId="ADAL" clId="{E6EB0EA7-2544-4CF1-A7D6-AFF5E9AECA5D}" dt="2020-05-14T17:16:25.708" v="6"/>
-          <ac:spMkLst>
-            <pc:docMk/>
-            <pc:sldMk cId="1954384084" sldId="383"/>
-            <ac:spMk id="121858" creationId="{996677B1-E9B9-7E43-80C2-5A0146DDFBD6}"/>
-          </ac:spMkLst>
-        </pc:spChg>
-      </pc:sldChg>
-      <pc:sldChg chg="modSp">
-        <pc:chgData name="Khattab, Sherif" userId="c83b1e15-36f3-4f46-aceb-05aac24c545e" providerId="ADAL" clId="{E6EB0EA7-2544-4CF1-A7D6-AFF5E9AECA5D}" dt="2020-05-14T17:16:25.708" v="6"/>
-        <pc:sldMkLst>
-          <pc:docMk/>
-          <pc:sldMk cId="220759689" sldId="384"/>
-        </pc:sldMkLst>
-        <pc:spChg chg="mod">
-          <ac:chgData name="Khattab, Sherif" userId="c83b1e15-36f3-4f46-aceb-05aac24c545e" providerId="ADAL" clId="{E6EB0EA7-2544-4CF1-A7D6-AFF5E9AECA5D}" dt="2020-05-14T17:16:25.708" v="6"/>
-          <ac:spMkLst>
-            <pc:docMk/>
-            <pc:sldMk cId="220759689" sldId="384"/>
-            <ac:spMk id="2" creationId="{CF207B98-521B-224F-9214-404C50F1BDD2}"/>
-          </ac:spMkLst>
-        </pc:spChg>
-        <pc:spChg chg="mod">
-          <ac:chgData name="Khattab, Sherif" userId="c83b1e15-36f3-4f46-aceb-05aac24c545e" providerId="ADAL" clId="{E6EB0EA7-2544-4CF1-A7D6-AFF5E9AECA5D}" dt="2020-05-14T17:16:25.708" v="6"/>
-          <ac:spMkLst>
-            <pc:docMk/>
-            <pc:sldMk cId="220759689" sldId="384"/>
-            <ac:spMk id="4" creationId="{CC9723C8-7544-8F48-9942-691DFD0E7709}"/>
-          </ac:spMkLst>
-        </pc:spChg>
-        <pc:spChg chg="mod">
-          <ac:chgData name="Khattab, Sherif" userId="c83b1e15-36f3-4f46-aceb-05aac24c545e" providerId="ADAL" clId="{E6EB0EA7-2544-4CF1-A7D6-AFF5E9AECA5D}" dt="2020-05-14T17:16:25.708" v="6"/>
-          <ac:spMkLst>
-            <pc:docMk/>
-            <pc:sldMk cId="220759689" sldId="384"/>
-            <ac:spMk id="5" creationId="{E6792081-A4F1-204D-89A2-A383EBF798DE}"/>
-          </ac:spMkLst>
-        </pc:spChg>
-        <pc:spChg chg="mod">
-          <ac:chgData name="Khattab, Sherif" userId="c83b1e15-36f3-4f46-aceb-05aac24c545e" providerId="ADAL" clId="{E6EB0EA7-2544-4CF1-A7D6-AFF5E9AECA5D}" dt="2020-05-14T17:16:25.708" v="6"/>
-          <ac:spMkLst>
-            <pc:docMk/>
-            <pc:sldMk cId="220759689" sldId="384"/>
-            <ac:spMk id="122883" creationId="{0E76E078-47E1-124A-A71A-BC95F0EC2D35}"/>
-          </ac:spMkLst>
-        </pc:spChg>
-      </pc:sldChg>
-      <pc:sldChg chg="modSp">
-        <pc:chgData name="Khattab, Sherif" userId="c83b1e15-36f3-4f46-aceb-05aac24c545e" providerId="ADAL" clId="{E6EB0EA7-2544-4CF1-A7D6-AFF5E9AECA5D}" dt="2020-05-14T17:16:25.708" v="6"/>
-        <pc:sldMkLst>
-          <pc:docMk/>
-          <pc:sldMk cId="2809799376" sldId="385"/>
-        </pc:sldMkLst>
-        <pc:spChg chg="mod">
-          <ac:chgData name="Khattab, Sherif" userId="c83b1e15-36f3-4f46-aceb-05aac24c545e" providerId="ADAL" clId="{E6EB0EA7-2544-4CF1-A7D6-AFF5E9AECA5D}" dt="2020-05-14T17:16:25.708" v="6"/>
-          <ac:spMkLst>
-            <pc:docMk/>
-            <pc:sldMk cId="2809799376" sldId="385"/>
-            <ac:spMk id="6" creationId="{5C0366B7-59B2-A44E-A41C-A7F29A0C0CA0}"/>
-          </ac:spMkLst>
-        </pc:spChg>
-        <pc:spChg chg="mod">
-          <ac:chgData name="Khattab, Sherif" userId="c83b1e15-36f3-4f46-aceb-05aac24c545e" providerId="ADAL" clId="{E6EB0EA7-2544-4CF1-A7D6-AFF5E9AECA5D}" dt="2020-05-14T17:16:25.708" v="6"/>
-          <ac:spMkLst>
-            <pc:docMk/>
-            <pc:sldMk cId="2809799376" sldId="385"/>
-            <ac:spMk id="7" creationId="{B7E9558F-D8D8-2248-A973-1E52834737CC}"/>
-          </ac:spMkLst>
-        </pc:spChg>
-        <pc:spChg chg="mod">
-          <ac:chgData name="Khattab, Sherif" userId="c83b1e15-36f3-4f46-aceb-05aac24c545e" providerId="ADAL" clId="{E6EB0EA7-2544-4CF1-A7D6-AFF5E9AECA5D}" dt="2020-05-14T17:16:25.708" v="6"/>
-          <ac:spMkLst>
-            <pc:docMk/>
-            <pc:sldMk cId="2809799376" sldId="385"/>
-            <ac:spMk id="123906" creationId="{C9706936-D7BB-8D41-95AD-F45EB6AAB603}"/>
-          </ac:spMkLst>
-        </pc:spChg>
-      </pc:sldChg>
-      <pc:sldChg chg="add">
-        <pc:chgData name="Khattab, Sherif" userId="c83b1e15-36f3-4f46-aceb-05aac24c545e" providerId="ADAL" clId="{E6EB0EA7-2544-4CF1-A7D6-AFF5E9AECA5D}" dt="2020-05-14T17:10:05.791" v="0"/>
-        <pc:sldMkLst>
-          <pc:docMk/>
-          <pc:sldMk cId="1330366002" sldId="454"/>
-        </pc:sldMkLst>
-      </pc:sldChg>
-      <pc:sldMasterChg chg="modSldLayout">
-        <pc:chgData name="Khattab, Sherif" userId="c83b1e15-36f3-4f46-aceb-05aac24c545e" providerId="ADAL" clId="{E6EB0EA7-2544-4CF1-A7D6-AFF5E9AECA5D}" dt="2020-05-14T17:11:02.329" v="5" actId="478"/>
-        <pc:sldMasterMkLst>
-          <pc:docMk/>
-          <pc:sldMasterMk cId="0" sldId="2147483648"/>
-        </pc:sldMasterMkLst>
-        <pc:sldLayoutChg chg="addSp delSp modSp">
-          <pc:chgData name="Khattab, Sherif" userId="c83b1e15-36f3-4f46-aceb-05aac24c545e" providerId="ADAL" clId="{E6EB0EA7-2544-4CF1-A7D6-AFF5E9AECA5D}" dt="2020-05-14T17:11:02.329" v="5" actId="478"/>
-          <pc:sldLayoutMkLst>
-            <pc:docMk/>
-            <pc:sldMasterMk cId="0" sldId="2147483648"/>
-            <pc:sldLayoutMk cId="75952674" sldId="2147483651"/>
-          </pc:sldLayoutMkLst>
-          <pc:spChg chg="mod">
-            <ac:chgData name="Khattab, Sherif" userId="c83b1e15-36f3-4f46-aceb-05aac24c545e" providerId="ADAL" clId="{E6EB0EA7-2544-4CF1-A7D6-AFF5E9AECA5D}" dt="2020-05-14T17:10:58.314" v="4" actId="207"/>
-            <ac:spMkLst>
-              <pc:docMk/>
-              <pc:sldMasterMk cId="0" sldId="2147483648"/>
-              <pc:sldLayoutMk cId="75952674" sldId="2147483651"/>
-              <ac:spMk id="2" creationId="{00000000-0000-0000-0000-000000000000}"/>
-            </ac:spMkLst>
-          </pc:spChg>
-          <pc:picChg chg="add del mod">
-            <ac:chgData name="Khattab, Sherif" userId="c83b1e15-36f3-4f46-aceb-05aac24c545e" providerId="ADAL" clId="{E6EB0EA7-2544-4CF1-A7D6-AFF5E9AECA5D}" dt="2020-05-14T17:11:02.329" v="5" actId="478"/>
-            <ac:picMkLst>
-              <pc:docMk/>
-              <pc:sldMasterMk cId="0" sldId="2147483648"/>
-              <pc:sldLayoutMk cId="75952674" sldId="2147483651"/>
-              <ac:picMk id="10" creationId="{CE32924D-DB3B-4207-A608-C0B94DD56D2C}"/>
-            </ac:picMkLst>
-          </pc:picChg>
-        </pc:sldLayoutChg>
-      </pc:sldMasterChg>
+          <ac:chgData name="Khattab, Sherif" userId="c83b1e15-36f3-4f46-aceb-05aac24c545e" providerId="ADAL" clId="{507A1873-EF81-4634-B692-B97E391A5F2F}" dt="2023-01-12T18:48:32.356" v="1" actId="20577"/>
+          <ac:spMkLst>
+            <pc:docMk/>
+            <pc:sldMk cId="1330366002" sldId="454"/>
+            <ac:spMk id="3" creationId="{00000000-0000-0000-0000-000000000000}"/>
+          </ac:spMkLst>
+        </pc:spChg>
+        <pc:picChg chg="add mod">
+          <ac:chgData name="Khattab, Sherif" userId="c83b1e15-36f3-4f46-aceb-05aac24c545e" providerId="ADAL" clId="{507A1873-EF81-4634-B692-B97E391A5F2F}" dt="2023-01-12T18:48:34.676" v="4"/>
+          <ac:picMkLst>
+            <pc:docMk/>
+            <pc:sldMk cId="1330366002" sldId="454"/>
+            <ac:picMk id="5" creationId="{A0287CE8-157A-C910-F46E-5274F659BBD6}"/>
+          </ac:picMkLst>
+        </pc:picChg>
+      </pc:sldChg>
     </pc:docChg>
   </pc:docChgLst>
   <pc:docChgLst>
@@ -8259,804 +9097,6 @@
             <ac:spMk id="114694" creationId="{BBDAC104-BD98-9A47-A516-EE144AE2C4FF}"/>
           </ac:spMkLst>
         </pc:spChg>
-      </pc:sldChg>
-    </pc:docChg>
-  </pc:docChgLst>
-  <pc:docChgLst>
-    <pc:chgData name="Khattab, Sherif" userId="c83b1e15-36f3-4f46-aceb-05aac24c545e" providerId="ADAL" clId="{EE78B4C3-BA47-2B47-8B84-4022815E3587}"/>
-    <pc:docChg chg="addSld delSld modSld">
-      <pc:chgData name="Khattab, Sherif" userId="c83b1e15-36f3-4f46-aceb-05aac24c545e" providerId="ADAL" clId="{EE78B4C3-BA47-2B47-8B84-4022815E3587}" dt="2019-05-14T13:34:18.851" v="46"/>
-      <pc:docMkLst>
-        <pc:docMk/>
-      </pc:docMkLst>
-      <pc:sldChg chg="modSp">
-        <pc:chgData name="Khattab, Sherif" userId="c83b1e15-36f3-4f46-aceb-05aac24c545e" providerId="ADAL" clId="{EE78B4C3-BA47-2B47-8B84-4022815E3587}" dt="2019-05-14T13:28:04.131" v="18" actId="20577"/>
-        <pc:sldMkLst>
-          <pc:docMk/>
-          <pc:sldMk cId="0" sldId="256"/>
-        </pc:sldMkLst>
-        <pc:spChg chg="mod">
-          <ac:chgData name="Khattab, Sherif" userId="c83b1e15-36f3-4f46-aceb-05aac24c545e" providerId="ADAL" clId="{EE78B4C3-BA47-2B47-8B84-4022815E3587}" dt="2019-05-14T13:28:04.131" v="18" actId="20577"/>
-          <ac:spMkLst>
-            <pc:docMk/>
-            <pc:sldMk cId="0" sldId="256"/>
-            <ac:spMk id="2" creationId="{00000000-0000-0000-0000-000000000000}"/>
-          </ac:spMkLst>
-        </pc:spChg>
-      </pc:sldChg>
-      <pc:sldChg chg="delSp">
-        <pc:chgData name="Khattab, Sherif" userId="c83b1e15-36f3-4f46-aceb-05aac24c545e" providerId="ADAL" clId="{EE78B4C3-BA47-2B47-8B84-4022815E3587}" dt="2019-05-14T13:30:07.468" v="20"/>
-        <pc:sldMkLst>
-          <pc:docMk/>
-          <pc:sldMk cId="1004035158" sldId="259"/>
-        </pc:sldMkLst>
-        <pc:spChg chg="del">
-          <ac:chgData name="Khattab, Sherif" userId="c83b1e15-36f3-4f46-aceb-05aac24c545e" providerId="ADAL" clId="{EE78B4C3-BA47-2B47-8B84-4022815E3587}" dt="2019-05-14T13:30:07.468" v="20"/>
-          <ac:spMkLst>
-            <pc:docMk/>
-            <pc:sldMk cId="1004035158" sldId="259"/>
-            <ac:spMk id="2" creationId="{00000000-0000-0000-0000-000000000000}"/>
-          </ac:spMkLst>
-        </pc:spChg>
-      </pc:sldChg>
-      <pc:sldChg chg="delSp">
-        <pc:chgData name="Khattab, Sherif" userId="c83b1e15-36f3-4f46-aceb-05aac24c545e" providerId="ADAL" clId="{EE78B4C3-BA47-2B47-8B84-4022815E3587}" dt="2019-05-14T13:30:07.468" v="20"/>
-        <pc:sldMkLst>
-          <pc:docMk/>
-          <pc:sldMk cId="1444142485" sldId="261"/>
-        </pc:sldMkLst>
-        <pc:spChg chg="del">
-          <ac:chgData name="Khattab, Sherif" userId="c83b1e15-36f3-4f46-aceb-05aac24c545e" providerId="ADAL" clId="{EE78B4C3-BA47-2B47-8B84-4022815E3587}" dt="2019-05-14T13:30:07.468" v="20"/>
-          <ac:spMkLst>
-            <pc:docMk/>
-            <pc:sldMk cId="1444142485" sldId="261"/>
-            <ac:spMk id="3" creationId="{00000000-0000-0000-0000-000000000000}"/>
-          </ac:spMkLst>
-        </pc:spChg>
-      </pc:sldChg>
-      <pc:sldChg chg="delSp">
-        <pc:chgData name="Khattab, Sherif" userId="c83b1e15-36f3-4f46-aceb-05aac24c545e" providerId="ADAL" clId="{EE78B4C3-BA47-2B47-8B84-4022815E3587}" dt="2019-05-14T13:30:07.468" v="20"/>
-        <pc:sldMkLst>
-          <pc:docMk/>
-          <pc:sldMk cId="516417489" sldId="262"/>
-        </pc:sldMkLst>
-        <pc:spChg chg="del">
-          <ac:chgData name="Khattab, Sherif" userId="c83b1e15-36f3-4f46-aceb-05aac24c545e" providerId="ADAL" clId="{EE78B4C3-BA47-2B47-8B84-4022815E3587}" dt="2019-05-14T13:30:07.468" v="20"/>
-          <ac:spMkLst>
-            <pc:docMk/>
-            <pc:sldMk cId="516417489" sldId="262"/>
-            <ac:spMk id="2" creationId="{00000000-0000-0000-0000-000000000000}"/>
-          </ac:spMkLst>
-        </pc:spChg>
-      </pc:sldChg>
-      <pc:sldChg chg="delSp">
-        <pc:chgData name="Khattab, Sherif" userId="c83b1e15-36f3-4f46-aceb-05aac24c545e" providerId="ADAL" clId="{EE78B4C3-BA47-2B47-8B84-4022815E3587}" dt="2019-05-14T13:30:07.468" v="20"/>
-        <pc:sldMkLst>
-          <pc:docMk/>
-          <pc:sldMk cId="561583903" sldId="263"/>
-        </pc:sldMkLst>
-        <pc:spChg chg="del">
-          <ac:chgData name="Khattab, Sherif" userId="c83b1e15-36f3-4f46-aceb-05aac24c545e" providerId="ADAL" clId="{EE78B4C3-BA47-2B47-8B84-4022815E3587}" dt="2019-05-14T13:30:07.468" v="20"/>
-          <ac:spMkLst>
-            <pc:docMk/>
-            <pc:sldMk cId="561583903" sldId="263"/>
-            <ac:spMk id="3" creationId="{00000000-0000-0000-0000-000000000000}"/>
-          </ac:spMkLst>
-        </pc:spChg>
-      </pc:sldChg>
-      <pc:sldChg chg="delSp">
-        <pc:chgData name="Khattab, Sherif" userId="c83b1e15-36f3-4f46-aceb-05aac24c545e" providerId="ADAL" clId="{EE78B4C3-BA47-2B47-8B84-4022815E3587}" dt="2019-05-14T13:30:07.468" v="20"/>
-        <pc:sldMkLst>
-          <pc:docMk/>
-          <pc:sldMk cId="982315759" sldId="264"/>
-        </pc:sldMkLst>
-        <pc:spChg chg="del">
-          <ac:chgData name="Khattab, Sherif" userId="c83b1e15-36f3-4f46-aceb-05aac24c545e" providerId="ADAL" clId="{EE78B4C3-BA47-2B47-8B84-4022815E3587}" dt="2019-05-14T13:30:07.468" v="20"/>
-          <ac:spMkLst>
-            <pc:docMk/>
-            <pc:sldMk cId="982315759" sldId="264"/>
-            <ac:spMk id="2" creationId="{00000000-0000-0000-0000-000000000000}"/>
-          </ac:spMkLst>
-        </pc:spChg>
-      </pc:sldChg>
-      <pc:sldChg chg="delSp modSp">
-        <pc:chgData name="Khattab, Sherif" userId="c83b1e15-36f3-4f46-aceb-05aac24c545e" providerId="ADAL" clId="{EE78B4C3-BA47-2B47-8B84-4022815E3587}" dt="2019-05-14T13:30:35.317" v="37" actId="20577"/>
-        <pc:sldMkLst>
-          <pc:docMk/>
-          <pc:sldMk cId="423130617" sldId="265"/>
-        </pc:sldMkLst>
-        <pc:spChg chg="del">
-          <ac:chgData name="Khattab, Sherif" userId="c83b1e15-36f3-4f46-aceb-05aac24c545e" providerId="ADAL" clId="{EE78B4C3-BA47-2B47-8B84-4022815E3587}" dt="2019-05-14T13:30:07.468" v="20"/>
-          <ac:spMkLst>
-            <pc:docMk/>
-            <pc:sldMk cId="423130617" sldId="265"/>
-            <ac:spMk id="3" creationId="{00000000-0000-0000-0000-000000000000}"/>
-          </ac:spMkLst>
-        </pc:spChg>
-        <pc:spChg chg="mod">
-          <ac:chgData name="Khattab, Sherif" userId="c83b1e15-36f3-4f46-aceb-05aac24c545e" providerId="ADAL" clId="{EE78B4C3-BA47-2B47-8B84-4022815E3587}" dt="2019-05-14T13:30:35.317" v="37" actId="20577"/>
-          <ac:spMkLst>
-            <pc:docMk/>
-            <pc:sldMk cId="423130617" sldId="265"/>
-            <ac:spMk id="12290" creationId="{00000000-0000-0000-0000-000000000000}"/>
-          </ac:spMkLst>
-        </pc:spChg>
-      </pc:sldChg>
-      <pc:sldChg chg="delSp">
-        <pc:chgData name="Khattab, Sherif" userId="c83b1e15-36f3-4f46-aceb-05aac24c545e" providerId="ADAL" clId="{EE78B4C3-BA47-2B47-8B84-4022815E3587}" dt="2019-05-14T13:30:07.468" v="20"/>
-        <pc:sldMkLst>
-          <pc:docMk/>
-          <pc:sldMk cId="661211275" sldId="267"/>
-        </pc:sldMkLst>
-        <pc:spChg chg="del">
-          <ac:chgData name="Khattab, Sherif" userId="c83b1e15-36f3-4f46-aceb-05aac24c545e" providerId="ADAL" clId="{EE78B4C3-BA47-2B47-8B84-4022815E3587}" dt="2019-05-14T13:30:07.468" v="20"/>
-          <ac:spMkLst>
-            <pc:docMk/>
-            <pc:sldMk cId="661211275" sldId="267"/>
-            <ac:spMk id="2" creationId="{00000000-0000-0000-0000-000000000000}"/>
-          </ac:spMkLst>
-        </pc:spChg>
-      </pc:sldChg>
-      <pc:sldChg chg="delSp">
-        <pc:chgData name="Khattab, Sherif" userId="c83b1e15-36f3-4f46-aceb-05aac24c545e" providerId="ADAL" clId="{EE78B4C3-BA47-2B47-8B84-4022815E3587}" dt="2019-05-14T13:30:07.468" v="20"/>
-        <pc:sldMkLst>
-          <pc:docMk/>
-          <pc:sldMk cId="1897509347" sldId="268"/>
-        </pc:sldMkLst>
-        <pc:spChg chg="del">
-          <ac:chgData name="Khattab, Sherif" userId="c83b1e15-36f3-4f46-aceb-05aac24c545e" providerId="ADAL" clId="{EE78B4C3-BA47-2B47-8B84-4022815E3587}" dt="2019-05-14T13:30:07.468" v="20"/>
-          <ac:spMkLst>
-            <pc:docMk/>
-            <pc:sldMk cId="1897509347" sldId="268"/>
-            <ac:spMk id="2" creationId="{00000000-0000-0000-0000-000000000000}"/>
-          </ac:spMkLst>
-        </pc:spChg>
-      </pc:sldChg>
-      <pc:sldChg chg="delSp">
-        <pc:chgData name="Khattab, Sherif" userId="c83b1e15-36f3-4f46-aceb-05aac24c545e" providerId="ADAL" clId="{EE78B4C3-BA47-2B47-8B84-4022815E3587}" dt="2019-05-14T13:30:07.468" v="20"/>
-        <pc:sldMkLst>
-          <pc:docMk/>
-          <pc:sldMk cId="1042310649" sldId="269"/>
-        </pc:sldMkLst>
-        <pc:spChg chg="del">
-          <ac:chgData name="Khattab, Sherif" userId="c83b1e15-36f3-4f46-aceb-05aac24c545e" providerId="ADAL" clId="{EE78B4C3-BA47-2B47-8B84-4022815E3587}" dt="2019-05-14T13:30:07.468" v="20"/>
-          <ac:spMkLst>
-            <pc:docMk/>
-            <pc:sldMk cId="1042310649" sldId="269"/>
-            <ac:spMk id="3" creationId="{00000000-0000-0000-0000-000000000000}"/>
-          </ac:spMkLst>
-        </pc:spChg>
-      </pc:sldChg>
-      <pc:sldChg chg="delSp">
-        <pc:chgData name="Khattab, Sherif" userId="c83b1e15-36f3-4f46-aceb-05aac24c545e" providerId="ADAL" clId="{EE78B4C3-BA47-2B47-8B84-4022815E3587}" dt="2019-05-14T13:30:07.468" v="20"/>
-        <pc:sldMkLst>
-          <pc:docMk/>
-          <pc:sldMk cId="703361262" sldId="270"/>
-        </pc:sldMkLst>
-        <pc:spChg chg="del">
-          <ac:chgData name="Khattab, Sherif" userId="c83b1e15-36f3-4f46-aceb-05aac24c545e" providerId="ADAL" clId="{EE78B4C3-BA47-2B47-8B84-4022815E3587}" dt="2019-05-14T13:30:07.468" v="20"/>
-          <ac:spMkLst>
-            <pc:docMk/>
-            <pc:sldMk cId="703361262" sldId="270"/>
-            <ac:spMk id="3" creationId="{00000000-0000-0000-0000-000000000000}"/>
-          </ac:spMkLst>
-        </pc:spChg>
-      </pc:sldChg>
-      <pc:sldChg chg="delSp">
-        <pc:chgData name="Khattab, Sherif" userId="c83b1e15-36f3-4f46-aceb-05aac24c545e" providerId="ADAL" clId="{EE78B4C3-BA47-2B47-8B84-4022815E3587}" dt="2019-05-14T13:30:07.468" v="20"/>
-        <pc:sldMkLst>
-          <pc:docMk/>
-          <pc:sldMk cId="1436808390" sldId="271"/>
-        </pc:sldMkLst>
-        <pc:spChg chg="del">
-          <ac:chgData name="Khattab, Sherif" userId="c83b1e15-36f3-4f46-aceb-05aac24c545e" providerId="ADAL" clId="{EE78B4C3-BA47-2B47-8B84-4022815E3587}" dt="2019-05-14T13:30:07.468" v="20"/>
-          <ac:spMkLst>
-            <pc:docMk/>
-            <pc:sldMk cId="1436808390" sldId="271"/>
-            <ac:spMk id="2" creationId="{00000000-0000-0000-0000-000000000000}"/>
-          </ac:spMkLst>
-        </pc:spChg>
-      </pc:sldChg>
-      <pc:sldChg chg="delSp">
-        <pc:chgData name="Khattab, Sherif" userId="c83b1e15-36f3-4f46-aceb-05aac24c545e" providerId="ADAL" clId="{EE78B4C3-BA47-2B47-8B84-4022815E3587}" dt="2019-05-14T13:30:07.468" v="20"/>
-        <pc:sldMkLst>
-          <pc:docMk/>
-          <pc:sldMk cId="1301683851" sldId="272"/>
-        </pc:sldMkLst>
-        <pc:spChg chg="del">
-          <ac:chgData name="Khattab, Sherif" userId="c83b1e15-36f3-4f46-aceb-05aac24c545e" providerId="ADAL" clId="{EE78B4C3-BA47-2B47-8B84-4022815E3587}" dt="2019-05-14T13:30:07.468" v="20"/>
-          <ac:spMkLst>
-            <pc:docMk/>
-            <pc:sldMk cId="1301683851" sldId="272"/>
-            <ac:spMk id="3" creationId="{00000000-0000-0000-0000-000000000000}"/>
-          </ac:spMkLst>
-        </pc:spChg>
-      </pc:sldChg>
-      <pc:sldChg chg="delSp">
-        <pc:chgData name="Khattab, Sherif" userId="c83b1e15-36f3-4f46-aceb-05aac24c545e" providerId="ADAL" clId="{EE78B4C3-BA47-2B47-8B84-4022815E3587}" dt="2019-05-14T13:30:07.468" v="20"/>
-        <pc:sldMkLst>
-          <pc:docMk/>
-          <pc:sldMk cId="55302999" sldId="274"/>
-        </pc:sldMkLst>
-        <pc:spChg chg="del">
-          <ac:chgData name="Khattab, Sherif" userId="c83b1e15-36f3-4f46-aceb-05aac24c545e" providerId="ADAL" clId="{EE78B4C3-BA47-2B47-8B84-4022815E3587}" dt="2019-05-14T13:30:07.468" v="20"/>
-          <ac:spMkLst>
-            <pc:docMk/>
-            <pc:sldMk cId="55302999" sldId="274"/>
-            <ac:spMk id="2" creationId="{00000000-0000-0000-0000-000000000000}"/>
-          </ac:spMkLst>
-        </pc:spChg>
-      </pc:sldChg>
-      <pc:sldChg chg="delSp">
-        <pc:chgData name="Khattab, Sherif" userId="c83b1e15-36f3-4f46-aceb-05aac24c545e" providerId="ADAL" clId="{EE78B4C3-BA47-2B47-8B84-4022815E3587}" dt="2019-05-14T13:30:07.468" v="20"/>
-        <pc:sldMkLst>
-          <pc:docMk/>
-          <pc:sldMk cId="2064114192" sldId="276"/>
-        </pc:sldMkLst>
-        <pc:spChg chg="del">
-          <ac:chgData name="Khattab, Sherif" userId="c83b1e15-36f3-4f46-aceb-05aac24c545e" providerId="ADAL" clId="{EE78B4C3-BA47-2B47-8B84-4022815E3587}" dt="2019-05-14T13:30:07.468" v="20"/>
-          <ac:spMkLst>
-            <pc:docMk/>
-            <pc:sldMk cId="2064114192" sldId="276"/>
-            <ac:spMk id="2" creationId="{00000000-0000-0000-0000-000000000000}"/>
-          </ac:spMkLst>
-        </pc:spChg>
-      </pc:sldChg>
-      <pc:sldChg chg="delSp">
-        <pc:chgData name="Khattab, Sherif" userId="c83b1e15-36f3-4f46-aceb-05aac24c545e" providerId="ADAL" clId="{EE78B4C3-BA47-2B47-8B84-4022815E3587}" dt="2019-05-14T13:30:07.468" v="20"/>
-        <pc:sldMkLst>
-          <pc:docMk/>
-          <pc:sldMk cId="1000435174" sldId="278"/>
-        </pc:sldMkLst>
-        <pc:spChg chg="del">
-          <ac:chgData name="Khattab, Sherif" userId="c83b1e15-36f3-4f46-aceb-05aac24c545e" providerId="ADAL" clId="{EE78B4C3-BA47-2B47-8B84-4022815E3587}" dt="2019-05-14T13:30:07.468" v="20"/>
-          <ac:spMkLst>
-            <pc:docMk/>
-            <pc:sldMk cId="1000435174" sldId="278"/>
-            <ac:spMk id="2" creationId="{00000000-0000-0000-0000-000000000000}"/>
-          </ac:spMkLst>
-        </pc:spChg>
-      </pc:sldChg>
-      <pc:sldChg chg="delSp">
-        <pc:chgData name="Khattab, Sherif" userId="c83b1e15-36f3-4f46-aceb-05aac24c545e" providerId="ADAL" clId="{EE78B4C3-BA47-2B47-8B84-4022815E3587}" dt="2019-05-14T13:30:07.468" v="20"/>
-        <pc:sldMkLst>
-          <pc:docMk/>
-          <pc:sldMk cId="2080017563" sldId="279"/>
-        </pc:sldMkLst>
-        <pc:spChg chg="del">
-          <ac:chgData name="Khattab, Sherif" userId="c83b1e15-36f3-4f46-aceb-05aac24c545e" providerId="ADAL" clId="{EE78B4C3-BA47-2B47-8B84-4022815E3587}" dt="2019-05-14T13:30:07.468" v="20"/>
-          <ac:spMkLst>
-            <pc:docMk/>
-            <pc:sldMk cId="2080017563" sldId="279"/>
-            <ac:spMk id="3" creationId="{00000000-0000-0000-0000-000000000000}"/>
-          </ac:spMkLst>
-        </pc:spChg>
-      </pc:sldChg>
-      <pc:sldChg chg="delSp">
-        <pc:chgData name="Khattab, Sherif" userId="c83b1e15-36f3-4f46-aceb-05aac24c545e" providerId="ADAL" clId="{EE78B4C3-BA47-2B47-8B84-4022815E3587}" dt="2019-05-14T13:30:07.468" v="20"/>
-        <pc:sldMkLst>
-          <pc:docMk/>
-          <pc:sldMk cId="1445345591" sldId="281"/>
-        </pc:sldMkLst>
-        <pc:spChg chg="del">
-          <ac:chgData name="Khattab, Sherif" userId="c83b1e15-36f3-4f46-aceb-05aac24c545e" providerId="ADAL" clId="{EE78B4C3-BA47-2B47-8B84-4022815E3587}" dt="2019-05-14T13:30:07.468" v="20"/>
-          <ac:spMkLst>
-            <pc:docMk/>
-            <pc:sldMk cId="1445345591" sldId="281"/>
-            <ac:spMk id="2" creationId="{00000000-0000-0000-0000-000000000000}"/>
-          </ac:spMkLst>
-        </pc:spChg>
-      </pc:sldChg>
-      <pc:sldChg chg="delSp">
-        <pc:chgData name="Khattab, Sherif" userId="c83b1e15-36f3-4f46-aceb-05aac24c545e" providerId="ADAL" clId="{EE78B4C3-BA47-2B47-8B84-4022815E3587}" dt="2019-05-14T13:30:07.468" v="20"/>
-        <pc:sldMkLst>
-          <pc:docMk/>
-          <pc:sldMk cId="306268545" sldId="282"/>
-        </pc:sldMkLst>
-        <pc:spChg chg="del">
-          <ac:chgData name="Khattab, Sherif" userId="c83b1e15-36f3-4f46-aceb-05aac24c545e" providerId="ADAL" clId="{EE78B4C3-BA47-2B47-8B84-4022815E3587}" dt="2019-05-14T13:30:07.468" v="20"/>
-          <ac:spMkLst>
-            <pc:docMk/>
-            <pc:sldMk cId="306268545" sldId="282"/>
-            <ac:spMk id="2" creationId="{00000000-0000-0000-0000-000000000000}"/>
-          </ac:spMkLst>
-        </pc:spChg>
-      </pc:sldChg>
-      <pc:sldChg chg="delSp add">
-        <pc:chgData name="Khattab, Sherif" userId="c83b1e15-36f3-4f46-aceb-05aac24c545e" providerId="ADAL" clId="{EE78B4C3-BA47-2B47-8B84-4022815E3587}" dt="2019-05-14T13:34:18.851" v="46"/>
-        <pc:sldMkLst>
-          <pc:docMk/>
-          <pc:sldMk cId="2710637777" sldId="322"/>
-        </pc:sldMkLst>
-        <pc:spChg chg="del">
-          <ac:chgData name="Khattab, Sherif" userId="c83b1e15-36f3-4f46-aceb-05aac24c545e" providerId="ADAL" clId="{EE78B4C3-BA47-2B47-8B84-4022815E3587}" dt="2019-05-14T13:34:18.851" v="46"/>
-          <ac:spMkLst>
-            <pc:docMk/>
-            <pc:sldMk cId="2710637777" sldId="322"/>
-            <ac:spMk id="6" creationId="{0700C6EC-DCCB-614E-A0F4-3418D2D78AC7}"/>
-          </ac:spMkLst>
-        </pc:spChg>
-      </pc:sldChg>
-      <pc:sldChg chg="delSp add">
-        <pc:chgData name="Khattab, Sherif" userId="c83b1e15-36f3-4f46-aceb-05aac24c545e" providerId="ADAL" clId="{EE78B4C3-BA47-2B47-8B84-4022815E3587}" dt="2019-05-14T13:34:18.851" v="46"/>
-        <pc:sldMkLst>
-          <pc:docMk/>
-          <pc:sldMk cId="3292918179" sldId="324"/>
-        </pc:sldMkLst>
-        <pc:spChg chg="del">
-          <ac:chgData name="Khattab, Sherif" userId="c83b1e15-36f3-4f46-aceb-05aac24c545e" providerId="ADAL" clId="{EE78B4C3-BA47-2B47-8B84-4022815E3587}" dt="2019-05-14T13:34:18.851" v="46"/>
-          <ac:spMkLst>
-            <pc:docMk/>
-            <pc:sldMk cId="3292918179" sldId="324"/>
-            <ac:spMk id="26" creationId="{3729950E-4F02-6B44-A5A4-B6238ABBD35B}"/>
-          </ac:spMkLst>
-        </pc:spChg>
-      </pc:sldChg>
-      <pc:sldChg chg="delSp add">
-        <pc:chgData name="Khattab, Sherif" userId="c83b1e15-36f3-4f46-aceb-05aac24c545e" providerId="ADAL" clId="{EE78B4C3-BA47-2B47-8B84-4022815E3587}" dt="2019-05-14T13:34:18.851" v="46"/>
-        <pc:sldMkLst>
-          <pc:docMk/>
-          <pc:sldMk cId="355119911" sldId="338"/>
-        </pc:sldMkLst>
-        <pc:spChg chg="del">
-          <ac:chgData name="Khattab, Sherif" userId="c83b1e15-36f3-4f46-aceb-05aac24c545e" providerId="ADAL" clId="{EE78B4C3-BA47-2B47-8B84-4022815E3587}" dt="2019-05-14T13:34:18.851" v="46"/>
-          <ac:spMkLst>
-            <pc:docMk/>
-            <pc:sldMk cId="355119911" sldId="338"/>
-            <ac:spMk id="7" creationId="{AC4B9F18-B1E5-C341-B953-6D96BAA0EB6C}"/>
-          </ac:spMkLst>
-        </pc:spChg>
-      </pc:sldChg>
-      <pc:sldChg chg="delSp add">
-        <pc:chgData name="Khattab, Sherif" userId="c83b1e15-36f3-4f46-aceb-05aac24c545e" providerId="ADAL" clId="{EE78B4C3-BA47-2B47-8B84-4022815E3587}" dt="2019-05-14T13:34:18.851" v="46"/>
-        <pc:sldMkLst>
-          <pc:docMk/>
-          <pc:sldMk cId="4223572414" sldId="339"/>
-        </pc:sldMkLst>
-        <pc:spChg chg="del">
-          <ac:chgData name="Khattab, Sherif" userId="c83b1e15-36f3-4f46-aceb-05aac24c545e" providerId="ADAL" clId="{EE78B4C3-BA47-2B47-8B84-4022815E3587}" dt="2019-05-14T13:34:18.851" v="46"/>
-          <ac:spMkLst>
-            <pc:docMk/>
-            <pc:sldMk cId="4223572414" sldId="339"/>
-            <ac:spMk id="6" creationId="{48879884-318D-6C49-B6B8-463E617B85F1}"/>
-          </ac:spMkLst>
-        </pc:spChg>
-      </pc:sldChg>
-      <pc:sldChg chg="delSp add">
-        <pc:chgData name="Khattab, Sherif" userId="c83b1e15-36f3-4f46-aceb-05aac24c545e" providerId="ADAL" clId="{EE78B4C3-BA47-2B47-8B84-4022815E3587}" dt="2019-05-14T13:34:18.851" v="46"/>
-        <pc:sldMkLst>
-          <pc:docMk/>
-          <pc:sldMk cId="470668490" sldId="340"/>
-        </pc:sldMkLst>
-        <pc:spChg chg="del">
-          <ac:chgData name="Khattab, Sherif" userId="c83b1e15-36f3-4f46-aceb-05aac24c545e" providerId="ADAL" clId="{EE78B4C3-BA47-2B47-8B84-4022815E3587}" dt="2019-05-14T13:34:18.851" v="46"/>
-          <ac:spMkLst>
-            <pc:docMk/>
-            <pc:sldMk cId="470668490" sldId="340"/>
-            <ac:spMk id="6" creationId="{32D0E818-62B1-0A49-9CFC-1DC58F40FEBE}"/>
-          </ac:spMkLst>
-        </pc:spChg>
-      </pc:sldChg>
-      <pc:sldChg chg="delSp add">
-        <pc:chgData name="Khattab, Sherif" userId="c83b1e15-36f3-4f46-aceb-05aac24c545e" providerId="ADAL" clId="{EE78B4C3-BA47-2B47-8B84-4022815E3587}" dt="2019-05-14T13:34:18.851" v="46"/>
-        <pc:sldMkLst>
-          <pc:docMk/>
-          <pc:sldMk cId="1205868326" sldId="341"/>
-        </pc:sldMkLst>
-        <pc:spChg chg="del">
-          <ac:chgData name="Khattab, Sherif" userId="c83b1e15-36f3-4f46-aceb-05aac24c545e" providerId="ADAL" clId="{EE78B4C3-BA47-2B47-8B84-4022815E3587}" dt="2019-05-14T13:34:18.851" v="46"/>
-          <ac:spMkLst>
-            <pc:docMk/>
-            <pc:sldMk cId="1205868326" sldId="341"/>
-            <ac:spMk id="6" creationId="{918B0854-EAA5-9D49-9ED0-EA7684377156}"/>
-          </ac:spMkLst>
-        </pc:spChg>
-      </pc:sldChg>
-      <pc:sldChg chg="delSp add">
-        <pc:chgData name="Khattab, Sherif" userId="c83b1e15-36f3-4f46-aceb-05aac24c545e" providerId="ADAL" clId="{EE78B4C3-BA47-2B47-8B84-4022815E3587}" dt="2019-05-14T13:34:18.851" v="46"/>
-        <pc:sldMkLst>
-          <pc:docMk/>
-          <pc:sldMk cId="1806563943" sldId="342"/>
-        </pc:sldMkLst>
-        <pc:spChg chg="del">
-          <ac:chgData name="Khattab, Sherif" userId="c83b1e15-36f3-4f46-aceb-05aac24c545e" providerId="ADAL" clId="{EE78B4C3-BA47-2B47-8B84-4022815E3587}" dt="2019-05-14T13:34:18.851" v="46"/>
-          <ac:spMkLst>
-            <pc:docMk/>
-            <pc:sldMk cId="1806563943" sldId="342"/>
-            <ac:spMk id="9" creationId="{712AC7F1-3CB0-3140-8620-EAE2154DEBDF}"/>
-          </ac:spMkLst>
-        </pc:spChg>
-      </pc:sldChg>
-      <pc:sldChg chg="delSp add">
-        <pc:chgData name="Khattab, Sherif" userId="c83b1e15-36f3-4f46-aceb-05aac24c545e" providerId="ADAL" clId="{EE78B4C3-BA47-2B47-8B84-4022815E3587}" dt="2019-05-14T13:34:18.851" v="46"/>
-        <pc:sldMkLst>
-          <pc:docMk/>
-          <pc:sldMk cId="1167711490" sldId="343"/>
-        </pc:sldMkLst>
-        <pc:spChg chg="del">
-          <ac:chgData name="Khattab, Sherif" userId="c83b1e15-36f3-4f46-aceb-05aac24c545e" providerId="ADAL" clId="{EE78B4C3-BA47-2B47-8B84-4022815E3587}" dt="2019-05-14T13:34:18.851" v="46"/>
-          <ac:spMkLst>
-            <pc:docMk/>
-            <pc:sldMk cId="1167711490" sldId="343"/>
-            <ac:spMk id="9" creationId="{7277E941-6A46-A141-896C-8CF8D763337C}"/>
-          </ac:spMkLst>
-        </pc:spChg>
-      </pc:sldChg>
-      <pc:sldChg chg="delSp add">
-        <pc:chgData name="Khattab, Sherif" userId="c83b1e15-36f3-4f46-aceb-05aac24c545e" providerId="ADAL" clId="{EE78B4C3-BA47-2B47-8B84-4022815E3587}" dt="2019-05-14T13:34:18.851" v="46"/>
-        <pc:sldMkLst>
-          <pc:docMk/>
-          <pc:sldMk cId="1271999567" sldId="349"/>
-        </pc:sldMkLst>
-        <pc:spChg chg="del">
-          <ac:chgData name="Khattab, Sherif" userId="c83b1e15-36f3-4f46-aceb-05aac24c545e" providerId="ADAL" clId="{EE78B4C3-BA47-2B47-8B84-4022815E3587}" dt="2019-05-14T13:34:18.851" v="46"/>
-          <ac:spMkLst>
-            <pc:docMk/>
-            <pc:sldMk cId="1271999567" sldId="349"/>
-            <ac:spMk id="8" creationId="{7BD79B2E-E2F2-FE40-AF15-AA838FE67060}"/>
-          </ac:spMkLst>
-        </pc:spChg>
-      </pc:sldChg>
-      <pc:sldChg chg="delSp add">
-        <pc:chgData name="Khattab, Sherif" userId="c83b1e15-36f3-4f46-aceb-05aac24c545e" providerId="ADAL" clId="{EE78B4C3-BA47-2B47-8B84-4022815E3587}" dt="2019-05-14T13:34:18.851" v="46"/>
-        <pc:sldMkLst>
-          <pc:docMk/>
-          <pc:sldMk cId="434376579" sldId="363"/>
-        </pc:sldMkLst>
-        <pc:spChg chg="del">
-          <ac:chgData name="Khattab, Sherif" userId="c83b1e15-36f3-4f46-aceb-05aac24c545e" providerId="ADAL" clId="{EE78B4C3-BA47-2B47-8B84-4022815E3587}" dt="2019-05-14T13:34:18.851" v="46"/>
-          <ac:spMkLst>
-            <pc:docMk/>
-            <pc:sldMk cId="434376579" sldId="363"/>
-            <ac:spMk id="15" creationId="{1190D209-83D1-A548-8C7B-C35DE4396F91}"/>
-          </ac:spMkLst>
-        </pc:spChg>
-      </pc:sldChg>
-      <pc:sldChg chg="delSp add">
-        <pc:chgData name="Khattab, Sherif" userId="c83b1e15-36f3-4f46-aceb-05aac24c545e" providerId="ADAL" clId="{EE78B4C3-BA47-2B47-8B84-4022815E3587}" dt="2019-05-14T13:34:18.851" v="46"/>
-        <pc:sldMkLst>
-          <pc:docMk/>
-          <pc:sldMk cId="815621424" sldId="364"/>
-        </pc:sldMkLst>
-        <pc:spChg chg="del">
-          <ac:chgData name="Khattab, Sherif" userId="c83b1e15-36f3-4f46-aceb-05aac24c545e" providerId="ADAL" clId="{EE78B4C3-BA47-2B47-8B84-4022815E3587}" dt="2019-05-14T13:34:18.851" v="46"/>
-          <ac:spMkLst>
-            <pc:docMk/>
-            <pc:sldMk cId="815621424" sldId="364"/>
-            <ac:spMk id="29" creationId="{6D10D6C8-49C6-BE4E-9E3F-EEC76AE056AA}"/>
-          </ac:spMkLst>
-        </pc:spChg>
-      </pc:sldChg>
-      <pc:sldChg chg="delSp add">
-        <pc:chgData name="Khattab, Sherif" userId="c83b1e15-36f3-4f46-aceb-05aac24c545e" providerId="ADAL" clId="{EE78B4C3-BA47-2B47-8B84-4022815E3587}" dt="2019-05-14T13:34:18.851" v="46"/>
-        <pc:sldMkLst>
-          <pc:docMk/>
-          <pc:sldMk cId="1934104099" sldId="365"/>
-        </pc:sldMkLst>
-        <pc:spChg chg="del">
-          <ac:chgData name="Khattab, Sherif" userId="c83b1e15-36f3-4f46-aceb-05aac24c545e" providerId="ADAL" clId="{EE78B4C3-BA47-2B47-8B84-4022815E3587}" dt="2019-05-14T13:34:18.851" v="46"/>
-          <ac:spMkLst>
-            <pc:docMk/>
-            <pc:sldMk cId="1934104099" sldId="365"/>
-            <ac:spMk id="10" creationId="{87886125-1D5E-014B-A276-636801877DB6}"/>
-          </ac:spMkLst>
-        </pc:spChg>
-      </pc:sldChg>
-      <pc:sldChg chg="delSp add">
-        <pc:chgData name="Khattab, Sherif" userId="c83b1e15-36f3-4f46-aceb-05aac24c545e" providerId="ADAL" clId="{EE78B4C3-BA47-2B47-8B84-4022815E3587}" dt="2019-05-14T13:34:18.851" v="46"/>
-        <pc:sldMkLst>
-          <pc:docMk/>
-          <pc:sldMk cId="2782429159" sldId="366"/>
-        </pc:sldMkLst>
-        <pc:spChg chg="del">
-          <ac:chgData name="Khattab, Sherif" userId="c83b1e15-36f3-4f46-aceb-05aac24c545e" providerId="ADAL" clId="{EE78B4C3-BA47-2B47-8B84-4022815E3587}" dt="2019-05-14T13:34:18.851" v="46"/>
-          <ac:spMkLst>
-            <pc:docMk/>
-            <pc:sldMk cId="2782429159" sldId="366"/>
-            <ac:spMk id="6" creationId="{35E278D3-0A71-264A-B99D-056EBFA58F06}"/>
-          </ac:spMkLst>
-        </pc:spChg>
-      </pc:sldChg>
-      <pc:sldChg chg="delSp add">
-        <pc:chgData name="Khattab, Sherif" userId="c83b1e15-36f3-4f46-aceb-05aac24c545e" providerId="ADAL" clId="{EE78B4C3-BA47-2B47-8B84-4022815E3587}" dt="2019-05-14T13:34:18.851" v="46"/>
-        <pc:sldMkLst>
-          <pc:docMk/>
-          <pc:sldMk cId="2251973667" sldId="367"/>
-        </pc:sldMkLst>
-        <pc:spChg chg="del">
-          <ac:chgData name="Khattab, Sherif" userId="c83b1e15-36f3-4f46-aceb-05aac24c545e" providerId="ADAL" clId="{EE78B4C3-BA47-2B47-8B84-4022815E3587}" dt="2019-05-14T13:34:18.851" v="46"/>
-          <ac:spMkLst>
-            <pc:docMk/>
-            <pc:sldMk cId="2251973667" sldId="367"/>
-            <ac:spMk id="6" creationId="{156F37D5-7C3B-D446-B495-19F8366B5AD6}"/>
-          </ac:spMkLst>
-        </pc:spChg>
-      </pc:sldChg>
-      <pc:sldChg chg="delSp add">
-        <pc:chgData name="Khattab, Sherif" userId="c83b1e15-36f3-4f46-aceb-05aac24c545e" providerId="ADAL" clId="{EE78B4C3-BA47-2B47-8B84-4022815E3587}" dt="2019-05-14T13:34:18.851" v="46"/>
-        <pc:sldMkLst>
-          <pc:docMk/>
-          <pc:sldMk cId="3138501136" sldId="368"/>
-        </pc:sldMkLst>
-        <pc:spChg chg="del">
-          <ac:chgData name="Khattab, Sherif" userId="c83b1e15-36f3-4f46-aceb-05aac24c545e" providerId="ADAL" clId="{EE78B4C3-BA47-2B47-8B84-4022815E3587}" dt="2019-05-14T13:34:18.851" v="46"/>
-          <ac:spMkLst>
-            <pc:docMk/>
-            <pc:sldMk cId="3138501136" sldId="368"/>
-            <ac:spMk id="9" creationId="{2996EA4B-3DC2-9F42-B065-0840F656E48E}"/>
-          </ac:spMkLst>
-        </pc:spChg>
-      </pc:sldChg>
-      <pc:sldChg chg="delSp add">
-        <pc:chgData name="Khattab, Sherif" userId="c83b1e15-36f3-4f46-aceb-05aac24c545e" providerId="ADAL" clId="{EE78B4C3-BA47-2B47-8B84-4022815E3587}" dt="2019-05-14T13:34:18.851" v="46"/>
-        <pc:sldMkLst>
-          <pc:docMk/>
-          <pc:sldMk cId="3210992163" sldId="369"/>
-        </pc:sldMkLst>
-        <pc:spChg chg="del">
-          <ac:chgData name="Khattab, Sherif" userId="c83b1e15-36f3-4f46-aceb-05aac24c545e" providerId="ADAL" clId="{EE78B4C3-BA47-2B47-8B84-4022815E3587}" dt="2019-05-14T13:34:18.851" v="46"/>
-          <ac:spMkLst>
-            <pc:docMk/>
-            <pc:sldMk cId="3210992163" sldId="369"/>
-            <ac:spMk id="6" creationId="{B0B02CAE-6A9B-A441-9498-BF8F3DB626EB}"/>
-          </ac:spMkLst>
-        </pc:spChg>
-      </pc:sldChg>
-      <pc:sldChg chg="delSp add">
-        <pc:chgData name="Khattab, Sherif" userId="c83b1e15-36f3-4f46-aceb-05aac24c545e" providerId="ADAL" clId="{EE78B4C3-BA47-2B47-8B84-4022815E3587}" dt="2019-05-14T13:34:18.851" v="46"/>
-        <pc:sldMkLst>
-          <pc:docMk/>
-          <pc:sldMk cId="4013065491" sldId="370"/>
-        </pc:sldMkLst>
-        <pc:spChg chg="del">
-          <ac:chgData name="Khattab, Sherif" userId="c83b1e15-36f3-4f46-aceb-05aac24c545e" providerId="ADAL" clId="{EE78B4C3-BA47-2B47-8B84-4022815E3587}" dt="2019-05-14T13:34:18.851" v="46"/>
-          <ac:spMkLst>
-            <pc:docMk/>
-            <pc:sldMk cId="4013065491" sldId="370"/>
-            <ac:spMk id="8" creationId="{D0EF7B2F-C2A6-4E4A-BA48-98165068EB9D}"/>
-          </ac:spMkLst>
-        </pc:spChg>
-      </pc:sldChg>
-      <pc:sldChg chg="delSp add">
-        <pc:chgData name="Khattab, Sherif" userId="c83b1e15-36f3-4f46-aceb-05aac24c545e" providerId="ADAL" clId="{EE78B4C3-BA47-2B47-8B84-4022815E3587}" dt="2019-05-14T13:34:18.851" v="46"/>
-        <pc:sldMkLst>
-          <pc:docMk/>
-          <pc:sldMk cId="2592968416" sldId="371"/>
-        </pc:sldMkLst>
-        <pc:spChg chg="del">
-          <ac:chgData name="Khattab, Sherif" userId="c83b1e15-36f3-4f46-aceb-05aac24c545e" providerId="ADAL" clId="{EE78B4C3-BA47-2B47-8B84-4022815E3587}" dt="2019-05-14T13:34:18.851" v="46"/>
-          <ac:spMkLst>
-            <pc:docMk/>
-            <pc:sldMk cId="2592968416" sldId="371"/>
-            <ac:spMk id="8" creationId="{61F73BD1-10AC-B146-B4D6-4D1B879CEAE3}"/>
-          </ac:spMkLst>
-        </pc:spChg>
-      </pc:sldChg>
-      <pc:sldChg chg="delSp add">
-        <pc:chgData name="Khattab, Sherif" userId="c83b1e15-36f3-4f46-aceb-05aac24c545e" providerId="ADAL" clId="{EE78B4C3-BA47-2B47-8B84-4022815E3587}" dt="2019-05-14T13:34:18.851" v="46"/>
-        <pc:sldMkLst>
-          <pc:docMk/>
-          <pc:sldMk cId="3848335379" sldId="372"/>
-        </pc:sldMkLst>
-        <pc:spChg chg="del">
-          <ac:chgData name="Khattab, Sherif" userId="c83b1e15-36f3-4f46-aceb-05aac24c545e" providerId="ADAL" clId="{EE78B4C3-BA47-2B47-8B84-4022815E3587}" dt="2019-05-14T13:34:18.851" v="46"/>
-          <ac:spMkLst>
-            <pc:docMk/>
-            <pc:sldMk cId="3848335379" sldId="372"/>
-            <ac:spMk id="9" creationId="{A9CB262F-7565-A04A-9FDE-A27BCA955EC0}"/>
-          </ac:spMkLst>
-        </pc:spChg>
-      </pc:sldChg>
-      <pc:sldChg chg="delSp add">
-        <pc:chgData name="Khattab, Sherif" userId="c83b1e15-36f3-4f46-aceb-05aac24c545e" providerId="ADAL" clId="{EE78B4C3-BA47-2B47-8B84-4022815E3587}" dt="2019-05-14T13:34:18.851" v="46"/>
-        <pc:sldMkLst>
-          <pc:docMk/>
-          <pc:sldMk cId="3161117264" sldId="373"/>
-        </pc:sldMkLst>
-        <pc:spChg chg="del">
-          <ac:chgData name="Khattab, Sherif" userId="c83b1e15-36f3-4f46-aceb-05aac24c545e" providerId="ADAL" clId="{EE78B4C3-BA47-2B47-8B84-4022815E3587}" dt="2019-05-14T13:34:18.851" v="46"/>
-          <ac:spMkLst>
-            <pc:docMk/>
-            <pc:sldMk cId="3161117264" sldId="373"/>
-            <ac:spMk id="6" creationId="{E9F1DC46-4FA4-D444-A7D6-705144867080}"/>
-          </ac:spMkLst>
-        </pc:spChg>
-      </pc:sldChg>
-      <pc:sldChg chg="delSp add">
-        <pc:chgData name="Khattab, Sherif" userId="c83b1e15-36f3-4f46-aceb-05aac24c545e" providerId="ADAL" clId="{EE78B4C3-BA47-2B47-8B84-4022815E3587}" dt="2019-05-14T13:34:18.851" v="46"/>
-        <pc:sldMkLst>
-          <pc:docMk/>
-          <pc:sldMk cId="1542066946" sldId="374"/>
-        </pc:sldMkLst>
-        <pc:spChg chg="del">
-          <ac:chgData name="Khattab, Sherif" userId="c83b1e15-36f3-4f46-aceb-05aac24c545e" providerId="ADAL" clId="{EE78B4C3-BA47-2B47-8B84-4022815E3587}" dt="2019-05-14T13:34:18.851" v="46"/>
-          <ac:spMkLst>
-            <pc:docMk/>
-            <pc:sldMk cId="1542066946" sldId="374"/>
-            <ac:spMk id="6" creationId="{D50D1AE2-A719-F648-ABE5-1D2605CF399A}"/>
-          </ac:spMkLst>
-        </pc:spChg>
-      </pc:sldChg>
-      <pc:sldChg chg="delSp add">
-        <pc:chgData name="Khattab, Sherif" userId="c83b1e15-36f3-4f46-aceb-05aac24c545e" providerId="ADAL" clId="{EE78B4C3-BA47-2B47-8B84-4022815E3587}" dt="2019-05-14T13:34:18.851" v="46"/>
-        <pc:sldMkLst>
-          <pc:docMk/>
-          <pc:sldMk cId="834112894" sldId="375"/>
-        </pc:sldMkLst>
-        <pc:spChg chg="del">
-          <ac:chgData name="Khattab, Sherif" userId="c83b1e15-36f3-4f46-aceb-05aac24c545e" providerId="ADAL" clId="{EE78B4C3-BA47-2B47-8B84-4022815E3587}" dt="2019-05-14T13:34:18.851" v="46"/>
-          <ac:spMkLst>
-            <pc:docMk/>
-            <pc:sldMk cId="834112894" sldId="375"/>
-            <ac:spMk id="6" creationId="{429B8308-B899-EF4A-97A6-3EEDF546FBBB}"/>
-          </ac:spMkLst>
-        </pc:spChg>
-      </pc:sldChg>
-      <pc:sldChg chg="delSp add">
-        <pc:chgData name="Khattab, Sherif" userId="c83b1e15-36f3-4f46-aceb-05aac24c545e" providerId="ADAL" clId="{EE78B4C3-BA47-2B47-8B84-4022815E3587}" dt="2019-05-14T13:34:18.851" v="46"/>
-        <pc:sldMkLst>
-          <pc:docMk/>
-          <pc:sldMk cId="1165577892" sldId="376"/>
-        </pc:sldMkLst>
-        <pc:spChg chg="del">
-          <ac:chgData name="Khattab, Sherif" userId="c83b1e15-36f3-4f46-aceb-05aac24c545e" providerId="ADAL" clId="{EE78B4C3-BA47-2B47-8B84-4022815E3587}" dt="2019-05-14T13:34:18.851" v="46"/>
-          <ac:spMkLst>
-            <pc:docMk/>
-            <pc:sldMk cId="1165577892" sldId="376"/>
-            <ac:spMk id="42" creationId="{27F42901-D1CE-084B-9E38-96413317B8CF}"/>
-          </ac:spMkLst>
-        </pc:spChg>
-      </pc:sldChg>
-      <pc:sldChg chg="delSp add">
-        <pc:chgData name="Khattab, Sherif" userId="c83b1e15-36f3-4f46-aceb-05aac24c545e" providerId="ADAL" clId="{EE78B4C3-BA47-2B47-8B84-4022815E3587}" dt="2019-05-14T13:34:18.851" v="46"/>
-        <pc:sldMkLst>
-          <pc:docMk/>
-          <pc:sldMk cId="1942139729" sldId="377"/>
-        </pc:sldMkLst>
-        <pc:spChg chg="del">
-          <ac:chgData name="Khattab, Sherif" userId="c83b1e15-36f3-4f46-aceb-05aac24c545e" providerId="ADAL" clId="{EE78B4C3-BA47-2B47-8B84-4022815E3587}" dt="2019-05-14T13:34:18.851" v="46"/>
-          <ac:spMkLst>
-            <pc:docMk/>
-            <pc:sldMk cId="1942139729" sldId="377"/>
-            <ac:spMk id="9" creationId="{68716DFF-FDE6-F443-A890-77FBFB539BEB}"/>
-          </ac:spMkLst>
-        </pc:spChg>
-      </pc:sldChg>
-      <pc:sldChg chg="delSp add">
-        <pc:chgData name="Khattab, Sherif" userId="c83b1e15-36f3-4f46-aceb-05aac24c545e" providerId="ADAL" clId="{EE78B4C3-BA47-2B47-8B84-4022815E3587}" dt="2019-05-14T13:34:18.851" v="46"/>
-        <pc:sldMkLst>
-          <pc:docMk/>
-          <pc:sldMk cId="3990797458" sldId="378"/>
-        </pc:sldMkLst>
-        <pc:spChg chg="del">
-          <ac:chgData name="Khattab, Sherif" userId="c83b1e15-36f3-4f46-aceb-05aac24c545e" providerId="ADAL" clId="{EE78B4C3-BA47-2B47-8B84-4022815E3587}" dt="2019-05-14T13:34:18.851" v="46"/>
-          <ac:spMkLst>
-            <pc:docMk/>
-            <pc:sldMk cId="3990797458" sldId="378"/>
-            <ac:spMk id="6" creationId="{ADE8E4C1-F96E-1346-A961-80E2D6A49C9A}"/>
-          </ac:spMkLst>
-        </pc:spChg>
-      </pc:sldChg>
-      <pc:sldChg chg="delSp add">
-        <pc:chgData name="Khattab, Sherif" userId="c83b1e15-36f3-4f46-aceb-05aac24c545e" providerId="ADAL" clId="{EE78B4C3-BA47-2B47-8B84-4022815E3587}" dt="2019-05-14T13:34:18.851" v="46"/>
-        <pc:sldMkLst>
-          <pc:docMk/>
-          <pc:sldMk cId="2736486443" sldId="379"/>
-        </pc:sldMkLst>
-        <pc:spChg chg="del">
-          <ac:chgData name="Khattab, Sherif" userId="c83b1e15-36f3-4f46-aceb-05aac24c545e" providerId="ADAL" clId="{EE78B4C3-BA47-2B47-8B84-4022815E3587}" dt="2019-05-14T13:34:18.851" v="46"/>
-          <ac:spMkLst>
-            <pc:docMk/>
-            <pc:sldMk cId="2736486443" sldId="379"/>
-            <ac:spMk id="9" creationId="{68630AFF-8EA0-D641-8FA2-6949259437AD}"/>
-          </ac:spMkLst>
-        </pc:spChg>
-      </pc:sldChg>
-      <pc:sldChg chg="delSp add">
-        <pc:chgData name="Khattab, Sherif" userId="c83b1e15-36f3-4f46-aceb-05aac24c545e" providerId="ADAL" clId="{EE78B4C3-BA47-2B47-8B84-4022815E3587}" dt="2019-05-14T13:34:18.851" v="46"/>
-        <pc:sldMkLst>
-          <pc:docMk/>
-          <pc:sldMk cId="541381985" sldId="380"/>
-        </pc:sldMkLst>
-        <pc:spChg chg="del">
-          <ac:chgData name="Khattab, Sherif" userId="c83b1e15-36f3-4f46-aceb-05aac24c545e" providerId="ADAL" clId="{EE78B4C3-BA47-2B47-8B84-4022815E3587}" dt="2019-05-14T13:34:18.851" v="46"/>
-          <ac:spMkLst>
-            <pc:docMk/>
-            <pc:sldMk cId="541381985" sldId="380"/>
-            <ac:spMk id="25" creationId="{4D20C47B-3C18-E64F-95ED-21B263511FAD}"/>
-          </ac:spMkLst>
-        </pc:spChg>
-      </pc:sldChg>
-      <pc:sldChg chg="delSp add">
-        <pc:chgData name="Khattab, Sherif" userId="c83b1e15-36f3-4f46-aceb-05aac24c545e" providerId="ADAL" clId="{EE78B4C3-BA47-2B47-8B84-4022815E3587}" dt="2019-05-14T13:34:18.851" v="46"/>
-        <pc:sldMkLst>
-          <pc:docMk/>
-          <pc:sldMk cId="2235897330" sldId="381"/>
-        </pc:sldMkLst>
-        <pc:spChg chg="del">
-          <ac:chgData name="Khattab, Sherif" userId="c83b1e15-36f3-4f46-aceb-05aac24c545e" providerId="ADAL" clId="{EE78B4C3-BA47-2B47-8B84-4022815E3587}" dt="2019-05-14T13:34:18.851" v="46"/>
-          <ac:spMkLst>
-            <pc:docMk/>
-            <pc:sldMk cId="2235897330" sldId="381"/>
-            <ac:spMk id="8" creationId="{9D3BDADA-F567-BD4E-9F02-7C5462E120E7}"/>
-          </ac:spMkLst>
-        </pc:spChg>
-      </pc:sldChg>
-      <pc:sldChg chg="delSp add">
-        <pc:chgData name="Khattab, Sherif" userId="c83b1e15-36f3-4f46-aceb-05aac24c545e" providerId="ADAL" clId="{EE78B4C3-BA47-2B47-8B84-4022815E3587}" dt="2019-05-14T13:34:18.851" v="46"/>
-        <pc:sldMkLst>
-          <pc:docMk/>
-          <pc:sldMk cId="3360044446" sldId="382"/>
-        </pc:sldMkLst>
-        <pc:spChg chg="del">
-          <ac:chgData name="Khattab, Sherif" userId="c83b1e15-36f3-4f46-aceb-05aac24c545e" providerId="ADAL" clId="{EE78B4C3-BA47-2B47-8B84-4022815E3587}" dt="2019-05-14T13:34:18.851" v="46"/>
-          <ac:spMkLst>
-            <pc:docMk/>
-            <pc:sldMk cId="3360044446" sldId="382"/>
-            <ac:spMk id="8" creationId="{90688045-CAEF-334F-9E8D-5DE392BB31B7}"/>
-          </ac:spMkLst>
-        </pc:spChg>
-      </pc:sldChg>
-      <pc:sldChg chg="delSp add">
-        <pc:chgData name="Khattab, Sherif" userId="c83b1e15-36f3-4f46-aceb-05aac24c545e" providerId="ADAL" clId="{EE78B4C3-BA47-2B47-8B84-4022815E3587}" dt="2019-05-14T13:34:18.851" v="46"/>
-        <pc:sldMkLst>
-          <pc:docMk/>
-          <pc:sldMk cId="1954384084" sldId="383"/>
-        </pc:sldMkLst>
-        <pc:spChg chg="del">
-          <ac:chgData name="Khattab, Sherif" userId="c83b1e15-36f3-4f46-aceb-05aac24c545e" providerId="ADAL" clId="{EE78B4C3-BA47-2B47-8B84-4022815E3587}" dt="2019-05-14T13:34:18.851" v="46"/>
-          <ac:spMkLst>
-            <pc:docMk/>
-            <pc:sldMk cId="1954384084" sldId="383"/>
-            <ac:spMk id="8" creationId="{307391A8-557A-8A4A-8E68-85B54349ED8F}"/>
-          </ac:spMkLst>
-        </pc:spChg>
-      </pc:sldChg>
-      <pc:sldChg chg="delSp add">
-        <pc:chgData name="Khattab, Sherif" userId="c83b1e15-36f3-4f46-aceb-05aac24c545e" providerId="ADAL" clId="{EE78B4C3-BA47-2B47-8B84-4022815E3587}" dt="2019-05-14T13:34:18.851" v="46"/>
-        <pc:sldMkLst>
-          <pc:docMk/>
-          <pc:sldMk cId="220759689" sldId="384"/>
-        </pc:sldMkLst>
-        <pc:spChg chg="del">
-          <ac:chgData name="Khattab, Sherif" userId="c83b1e15-36f3-4f46-aceb-05aac24c545e" providerId="ADAL" clId="{EE78B4C3-BA47-2B47-8B84-4022815E3587}" dt="2019-05-14T13:34:18.851" v="46"/>
-          <ac:spMkLst>
-            <pc:docMk/>
-            <pc:sldMk cId="220759689" sldId="384"/>
-            <ac:spMk id="6" creationId="{E1DC0099-5926-8C42-9144-C73482BF1FE7}"/>
-          </ac:spMkLst>
-        </pc:spChg>
-      </pc:sldChg>
-      <pc:sldChg chg="delSp add">
-        <pc:chgData name="Khattab, Sherif" userId="c83b1e15-36f3-4f46-aceb-05aac24c545e" providerId="ADAL" clId="{EE78B4C3-BA47-2B47-8B84-4022815E3587}" dt="2019-05-14T13:34:18.851" v="46"/>
-        <pc:sldMkLst>
-          <pc:docMk/>
-          <pc:sldMk cId="2809799376" sldId="385"/>
-        </pc:sldMkLst>
-        <pc:spChg chg="del">
-          <ac:chgData name="Khattab, Sherif" userId="c83b1e15-36f3-4f46-aceb-05aac24c545e" providerId="ADAL" clId="{EE78B4C3-BA47-2B47-8B84-4022815E3587}" dt="2019-05-14T13:34:18.851" v="46"/>
-          <ac:spMkLst>
-            <pc:docMk/>
-            <pc:sldMk cId="2809799376" sldId="385"/>
-            <ac:spMk id="8" creationId="{0E14A1DC-F2CD-F64B-A516-0E10067BD269}"/>
-          </ac:spMkLst>
-        </pc:spChg>
-      </pc:sldChg>
-    </pc:docChg>
-  </pc:docChgLst>
-  <pc:docChgLst>
-    <pc:chgData name="Khattab, Sherif" userId="c83b1e15-36f3-4f46-aceb-05aac24c545e" providerId="ADAL" clId="{79D9A848-63DC-C04B-A37B-45CD4B398B25}"/>
-    <pc:docChg chg="sldOrd">
-      <pc:chgData name="Khattab, Sherif" userId="c83b1e15-36f3-4f46-aceb-05aac24c545e" providerId="ADAL" clId="{79D9A848-63DC-C04B-A37B-45CD4B398B25}" dt="2020-10-07T03:45:55.390" v="0" actId="20578"/>
-      <pc:docMkLst>
-        <pc:docMk/>
-      </pc:docMkLst>
-      <pc:sldChg chg="ord">
-        <pc:chgData name="Khattab, Sherif" userId="c83b1e15-36f3-4f46-aceb-05aac24c545e" providerId="ADAL" clId="{79D9A848-63DC-C04B-A37B-45CD4B398B25}" dt="2020-10-07T03:45:55.390" v="0" actId="20578"/>
-        <pc:sldMkLst>
-          <pc:docMk/>
-          <pc:sldMk cId="434376579" sldId="363"/>
-        </pc:sldMkLst>
       </pc:sldChg>
     </pc:docChg>
   </pc:docChgLst>
@@ -13569,7 +13609,7 @@
                 </a:solidFill>
                 <a:latin typeface="Helvetica" pitchFamily="2" charset="0"/>
               </a:rPr>
-              <a:t>CS/COE 1550</a:t>
+              <a:t>CS 1550</a:t>
             </a:r>
           </a:p>
         </p:txBody>
@@ -13598,7 +13638,7 @@
           <a:p>
             <a:r>
               <a:rPr lang="en-US" dirty="0"/>
-              <a:t>Spring 2022</a:t>
+              <a:t>Spring 2023</a:t>
             </a:r>
           </a:p>
           <a:p>
@@ -13789,6 +13829,53 @@
           <a:xfrm>
             <a:off x="2219325" y="201474"/>
             <a:ext cx="5619750" cy="1733550"/>
+          </a:xfrm>
+          <a:prstGeom prst="rect">
+            <a:avLst/>
+          </a:prstGeom>
+          <a:noFill/>
+          <a:extLst>
+            <a:ext uri="{909E8E84-426E-40DD-AFC4-6F175D3DCCD1}">
+              <a14:hiddenFill xmlns:a14="http://schemas.microsoft.com/office/drawing/2010/main">
+                <a:solidFill>
+                  <a:srgbClr val="FFFFFF"/>
+                </a:solidFill>
+              </a14:hiddenFill>
+            </a:ext>
+          </a:extLst>
+        </p:spPr>
+      </p:pic>
+      <p:pic>
+        <p:nvPicPr>
+          <p:cNvPr id="5" name="Picture 2">
+            <a:extLst>
+              <a:ext uri="{FF2B5EF4-FFF2-40B4-BE49-F238E27FC236}">
+                <a16:creationId xmlns:a16="http://schemas.microsoft.com/office/drawing/2014/main" id="{A0287CE8-157A-C910-F46E-5274F659BBD6}"/>
+              </a:ext>
+            </a:extLst>
+          </p:cNvPr>
+          <p:cNvPicPr>
+            <a:picLocks noChangeAspect="1" noChangeArrowheads="1"/>
+          </p:cNvPicPr>
+          <p:nvPr/>
+        </p:nvPicPr>
+        <p:blipFill>
+          <a:blip r:embed="rId4">
+            <a:extLst>
+              <a:ext uri="{28A0092B-C50C-407E-A947-70E740481C1C}">
+                <a14:useLocalDpi xmlns:a14="http://schemas.microsoft.com/office/drawing/2010/main" val="0"/>
+              </a:ext>
+            </a:extLst>
+          </a:blip>
+          <a:srcRect/>
+          <a:stretch>
+            <a:fillRect/>
+          </a:stretch>
+        </p:blipFill>
+        <p:spPr bwMode="auto">
+          <a:xfrm>
+            <a:off x="590550" y="3964453"/>
+            <a:ext cx="2349500" cy="2349500"/>
           </a:xfrm>
           <a:prstGeom prst="rect">
             <a:avLst/>
